--- a/lectures/13.1-3/lecture13.1.pptx
+++ b/lectures/13.1-3/lecture13.1.pptx
@@ -5,7 +5,7 @@
     <p:sldMasterId id="2147483648" r:id="rId1"/>
   </p:sldMasterIdLst>
   <p:notesMasterIdLst>
-    <p:notesMasterId r:id="rId17"/>
+    <p:notesMasterId r:id="rId19"/>
   </p:notesMasterIdLst>
   <p:sldIdLst>
     <p:sldId id="256" r:id="rId2"/>
@@ -22,7 +22,9 @@
     <p:sldId id="284" r:id="rId13"/>
     <p:sldId id="286" r:id="rId14"/>
     <p:sldId id="285" r:id="rId15"/>
-    <p:sldId id="287" r:id="rId16"/>
+    <p:sldId id="288" r:id="rId16"/>
+    <p:sldId id="287" r:id="rId17"/>
+    <p:sldId id="289" r:id="rId18"/>
   </p:sldIdLst>
   <p:sldSz cx="12192000" cy="6858000"/>
   <p:notesSz cx="6858000" cy="9144000"/>
@@ -3826,779 +3828,772 @@
         </p:nvSpPr>
         <p:spPr>
           <a:xfrm>
-            <a:off x="89649" y="32523"/>
-            <a:ext cx="5664974" cy="1084122"/>
+            <a:off x="89648" y="32523"/>
+            <a:ext cx="11829983" cy="1084122"/>
           </a:xfrm>
         </p:spPr>
         <p:txBody>
-          <a:bodyPr/>
+          <a:bodyPr>
+            <a:normAutofit fontScale="90000"/>
+          </a:bodyPr>
           <a:lstStyle/>
           <a:p>
             <a:r>
               <a:rPr lang="da-DK" dirty="0"/>
-              <a:t>Sænke slagskibe</a:t>
-            </a:r>
+              <a:t>Sænke slagskibe: </a:t>
+            </a:r>
+            <a:r>
+              <a:rPr lang="en-GB" i="1" dirty="0"/>
+              <a:t>Har </a:t>
+            </a:r>
+            <a:r>
+              <a:rPr lang="en-GB" i="1" dirty="0" err="1"/>
+              <a:t>en</a:t>
+            </a:r>
+            <a:r>
+              <a:rPr lang="en-GB" i="1" dirty="0"/>
+              <a:t>/</a:t>
+            </a:r>
+            <a:r>
+              <a:rPr lang="en-GB" i="1" dirty="0" err="1"/>
+              <a:t>eller</a:t>
+            </a:r>
+            <a:r>
+              <a:rPr lang="en-GB" i="1" dirty="0"/>
+              <a:t> </a:t>
+            </a:r>
+            <a:r>
+              <a:rPr lang="en-GB" i="1" dirty="0" err="1"/>
+              <a:t>flere</a:t>
+            </a:r>
+            <a:r>
+              <a:rPr lang="en-GB" dirty="0"/>
+              <a:t> </a:t>
+            </a:r>
+            <a:r>
+              <a:rPr lang="en-GB" dirty="0" err="1"/>
+              <a:t>relationer</a:t>
+            </a:r>
+            <a:br>
+              <a:rPr lang="en-GB" dirty="0"/>
+            </a:br>
+            <a:endParaRPr lang="da-DK" dirty="0"/>
           </a:p>
         </p:txBody>
       </p:sp>
-      <p:sp>
-        <p:nvSpPr>
-          <p:cNvPr id="34" name="TextBox 33">
+      <p:grpSp>
+        <p:nvGrpSpPr>
+          <p:cNvPr id="63" name="Group 62">
             <a:extLst>
               <a:ext uri="{FF2B5EF4-FFF2-40B4-BE49-F238E27FC236}">
-                <a16:creationId xmlns:a16="http://schemas.microsoft.com/office/drawing/2014/main" id="{FE1F7777-9CF0-B74C-AEA8-DAB5537C4481}"/>
+                <a16:creationId xmlns:a16="http://schemas.microsoft.com/office/drawing/2014/main" id="{5F13FACA-1435-0242-AB32-A032BD9B52D9}"/>
               </a:ext>
             </a:extLst>
           </p:cNvPr>
-          <p:cNvSpPr txBox="1"/>
+          <p:cNvGrpSpPr/>
           <p:nvPr/>
-        </p:nvSpPr>
-        <p:spPr>
+        </p:nvGrpSpPr>
+        <p:grpSpPr>
           <a:xfrm>
-            <a:off x="89649" y="980271"/>
-            <a:ext cx="2186368" cy="769441"/>
+            <a:off x="392624" y="954287"/>
+            <a:ext cx="6196539" cy="5676058"/>
+            <a:chOff x="392624" y="954287"/>
+            <a:chExt cx="6196539" cy="5676058"/>
           </a:xfrm>
-          <a:prstGeom prst="rect">
-            <a:avLst/>
-          </a:prstGeom>
-          <a:noFill/>
-        </p:spPr>
-        <p:txBody>
-          <a:bodyPr wrap="none" rtlCol="0">
-            <a:spAutoFit/>
-          </a:bodyPr>
-          <a:lstStyle/>
-          <a:p>
-            <a:r>
-              <a:rPr lang="en-GB" sz="2200" i="1" dirty="0"/>
-              <a:t>Har </a:t>
-            </a:r>
-            <a:r>
-              <a:rPr lang="en-GB" sz="2200" i="1" dirty="0" err="1"/>
-              <a:t>en</a:t>
-            </a:r>
-            <a:r>
-              <a:rPr lang="en-GB" sz="2200" i="1" dirty="0"/>
-              <a:t>/</a:t>
-            </a:r>
-            <a:r>
-              <a:rPr lang="en-GB" sz="2200" i="1" dirty="0" err="1"/>
-              <a:t>eller</a:t>
-            </a:r>
-            <a:r>
-              <a:rPr lang="en-GB" sz="2200" i="1" dirty="0"/>
-              <a:t> </a:t>
-            </a:r>
-            <a:r>
-              <a:rPr lang="en-GB" sz="2200" i="1" dirty="0" err="1"/>
-              <a:t>flere</a:t>
-            </a:r>
-            <a:r>
-              <a:rPr lang="en-GB" sz="2200" dirty="0"/>
-              <a:t> </a:t>
-            </a:r>
-          </a:p>
-          <a:p>
-            <a:r>
-              <a:rPr lang="en-GB" sz="2200" dirty="0" err="1"/>
-              <a:t>relationer</a:t>
-            </a:r>
-            <a:endParaRPr lang="en-GB" sz="2200" dirty="0"/>
-          </a:p>
-        </p:txBody>
-      </p:sp>
-      <p:sp>
-        <p:nvSpPr>
-          <p:cNvPr id="35" name="Rounded Rectangle 34">
-            <a:extLst>
-              <a:ext uri="{FF2B5EF4-FFF2-40B4-BE49-F238E27FC236}">
-                <a16:creationId xmlns:a16="http://schemas.microsoft.com/office/drawing/2014/main" id="{50C613CF-1057-1940-B08C-1609ED12775E}"/>
-              </a:ext>
-            </a:extLst>
-          </p:cNvPr>
-          <p:cNvSpPr/>
-          <p:nvPr/>
-        </p:nvSpPr>
-        <p:spPr>
-          <a:xfrm>
-            <a:off x="2560996" y="954287"/>
-            <a:ext cx="1859797" cy="821411"/>
-          </a:xfrm>
-          <a:prstGeom prst="roundRect">
-            <a:avLst/>
-          </a:prstGeom>
-          <a:solidFill>
-            <a:srgbClr val="00FF01"/>
-          </a:solidFill>
-        </p:spPr>
-        <p:style>
-          <a:lnRef idx="2">
-            <a:schemeClr val="accent6">
-              <a:shade val="50000"/>
-            </a:schemeClr>
-          </a:lnRef>
-          <a:fillRef idx="1">
-            <a:schemeClr val="accent6"/>
-          </a:fillRef>
-          <a:effectRef idx="0">
-            <a:schemeClr val="accent6"/>
-          </a:effectRef>
-          <a:fontRef idx="minor">
-            <a:schemeClr val="lt1"/>
-          </a:fontRef>
-        </p:style>
-        <p:txBody>
-          <a:bodyPr rtlCol="0" anchor="ctr"/>
-          <a:lstStyle/>
-          <a:p>
-            <a:pPr algn="ctr"/>
-            <a:r>
-              <a:rPr lang="en-GB" sz="2600" dirty="0" err="1">
+        </p:grpSpPr>
+        <p:sp>
+          <p:nvSpPr>
+            <p:cNvPr id="35" name="Rounded Rectangle 34">
+              <a:extLst>
+                <a:ext uri="{FF2B5EF4-FFF2-40B4-BE49-F238E27FC236}">
+                  <a16:creationId xmlns:a16="http://schemas.microsoft.com/office/drawing/2014/main" id="{50C613CF-1057-1940-B08C-1609ED12775E}"/>
+                </a:ext>
+              </a:extLst>
+            </p:cNvPr>
+            <p:cNvSpPr/>
+            <p:nvPr/>
+          </p:nvSpPr>
+          <p:spPr>
+            <a:xfrm>
+              <a:off x="2560996" y="954287"/>
+              <a:ext cx="1859797" cy="821411"/>
+            </a:xfrm>
+            <a:prstGeom prst="roundRect">
+              <a:avLst/>
+            </a:prstGeom>
+            <a:solidFill>
+              <a:srgbClr val="00FF01"/>
+            </a:solidFill>
+          </p:spPr>
+          <p:style>
+            <a:lnRef idx="2">
+              <a:schemeClr val="accent6">
+                <a:shade val="50000"/>
+              </a:schemeClr>
+            </a:lnRef>
+            <a:fillRef idx="1">
+              <a:schemeClr val="accent6"/>
+            </a:fillRef>
+            <a:effectRef idx="0">
+              <a:schemeClr val="accent6"/>
+            </a:effectRef>
+            <a:fontRef idx="minor">
+              <a:schemeClr val="lt1"/>
+            </a:fontRef>
+          </p:style>
+          <p:txBody>
+            <a:bodyPr rtlCol="0" anchor="ctr"/>
+            <a:lstStyle/>
+            <a:p>
+              <a:pPr algn="ctr"/>
+              <a:r>
+                <a:rPr lang="en-GB" sz="2600" dirty="0" err="1">
+                  <a:solidFill>
+                    <a:schemeClr val="tx1"/>
+                  </a:solidFill>
+                </a:rPr>
+                <a:t>spil</a:t>
+              </a:r>
+              <a:endParaRPr lang="en-GB" sz="2600" dirty="0">
                 <a:solidFill>
                   <a:schemeClr val="tx1"/>
                 </a:solidFill>
-              </a:rPr>
-              <a:t>spil</a:t>
-            </a:r>
-            <a:endParaRPr lang="en-GB" sz="2600" dirty="0">
-              <a:solidFill>
-                <a:schemeClr val="tx1"/>
-              </a:solidFill>
-            </a:endParaRPr>
-          </a:p>
-        </p:txBody>
-      </p:sp>
-      <p:sp>
-        <p:nvSpPr>
-          <p:cNvPr id="36" name="Rounded Rectangle 35">
-            <a:extLst>
-              <a:ext uri="{FF2B5EF4-FFF2-40B4-BE49-F238E27FC236}">
-                <a16:creationId xmlns:a16="http://schemas.microsoft.com/office/drawing/2014/main" id="{B004A6BB-0E91-6147-8E8C-1F974D3EA96F}"/>
-              </a:ext>
-            </a:extLst>
-          </p:cNvPr>
-          <p:cNvSpPr/>
-          <p:nvPr/>
-        </p:nvSpPr>
-        <p:spPr>
-          <a:xfrm>
-            <a:off x="392624" y="4601606"/>
-            <a:ext cx="1859797" cy="821411"/>
-          </a:xfrm>
-          <a:prstGeom prst="roundRect">
-            <a:avLst/>
-          </a:prstGeom>
-          <a:solidFill>
-            <a:srgbClr val="00FF01"/>
-          </a:solidFill>
-        </p:spPr>
-        <p:style>
-          <a:lnRef idx="2">
-            <a:schemeClr val="accent6">
-              <a:shade val="50000"/>
-            </a:schemeClr>
-          </a:lnRef>
-          <a:fillRef idx="1">
-            <a:schemeClr val="accent6"/>
-          </a:fillRef>
-          <a:effectRef idx="0">
-            <a:schemeClr val="accent6"/>
-          </a:effectRef>
-          <a:fontRef idx="minor">
-            <a:schemeClr val="lt1"/>
-          </a:fontRef>
-        </p:style>
-        <p:txBody>
-          <a:bodyPr rtlCol="0" anchor="ctr"/>
-          <a:lstStyle/>
-          <a:p>
-            <a:pPr algn="ctr"/>
-            <a:r>
-              <a:rPr lang="en-GB" sz="2600" dirty="0">
+              </a:endParaRPr>
+            </a:p>
+          </p:txBody>
+        </p:sp>
+        <p:sp>
+          <p:nvSpPr>
+            <p:cNvPr id="36" name="Rounded Rectangle 35">
+              <a:extLst>
+                <a:ext uri="{FF2B5EF4-FFF2-40B4-BE49-F238E27FC236}">
+                  <a16:creationId xmlns:a16="http://schemas.microsoft.com/office/drawing/2014/main" id="{B004A6BB-0E91-6147-8E8C-1F974D3EA96F}"/>
+                </a:ext>
+              </a:extLst>
+            </p:cNvPr>
+            <p:cNvSpPr/>
+            <p:nvPr/>
+          </p:nvSpPr>
+          <p:spPr>
+            <a:xfrm>
+              <a:off x="392624" y="4601606"/>
+              <a:ext cx="1859797" cy="821411"/>
+            </a:xfrm>
+            <a:prstGeom prst="roundRect">
+              <a:avLst/>
+            </a:prstGeom>
+            <a:solidFill>
+              <a:srgbClr val="00FF01"/>
+            </a:solidFill>
+          </p:spPr>
+          <p:style>
+            <a:lnRef idx="2">
+              <a:schemeClr val="accent6">
+                <a:shade val="50000"/>
+              </a:schemeClr>
+            </a:lnRef>
+            <a:fillRef idx="1">
+              <a:schemeClr val="accent6"/>
+            </a:fillRef>
+            <a:effectRef idx="0">
+              <a:schemeClr val="accent6"/>
+            </a:effectRef>
+            <a:fontRef idx="minor">
+              <a:schemeClr val="lt1"/>
+            </a:fontRef>
+          </p:style>
+          <p:txBody>
+            <a:bodyPr rtlCol="0" anchor="ctr"/>
+            <a:lstStyle/>
+            <a:p>
+              <a:pPr algn="ctr"/>
+              <a:r>
+                <a:rPr lang="en-GB" sz="2600" dirty="0">
+                  <a:solidFill>
+                    <a:schemeClr val="tx1"/>
+                  </a:solidFill>
+                </a:rPr>
+                <a:t>felt</a:t>
+              </a:r>
+            </a:p>
+          </p:txBody>
+        </p:sp>
+        <p:sp>
+          <p:nvSpPr>
+            <p:cNvPr id="37" name="Rounded Rectangle 36">
+              <a:extLst>
+                <a:ext uri="{FF2B5EF4-FFF2-40B4-BE49-F238E27FC236}">
+                  <a16:creationId xmlns:a16="http://schemas.microsoft.com/office/drawing/2014/main" id="{53F97573-1FF1-D341-9908-AC80BBB074CD}"/>
+                </a:ext>
+              </a:extLst>
+            </p:cNvPr>
+            <p:cNvSpPr/>
+            <p:nvPr/>
+          </p:nvSpPr>
+          <p:spPr>
+            <a:xfrm>
+              <a:off x="392624" y="3445029"/>
+              <a:ext cx="1859797" cy="821411"/>
+            </a:xfrm>
+            <a:prstGeom prst="roundRect">
+              <a:avLst/>
+            </a:prstGeom>
+            <a:solidFill>
+              <a:srgbClr val="00FF01"/>
+            </a:solidFill>
+          </p:spPr>
+          <p:style>
+            <a:lnRef idx="2">
+              <a:schemeClr val="accent6">
+                <a:shade val="50000"/>
+              </a:schemeClr>
+            </a:lnRef>
+            <a:fillRef idx="1">
+              <a:schemeClr val="accent6"/>
+            </a:fillRef>
+            <a:effectRef idx="0">
+              <a:schemeClr val="accent6"/>
+            </a:effectRef>
+            <a:fontRef idx="minor">
+              <a:schemeClr val="lt1"/>
+            </a:fontRef>
+          </p:style>
+          <p:txBody>
+            <a:bodyPr rtlCol="0" anchor="ctr"/>
+            <a:lstStyle/>
+            <a:p>
+              <a:pPr algn="ctr"/>
+              <a:r>
+                <a:rPr lang="en-GB" sz="2600" dirty="0" err="1">
+                  <a:solidFill>
+                    <a:schemeClr val="tx1"/>
+                  </a:solidFill>
+                </a:rPr>
+                <a:t>plade</a:t>
+              </a:r>
+              <a:endParaRPr lang="en-GB" sz="2600" dirty="0">
                 <a:solidFill>
                   <a:schemeClr val="tx1"/>
                 </a:solidFill>
-              </a:rPr>
-              <a:t>felt</a:t>
-            </a:r>
-          </a:p>
-        </p:txBody>
-      </p:sp>
-      <p:sp>
-        <p:nvSpPr>
-          <p:cNvPr id="37" name="Rounded Rectangle 36">
-            <a:extLst>
-              <a:ext uri="{FF2B5EF4-FFF2-40B4-BE49-F238E27FC236}">
-                <a16:creationId xmlns:a16="http://schemas.microsoft.com/office/drawing/2014/main" id="{53F97573-1FF1-D341-9908-AC80BBB074CD}"/>
-              </a:ext>
-            </a:extLst>
-          </p:cNvPr>
-          <p:cNvSpPr/>
-          <p:nvPr/>
-        </p:nvSpPr>
-        <p:spPr>
-          <a:xfrm>
-            <a:off x="392624" y="3445029"/>
-            <a:ext cx="1859797" cy="821411"/>
-          </a:xfrm>
-          <a:prstGeom prst="roundRect">
-            <a:avLst/>
-          </a:prstGeom>
-          <a:solidFill>
-            <a:srgbClr val="00FF01"/>
-          </a:solidFill>
-        </p:spPr>
-        <p:style>
-          <a:lnRef idx="2">
-            <a:schemeClr val="accent6">
-              <a:shade val="50000"/>
-            </a:schemeClr>
-          </a:lnRef>
-          <a:fillRef idx="1">
-            <a:schemeClr val="accent6"/>
-          </a:fillRef>
-          <a:effectRef idx="0">
-            <a:schemeClr val="accent6"/>
-          </a:effectRef>
-          <a:fontRef idx="minor">
-            <a:schemeClr val="lt1"/>
-          </a:fontRef>
-        </p:style>
-        <p:txBody>
-          <a:bodyPr rtlCol="0" anchor="ctr"/>
-          <a:lstStyle/>
-          <a:p>
-            <a:pPr algn="ctr"/>
-            <a:r>
-              <a:rPr lang="en-GB" sz="2600" dirty="0" err="1">
+              </a:endParaRPr>
+            </a:p>
+          </p:txBody>
+        </p:sp>
+        <p:sp>
+          <p:nvSpPr>
+            <p:cNvPr id="38" name="Rounded Rectangle 37">
+              <a:extLst>
+                <a:ext uri="{FF2B5EF4-FFF2-40B4-BE49-F238E27FC236}">
+                  <a16:creationId xmlns:a16="http://schemas.microsoft.com/office/drawing/2014/main" id="{84BFEE31-382F-184D-AC70-91B8A07F4645}"/>
+                </a:ext>
+              </a:extLst>
+            </p:cNvPr>
+            <p:cNvSpPr/>
+            <p:nvPr/>
+          </p:nvSpPr>
+          <p:spPr>
+            <a:xfrm>
+              <a:off x="2560995" y="3422987"/>
+              <a:ext cx="1859797" cy="821411"/>
+            </a:xfrm>
+            <a:prstGeom prst="roundRect">
+              <a:avLst/>
+            </a:prstGeom>
+            <a:solidFill>
+              <a:srgbClr val="00FF01"/>
+            </a:solidFill>
+          </p:spPr>
+          <p:style>
+            <a:lnRef idx="2">
+              <a:schemeClr val="accent6">
+                <a:shade val="50000"/>
+              </a:schemeClr>
+            </a:lnRef>
+            <a:fillRef idx="1">
+              <a:schemeClr val="accent6"/>
+            </a:fillRef>
+            <a:effectRef idx="0">
+              <a:schemeClr val="accent6"/>
+            </a:effectRef>
+            <a:fontRef idx="minor">
+              <a:schemeClr val="lt1"/>
+            </a:fontRef>
+          </p:style>
+          <p:txBody>
+            <a:bodyPr rtlCol="0" anchor="ctr"/>
+            <a:lstStyle/>
+            <a:p>
+              <a:pPr algn="ctr"/>
+              <a:r>
+                <a:rPr lang="en-GB" sz="2600" dirty="0" err="1">
+                  <a:solidFill>
+                    <a:schemeClr val="tx1"/>
+                  </a:solidFill>
+                </a:rPr>
+                <a:t>skib</a:t>
+              </a:r>
+              <a:endParaRPr lang="en-GB" sz="2600" dirty="0">
                 <a:solidFill>
                   <a:schemeClr val="tx1"/>
                 </a:solidFill>
-              </a:rPr>
-              <a:t>plade</a:t>
-            </a:r>
-            <a:endParaRPr lang="en-GB" sz="2600" dirty="0">
-              <a:solidFill>
-                <a:schemeClr val="tx1"/>
-              </a:solidFill>
-            </a:endParaRPr>
-          </a:p>
-        </p:txBody>
-      </p:sp>
-      <p:sp>
-        <p:nvSpPr>
-          <p:cNvPr id="38" name="Rounded Rectangle 37">
-            <a:extLst>
-              <a:ext uri="{FF2B5EF4-FFF2-40B4-BE49-F238E27FC236}">
-                <a16:creationId xmlns:a16="http://schemas.microsoft.com/office/drawing/2014/main" id="{84BFEE31-382F-184D-AC70-91B8A07F4645}"/>
-              </a:ext>
-            </a:extLst>
-          </p:cNvPr>
-          <p:cNvSpPr/>
-          <p:nvPr/>
-        </p:nvSpPr>
-        <p:spPr>
-          <a:xfrm>
-            <a:off x="2560995" y="3422987"/>
-            <a:ext cx="1859797" cy="821411"/>
-          </a:xfrm>
-          <a:prstGeom prst="roundRect">
-            <a:avLst/>
-          </a:prstGeom>
-          <a:solidFill>
-            <a:srgbClr val="00FF01"/>
-          </a:solidFill>
-        </p:spPr>
-        <p:style>
-          <a:lnRef idx="2">
-            <a:schemeClr val="accent6">
-              <a:shade val="50000"/>
-            </a:schemeClr>
-          </a:lnRef>
-          <a:fillRef idx="1">
-            <a:schemeClr val="accent6"/>
-          </a:fillRef>
-          <a:effectRef idx="0">
-            <a:schemeClr val="accent6"/>
-          </a:effectRef>
-          <a:fontRef idx="minor">
-            <a:schemeClr val="lt1"/>
-          </a:fontRef>
-        </p:style>
-        <p:txBody>
-          <a:bodyPr rtlCol="0" anchor="ctr"/>
-          <a:lstStyle/>
-          <a:p>
-            <a:pPr algn="ctr"/>
-            <a:r>
-              <a:rPr lang="en-GB" sz="2600" dirty="0" err="1">
+              </a:endParaRPr>
+            </a:p>
+          </p:txBody>
+        </p:sp>
+        <p:sp>
+          <p:nvSpPr>
+            <p:cNvPr id="39" name="Rounded Rectangle 38">
+              <a:extLst>
+                <a:ext uri="{FF2B5EF4-FFF2-40B4-BE49-F238E27FC236}">
+                  <a16:creationId xmlns:a16="http://schemas.microsoft.com/office/drawing/2014/main" id="{7082AB18-65AB-144B-AE24-735F5E84A832}"/>
+                </a:ext>
+              </a:extLst>
+            </p:cNvPr>
+            <p:cNvSpPr/>
+            <p:nvPr/>
+          </p:nvSpPr>
+          <p:spPr>
+            <a:xfrm>
+              <a:off x="392624" y="5808934"/>
+              <a:ext cx="1859797" cy="821411"/>
+            </a:xfrm>
+            <a:prstGeom prst="roundRect">
+              <a:avLst/>
+            </a:prstGeom>
+            <a:solidFill>
+              <a:srgbClr val="00FF01"/>
+            </a:solidFill>
+          </p:spPr>
+          <p:style>
+            <a:lnRef idx="2">
+              <a:schemeClr val="accent6">
+                <a:shade val="50000"/>
+              </a:schemeClr>
+            </a:lnRef>
+            <a:fillRef idx="1">
+              <a:schemeClr val="accent6"/>
+            </a:fillRef>
+            <a:effectRef idx="0">
+              <a:schemeClr val="accent6"/>
+            </a:effectRef>
+            <a:fontRef idx="minor">
+              <a:schemeClr val="lt1"/>
+            </a:fontRef>
+          </p:style>
+          <p:txBody>
+            <a:bodyPr rtlCol="0" anchor="ctr"/>
+            <a:lstStyle/>
+            <a:p>
+              <a:pPr algn="ctr"/>
+              <a:r>
+                <a:rPr lang="en-GB" sz="2600" dirty="0" err="1">
+                  <a:solidFill>
+                    <a:schemeClr val="tx1"/>
+                  </a:solidFill>
+                </a:rPr>
+                <a:t>koordinat</a:t>
+              </a:r>
+              <a:endParaRPr lang="en-GB" sz="2600" dirty="0">
                 <a:solidFill>
                   <a:schemeClr val="tx1"/>
                 </a:solidFill>
-              </a:rPr>
-              <a:t>skib</a:t>
-            </a:r>
-            <a:endParaRPr lang="en-GB" sz="2600" dirty="0">
-              <a:solidFill>
-                <a:schemeClr val="tx1"/>
-              </a:solidFill>
-            </a:endParaRPr>
-          </a:p>
-        </p:txBody>
-      </p:sp>
-      <p:sp>
-        <p:nvSpPr>
-          <p:cNvPr id="39" name="Rounded Rectangle 38">
-            <a:extLst>
-              <a:ext uri="{FF2B5EF4-FFF2-40B4-BE49-F238E27FC236}">
-                <a16:creationId xmlns:a16="http://schemas.microsoft.com/office/drawing/2014/main" id="{7082AB18-65AB-144B-AE24-735F5E84A832}"/>
-              </a:ext>
-            </a:extLst>
-          </p:cNvPr>
-          <p:cNvSpPr/>
-          <p:nvPr/>
-        </p:nvSpPr>
-        <p:spPr>
-          <a:xfrm>
-            <a:off x="392624" y="5808934"/>
-            <a:ext cx="1859797" cy="821411"/>
-          </a:xfrm>
-          <a:prstGeom prst="roundRect">
-            <a:avLst/>
-          </a:prstGeom>
-          <a:solidFill>
-            <a:srgbClr val="00FF01"/>
-          </a:solidFill>
-        </p:spPr>
-        <p:style>
-          <a:lnRef idx="2">
-            <a:schemeClr val="accent6">
-              <a:shade val="50000"/>
-            </a:schemeClr>
-          </a:lnRef>
-          <a:fillRef idx="1">
-            <a:schemeClr val="accent6"/>
-          </a:fillRef>
-          <a:effectRef idx="0">
-            <a:schemeClr val="accent6"/>
-          </a:effectRef>
-          <a:fontRef idx="minor">
-            <a:schemeClr val="lt1"/>
-          </a:fontRef>
-        </p:style>
-        <p:txBody>
-          <a:bodyPr rtlCol="0" anchor="ctr"/>
-          <a:lstStyle/>
-          <a:p>
-            <a:pPr algn="ctr"/>
-            <a:r>
-              <a:rPr lang="en-GB" sz="2600" dirty="0" err="1">
+              </a:endParaRPr>
+            </a:p>
+          </p:txBody>
+        </p:sp>
+        <p:sp>
+          <p:nvSpPr>
+            <p:cNvPr id="40" name="Rounded Rectangle 39">
+              <a:extLst>
+                <a:ext uri="{FF2B5EF4-FFF2-40B4-BE49-F238E27FC236}">
+                  <a16:creationId xmlns:a16="http://schemas.microsoft.com/office/drawing/2014/main" id="{094E36D9-8D01-BF41-9046-A65403348D2B}"/>
+                </a:ext>
+              </a:extLst>
+            </p:cNvPr>
+            <p:cNvSpPr/>
+            <p:nvPr/>
+          </p:nvSpPr>
+          <p:spPr>
+            <a:xfrm>
+              <a:off x="2560995" y="2180416"/>
+              <a:ext cx="1859797" cy="821411"/>
+            </a:xfrm>
+            <a:prstGeom prst="roundRect">
+              <a:avLst/>
+            </a:prstGeom>
+            <a:solidFill>
+              <a:srgbClr val="00FF01"/>
+            </a:solidFill>
+          </p:spPr>
+          <p:style>
+            <a:lnRef idx="2">
+              <a:schemeClr val="accent6">
+                <a:shade val="50000"/>
+              </a:schemeClr>
+            </a:lnRef>
+            <a:fillRef idx="1">
+              <a:schemeClr val="accent6"/>
+            </a:fillRef>
+            <a:effectRef idx="0">
+              <a:schemeClr val="accent6"/>
+            </a:effectRef>
+            <a:fontRef idx="minor">
+              <a:schemeClr val="lt1"/>
+            </a:fontRef>
+          </p:style>
+          <p:txBody>
+            <a:bodyPr rtlCol="0" anchor="ctr"/>
+            <a:lstStyle/>
+            <a:p>
+              <a:pPr algn="ctr"/>
+              <a:r>
+                <a:rPr lang="en-GB" sz="2600" dirty="0">
+                  <a:solidFill>
+                    <a:schemeClr val="tx1"/>
+                  </a:solidFill>
+                </a:rPr>
+                <a:t>spiller</a:t>
+              </a:r>
+            </a:p>
+          </p:txBody>
+        </p:sp>
+        <p:sp>
+          <p:nvSpPr>
+            <p:cNvPr id="41" name="Rounded Rectangle 40">
+              <a:extLst>
+                <a:ext uri="{FF2B5EF4-FFF2-40B4-BE49-F238E27FC236}">
+                  <a16:creationId xmlns:a16="http://schemas.microsoft.com/office/drawing/2014/main" id="{386498BB-0B36-A24F-B225-DA4FA2C023F2}"/>
+                </a:ext>
+              </a:extLst>
+            </p:cNvPr>
+            <p:cNvSpPr/>
+            <p:nvPr/>
+          </p:nvSpPr>
+          <p:spPr>
+            <a:xfrm>
+              <a:off x="4729366" y="3455688"/>
+              <a:ext cx="1859797" cy="821411"/>
+            </a:xfrm>
+            <a:prstGeom prst="roundRect">
+              <a:avLst/>
+            </a:prstGeom>
+            <a:solidFill>
+              <a:srgbClr val="00FF01"/>
+            </a:solidFill>
+          </p:spPr>
+          <p:style>
+            <a:lnRef idx="2">
+              <a:schemeClr val="accent6">
+                <a:shade val="50000"/>
+              </a:schemeClr>
+            </a:lnRef>
+            <a:fillRef idx="1">
+              <a:schemeClr val="accent6"/>
+            </a:fillRef>
+            <a:effectRef idx="0">
+              <a:schemeClr val="accent6"/>
+            </a:effectRef>
+            <a:fontRef idx="minor">
+              <a:schemeClr val="lt1"/>
+            </a:fontRef>
+          </p:style>
+          <p:txBody>
+            <a:bodyPr rtlCol="0" anchor="ctr"/>
+            <a:lstStyle/>
+            <a:p>
+              <a:pPr algn="ctr"/>
+              <a:r>
+                <a:rPr lang="en-GB" sz="2500" dirty="0" err="1">
+                  <a:solidFill>
+                    <a:schemeClr val="tx1"/>
+                  </a:solidFill>
+                </a:rPr>
+                <a:t>modstander</a:t>
+              </a:r>
+              <a:endParaRPr lang="en-GB" sz="2500" dirty="0">
                 <a:solidFill>
                   <a:schemeClr val="tx1"/>
                 </a:solidFill>
-              </a:rPr>
-              <a:t>koordinat</a:t>
-            </a:r>
-            <a:endParaRPr lang="en-GB" sz="2600" dirty="0">
+              </a:endParaRPr>
+            </a:p>
+          </p:txBody>
+        </p:sp>
+        <p:cxnSp>
+          <p:nvCxnSpPr>
+            <p:cNvPr id="42" name="Straight Arrow Connector 41">
+              <a:extLst>
+                <a:ext uri="{FF2B5EF4-FFF2-40B4-BE49-F238E27FC236}">
+                  <a16:creationId xmlns:a16="http://schemas.microsoft.com/office/drawing/2014/main" id="{3D8AF3F7-4808-1949-9D22-E3877085BF23}"/>
+                </a:ext>
+              </a:extLst>
+            </p:cNvPr>
+            <p:cNvCxnSpPr>
+              <a:cxnSpLocks/>
+              <a:stCxn id="35" idx="2"/>
+              <a:endCxn id="40" idx="0"/>
+            </p:cNvCxnSpPr>
+            <p:nvPr/>
+          </p:nvCxnSpPr>
+          <p:spPr>
+            <a:xfrm flipH="1">
+              <a:off x="3490894" y="1775698"/>
+              <a:ext cx="1" cy="404718"/>
+            </a:xfrm>
+            <a:prstGeom prst="straightConnector1">
+              <a:avLst/>
+            </a:prstGeom>
+            <a:ln w="63500">
               <a:solidFill>
-                <a:schemeClr val="tx1"/>
+                <a:srgbClr val="01FFFF"/>
               </a:solidFill>
-            </a:endParaRPr>
-          </a:p>
-        </p:txBody>
-      </p:sp>
-      <p:sp>
-        <p:nvSpPr>
-          <p:cNvPr id="40" name="Rounded Rectangle 39">
-            <a:extLst>
-              <a:ext uri="{FF2B5EF4-FFF2-40B4-BE49-F238E27FC236}">
-                <a16:creationId xmlns:a16="http://schemas.microsoft.com/office/drawing/2014/main" id="{094E36D9-8D01-BF41-9046-A65403348D2B}"/>
-              </a:ext>
-            </a:extLst>
-          </p:cNvPr>
-          <p:cNvSpPr/>
-          <p:nvPr/>
-        </p:nvSpPr>
-        <p:spPr>
-          <a:xfrm>
-            <a:off x="2560995" y="2180416"/>
-            <a:ext cx="1859797" cy="821411"/>
-          </a:xfrm>
-          <a:prstGeom prst="roundRect">
-            <a:avLst/>
-          </a:prstGeom>
-          <a:solidFill>
-            <a:srgbClr val="00FF01"/>
-          </a:solidFill>
-        </p:spPr>
-        <p:style>
-          <a:lnRef idx="2">
-            <a:schemeClr val="accent6">
-              <a:shade val="50000"/>
-            </a:schemeClr>
-          </a:lnRef>
-          <a:fillRef idx="1">
-            <a:schemeClr val="accent6"/>
-          </a:fillRef>
-          <a:effectRef idx="0">
-            <a:schemeClr val="accent6"/>
-          </a:effectRef>
-          <a:fontRef idx="minor">
-            <a:schemeClr val="lt1"/>
-          </a:fontRef>
-        </p:style>
-        <p:txBody>
-          <a:bodyPr rtlCol="0" anchor="ctr"/>
-          <a:lstStyle/>
-          <a:p>
-            <a:pPr algn="ctr"/>
-            <a:r>
-              <a:rPr lang="en-GB" sz="2600" dirty="0">
-                <a:solidFill>
-                  <a:schemeClr val="tx1"/>
-                </a:solidFill>
-              </a:rPr>
-              <a:t>spiller</a:t>
-            </a:r>
-          </a:p>
-        </p:txBody>
-      </p:sp>
-      <p:sp>
-        <p:nvSpPr>
-          <p:cNvPr id="41" name="Rounded Rectangle 40">
-            <a:extLst>
-              <a:ext uri="{FF2B5EF4-FFF2-40B4-BE49-F238E27FC236}">
-                <a16:creationId xmlns:a16="http://schemas.microsoft.com/office/drawing/2014/main" id="{386498BB-0B36-A24F-B225-DA4FA2C023F2}"/>
-              </a:ext>
-            </a:extLst>
-          </p:cNvPr>
-          <p:cNvSpPr/>
-          <p:nvPr/>
-        </p:nvSpPr>
-        <p:spPr>
-          <a:xfrm>
-            <a:off x="4729366" y="3455688"/>
-            <a:ext cx="1859797" cy="821411"/>
-          </a:xfrm>
-          <a:prstGeom prst="roundRect">
-            <a:avLst/>
-          </a:prstGeom>
-          <a:solidFill>
-            <a:srgbClr val="00FF01"/>
-          </a:solidFill>
-        </p:spPr>
-        <p:style>
-          <a:lnRef idx="2">
-            <a:schemeClr val="accent6">
-              <a:shade val="50000"/>
-            </a:schemeClr>
-          </a:lnRef>
-          <a:fillRef idx="1">
-            <a:schemeClr val="accent6"/>
-          </a:fillRef>
-          <a:effectRef idx="0">
-            <a:schemeClr val="accent6"/>
-          </a:effectRef>
-          <a:fontRef idx="minor">
-            <a:schemeClr val="lt1"/>
-          </a:fontRef>
-        </p:style>
-        <p:txBody>
-          <a:bodyPr rtlCol="0" anchor="ctr"/>
-          <a:lstStyle/>
-          <a:p>
-            <a:pPr algn="ctr"/>
-            <a:r>
-              <a:rPr lang="en-GB" sz="2500" dirty="0" err="1">
-                <a:solidFill>
-                  <a:schemeClr val="tx1"/>
-                </a:solidFill>
-              </a:rPr>
-              <a:t>modstander</a:t>
-            </a:r>
-            <a:endParaRPr lang="en-GB" sz="2500" dirty="0">
+              <a:tailEnd type="triangle"/>
+            </a:ln>
+          </p:spPr>
+          <p:style>
+            <a:lnRef idx="1">
+              <a:schemeClr val="accent1"/>
+            </a:lnRef>
+            <a:fillRef idx="0">
+              <a:schemeClr val="accent1"/>
+            </a:fillRef>
+            <a:effectRef idx="0">
+              <a:schemeClr val="accent1"/>
+            </a:effectRef>
+            <a:fontRef idx="minor">
+              <a:schemeClr val="tx1"/>
+            </a:fontRef>
+          </p:style>
+        </p:cxnSp>
+        <p:cxnSp>
+          <p:nvCxnSpPr>
+            <p:cNvPr id="43" name="Straight Arrow Connector 42">
+              <a:extLst>
+                <a:ext uri="{FF2B5EF4-FFF2-40B4-BE49-F238E27FC236}">
+                  <a16:creationId xmlns:a16="http://schemas.microsoft.com/office/drawing/2014/main" id="{E40F145E-4A59-9E45-90B1-7090D7E6C97F}"/>
+                </a:ext>
+              </a:extLst>
+            </p:cNvPr>
+            <p:cNvCxnSpPr>
+              <a:cxnSpLocks/>
+              <a:stCxn id="40" idx="2"/>
+              <a:endCxn id="37" idx="0"/>
+            </p:cNvCxnSpPr>
+            <p:nvPr/>
+          </p:nvCxnSpPr>
+          <p:spPr>
+            <a:xfrm flipH="1">
+              <a:off x="1322523" y="3001827"/>
+              <a:ext cx="2168371" cy="443202"/>
+            </a:xfrm>
+            <a:prstGeom prst="straightConnector1">
+              <a:avLst/>
+            </a:prstGeom>
+            <a:ln w="63500">
               <a:solidFill>
-                <a:schemeClr val="tx1"/>
+                <a:srgbClr val="01FFFF"/>
               </a:solidFill>
-            </a:endParaRPr>
-          </a:p>
-        </p:txBody>
-      </p:sp>
-      <p:cxnSp>
-        <p:nvCxnSpPr>
-          <p:cNvPr id="42" name="Straight Arrow Connector 41">
-            <a:extLst>
-              <a:ext uri="{FF2B5EF4-FFF2-40B4-BE49-F238E27FC236}">
-                <a16:creationId xmlns:a16="http://schemas.microsoft.com/office/drawing/2014/main" id="{3D8AF3F7-4808-1949-9D22-E3877085BF23}"/>
-              </a:ext>
-            </a:extLst>
-          </p:cNvPr>
-          <p:cNvCxnSpPr>
-            <a:cxnSpLocks/>
-            <a:stCxn id="35" idx="2"/>
-            <a:endCxn id="40" idx="0"/>
-          </p:cNvCxnSpPr>
-          <p:nvPr/>
-        </p:nvCxnSpPr>
-        <p:spPr>
-          <a:xfrm flipH="1">
-            <a:off x="3490894" y="1775698"/>
-            <a:ext cx="1" cy="404718"/>
-          </a:xfrm>
-          <a:prstGeom prst="straightConnector1">
-            <a:avLst/>
-          </a:prstGeom>
-          <a:ln w="63500">
-            <a:solidFill>
-              <a:srgbClr val="01FFFF"/>
-            </a:solidFill>
-            <a:tailEnd type="triangle"/>
-          </a:ln>
-        </p:spPr>
-        <p:style>
-          <a:lnRef idx="1">
-            <a:schemeClr val="accent1"/>
-          </a:lnRef>
-          <a:fillRef idx="0">
-            <a:schemeClr val="accent1"/>
-          </a:fillRef>
-          <a:effectRef idx="0">
-            <a:schemeClr val="accent1"/>
-          </a:effectRef>
-          <a:fontRef idx="minor">
-            <a:schemeClr val="tx1"/>
-          </a:fontRef>
-        </p:style>
-      </p:cxnSp>
-      <p:cxnSp>
-        <p:nvCxnSpPr>
-          <p:cNvPr id="43" name="Straight Arrow Connector 42">
-            <a:extLst>
-              <a:ext uri="{FF2B5EF4-FFF2-40B4-BE49-F238E27FC236}">
-                <a16:creationId xmlns:a16="http://schemas.microsoft.com/office/drawing/2014/main" id="{E40F145E-4A59-9E45-90B1-7090D7E6C97F}"/>
-              </a:ext>
-            </a:extLst>
-          </p:cNvPr>
-          <p:cNvCxnSpPr>
-            <a:cxnSpLocks/>
-            <a:stCxn id="40" idx="2"/>
-            <a:endCxn id="37" idx="0"/>
-          </p:cNvCxnSpPr>
-          <p:nvPr/>
-        </p:nvCxnSpPr>
-        <p:spPr>
-          <a:xfrm flipH="1">
-            <a:off x="1322523" y="3001827"/>
-            <a:ext cx="2168371" cy="443202"/>
-          </a:xfrm>
-          <a:prstGeom prst="straightConnector1">
-            <a:avLst/>
-          </a:prstGeom>
-          <a:ln w="63500">
-            <a:solidFill>
-              <a:srgbClr val="01FFFF"/>
-            </a:solidFill>
-            <a:tailEnd type="triangle"/>
-          </a:ln>
-        </p:spPr>
-        <p:style>
-          <a:lnRef idx="1">
-            <a:schemeClr val="accent1"/>
-          </a:lnRef>
-          <a:fillRef idx="0">
-            <a:schemeClr val="accent1"/>
-          </a:fillRef>
-          <a:effectRef idx="0">
-            <a:schemeClr val="accent1"/>
-          </a:effectRef>
-          <a:fontRef idx="minor">
-            <a:schemeClr val="tx1"/>
-          </a:fontRef>
-        </p:style>
-      </p:cxnSp>
-      <p:cxnSp>
-        <p:nvCxnSpPr>
-          <p:cNvPr id="44" name="Straight Arrow Connector 43">
-            <a:extLst>
-              <a:ext uri="{FF2B5EF4-FFF2-40B4-BE49-F238E27FC236}">
-                <a16:creationId xmlns:a16="http://schemas.microsoft.com/office/drawing/2014/main" id="{775E5B09-D5F3-EA4B-AD5B-921DE607F08D}"/>
-              </a:ext>
-            </a:extLst>
-          </p:cNvPr>
-          <p:cNvCxnSpPr>
-            <a:cxnSpLocks/>
-            <a:stCxn id="40" idx="2"/>
-            <a:endCxn id="38" idx="0"/>
-          </p:cNvCxnSpPr>
-          <p:nvPr/>
-        </p:nvCxnSpPr>
-        <p:spPr>
-          <a:xfrm>
-            <a:off x="3490894" y="3001827"/>
-            <a:ext cx="0" cy="421160"/>
-          </a:xfrm>
-          <a:prstGeom prst="straightConnector1">
-            <a:avLst/>
-          </a:prstGeom>
-          <a:ln w="63500">
-            <a:solidFill>
-              <a:srgbClr val="01FFFF"/>
-            </a:solidFill>
-            <a:tailEnd type="triangle"/>
-          </a:ln>
-        </p:spPr>
-        <p:style>
-          <a:lnRef idx="1">
-            <a:schemeClr val="accent1"/>
-          </a:lnRef>
-          <a:fillRef idx="0">
-            <a:schemeClr val="accent1"/>
-          </a:fillRef>
-          <a:effectRef idx="0">
-            <a:schemeClr val="accent1"/>
-          </a:effectRef>
-          <a:fontRef idx="minor">
-            <a:schemeClr val="tx1"/>
-          </a:fontRef>
-        </p:style>
-      </p:cxnSp>
-      <p:cxnSp>
-        <p:nvCxnSpPr>
-          <p:cNvPr id="45" name="Straight Arrow Connector 44">
-            <a:extLst>
-              <a:ext uri="{FF2B5EF4-FFF2-40B4-BE49-F238E27FC236}">
-                <a16:creationId xmlns:a16="http://schemas.microsoft.com/office/drawing/2014/main" id="{405BDB62-28B8-6045-ADA0-F5BB0FB34710}"/>
-              </a:ext>
-            </a:extLst>
-          </p:cNvPr>
-          <p:cNvCxnSpPr>
-            <a:cxnSpLocks/>
-            <a:stCxn id="40" idx="2"/>
-          </p:cNvCxnSpPr>
-          <p:nvPr/>
-        </p:nvCxnSpPr>
-        <p:spPr>
-          <a:xfrm>
-            <a:off x="3490894" y="3001827"/>
-            <a:ext cx="2165987" cy="421160"/>
-          </a:xfrm>
-          <a:prstGeom prst="straightConnector1">
-            <a:avLst/>
-          </a:prstGeom>
-          <a:ln w="63500">
-            <a:solidFill>
-              <a:srgbClr val="01FFFF"/>
-            </a:solidFill>
-            <a:tailEnd type="triangle"/>
-          </a:ln>
-        </p:spPr>
-        <p:style>
-          <a:lnRef idx="1">
-            <a:schemeClr val="accent1"/>
-          </a:lnRef>
-          <a:fillRef idx="0">
-            <a:schemeClr val="accent1"/>
-          </a:fillRef>
-          <a:effectRef idx="0">
-            <a:schemeClr val="accent1"/>
-          </a:effectRef>
-          <a:fontRef idx="minor">
-            <a:schemeClr val="tx1"/>
-          </a:fontRef>
-        </p:style>
-      </p:cxnSp>
-      <p:cxnSp>
-        <p:nvCxnSpPr>
-          <p:cNvPr id="46" name="Straight Arrow Connector 45">
-            <a:extLst>
-              <a:ext uri="{FF2B5EF4-FFF2-40B4-BE49-F238E27FC236}">
-                <a16:creationId xmlns:a16="http://schemas.microsoft.com/office/drawing/2014/main" id="{CD54BD66-241F-AD4B-B92B-A35721AF31EC}"/>
-              </a:ext>
-            </a:extLst>
-          </p:cNvPr>
-          <p:cNvCxnSpPr>
-            <a:cxnSpLocks/>
-            <a:stCxn id="37" idx="2"/>
-            <a:endCxn id="36" idx="0"/>
-          </p:cNvCxnSpPr>
-          <p:nvPr/>
-        </p:nvCxnSpPr>
-        <p:spPr>
-          <a:xfrm>
-            <a:off x="1322523" y="4266440"/>
-            <a:ext cx="0" cy="335166"/>
-          </a:xfrm>
-          <a:prstGeom prst="straightConnector1">
-            <a:avLst/>
-          </a:prstGeom>
-          <a:ln w="63500">
-            <a:solidFill>
-              <a:srgbClr val="01FFFF"/>
-            </a:solidFill>
-            <a:tailEnd type="triangle"/>
-          </a:ln>
-        </p:spPr>
-        <p:style>
-          <a:lnRef idx="1">
-            <a:schemeClr val="accent1"/>
-          </a:lnRef>
-          <a:fillRef idx="0">
-            <a:schemeClr val="accent1"/>
-          </a:fillRef>
-          <a:effectRef idx="0">
-            <a:schemeClr val="accent1"/>
-          </a:effectRef>
-          <a:fontRef idx="minor">
-            <a:schemeClr val="tx1"/>
-          </a:fontRef>
-        </p:style>
-      </p:cxnSp>
-      <p:cxnSp>
-        <p:nvCxnSpPr>
-          <p:cNvPr id="47" name="Straight Arrow Connector 46">
-            <a:extLst>
-              <a:ext uri="{FF2B5EF4-FFF2-40B4-BE49-F238E27FC236}">
-                <a16:creationId xmlns:a16="http://schemas.microsoft.com/office/drawing/2014/main" id="{BAD7C4D8-3245-3041-9A51-7202676B29DD}"/>
-              </a:ext>
-            </a:extLst>
-          </p:cNvPr>
-          <p:cNvCxnSpPr>
-            <a:cxnSpLocks/>
-            <a:stCxn id="36" idx="2"/>
-            <a:endCxn id="39" idx="0"/>
-          </p:cNvCxnSpPr>
-          <p:nvPr/>
-        </p:nvCxnSpPr>
-        <p:spPr>
-          <a:xfrm>
-            <a:off x="1322523" y="5423017"/>
-            <a:ext cx="0" cy="385917"/>
-          </a:xfrm>
-          <a:prstGeom prst="straightConnector1">
-            <a:avLst/>
-          </a:prstGeom>
-          <a:ln w="63500">
-            <a:solidFill>
-              <a:srgbClr val="01FFFF"/>
-            </a:solidFill>
-            <a:tailEnd type="triangle"/>
-          </a:ln>
-        </p:spPr>
-        <p:style>
-          <a:lnRef idx="1">
-            <a:schemeClr val="accent1"/>
-          </a:lnRef>
-          <a:fillRef idx="0">
-            <a:schemeClr val="accent1"/>
-          </a:fillRef>
-          <a:effectRef idx="0">
-            <a:schemeClr val="accent1"/>
-          </a:effectRef>
-          <a:fontRef idx="minor">
-            <a:schemeClr val="tx1"/>
-          </a:fontRef>
-        </p:style>
-      </p:cxnSp>
+              <a:tailEnd type="triangle"/>
+            </a:ln>
+          </p:spPr>
+          <p:style>
+            <a:lnRef idx="1">
+              <a:schemeClr val="accent1"/>
+            </a:lnRef>
+            <a:fillRef idx="0">
+              <a:schemeClr val="accent1"/>
+            </a:fillRef>
+            <a:effectRef idx="0">
+              <a:schemeClr val="accent1"/>
+            </a:effectRef>
+            <a:fontRef idx="minor">
+              <a:schemeClr val="tx1"/>
+            </a:fontRef>
+          </p:style>
+        </p:cxnSp>
+        <p:cxnSp>
+          <p:nvCxnSpPr>
+            <p:cNvPr id="44" name="Straight Arrow Connector 43">
+              <a:extLst>
+                <a:ext uri="{FF2B5EF4-FFF2-40B4-BE49-F238E27FC236}">
+                  <a16:creationId xmlns:a16="http://schemas.microsoft.com/office/drawing/2014/main" id="{775E5B09-D5F3-EA4B-AD5B-921DE607F08D}"/>
+                </a:ext>
+              </a:extLst>
+            </p:cNvPr>
+            <p:cNvCxnSpPr>
+              <a:cxnSpLocks/>
+              <a:stCxn id="40" idx="2"/>
+              <a:endCxn id="38" idx="0"/>
+            </p:cNvCxnSpPr>
+            <p:nvPr/>
+          </p:nvCxnSpPr>
+          <p:spPr>
+            <a:xfrm>
+              <a:off x="3490894" y="3001827"/>
+              <a:ext cx="0" cy="421160"/>
+            </a:xfrm>
+            <a:prstGeom prst="straightConnector1">
+              <a:avLst/>
+            </a:prstGeom>
+            <a:ln w="63500">
+              <a:solidFill>
+                <a:srgbClr val="01FFFF"/>
+              </a:solidFill>
+              <a:tailEnd type="triangle"/>
+            </a:ln>
+          </p:spPr>
+          <p:style>
+            <a:lnRef idx="1">
+              <a:schemeClr val="accent1"/>
+            </a:lnRef>
+            <a:fillRef idx="0">
+              <a:schemeClr val="accent1"/>
+            </a:fillRef>
+            <a:effectRef idx="0">
+              <a:schemeClr val="accent1"/>
+            </a:effectRef>
+            <a:fontRef idx="minor">
+              <a:schemeClr val="tx1"/>
+            </a:fontRef>
+          </p:style>
+        </p:cxnSp>
+        <p:cxnSp>
+          <p:nvCxnSpPr>
+            <p:cNvPr id="45" name="Straight Arrow Connector 44">
+              <a:extLst>
+                <a:ext uri="{FF2B5EF4-FFF2-40B4-BE49-F238E27FC236}">
+                  <a16:creationId xmlns:a16="http://schemas.microsoft.com/office/drawing/2014/main" id="{405BDB62-28B8-6045-ADA0-F5BB0FB34710}"/>
+                </a:ext>
+              </a:extLst>
+            </p:cNvPr>
+            <p:cNvCxnSpPr>
+              <a:cxnSpLocks/>
+              <a:stCxn id="40" idx="2"/>
+            </p:cNvCxnSpPr>
+            <p:nvPr/>
+          </p:nvCxnSpPr>
+          <p:spPr>
+            <a:xfrm>
+              <a:off x="3490894" y="3001827"/>
+              <a:ext cx="2165987" cy="421160"/>
+            </a:xfrm>
+            <a:prstGeom prst="straightConnector1">
+              <a:avLst/>
+            </a:prstGeom>
+            <a:ln w="63500">
+              <a:solidFill>
+                <a:srgbClr val="01FFFF"/>
+              </a:solidFill>
+              <a:tailEnd type="triangle"/>
+            </a:ln>
+          </p:spPr>
+          <p:style>
+            <a:lnRef idx="1">
+              <a:schemeClr val="accent1"/>
+            </a:lnRef>
+            <a:fillRef idx="0">
+              <a:schemeClr val="accent1"/>
+            </a:fillRef>
+            <a:effectRef idx="0">
+              <a:schemeClr val="accent1"/>
+            </a:effectRef>
+            <a:fontRef idx="minor">
+              <a:schemeClr val="tx1"/>
+            </a:fontRef>
+          </p:style>
+        </p:cxnSp>
+        <p:cxnSp>
+          <p:nvCxnSpPr>
+            <p:cNvPr id="46" name="Straight Arrow Connector 45">
+              <a:extLst>
+                <a:ext uri="{FF2B5EF4-FFF2-40B4-BE49-F238E27FC236}">
+                  <a16:creationId xmlns:a16="http://schemas.microsoft.com/office/drawing/2014/main" id="{CD54BD66-241F-AD4B-B92B-A35721AF31EC}"/>
+                </a:ext>
+              </a:extLst>
+            </p:cNvPr>
+            <p:cNvCxnSpPr>
+              <a:cxnSpLocks/>
+              <a:stCxn id="37" idx="2"/>
+              <a:endCxn id="36" idx="0"/>
+            </p:cNvCxnSpPr>
+            <p:nvPr/>
+          </p:nvCxnSpPr>
+          <p:spPr>
+            <a:xfrm>
+              <a:off x="1322523" y="4266440"/>
+              <a:ext cx="0" cy="335166"/>
+            </a:xfrm>
+            <a:prstGeom prst="straightConnector1">
+              <a:avLst/>
+            </a:prstGeom>
+            <a:ln w="63500">
+              <a:solidFill>
+                <a:srgbClr val="01FFFF"/>
+              </a:solidFill>
+              <a:tailEnd type="triangle"/>
+            </a:ln>
+          </p:spPr>
+          <p:style>
+            <a:lnRef idx="1">
+              <a:schemeClr val="accent1"/>
+            </a:lnRef>
+            <a:fillRef idx="0">
+              <a:schemeClr val="accent1"/>
+            </a:fillRef>
+            <a:effectRef idx="0">
+              <a:schemeClr val="accent1"/>
+            </a:effectRef>
+            <a:fontRef idx="minor">
+              <a:schemeClr val="tx1"/>
+            </a:fontRef>
+          </p:style>
+        </p:cxnSp>
+        <p:cxnSp>
+          <p:nvCxnSpPr>
+            <p:cNvPr id="47" name="Straight Arrow Connector 46">
+              <a:extLst>
+                <a:ext uri="{FF2B5EF4-FFF2-40B4-BE49-F238E27FC236}">
+                  <a16:creationId xmlns:a16="http://schemas.microsoft.com/office/drawing/2014/main" id="{BAD7C4D8-3245-3041-9A51-7202676B29DD}"/>
+                </a:ext>
+              </a:extLst>
+            </p:cNvPr>
+            <p:cNvCxnSpPr>
+              <a:cxnSpLocks/>
+              <a:stCxn id="36" idx="2"/>
+              <a:endCxn id="39" idx="0"/>
+            </p:cNvCxnSpPr>
+            <p:nvPr/>
+          </p:nvCxnSpPr>
+          <p:spPr>
+            <a:xfrm>
+              <a:off x="1322523" y="5423017"/>
+              <a:ext cx="0" cy="385917"/>
+            </a:xfrm>
+            <a:prstGeom prst="straightConnector1">
+              <a:avLst/>
+            </a:prstGeom>
+            <a:ln w="63500">
+              <a:solidFill>
+                <a:srgbClr val="01FFFF"/>
+              </a:solidFill>
+              <a:tailEnd type="triangle"/>
+            </a:ln>
+          </p:spPr>
+          <p:style>
+            <a:lnRef idx="1">
+              <a:schemeClr val="accent1"/>
+            </a:lnRef>
+            <a:fillRef idx="0">
+              <a:schemeClr val="accent1"/>
+            </a:fillRef>
+            <a:effectRef idx="0">
+              <a:schemeClr val="accent1"/>
+            </a:effectRef>
+            <a:fontRef idx="minor">
+              <a:schemeClr val="tx1"/>
+            </a:fontRef>
+          </p:style>
+        </p:cxnSp>
+      </p:grpSp>
       <p:pic>
         <p:nvPicPr>
           <p:cNvPr id="62" name="Picture 61">
@@ -5335,7 +5330,7 @@
         <p:spPr>
           <a:xfrm>
             <a:off x="6974239" y="790416"/>
-            <a:ext cx="3540777" cy="1200329"/>
+            <a:ext cx="3575274" cy="1477328"/>
           </a:xfrm>
           <a:prstGeom prst="rect">
             <a:avLst/>
@@ -5379,16 +5374,12 @@
               <a:buChar char="•"/>
             </a:pPr>
             <a:r>
+              <a:rPr lang="en-GB" dirty="0" err="1"/>
+              <a:t>Koordinater</a:t>
+            </a:r>
+            <a:r>
               <a:rPr lang="en-GB" dirty="0"/>
-              <a:t>Index </a:t>
-            </a:r>
-            <a:r>
-              <a:rPr lang="en-GB" dirty="0" err="1"/>
-              <a:t>i</a:t>
-            </a:r>
-            <a:r>
-              <a:rPr lang="en-GB" dirty="0"/>
-              <a:t> et array </a:t>
+              <a:t> </a:t>
             </a:r>
             <a:r>
               <a:rPr lang="en-GB" dirty="0" err="1"/>
@@ -5396,19 +5387,11 @@
             </a:r>
             <a:r>
               <a:rPr lang="en-GB" dirty="0"/>
-              <a:t> </a:t>
+              <a:t> bare </a:t>
             </a:r>
             <a:r>
               <a:rPr lang="en-GB" dirty="0" err="1"/>
-              <a:t>en</a:t>
-            </a:r>
-            <a:r>
-              <a:rPr lang="en-GB" dirty="0"/>
-              <a:t> </a:t>
-            </a:r>
-            <a:r>
-              <a:rPr lang="en-GB" dirty="0" err="1"/>
-              <a:t>koordinat</a:t>
+              <a:t>heltalspar</a:t>
             </a:r>
             <a:endParaRPr lang="en-GB" dirty="0"/>
           </a:p>
@@ -5419,11 +5402,35 @@
             </a:pPr>
             <a:r>
               <a:rPr lang="en-GB" dirty="0"/>
-              <a:t>Arrays har </a:t>
+              <a:t>Index </a:t>
             </a:r>
             <a:r>
               <a:rPr lang="en-GB" dirty="0" err="1"/>
-              <a:t>felter</a:t>
+              <a:t>i</a:t>
+            </a:r>
+            <a:r>
+              <a:rPr lang="en-GB" dirty="0"/>
+              <a:t> et array </a:t>
+            </a:r>
+            <a:r>
+              <a:rPr lang="en-GB" dirty="0" err="1"/>
+              <a:t>er</a:t>
+            </a:r>
+            <a:r>
+              <a:rPr lang="en-GB" dirty="0"/>
+              <a:t> </a:t>
+            </a:r>
+            <a:r>
+              <a:rPr lang="en-GB" dirty="0" err="1"/>
+              <a:t>en</a:t>
+            </a:r>
+            <a:r>
+              <a:rPr lang="en-GB" dirty="0"/>
+              <a:t> </a:t>
+            </a:r>
+            <a:r>
+              <a:rPr lang="en-GB" dirty="0" err="1"/>
+              <a:t>koordinat</a:t>
             </a:r>
             <a:endParaRPr lang="en-GB" dirty="0"/>
           </a:p>
@@ -5433,6 +5440,21 @@
               <a:buChar char="•"/>
             </a:pPr>
             <a:r>
+              <a:rPr lang="en-GB" dirty="0"/>
+              <a:t>Arrays har </a:t>
+            </a:r>
+            <a:r>
+              <a:rPr lang="en-GB" dirty="0" err="1"/>
+              <a:t>felter</a:t>
+            </a:r>
+            <a:endParaRPr lang="en-GB" dirty="0"/>
+          </a:p>
+          <a:p>
+            <a:pPr marL="285750" indent="-285750">
+              <a:buFont typeface="Arial" panose="020B0604020202020204" pitchFamily="34" charset="0"/>
+              <a:buChar char="•"/>
+            </a:pPr>
+            <a:r>
               <a:rPr lang="en-GB" dirty="0" err="1"/>
               <a:t>En</a:t>
             </a:r>
@@ -5477,10 +5499,10 @@
       </p:sp>
       <p:pic>
         <p:nvPicPr>
-          <p:cNvPr id="6" name="Picture 5">
+          <p:cNvPr id="11" name="Picture 10">
             <a:extLst>
               <a:ext uri="{FF2B5EF4-FFF2-40B4-BE49-F238E27FC236}">
-                <a16:creationId xmlns:a16="http://schemas.microsoft.com/office/drawing/2014/main" id="{C6AF90E6-C953-1140-A363-972872EA2579}"/>
+                <a16:creationId xmlns:a16="http://schemas.microsoft.com/office/drawing/2014/main" id="{DDF52027-2D36-B84C-9711-FCF2E95DBAAD}"/>
               </a:ext>
             </a:extLst>
           </p:cNvPr>
@@ -5497,8 +5519,8 @@
         </p:blipFill>
         <p:spPr>
           <a:xfrm>
-            <a:off x="7027336" y="2091511"/>
-            <a:ext cx="4876800" cy="4673600"/>
+            <a:off x="6930045" y="888308"/>
+            <a:ext cx="4965258" cy="5319920"/>
           </a:xfrm>
           <a:prstGeom prst="rect">
             <a:avLst/>
@@ -5554,7 +5576,7 @@
                                           </p:stCondLst>
                                         </p:cTn>
                                         <p:tgtEl>
-                                          <p:spTgt spid="9"/>
+                                          <p:spTgt spid="11"/>
                                         </p:tgtEl>
                                         <p:attrNameLst>
                                           <p:attrName>style.visibility</p:attrName>
@@ -5615,41 +5637,6 @@
           <a:chExt cx="0" cy="0"/>
         </a:xfrm>
       </p:grpSpPr>
-      <p:pic>
-        <p:nvPicPr>
-          <p:cNvPr id="6" name="Picture 5">
-            <a:extLst>
-              <a:ext uri="{FF2B5EF4-FFF2-40B4-BE49-F238E27FC236}">
-                <a16:creationId xmlns:a16="http://schemas.microsoft.com/office/drawing/2014/main" id="{C6AF90E6-C953-1140-A363-972872EA2579}"/>
-              </a:ext>
-            </a:extLst>
-          </p:cNvPr>
-          <p:cNvPicPr>
-            <a:picLocks noChangeAspect="1"/>
-          </p:cNvPicPr>
-          <p:nvPr/>
-        </p:nvPicPr>
-        <p:blipFill>
-          <a:blip r:embed="rId2"/>
-          <a:stretch>
-            <a:fillRect/>
-          </a:stretch>
-        </p:blipFill>
-        <p:spPr>
-          <a:xfrm>
-            <a:off x="657533" y="1076702"/>
-            <a:ext cx="4876800" cy="4673600"/>
-          </a:xfrm>
-          <a:prstGeom prst="rect">
-            <a:avLst/>
-          </a:prstGeom>
-          <a:ln>
-            <a:solidFill>
-              <a:schemeClr val="tx1"/>
-            </a:solidFill>
-          </a:ln>
-        </p:spPr>
-      </p:pic>
       <p:sp>
         <p:nvSpPr>
           <p:cNvPr id="8" name="Content Placeholder 2">
@@ -6298,7 +6285,7 @@
         </p:nvSpPr>
         <p:spPr>
           <a:xfrm>
-            <a:off x="2458830" y="6123574"/>
+            <a:off x="6195390" y="5965235"/>
             <a:ext cx="5508944" cy="430887"/>
           </a:xfrm>
           <a:prstGeom prst="rect">
@@ -6376,6 +6363,41 @@
           </a:p>
         </p:txBody>
       </p:sp>
+      <p:pic>
+        <p:nvPicPr>
+          <p:cNvPr id="11" name="Picture 10">
+            <a:extLst>
+              <a:ext uri="{FF2B5EF4-FFF2-40B4-BE49-F238E27FC236}">
+                <a16:creationId xmlns:a16="http://schemas.microsoft.com/office/drawing/2014/main" id="{8E56600A-1302-ED47-AB0F-FEA6E043F3D7}"/>
+              </a:ext>
+            </a:extLst>
+          </p:cNvPr>
+          <p:cNvPicPr>
+            <a:picLocks noChangeAspect="1"/>
+          </p:cNvPicPr>
+          <p:nvPr/>
+        </p:nvPicPr>
+        <p:blipFill>
+          <a:blip r:embed="rId2"/>
+          <a:stretch>
+            <a:fillRect/>
+          </a:stretch>
+        </p:blipFill>
+        <p:spPr>
+          <a:xfrm>
+            <a:off x="527454" y="1200689"/>
+            <a:ext cx="4965258" cy="5319920"/>
+          </a:xfrm>
+          <a:prstGeom prst="rect">
+            <a:avLst/>
+          </a:prstGeom>
+          <a:ln>
+            <a:solidFill>
+              <a:schemeClr val="tx1"/>
+            </a:solidFill>
+          </a:ln>
+        </p:spPr>
+      </p:pic>
     </p:spTree>
     <p:extLst>
       <p:ext uri="{BB962C8B-B14F-4D97-AF65-F5344CB8AC3E}">
@@ -6468,6 +6490,885 @@
 </file>
 
 <file path=ppt/slides/slide14.xml><?xml version="1.0" encoding="utf-8"?>
+<p:sld xmlns:a="http://schemas.openxmlformats.org/drawingml/2006/main" xmlns:r="http://schemas.openxmlformats.org/officeDocument/2006/relationships" xmlns:p="http://schemas.openxmlformats.org/presentationml/2006/main">
+  <p:cSld>
+    <p:spTree>
+      <p:nvGrpSpPr>
+        <p:cNvPr id="1" name=""/>
+        <p:cNvGrpSpPr/>
+        <p:nvPr/>
+      </p:nvGrpSpPr>
+      <p:grpSpPr>
+        <a:xfrm>
+          <a:off x="0" y="0"/>
+          <a:ext cx="0" cy="0"/>
+          <a:chOff x="0" y="0"/>
+          <a:chExt cx="0" cy="0"/>
+        </a:xfrm>
+      </p:grpSpPr>
+      <p:sp>
+        <p:nvSpPr>
+          <p:cNvPr id="8" name="Title 1">
+            <a:extLst>
+              <a:ext uri="{FF2B5EF4-FFF2-40B4-BE49-F238E27FC236}">
+                <a16:creationId xmlns:a16="http://schemas.microsoft.com/office/drawing/2014/main" id="{9BC41EBE-0CFC-BB44-ABFD-042EF58D24BB}"/>
+              </a:ext>
+            </a:extLst>
+          </p:cNvPr>
+          <p:cNvSpPr txBox="1">
+            <a:spLocks/>
+          </p:cNvSpPr>
+          <p:nvPr/>
+        </p:nvSpPr>
+        <p:spPr>
+          <a:xfrm>
+            <a:off x="89649" y="32523"/>
+            <a:ext cx="5664974" cy="1084122"/>
+          </a:xfrm>
+          <a:prstGeom prst="rect">
+            <a:avLst/>
+          </a:prstGeom>
+        </p:spPr>
+        <p:txBody>
+          <a:bodyPr vert="horz" lIns="91440" tIns="45720" rIns="91440" bIns="45720" rtlCol="0" anchor="ctr">
+            <a:normAutofit/>
+          </a:bodyPr>
+          <a:lstStyle>
+            <a:lvl1pPr algn="l" defTabSz="914400" rtl="0" eaLnBrk="1" latinLnBrk="0" hangingPunct="1">
+              <a:lnSpc>
+                <a:spcPct val="90000"/>
+              </a:lnSpc>
+              <a:spcBef>
+                <a:spcPct val="0"/>
+              </a:spcBef>
+              <a:buNone/>
+              <a:defRPr sz="4400" kern="1200">
+                <a:solidFill>
+                  <a:schemeClr val="tx1"/>
+                </a:solidFill>
+                <a:latin typeface="+mj-lt"/>
+                <a:ea typeface="+mj-ea"/>
+                <a:cs typeface="+mj-cs"/>
+              </a:defRPr>
+            </a:lvl1pPr>
+          </a:lstStyle>
+          <a:p>
+            <a:r>
+              <a:rPr lang="da-DK"/>
+              <a:t>Sænke slagskibe</a:t>
+            </a:r>
+            <a:endParaRPr lang="da-DK" dirty="0"/>
+          </a:p>
+        </p:txBody>
+      </p:sp>
+      <p:sp>
+        <p:nvSpPr>
+          <p:cNvPr id="14" name="TextBox 13">
+            <a:extLst>
+              <a:ext uri="{FF2B5EF4-FFF2-40B4-BE49-F238E27FC236}">
+                <a16:creationId xmlns:a16="http://schemas.microsoft.com/office/drawing/2014/main" id="{90140142-25C2-2F4D-B1AD-4719F86C375F}"/>
+              </a:ext>
+            </a:extLst>
+          </p:cNvPr>
+          <p:cNvSpPr txBox="1"/>
+          <p:nvPr/>
+        </p:nvSpPr>
+        <p:spPr>
+          <a:xfrm>
+            <a:off x="245677" y="1460621"/>
+            <a:ext cx="5508944" cy="1107996"/>
+          </a:xfrm>
+          <a:prstGeom prst="rect">
+            <a:avLst/>
+          </a:prstGeom>
+          <a:noFill/>
+          <a:ln w="63500">
+            <a:solidFill>
+              <a:schemeClr val="accent2"/>
+            </a:solidFill>
+          </a:ln>
+        </p:spPr>
+        <p:txBody>
+          <a:bodyPr wrap="square" rtlCol="0">
+            <a:spAutoFit/>
+          </a:bodyPr>
+          <a:lstStyle/>
+          <a:p>
+            <a:pPr marL="342900" indent="-342900">
+              <a:buFont typeface="Arial" panose="020B0604020202020204" pitchFamily="34" charset="0"/>
+              <a:buChar char="•"/>
+            </a:pPr>
+            <a:r>
+              <a:rPr lang="en-GB" sz="2200" dirty="0" err="1"/>
+              <a:t>Identificer</a:t>
+            </a:r>
+            <a:r>
+              <a:rPr lang="en-GB" sz="2200" dirty="0"/>
+              <a:t> </a:t>
+            </a:r>
+            <a:r>
+              <a:rPr lang="en-GB" sz="2200" dirty="0" err="1"/>
+              <a:t>uklare</a:t>
+            </a:r>
+            <a:r>
+              <a:rPr lang="en-GB" sz="2200" dirty="0"/>
+              <a:t> </a:t>
+            </a:r>
+            <a:r>
+              <a:rPr lang="en-GB" sz="2200" dirty="0" err="1"/>
+              <a:t>eller</a:t>
+            </a:r>
+            <a:r>
+              <a:rPr lang="en-GB" sz="2200" dirty="0"/>
+              <a:t> </a:t>
+            </a:r>
+            <a:r>
+              <a:rPr lang="en-GB" sz="2200" dirty="0" err="1"/>
+              <a:t>løse</a:t>
+            </a:r>
+            <a:r>
+              <a:rPr lang="en-GB" sz="2200" dirty="0"/>
+              <a:t> </a:t>
+            </a:r>
+            <a:r>
+              <a:rPr lang="en-GB" sz="2200" dirty="0" err="1"/>
+              <a:t>specifikationer</a:t>
+            </a:r>
+            <a:endParaRPr lang="en-GB" sz="2200" dirty="0"/>
+          </a:p>
+          <a:p>
+            <a:pPr marL="342900" indent="-342900">
+              <a:buFont typeface="Arial" panose="020B0604020202020204" pitchFamily="34" charset="0"/>
+              <a:buChar char="•"/>
+            </a:pPr>
+            <a:r>
+              <a:rPr lang="en-GB" sz="2200" dirty="0" err="1"/>
+              <a:t>Beskriv</a:t>
+            </a:r>
+            <a:r>
+              <a:rPr lang="en-GB" sz="2200" dirty="0"/>
+              <a:t> </a:t>
+            </a:r>
+            <a:r>
+              <a:rPr lang="en-GB" sz="2200" dirty="0" err="1"/>
+              <a:t>mulige</a:t>
+            </a:r>
+            <a:r>
+              <a:rPr lang="en-GB" sz="2200" dirty="0"/>
+              <a:t> </a:t>
+            </a:r>
+            <a:r>
+              <a:rPr lang="en-GB" sz="2200" dirty="0" err="1"/>
+              <a:t>løsninger</a:t>
+            </a:r>
+            <a:endParaRPr lang="en-GB" sz="2200" dirty="0"/>
+          </a:p>
+          <a:p>
+            <a:pPr marL="342900" indent="-342900">
+              <a:buFont typeface="Arial" panose="020B0604020202020204" pitchFamily="34" charset="0"/>
+              <a:buChar char="•"/>
+            </a:pPr>
+            <a:r>
+              <a:rPr lang="en-GB" sz="2200" dirty="0" err="1"/>
+              <a:t>Vælg</a:t>
+            </a:r>
+            <a:r>
+              <a:rPr lang="en-GB" sz="2200" dirty="0"/>
+              <a:t> </a:t>
+            </a:r>
+            <a:r>
+              <a:rPr lang="en-GB" sz="2200" dirty="0" err="1"/>
+              <a:t>og</a:t>
+            </a:r>
+            <a:r>
+              <a:rPr lang="en-GB" sz="2200" dirty="0"/>
+              <a:t> </a:t>
+            </a:r>
+            <a:r>
+              <a:rPr lang="en-GB" sz="2200" dirty="0" err="1"/>
+              <a:t>argumentér</a:t>
+            </a:r>
+            <a:endParaRPr lang="en-GB" sz="2200" dirty="0"/>
+          </a:p>
+        </p:txBody>
+      </p:sp>
+      <p:sp>
+        <p:nvSpPr>
+          <p:cNvPr id="15" name="TextBox 14">
+            <a:extLst>
+              <a:ext uri="{FF2B5EF4-FFF2-40B4-BE49-F238E27FC236}">
+                <a16:creationId xmlns:a16="http://schemas.microsoft.com/office/drawing/2014/main" id="{DE138CF0-103B-0446-A8F8-D0C2147732E7}"/>
+              </a:ext>
+            </a:extLst>
+          </p:cNvPr>
+          <p:cNvSpPr txBox="1"/>
+          <p:nvPr/>
+        </p:nvSpPr>
+        <p:spPr>
+          <a:xfrm>
+            <a:off x="245678" y="2796156"/>
+            <a:ext cx="5508943" cy="3477875"/>
+          </a:xfrm>
+          <a:prstGeom prst="rect">
+            <a:avLst/>
+          </a:prstGeom>
+          <a:noFill/>
+          <a:ln>
+            <a:solidFill>
+              <a:schemeClr val="tx1"/>
+            </a:solidFill>
+          </a:ln>
+        </p:spPr>
+        <p:txBody>
+          <a:bodyPr wrap="square" rtlCol="0">
+            <a:spAutoFit/>
+          </a:bodyPr>
+          <a:lstStyle/>
+          <a:p>
+            <a:r>
+              <a:rPr lang="en-GB" sz="2200" dirty="0" err="1"/>
+              <a:t>F.eks</a:t>
+            </a:r>
+            <a:r>
+              <a:rPr lang="en-GB" sz="2200" dirty="0"/>
+              <a:t>.:</a:t>
+            </a:r>
+          </a:p>
+          <a:p>
+            <a:pPr marL="285750" indent="-285750">
+              <a:buFont typeface="Arial" panose="020B0604020202020204" pitchFamily="34" charset="0"/>
+              <a:buChar char="•"/>
+            </a:pPr>
+            <a:r>
+              <a:rPr lang="en-GB" sz="2200" dirty="0" err="1"/>
+              <a:t>Opgaven</a:t>
+            </a:r>
+            <a:r>
+              <a:rPr lang="en-GB" sz="2200" dirty="0"/>
+              <a:t> </a:t>
+            </a:r>
+            <a:r>
+              <a:rPr lang="en-GB" sz="2200" dirty="0" err="1"/>
+              <a:t>specificerer</a:t>
+            </a:r>
+            <a:r>
+              <a:rPr lang="en-GB" sz="2200" dirty="0"/>
+              <a:t> </a:t>
+            </a:r>
+            <a:r>
+              <a:rPr lang="en-GB" sz="2200" dirty="0" err="1"/>
+              <a:t>ikke</a:t>
+            </a:r>
+            <a:r>
+              <a:rPr lang="en-GB" sz="2200" dirty="0"/>
+              <a:t>, </a:t>
+            </a:r>
+            <a:r>
+              <a:rPr lang="en-GB" sz="2200" dirty="0" err="1"/>
+              <a:t>hvor</a:t>
+            </a:r>
+            <a:r>
+              <a:rPr lang="en-GB" sz="2200" dirty="0"/>
+              <a:t> mange </a:t>
+            </a:r>
+            <a:r>
+              <a:rPr lang="en-GB" sz="2200" dirty="0" err="1"/>
+              <a:t>skibe</a:t>
+            </a:r>
+            <a:r>
+              <a:rPr lang="en-GB" sz="2200" dirty="0"/>
+              <a:t>, der </a:t>
+            </a:r>
+            <a:r>
+              <a:rPr lang="en-GB" sz="2200" dirty="0" err="1"/>
+              <a:t>skal</a:t>
+            </a:r>
+            <a:r>
+              <a:rPr lang="en-GB" sz="2200" dirty="0"/>
+              <a:t> </a:t>
+            </a:r>
+            <a:r>
+              <a:rPr lang="en-GB" sz="2200" dirty="0" err="1"/>
+              <a:t>være</a:t>
+            </a:r>
+            <a:r>
+              <a:rPr lang="en-GB" sz="2200" dirty="0"/>
+              <a:t> </a:t>
+            </a:r>
+            <a:r>
+              <a:rPr lang="en-GB" sz="2200" dirty="0" err="1"/>
+              <a:t>i</a:t>
+            </a:r>
+            <a:r>
+              <a:rPr lang="en-GB" sz="2200" dirty="0"/>
+              <a:t> </a:t>
+            </a:r>
+            <a:r>
+              <a:rPr lang="en-GB" sz="2200" dirty="0" err="1"/>
+              <a:t>spillet</a:t>
+            </a:r>
+            <a:r>
+              <a:rPr lang="en-GB" sz="2200" dirty="0"/>
+              <a:t>, </a:t>
+            </a:r>
+            <a:r>
+              <a:rPr lang="en-GB" sz="2200" dirty="0" err="1"/>
+              <a:t>ej</a:t>
+            </a:r>
+            <a:r>
+              <a:rPr lang="en-GB" sz="2200" dirty="0"/>
+              <a:t> </a:t>
+            </a:r>
+            <a:r>
+              <a:rPr lang="en-GB" sz="2200" dirty="0" err="1"/>
+              <a:t>heller</a:t>
+            </a:r>
+            <a:r>
+              <a:rPr lang="en-GB" sz="2200" dirty="0"/>
+              <a:t> </a:t>
+            </a:r>
+            <a:r>
+              <a:rPr lang="en-GB" sz="2200" dirty="0" err="1"/>
+              <a:t>hvilken</a:t>
+            </a:r>
+            <a:r>
+              <a:rPr lang="en-GB" sz="2200" dirty="0"/>
+              <a:t> form de </a:t>
+            </a:r>
+            <a:r>
+              <a:rPr lang="en-GB" sz="2200" dirty="0" err="1"/>
+              <a:t>skal</a:t>
+            </a:r>
+            <a:r>
+              <a:rPr lang="en-GB" sz="2200" dirty="0"/>
+              <a:t> have.</a:t>
+            </a:r>
+          </a:p>
+          <a:p>
+            <a:pPr marL="285750" indent="-285750">
+              <a:buFont typeface="Arial" panose="020B0604020202020204" pitchFamily="34" charset="0"/>
+              <a:buChar char="•"/>
+            </a:pPr>
+            <a:r>
+              <a:rPr lang="en-GB" sz="2200" dirty="0" err="1"/>
+              <a:t>Typiske</a:t>
+            </a:r>
+            <a:r>
+              <a:rPr lang="en-GB" sz="2200" dirty="0"/>
+              <a:t> </a:t>
+            </a:r>
+            <a:r>
+              <a:rPr lang="en-GB" sz="2200" dirty="0" err="1"/>
+              <a:t>spil</a:t>
+            </a:r>
+            <a:r>
+              <a:rPr lang="en-GB" sz="2200" dirty="0"/>
+              <a:t> har 4-5 </a:t>
+            </a:r>
+            <a:r>
+              <a:rPr lang="en-GB" sz="2200" dirty="0" err="1"/>
+              <a:t>skibe</a:t>
+            </a:r>
+            <a:r>
+              <a:rPr lang="en-GB" sz="2200" dirty="0"/>
+              <a:t>, </a:t>
+            </a:r>
+            <a:r>
+              <a:rPr lang="en-GB" sz="2200" dirty="0" err="1"/>
+              <a:t>som</a:t>
+            </a:r>
+            <a:r>
+              <a:rPr lang="en-GB" sz="2200" dirty="0"/>
+              <a:t> </a:t>
+            </a:r>
+            <a:r>
+              <a:rPr lang="en-GB" sz="2200" dirty="0" err="1"/>
+              <a:t>er</a:t>
+            </a:r>
+            <a:r>
+              <a:rPr lang="en-GB" sz="2200" dirty="0"/>
+              <a:t> </a:t>
+            </a:r>
+            <a:r>
+              <a:rPr lang="en-GB" sz="2200" dirty="0" err="1"/>
+              <a:t>lige</a:t>
+            </a:r>
+            <a:r>
+              <a:rPr lang="en-GB" sz="2200" dirty="0"/>
+              <a:t>, ligger </a:t>
+            </a:r>
+            <a:r>
+              <a:rPr lang="en-GB" sz="2200" dirty="0" err="1"/>
+              <a:t>enten</a:t>
+            </a:r>
+            <a:r>
+              <a:rPr lang="en-GB" sz="2200" dirty="0"/>
+              <a:t> </a:t>
+            </a:r>
+            <a:r>
+              <a:rPr lang="en-GB" sz="2200" dirty="0" err="1"/>
+              <a:t>horisontalt</a:t>
+            </a:r>
+            <a:r>
+              <a:rPr lang="en-GB" sz="2200" dirty="0"/>
+              <a:t> </a:t>
+            </a:r>
+            <a:r>
+              <a:rPr lang="en-GB" sz="2200" dirty="0" err="1"/>
+              <a:t>eller</a:t>
+            </a:r>
+            <a:r>
+              <a:rPr lang="en-GB" sz="2200" dirty="0"/>
+              <a:t> </a:t>
+            </a:r>
+            <a:r>
+              <a:rPr lang="en-GB" sz="2200" dirty="0" err="1"/>
+              <a:t>verticalt</a:t>
+            </a:r>
+            <a:r>
+              <a:rPr lang="en-GB" sz="2200" dirty="0"/>
+              <a:t>, </a:t>
+            </a:r>
+            <a:r>
+              <a:rPr lang="en-GB" sz="2200" dirty="0" err="1"/>
+              <a:t>og</a:t>
+            </a:r>
+            <a:r>
+              <a:rPr lang="en-GB" sz="2200" dirty="0"/>
+              <a:t> har </a:t>
+            </a:r>
+            <a:r>
+              <a:rPr lang="en-GB" sz="2200" dirty="0" err="1"/>
+              <a:t>størrelse</a:t>
+            </a:r>
+            <a:r>
+              <a:rPr lang="en-GB" sz="2200" dirty="0"/>
+              <a:t> </a:t>
+            </a:r>
+            <a:r>
+              <a:rPr lang="en-GB" sz="2200" dirty="0" err="1"/>
+              <a:t>mellem</a:t>
+            </a:r>
+            <a:r>
+              <a:rPr lang="en-GB" sz="2200" dirty="0"/>
+              <a:t> 2 </a:t>
+            </a:r>
+            <a:r>
+              <a:rPr lang="en-GB" sz="2200" dirty="0" err="1"/>
+              <a:t>og</a:t>
+            </a:r>
+            <a:r>
+              <a:rPr lang="en-GB" sz="2200" dirty="0"/>
+              <a:t> 5 </a:t>
+            </a:r>
+            <a:r>
+              <a:rPr lang="en-GB" sz="2200" dirty="0" err="1"/>
+              <a:t>felter</a:t>
+            </a:r>
+            <a:r>
+              <a:rPr lang="en-GB" sz="2200" dirty="0"/>
+              <a:t>.</a:t>
+            </a:r>
+          </a:p>
+          <a:p>
+            <a:pPr marL="285750" indent="-285750">
+              <a:buFont typeface="Arial" panose="020B0604020202020204" pitchFamily="34" charset="0"/>
+              <a:buChar char="•"/>
+            </a:pPr>
+            <a:r>
+              <a:rPr lang="en-GB" sz="2200" dirty="0"/>
+              <a:t>Vi </a:t>
+            </a:r>
+            <a:r>
+              <a:rPr lang="en-GB" sz="2200" dirty="0" err="1"/>
+              <a:t>vælger</a:t>
+            </a:r>
+            <a:r>
+              <a:rPr lang="en-GB" sz="2200" dirty="0"/>
+              <a:t> 4 </a:t>
+            </a:r>
+            <a:r>
+              <a:rPr lang="en-GB" sz="2200" dirty="0" err="1"/>
+              <a:t>skibe</a:t>
+            </a:r>
+            <a:r>
+              <a:rPr lang="en-GB" sz="2200" dirty="0"/>
+              <a:t>, 2 </a:t>
+            </a:r>
+            <a:r>
+              <a:rPr lang="en-GB" sz="2200" dirty="0" err="1"/>
+              <a:t>små</a:t>
+            </a:r>
+            <a:r>
+              <a:rPr lang="en-GB" sz="2200" dirty="0"/>
+              <a:t>, 1 </a:t>
+            </a:r>
+            <a:r>
+              <a:rPr lang="en-GB" sz="2200" dirty="0" err="1"/>
+              <a:t>mellem</a:t>
+            </a:r>
+            <a:r>
+              <a:rPr lang="en-GB" sz="2200" dirty="0"/>
+              <a:t> </a:t>
+            </a:r>
+            <a:r>
+              <a:rPr lang="en-GB" sz="2200" dirty="0" err="1"/>
+              <a:t>og</a:t>
+            </a:r>
+            <a:r>
+              <a:rPr lang="en-GB" sz="2200" dirty="0"/>
+              <a:t> 1 </a:t>
+            </a:r>
+            <a:r>
+              <a:rPr lang="en-GB" sz="2200" dirty="0" err="1"/>
+              <a:t>stort</a:t>
+            </a:r>
+            <a:r>
+              <a:rPr lang="en-GB" sz="2200" dirty="0"/>
+              <a:t>. Vi </a:t>
+            </a:r>
+            <a:r>
+              <a:rPr lang="en-GB" sz="2200" dirty="0" err="1"/>
+              <a:t>sikrer</a:t>
+            </a:r>
+            <a:r>
+              <a:rPr lang="en-GB" sz="2200" dirty="0"/>
+              <a:t> at </a:t>
+            </a:r>
+            <a:r>
+              <a:rPr lang="en-GB" sz="2200" dirty="0" err="1"/>
+              <a:t>programmet</a:t>
+            </a:r>
+            <a:r>
+              <a:rPr lang="en-GB" sz="2200" dirty="0"/>
+              <a:t> </a:t>
+            </a:r>
+            <a:r>
+              <a:rPr lang="en-GB" sz="2200" dirty="0" err="1"/>
+              <a:t>nemt</a:t>
+            </a:r>
+            <a:r>
+              <a:rPr lang="en-GB" sz="2200" dirty="0"/>
+              <a:t> </a:t>
+            </a:r>
+            <a:r>
+              <a:rPr lang="en-GB" sz="2200" dirty="0" err="1"/>
+              <a:t>kan</a:t>
+            </a:r>
+            <a:r>
+              <a:rPr lang="en-GB" sz="2200" dirty="0"/>
+              <a:t> </a:t>
+            </a:r>
+            <a:r>
+              <a:rPr lang="en-GB" sz="2200" dirty="0" err="1"/>
+              <a:t>opdateres</a:t>
+            </a:r>
+            <a:r>
+              <a:rPr lang="en-GB" sz="2200" dirty="0"/>
+              <a:t> med et </a:t>
+            </a:r>
+            <a:r>
+              <a:rPr lang="en-GB" sz="2200" dirty="0" err="1"/>
+              <a:t>andet</a:t>
+            </a:r>
+            <a:r>
+              <a:rPr lang="en-GB" sz="2200" dirty="0"/>
+              <a:t> </a:t>
+            </a:r>
+            <a:r>
+              <a:rPr lang="en-GB" sz="2200" dirty="0" err="1"/>
+              <a:t>antal</a:t>
+            </a:r>
+            <a:r>
+              <a:rPr lang="en-GB" sz="2200" dirty="0"/>
+              <a:t> </a:t>
+            </a:r>
+            <a:r>
+              <a:rPr lang="en-GB" sz="2200" dirty="0" err="1"/>
+              <a:t>og</a:t>
+            </a:r>
+            <a:r>
+              <a:rPr lang="en-GB" sz="2200" dirty="0"/>
+              <a:t> </a:t>
+            </a:r>
+            <a:r>
+              <a:rPr lang="en-GB" sz="2200" dirty="0" err="1"/>
+              <a:t>størrelser</a:t>
+            </a:r>
+            <a:r>
+              <a:rPr lang="en-GB" sz="2200" dirty="0"/>
+              <a:t>.</a:t>
+            </a:r>
+          </a:p>
+        </p:txBody>
+      </p:sp>
+      <p:sp>
+        <p:nvSpPr>
+          <p:cNvPr id="16" name="Content Placeholder 2">
+            <a:extLst>
+              <a:ext uri="{FF2B5EF4-FFF2-40B4-BE49-F238E27FC236}">
+                <a16:creationId xmlns:a16="http://schemas.microsoft.com/office/drawing/2014/main" id="{88AF8A21-3088-474F-A7EF-53643A4770C9}"/>
+              </a:ext>
+            </a:extLst>
+          </p:cNvPr>
+          <p:cNvSpPr>
+            <a:spLocks noGrp="1"/>
+          </p:cNvSpPr>
+          <p:nvPr>
+            <p:ph idx="1"/>
+          </p:nvPr>
+        </p:nvSpPr>
+        <p:spPr>
+          <a:xfrm>
+            <a:off x="5834135" y="198004"/>
+            <a:ext cx="6191699" cy="6414581"/>
+          </a:xfrm>
+          <a:ln>
+            <a:solidFill>
+              <a:schemeClr val="tx1"/>
+            </a:solidFill>
+          </a:ln>
+        </p:spPr>
+        <p:txBody>
+          <a:bodyPr>
+            <a:normAutofit fontScale="92500"/>
+          </a:bodyPr>
+          <a:lstStyle/>
+          <a:p>
+            <a:pPr marL="0" indent="0">
+              <a:buNone/>
+            </a:pPr>
+            <a:r>
+              <a:rPr lang="da-DK" sz="2600" dirty="0" err="1"/>
+              <a:t>Use</a:t>
+            </a:r>
+            <a:r>
+              <a:rPr lang="da-DK" sz="2600" dirty="0"/>
+              <a:t>-case: Sænke slagskibe</a:t>
+            </a:r>
+          </a:p>
+          <a:p>
+            <a:pPr marL="0" indent="0">
+              <a:buNone/>
+            </a:pPr>
+            <a:r>
+              <a:rPr lang="da-DK" sz="2600" dirty="0"/>
+              <a:t> </a:t>
+            </a:r>
+          </a:p>
+          <a:p>
+            <a:pPr marL="0" indent="0">
+              <a:buNone/>
+            </a:pPr>
+            <a:r>
+              <a:rPr lang="da-DK" sz="2600" dirty="0"/>
+              <a:t>Dette er et spil for to personer, der kan spilles med papir og blyant. Der spilles på fire plader, to for hver spiller, og hver plade er inddelt i 10x10 felter. Hvert felt identificeres vha. dets række og søjle nummer.</a:t>
+            </a:r>
+          </a:p>
+          <a:p>
+            <a:pPr marL="0" indent="0">
+              <a:buNone/>
+            </a:pPr>
+            <a:r>
+              <a:rPr lang="da-DK" sz="2600" dirty="0"/>
+              <a:t>Hver spiller får tildelt et antal skibe, som placeres på spillerens ene plade og markerer, hvor modstanderen har forsøgt at skyde. På den anden plade markerer spilleren tilsvarende, hvor han/hun har forsøgt at ramme modstanderen.</a:t>
+            </a:r>
+          </a:p>
+          <a:p>
+            <a:pPr marL="0" indent="0">
+              <a:buNone/>
+            </a:pPr>
+            <a:r>
+              <a:rPr lang="da-DK" sz="2600" dirty="0"/>
+              <a:t>Når skibene er placeret skiftes spillerne til at skyde på modstanderens felt, og modstanderen annoncerer ramt eller plask, alt efter om et skib blev ramt eller ej. Vinderen er den, der først får sænket alle modstanderes skibe.</a:t>
+            </a:r>
+          </a:p>
+        </p:txBody>
+      </p:sp>
+      <p:sp>
+        <p:nvSpPr>
+          <p:cNvPr id="17" name="TextBox 16">
+            <a:extLst>
+              <a:ext uri="{FF2B5EF4-FFF2-40B4-BE49-F238E27FC236}">
+                <a16:creationId xmlns:a16="http://schemas.microsoft.com/office/drawing/2014/main" id="{33F81A96-DB78-7849-952F-4715F1651044}"/>
+              </a:ext>
+            </a:extLst>
+          </p:cNvPr>
+          <p:cNvSpPr txBox="1"/>
+          <p:nvPr/>
+        </p:nvSpPr>
+        <p:spPr>
+          <a:xfrm>
+            <a:off x="245678" y="892432"/>
+            <a:ext cx="5508944" cy="430887"/>
+          </a:xfrm>
+          <a:prstGeom prst="rect">
+            <a:avLst/>
+          </a:prstGeom>
+          <a:noFill/>
+          <a:ln w="63500">
+            <a:solidFill>
+              <a:schemeClr val="accent2"/>
+            </a:solidFill>
+          </a:ln>
+        </p:spPr>
+        <p:txBody>
+          <a:bodyPr wrap="none" rtlCol="0">
+            <a:spAutoFit/>
+          </a:bodyPr>
+          <a:lstStyle/>
+          <a:p>
+            <a:r>
+              <a:rPr lang="en-GB" sz="2200" dirty="0" err="1"/>
+              <a:t>Opgaven</a:t>
+            </a:r>
+            <a:r>
+              <a:rPr lang="en-GB" sz="2200" dirty="0"/>
+              <a:t> </a:t>
+            </a:r>
+            <a:r>
+              <a:rPr lang="en-GB" sz="2200" dirty="0" err="1"/>
+              <a:t>er</a:t>
+            </a:r>
+            <a:r>
+              <a:rPr lang="en-GB" sz="2200" dirty="0"/>
+              <a:t> </a:t>
+            </a:r>
+            <a:r>
+              <a:rPr lang="en-GB" sz="2200" dirty="0" err="1"/>
+              <a:t>ikke</a:t>
+            </a:r>
+            <a:r>
+              <a:rPr lang="en-GB" sz="2200" dirty="0"/>
+              <a:t> </a:t>
+            </a:r>
+            <a:r>
+              <a:rPr lang="en-GB" sz="2200" dirty="0" err="1"/>
+              <a:t>fuldt</a:t>
+            </a:r>
+            <a:r>
+              <a:rPr lang="en-GB" sz="2200" dirty="0"/>
+              <a:t> </a:t>
+            </a:r>
+            <a:r>
+              <a:rPr lang="en-GB" sz="2200" dirty="0" err="1"/>
+              <a:t>specificeret</a:t>
+            </a:r>
+            <a:r>
+              <a:rPr lang="en-GB" sz="2200" dirty="0"/>
+              <a:t>, </a:t>
+            </a:r>
+            <a:r>
+              <a:rPr lang="en-GB" sz="2200" dirty="0" err="1"/>
+              <a:t>hvad</a:t>
+            </a:r>
+            <a:r>
+              <a:rPr lang="en-GB" sz="2200" dirty="0"/>
+              <a:t> </a:t>
+            </a:r>
+            <a:r>
+              <a:rPr lang="en-GB" sz="2200" dirty="0" err="1"/>
+              <a:t>gør</a:t>
+            </a:r>
+            <a:r>
+              <a:rPr lang="en-GB" sz="2200" dirty="0"/>
+              <a:t> vi?</a:t>
+            </a:r>
+          </a:p>
+        </p:txBody>
+      </p:sp>
+    </p:spTree>
+    <p:extLst>
+      <p:ext uri="{BB962C8B-B14F-4D97-AF65-F5344CB8AC3E}">
+        <p14:creationId xmlns:p14="http://schemas.microsoft.com/office/powerpoint/2010/main" val="761979977"/>
+      </p:ext>
+    </p:extLst>
+  </p:cSld>
+  <p:clrMapOvr>
+    <a:masterClrMapping/>
+  </p:clrMapOvr>
+  <p:timing>
+    <p:tnLst>
+      <p:par>
+        <p:cTn id="1" dur="indefinite" restart="never" nodeType="tmRoot">
+          <p:childTnLst>
+            <p:seq concurrent="1" nextAc="seek">
+              <p:cTn id="2" dur="indefinite" nodeType="mainSeq">
+                <p:childTnLst>
+                  <p:par>
+                    <p:cTn id="3" fill="hold">
+                      <p:stCondLst>
+                        <p:cond delay="indefinite"/>
+                      </p:stCondLst>
+                      <p:childTnLst>
+                        <p:par>
+                          <p:cTn id="4" fill="hold">
+                            <p:stCondLst>
+                              <p:cond delay="0"/>
+                            </p:stCondLst>
+                            <p:childTnLst>
+                              <p:par>
+                                <p:cTn id="5" presetID="1" presetClass="entr" presetSubtype="0" fill="hold" grpId="0" nodeType="clickEffect">
+                                  <p:stCondLst>
+                                    <p:cond delay="0"/>
+                                  </p:stCondLst>
+                                  <p:childTnLst>
+                                    <p:set>
+                                      <p:cBhvr>
+                                        <p:cTn id="6" dur="1" fill="hold">
+                                          <p:stCondLst>
+                                            <p:cond delay="0"/>
+                                          </p:stCondLst>
+                                        </p:cTn>
+                                        <p:tgtEl>
+                                          <p:spTgt spid="15"/>
+                                        </p:tgtEl>
+                                        <p:attrNameLst>
+                                          <p:attrName>style.visibility</p:attrName>
+                                        </p:attrNameLst>
+                                      </p:cBhvr>
+                                      <p:to>
+                                        <p:strVal val="visible"/>
+                                      </p:to>
+                                    </p:set>
+                                  </p:childTnLst>
+                                </p:cTn>
+                              </p:par>
+                            </p:childTnLst>
+                          </p:cTn>
+                        </p:par>
+                      </p:childTnLst>
+                    </p:cTn>
+                  </p:par>
+                </p:childTnLst>
+              </p:cTn>
+              <p:prevCondLst>
+                <p:cond evt="onPrev" delay="0">
+                  <p:tgtEl>
+                    <p:sldTgt/>
+                  </p:tgtEl>
+                </p:cond>
+              </p:prevCondLst>
+              <p:nextCondLst>
+                <p:cond evt="onNext" delay="0">
+                  <p:tgtEl>
+                    <p:sldTgt/>
+                  </p:tgtEl>
+                </p:cond>
+              </p:nextCondLst>
+            </p:seq>
+          </p:childTnLst>
+        </p:cTn>
+      </p:par>
+    </p:tnLst>
+    <p:bldLst>
+      <p:bldP spid="15" grpId="0" animBg="1"/>
+    </p:bldLst>
+  </p:timing>
+</p:sld>
+</file>
+
+<file path=ppt/slides/slide15.xml><?xml version="1.0" encoding="utf-8"?>
 <p:sld xmlns:a="http://schemas.openxmlformats.org/drawingml/2006/main" xmlns:r="http://schemas.openxmlformats.org/officeDocument/2006/relationships" xmlns:p="http://schemas.openxmlformats.org/presentationml/2006/main">
   <p:cSld>
     <p:spTree>
@@ -6698,137 +7599,6 @@
       </p:grpSp>
       <p:sp>
         <p:nvSpPr>
-          <p:cNvPr id="14" name="TextBox 13">
-            <a:extLst>
-              <a:ext uri="{FF2B5EF4-FFF2-40B4-BE49-F238E27FC236}">
-                <a16:creationId xmlns:a16="http://schemas.microsoft.com/office/drawing/2014/main" id="{90140142-25C2-2F4D-B1AD-4719F86C375F}"/>
-              </a:ext>
-            </a:extLst>
-          </p:cNvPr>
-          <p:cNvSpPr txBox="1"/>
-          <p:nvPr/>
-        </p:nvSpPr>
-        <p:spPr>
-          <a:xfrm>
-            <a:off x="245678" y="1266914"/>
-            <a:ext cx="5349209" cy="1107996"/>
-          </a:xfrm>
-          <a:prstGeom prst="rect">
-            <a:avLst/>
-          </a:prstGeom>
-          <a:noFill/>
-          <a:ln w="63500">
-            <a:solidFill>
-              <a:schemeClr val="accent2"/>
-            </a:solidFill>
-          </a:ln>
-        </p:spPr>
-        <p:txBody>
-          <a:bodyPr wrap="square" rtlCol="0">
-            <a:spAutoFit/>
-          </a:bodyPr>
-          <a:lstStyle/>
-          <a:p>
-            <a:pPr marL="342900" indent="-342900">
-              <a:buFont typeface="Arial" panose="020B0604020202020204" pitchFamily="34" charset="0"/>
-              <a:buChar char="•"/>
-            </a:pPr>
-            <a:r>
-              <a:rPr lang="en-GB" sz="2200" dirty="0" err="1"/>
-              <a:t>Identificer</a:t>
-            </a:r>
-            <a:r>
-              <a:rPr lang="en-GB" sz="2200" dirty="0"/>
-              <a:t> </a:t>
-            </a:r>
-            <a:r>
-              <a:rPr lang="en-GB" sz="2200" dirty="0" err="1"/>
-              <a:t>uklare</a:t>
-            </a:r>
-            <a:r>
-              <a:rPr lang="en-GB" sz="2200" dirty="0"/>
-              <a:t> </a:t>
-            </a:r>
-            <a:r>
-              <a:rPr lang="en-GB" sz="2200" dirty="0" err="1"/>
-              <a:t>eller</a:t>
-            </a:r>
-            <a:r>
-              <a:rPr lang="en-GB" sz="2200" dirty="0"/>
-              <a:t> </a:t>
-            </a:r>
-            <a:r>
-              <a:rPr lang="en-GB" sz="2200" dirty="0" err="1"/>
-              <a:t>løse</a:t>
-            </a:r>
-            <a:r>
-              <a:rPr lang="en-GB" sz="2200" dirty="0"/>
-              <a:t> </a:t>
-            </a:r>
-            <a:r>
-              <a:rPr lang="en-GB" sz="2200" dirty="0" err="1"/>
-              <a:t>specifikationer</a:t>
-            </a:r>
-            <a:endParaRPr lang="en-GB" sz="2200" dirty="0"/>
-          </a:p>
-          <a:p>
-            <a:pPr marL="342900" indent="-342900">
-              <a:buFont typeface="Arial" panose="020B0604020202020204" pitchFamily="34" charset="0"/>
-              <a:buChar char="•"/>
-            </a:pPr>
-            <a:r>
-              <a:rPr lang="en-GB" sz="2200" dirty="0" err="1"/>
-              <a:t>Beskriv</a:t>
-            </a:r>
-            <a:r>
-              <a:rPr lang="en-GB" sz="2200" dirty="0"/>
-              <a:t> </a:t>
-            </a:r>
-            <a:r>
-              <a:rPr lang="en-GB" sz="2200" dirty="0" err="1"/>
-              <a:t>mulige</a:t>
-            </a:r>
-            <a:r>
-              <a:rPr lang="en-GB" sz="2200" dirty="0"/>
-              <a:t> </a:t>
-            </a:r>
-            <a:r>
-              <a:rPr lang="en-GB" sz="2200" dirty="0" err="1"/>
-              <a:t>løsninger</a:t>
-            </a:r>
-            <a:endParaRPr lang="en-GB" sz="2200" dirty="0"/>
-          </a:p>
-          <a:p>
-            <a:pPr marL="342900" indent="-342900">
-              <a:buFont typeface="Arial" panose="020B0604020202020204" pitchFamily="34" charset="0"/>
-              <a:buChar char="•"/>
-            </a:pPr>
-            <a:r>
-              <a:rPr lang="en-GB" sz="2200" dirty="0" err="1"/>
-              <a:t>Vælg</a:t>
-            </a:r>
-            <a:r>
-              <a:rPr lang="en-GB" sz="2200" dirty="0"/>
-              <a:t> </a:t>
-            </a:r>
-            <a:r>
-              <a:rPr lang="en-GB" sz="2200" dirty="0" err="1"/>
-              <a:t>og</a:t>
-            </a:r>
-            <a:r>
-              <a:rPr lang="en-GB" sz="2200" dirty="0"/>
-              <a:t> </a:t>
-            </a:r>
-            <a:r>
-              <a:rPr lang="en-GB" sz="2200" dirty="0" err="1"/>
-              <a:t>argumentér</a:t>
-            </a:r>
-            <a:endParaRPr lang="en-GB" sz="2200" dirty="0"/>
-          </a:p>
-        </p:txBody>
-      </p:sp>
-      <p:sp>
-        <p:nvSpPr>
           <p:cNvPr id="15" name="TextBox 14">
             <a:extLst>
               <a:ext uri="{FF2B5EF4-FFF2-40B4-BE49-F238E27FC236}">
@@ -6841,7 +7611,7 @@
         </p:nvSpPr>
         <p:spPr>
           <a:xfrm>
-            <a:off x="245678" y="2796156"/>
+            <a:off x="245678" y="927601"/>
             <a:ext cx="5349209" cy="3816429"/>
           </a:xfrm>
           <a:prstGeom prst="rect">
@@ -6862,11 +7632,11 @@
           <a:p>
             <a:r>
               <a:rPr lang="en-GB" sz="2200" dirty="0" err="1"/>
-              <a:t>F.eks</a:t>
+              <a:t>Skibe</a:t>
             </a:r>
             <a:r>
               <a:rPr lang="en-GB" sz="2200" dirty="0"/>
-              <a:t>.:</a:t>
+              <a:t>:</a:t>
             </a:r>
           </a:p>
           <a:p>
@@ -7240,7 +8010,3292 @@
     </p:spTree>
     <p:extLst>
       <p:ext uri="{BB962C8B-B14F-4D97-AF65-F5344CB8AC3E}">
-        <p14:creationId xmlns:p14="http://schemas.microsoft.com/office/powerpoint/2010/main" val="761979977"/>
+        <p14:creationId xmlns:p14="http://schemas.microsoft.com/office/powerpoint/2010/main" val="4227216088"/>
+      </p:ext>
+    </p:extLst>
+  </p:cSld>
+  <p:clrMapOvr>
+    <a:masterClrMapping/>
+  </p:clrMapOvr>
+</p:sld>
+</file>
+
+<file path=ppt/slides/slide16.xml><?xml version="1.0" encoding="utf-8"?>
+<p:sld xmlns:a="http://schemas.openxmlformats.org/drawingml/2006/main" xmlns:r="http://schemas.openxmlformats.org/officeDocument/2006/relationships" xmlns:p="http://schemas.openxmlformats.org/presentationml/2006/main">
+  <p:cSld>
+    <p:spTree>
+      <p:nvGrpSpPr>
+        <p:cNvPr id="1" name=""/>
+        <p:cNvGrpSpPr/>
+        <p:nvPr/>
+      </p:nvGrpSpPr>
+      <p:grpSpPr>
+        <a:xfrm>
+          <a:off x="0" y="0"/>
+          <a:ext cx="0" cy="0"/>
+          <a:chOff x="0" y="0"/>
+          <a:chExt cx="0" cy="0"/>
+        </a:xfrm>
+      </p:grpSpPr>
+      <p:sp>
+        <p:nvSpPr>
+          <p:cNvPr id="8" name="Title 1">
+            <a:extLst>
+              <a:ext uri="{FF2B5EF4-FFF2-40B4-BE49-F238E27FC236}">
+                <a16:creationId xmlns:a16="http://schemas.microsoft.com/office/drawing/2014/main" id="{9BC41EBE-0CFC-BB44-ABFD-042EF58D24BB}"/>
+              </a:ext>
+            </a:extLst>
+          </p:cNvPr>
+          <p:cNvSpPr txBox="1">
+            <a:spLocks/>
+          </p:cNvSpPr>
+          <p:nvPr/>
+        </p:nvSpPr>
+        <p:spPr>
+          <a:xfrm>
+            <a:off x="89648" y="32523"/>
+            <a:ext cx="11472087" cy="1084122"/>
+          </a:xfrm>
+          <a:prstGeom prst="rect">
+            <a:avLst/>
+          </a:prstGeom>
+        </p:spPr>
+        <p:txBody>
+          <a:bodyPr vert="horz" lIns="91440" tIns="45720" rIns="91440" bIns="45720" rtlCol="0" anchor="ctr">
+            <a:normAutofit/>
+          </a:bodyPr>
+          <a:lstStyle>
+            <a:lvl1pPr algn="l" defTabSz="914400" rtl="0" eaLnBrk="1" latinLnBrk="0" hangingPunct="1">
+              <a:lnSpc>
+                <a:spcPct val="90000"/>
+              </a:lnSpc>
+              <a:spcBef>
+                <a:spcPct val="0"/>
+              </a:spcBef>
+              <a:buNone/>
+              <a:defRPr sz="4400" kern="1200">
+                <a:solidFill>
+                  <a:schemeClr val="tx1"/>
+                </a:solidFill>
+                <a:latin typeface="+mj-lt"/>
+                <a:ea typeface="+mj-ea"/>
+                <a:cs typeface="+mj-cs"/>
+              </a:defRPr>
+            </a:lvl1pPr>
+          </a:lstStyle>
+          <a:p>
+            <a:r>
+              <a:rPr lang="da-DK" dirty="0"/>
+              <a:t>Sænke slagskibe: </a:t>
+            </a:r>
+            <a:r>
+              <a:rPr lang="en-GB" i="1" dirty="0" err="1"/>
+              <a:t>Kender</a:t>
+            </a:r>
+            <a:r>
+              <a:rPr lang="en-GB" i="1" dirty="0"/>
+              <a:t> </a:t>
+            </a:r>
+            <a:r>
+              <a:rPr lang="en-GB" i="1" dirty="0" err="1"/>
+              <a:t>til</a:t>
+            </a:r>
+            <a:r>
+              <a:rPr lang="en-GB" i="1" dirty="0"/>
+              <a:t> </a:t>
+            </a:r>
+            <a:r>
+              <a:rPr lang="en-GB" i="1" dirty="0" err="1"/>
+              <a:t>relationer</a:t>
+            </a:r>
+            <a:endParaRPr lang="da-DK" dirty="0"/>
+          </a:p>
+        </p:txBody>
+      </p:sp>
+      <p:sp>
+        <p:nvSpPr>
+          <p:cNvPr id="15" name="TextBox 14">
+            <a:extLst>
+              <a:ext uri="{FF2B5EF4-FFF2-40B4-BE49-F238E27FC236}">
+                <a16:creationId xmlns:a16="http://schemas.microsoft.com/office/drawing/2014/main" id="{DE138CF0-103B-0446-A8F8-D0C2147732E7}"/>
+              </a:ext>
+            </a:extLst>
+          </p:cNvPr>
+          <p:cNvSpPr txBox="1"/>
+          <p:nvPr/>
+        </p:nvSpPr>
+        <p:spPr>
+          <a:xfrm>
+            <a:off x="245678" y="1029351"/>
+            <a:ext cx="5353944" cy="2123658"/>
+          </a:xfrm>
+          <a:prstGeom prst="rect">
+            <a:avLst/>
+          </a:prstGeom>
+          <a:noFill/>
+          <a:ln>
+            <a:solidFill>
+              <a:schemeClr val="tx1"/>
+            </a:solidFill>
+          </a:ln>
+        </p:spPr>
+        <p:txBody>
+          <a:bodyPr wrap="square" rtlCol="0">
+            <a:spAutoFit/>
+          </a:bodyPr>
+          <a:lstStyle/>
+          <a:p>
+            <a:r>
+              <a:rPr lang="en-GB" sz="2200" dirty="0" err="1"/>
+              <a:t>Problemer</a:t>
+            </a:r>
+            <a:r>
+              <a:rPr lang="en-GB" sz="2200" dirty="0"/>
+              <a:t>:</a:t>
+            </a:r>
+          </a:p>
+          <a:p>
+            <a:pPr marL="285750" indent="-285750">
+              <a:buFont typeface="Arial" panose="020B0604020202020204" pitchFamily="34" charset="0"/>
+              <a:buChar char="•"/>
+            </a:pPr>
+            <a:r>
+              <a:rPr lang="en-GB" sz="2200" dirty="0" err="1"/>
+              <a:t>Hvordan</a:t>
+            </a:r>
+            <a:r>
+              <a:rPr lang="en-GB" sz="2200" dirty="0"/>
+              <a:t> </a:t>
+            </a:r>
+            <a:r>
+              <a:rPr lang="en-GB" sz="2200" dirty="0" err="1"/>
+              <a:t>skal</a:t>
+            </a:r>
+            <a:r>
+              <a:rPr lang="en-GB" sz="2200" dirty="0"/>
+              <a:t> vi </a:t>
+            </a:r>
+            <a:r>
+              <a:rPr lang="en-GB" sz="2200" dirty="0" err="1"/>
+              <a:t>placere</a:t>
+            </a:r>
+            <a:r>
+              <a:rPr lang="en-GB" sz="2200" dirty="0"/>
+              <a:t> </a:t>
+            </a:r>
+            <a:r>
+              <a:rPr lang="en-GB" sz="2200" dirty="0" err="1"/>
+              <a:t>skibe</a:t>
+            </a:r>
+            <a:r>
+              <a:rPr lang="en-GB" sz="2200" dirty="0"/>
+              <a:t> </a:t>
+            </a:r>
+            <a:r>
+              <a:rPr lang="en-GB" sz="2200" dirty="0" err="1"/>
+              <a:t>på</a:t>
+            </a:r>
+            <a:r>
+              <a:rPr lang="en-GB" sz="2200" dirty="0"/>
+              <a:t> </a:t>
+            </a:r>
+            <a:r>
+              <a:rPr lang="en-GB" sz="2200" dirty="0" err="1"/>
+              <a:t>brættet</a:t>
+            </a:r>
+            <a:r>
+              <a:rPr lang="en-GB" sz="2200" dirty="0"/>
+              <a:t>?</a:t>
+            </a:r>
+          </a:p>
+          <a:p>
+            <a:pPr marL="285750" indent="-285750">
+              <a:buFont typeface="Arial" panose="020B0604020202020204" pitchFamily="34" charset="0"/>
+              <a:buChar char="•"/>
+            </a:pPr>
+            <a:r>
+              <a:rPr lang="en-GB" sz="2200" dirty="0" err="1"/>
+              <a:t>Hvordan</a:t>
+            </a:r>
+            <a:r>
+              <a:rPr lang="en-GB" sz="2200" dirty="0"/>
+              <a:t> </a:t>
+            </a:r>
+            <a:r>
+              <a:rPr lang="en-GB" sz="2200" dirty="0" err="1"/>
+              <a:t>skal</a:t>
+            </a:r>
+            <a:r>
+              <a:rPr lang="en-GB" sz="2200" dirty="0"/>
+              <a:t> vi </a:t>
+            </a:r>
+            <a:r>
+              <a:rPr lang="en-GB" sz="2200" dirty="0" err="1"/>
+              <a:t>repræsentere</a:t>
+            </a:r>
+            <a:r>
+              <a:rPr lang="en-GB" sz="2200" dirty="0"/>
+              <a:t>, at der </a:t>
+            </a:r>
+            <a:r>
+              <a:rPr lang="en-GB" sz="2200" dirty="0" err="1"/>
+              <a:t>er</a:t>
+            </a:r>
+            <a:r>
+              <a:rPr lang="en-GB" sz="2200" dirty="0"/>
+              <a:t> </a:t>
+            </a:r>
+            <a:r>
+              <a:rPr lang="en-GB" sz="2200" dirty="0" err="1"/>
+              <a:t>blevet</a:t>
+            </a:r>
+            <a:r>
+              <a:rPr lang="en-GB" sz="2200" dirty="0"/>
+              <a:t> </a:t>
+            </a:r>
+            <a:r>
+              <a:rPr lang="en-GB" sz="2200" dirty="0" err="1"/>
+              <a:t>skudt</a:t>
+            </a:r>
+            <a:r>
+              <a:rPr lang="en-GB" sz="2200" dirty="0"/>
+              <a:t> </a:t>
+            </a:r>
+            <a:r>
+              <a:rPr lang="en-GB" sz="2200" dirty="0" err="1"/>
+              <a:t>på</a:t>
+            </a:r>
+            <a:r>
+              <a:rPr lang="en-GB" sz="2200" dirty="0"/>
+              <a:t> et felt </a:t>
+            </a:r>
+            <a:r>
+              <a:rPr lang="en-GB" sz="2200" dirty="0" err="1"/>
+              <a:t>eller</a:t>
+            </a:r>
+            <a:r>
+              <a:rPr lang="en-GB" sz="2200" dirty="0"/>
+              <a:t> </a:t>
+            </a:r>
+            <a:r>
+              <a:rPr lang="en-GB" sz="2200" dirty="0" err="1"/>
+              <a:t>ej</a:t>
+            </a:r>
+            <a:r>
+              <a:rPr lang="en-GB" sz="2200" dirty="0"/>
+              <a:t>?</a:t>
+            </a:r>
+          </a:p>
+          <a:p>
+            <a:pPr marL="285750" indent="-285750">
+              <a:buFont typeface="Arial" panose="020B0604020202020204" pitchFamily="34" charset="0"/>
+              <a:buChar char="•"/>
+            </a:pPr>
+            <a:r>
+              <a:rPr lang="en-GB" sz="2200" dirty="0" err="1"/>
+              <a:t>Hvordan</a:t>
+            </a:r>
+            <a:r>
+              <a:rPr lang="en-GB" sz="2200" dirty="0"/>
+              <a:t> </a:t>
+            </a:r>
+            <a:r>
+              <a:rPr lang="en-GB" sz="2200" dirty="0" err="1"/>
+              <a:t>skal</a:t>
+            </a:r>
+            <a:r>
+              <a:rPr lang="en-GB" sz="2200" dirty="0"/>
+              <a:t> vi </a:t>
+            </a:r>
+            <a:r>
+              <a:rPr lang="en-GB" sz="2200" dirty="0" err="1"/>
+              <a:t>holde</a:t>
+            </a:r>
+            <a:r>
+              <a:rPr lang="en-GB" sz="2200" dirty="0"/>
+              <a:t> </a:t>
+            </a:r>
+            <a:r>
+              <a:rPr lang="en-GB" sz="2200" dirty="0" err="1"/>
+              <a:t>øje</a:t>
+            </a:r>
+            <a:r>
+              <a:rPr lang="en-GB" sz="2200" dirty="0"/>
+              <a:t> med om et </a:t>
+            </a:r>
+            <a:r>
+              <a:rPr lang="en-GB" sz="2200" dirty="0" err="1"/>
+              <a:t>skib</a:t>
+            </a:r>
+            <a:r>
+              <a:rPr lang="en-GB" sz="2200" dirty="0"/>
+              <a:t> </a:t>
+            </a:r>
+            <a:r>
+              <a:rPr lang="en-GB" sz="2200" dirty="0" err="1"/>
+              <a:t>er</a:t>
+            </a:r>
+            <a:r>
+              <a:rPr lang="en-GB" sz="2200" dirty="0"/>
+              <a:t> </a:t>
+            </a:r>
+            <a:r>
+              <a:rPr lang="en-GB" sz="2200" dirty="0" err="1"/>
+              <a:t>sænket</a:t>
+            </a:r>
+            <a:r>
+              <a:rPr lang="en-GB" sz="2200" dirty="0"/>
+              <a:t> </a:t>
+            </a:r>
+            <a:r>
+              <a:rPr lang="en-GB" sz="2200" dirty="0" err="1"/>
+              <a:t>eller</a:t>
+            </a:r>
+            <a:r>
+              <a:rPr lang="en-GB" sz="2200" dirty="0"/>
+              <a:t> </a:t>
+            </a:r>
+            <a:r>
+              <a:rPr lang="en-GB" sz="2200" dirty="0" err="1"/>
+              <a:t>ej</a:t>
+            </a:r>
+            <a:r>
+              <a:rPr lang="en-GB" sz="2200" dirty="0"/>
+              <a:t>?</a:t>
+            </a:r>
+          </a:p>
+        </p:txBody>
+      </p:sp>
+      <p:sp>
+        <p:nvSpPr>
+          <p:cNvPr id="3" name="TextBox 2">
+            <a:extLst>
+              <a:ext uri="{FF2B5EF4-FFF2-40B4-BE49-F238E27FC236}">
+                <a16:creationId xmlns:a16="http://schemas.microsoft.com/office/drawing/2014/main" id="{D5611F72-FDFD-B84B-B4D7-9AAB266C14D3}"/>
+              </a:ext>
+            </a:extLst>
+          </p:cNvPr>
+          <p:cNvSpPr txBox="1"/>
+          <p:nvPr/>
+        </p:nvSpPr>
+        <p:spPr>
+          <a:xfrm>
+            <a:off x="245678" y="3750590"/>
+            <a:ext cx="5351560" cy="1107996"/>
+          </a:xfrm>
+          <a:prstGeom prst="rect">
+            <a:avLst/>
+          </a:prstGeom>
+          <a:noFill/>
+          <a:ln>
+            <a:solidFill>
+              <a:schemeClr val="tx1"/>
+            </a:solidFill>
+          </a:ln>
+        </p:spPr>
+        <p:txBody>
+          <a:bodyPr wrap="square" rtlCol="0">
+            <a:spAutoFit/>
+          </a:bodyPr>
+          <a:lstStyle/>
+          <a:p>
+            <a:r>
+              <a:rPr lang="en-GB" sz="2200" dirty="0"/>
+              <a:t>Princip: </a:t>
+            </a:r>
+          </a:p>
+          <a:p>
+            <a:pPr marL="285750" indent="-285750">
+              <a:buFont typeface="Arial" panose="020B0604020202020204" pitchFamily="34" charset="0"/>
+              <a:buChar char="•"/>
+            </a:pPr>
+            <a:r>
+              <a:rPr lang="en-GB" sz="2200" dirty="0" err="1"/>
+              <a:t>Objekter</a:t>
+            </a:r>
+            <a:r>
+              <a:rPr lang="en-GB" sz="2200" dirty="0"/>
+              <a:t> </a:t>
+            </a:r>
+            <a:r>
+              <a:rPr lang="en-GB" sz="2200" dirty="0" err="1"/>
+              <a:t>skal</a:t>
+            </a:r>
+            <a:r>
+              <a:rPr lang="en-GB" sz="2200" dirty="0"/>
+              <a:t> </a:t>
+            </a:r>
+            <a:r>
+              <a:rPr lang="en-GB" sz="2200" dirty="0" err="1"/>
+              <a:t>være</a:t>
+            </a:r>
+            <a:r>
+              <a:rPr lang="en-GB" sz="2200" dirty="0"/>
+              <a:t> simple med </a:t>
+            </a:r>
+            <a:r>
+              <a:rPr lang="en-GB" sz="2200" dirty="0" err="1"/>
+              <a:t>så</a:t>
+            </a:r>
+            <a:r>
+              <a:rPr lang="en-GB" sz="2200" dirty="0"/>
+              <a:t> </a:t>
+            </a:r>
+            <a:r>
+              <a:rPr lang="en-GB" sz="2200" dirty="0" err="1"/>
+              <a:t>få</a:t>
+            </a:r>
+            <a:r>
+              <a:rPr lang="en-GB" sz="2200" dirty="0"/>
+              <a:t> </a:t>
+            </a:r>
+            <a:r>
+              <a:rPr lang="en-GB" sz="2200" dirty="0" err="1"/>
+              <a:t>bindinger</a:t>
+            </a:r>
+            <a:r>
+              <a:rPr lang="en-GB" sz="2200" dirty="0"/>
+              <a:t> </a:t>
+            </a:r>
+            <a:r>
+              <a:rPr lang="en-GB" sz="2200" dirty="0" err="1"/>
+              <a:t>til</a:t>
+            </a:r>
+            <a:r>
+              <a:rPr lang="en-GB" sz="2200" dirty="0"/>
+              <a:t> </a:t>
+            </a:r>
+            <a:r>
+              <a:rPr lang="en-GB" sz="2200" dirty="0" err="1"/>
+              <a:t>andre</a:t>
+            </a:r>
+            <a:r>
+              <a:rPr lang="en-GB" sz="2200" dirty="0"/>
+              <a:t>, </a:t>
+            </a:r>
+            <a:r>
+              <a:rPr lang="en-GB" sz="2200" dirty="0" err="1"/>
+              <a:t>som</a:t>
+            </a:r>
+            <a:r>
+              <a:rPr lang="en-GB" sz="2200" dirty="0"/>
+              <a:t> </a:t>
+            </a:r>
+            <a:r>
+              <a:rPr lang="en-GB" sz="2200" dirty="0" err="1"/>
+              <a:t>muligt</a:t>
+            </a:r>
+            <a:endParaRPr lang="en-GB" sz="2200" dirty="0"/>
+          </a:p>
+        </p:txBody>
+      </p:sp>
+      <p:sp>
+        <p:nvSpPr>
+          <p:cNvPr id="4" name="TextBox 3">
+            <a:extLst>
+              <a:ext uri="{FF2B5EF4-FFF2-40B4-BE49-F238E27FC236}">
+                <a16:creationId xmlns:a16="http://schemas.microsoft.com/office/drawing/2014/main" id="{1258F454-B6D8-7D4A-95A3-3A46D5C00EC2}"/>
+              </a:ext>
+            </a:extLst>
+          </p:cNvPr>
+          <p:cNvSpPr txBox="1"/>
+          <p:nvPr/>
+        </p:nvSpPr>
+        <p:spPr>
+          <a:xfrm>
+            <a:off x="245678" y="5167612"/>
+            <a:ext cx="5351559" cy="1446550"/>
+          </a:xfrm>
+          <a:prstGeom prst="rect">
+            <a:avLst/>
+          </a:prstGeom>
+          <a:noFill/>
+          <a:ln>
+            <a:solidFill>
+              <a:schemeClr val="tx1"/>
+            </a:solidFill>
+          </a:ln>
+        </p:spPr>
+        <p:txBody>
+          <a:bodyPr wrap="square" rtlCol="0">
+            <a:spAutoFit/>
+          </a:bodyPr>
+          <a:lstStyle/>
+          <a:p>
+            <a:pPr marL="285750" indent="-285750">
+              <a:buFont typeface="Arial" panose="020B0604020202020204" pitchFamily="34" charset="0"/>
+              <a:buChar char="•"/>
+            </a:pPr>
+            <a:r>
+              <a:rPr lang="en-GB" sz="2200" dirty="0"/>
+              <a:t>Spiller har </a:t>
+            </a:r>
+            <a:r>
+              <a:rPr lang="en-GB" sz="2200" dirty="0" err="1"/>
+              <a:t>skibe</a:t>
+            </a:r>
+            <a:endParaRPr lang="en-GB" sz="2200" dirty="0"/>
+          </a:p>
+          <a:p>
+            <a:pPr marL="285750" indent="-285750">
+              <a:buFont typeface="Arial" panose="020B0604020202020204" pitchFamily="34" charset="0"/>
+              <a:buChar char="•"/>
+            </a:pPr>
+            <a:r>
+              <a:rPr lang="en-GB" sz="2200" dirty="0" err="1"/>
+              <a:t>Skibe</a:t>
+            </a:r>
+            <a:r>
+              <a:rPr lang="en-GB" sz="2200" dirty="0"/>
+              <a:t> </a:t>
+            </a:r>
+            <a:r>
+              <a:rPr lang="en-GB" sz="2200" dirty="0" err="1"/>
+              <a:t>kender</a:t>
+            </a:r>
+            <a:r>
+              <a:rPr lang="en-GB" sz="2200" dirty="0"/>
+              <a:t> </a:t>
+            </a:r>
+            <a:r>
+              <a:rPr lang="en-GB" sz="2200" dirty="0" err="1"/>
+              <a:t>til</a:t>
+            </a:r>
+            <a:r>
+              <a:rPr lang="en-GB" sz="2200" dirty="0"/>
+              <a:t> spiller/</a:t>
+            </a:r>
+            <a:r>
+              <a:rPr lang="en-GB" sz="2200" dirty="0" err="1"/>
+              <a:t>plade</a:t>
+            </a:r>
+            <a:r>
+              <a:rPr lang="en-GB" sz="2200" dirty="0"/>
+              <a:t>/felt/</a:t>
+            </a:r>
+            <a:r>
+              <a:rPr lang="en-GB" sz="2200" dirty="0" err="1"/>
+              <a:t>koordinat</a:t>
+            </a:r>
+            <a:r>
+              <a:rPr lang="en-GB" sz="2200" dirty="0"/>
+              <a:t>?</a:t>
+            </a:r>
+          </a:p>
+          <a:p>
+            <a:pPr marL="285750" indent="-285750">
+              <a:buFont typeface="Arial" panose="020B0604020202020204" pitchFamily="34" charset="0"/>
+              <a:buChar char="•"/>
+            </a:pPr>
+            <a:r>
+              <a:rPr lang="en-GB" sz="2200" dirty="0" err="1"/>
+              <a:t>Plade</a:t>
+            </a:r>
+            <a:r>
+              <a:rPr lang="en-GB" sz="2200" dirty="0"/>
+              <a:t> </a:t>
+            </a:r>
+            <a:r>
+              <a:rPr lang="en-GB" sz="2200" dirty="0" err="1"/>
+              <a:t>kender</a:t>
+            </a:r>
+            <a:r>
+              <a:rPr lang="en-GB" sz="2200" dirty="0"/>
+              <a:t> </a:t>
+            </a:r>
+            <a:r>
+              <a:rPr lang="en-GB" sz="2200" dirty="0" err="1"/>
+              <a:t>til</a:t>
+            </a:r>
+            <a:r>
+              <a:rPr lang="en-GB" sz="2200" dirty="0"/>
+              <a:t> spiller/</a:t>
+            </a:r>
+            <a:r>
+              <a:rPr lang="en-GB" sz="2200" dirty="0" err="1"/>
+              <a:t>skibe</a:t>
+            </a:r>
+            <a:r>
+              <a:rPr lang="en-GB" sz="2200" dirty="0"/>
+              <a:t>?</a:t>
+            </a:r>
+          </a:p>
+        </p:txBody>
+      </p:sp>
+      <p:grpSp>
+        <p:nvGrpSpPr>
+          <p:cNvPr id="45" name="Group 44">
+            <a:extLst>
+              <a:ext uri="{FF2B5EF4-FFF2-40B4-BE49-F238E27FC236}">
+                <a16:creationId xmlns:a16="http://schemas.microsoft.com/office/drawing/2014/main" id="{AF1A72E8-77DF-F142-9A10-B99BD920B4ED}"/>
+              </a:ext>
+            </a:extLst>
+          </p:cNvPr>
+          <p:cNvGrpSpPr/>
+          <p:nvPr/>
+        </p:nvGrpSpPr>
+        <p:grpSpPr>
+          <a:xfrm>
+            <a:off x="5903229" y="2090512"/>
+            <a:ext cx="6196539" cy="2096683"/>
+            <a:chOff x="392624" y="2180416"/>
+            <a:chExt cx="6196539" cy="2096683"/>
+          </a:xfrm>
+        </p:grpSpPr>
+        <p:sp>
+          <p:nvSpPr>
+            <p:cNvPr id="48" name="Rounded Rectangle 47">
+              <a:extLst>
+                <a:ext uri="{FF2B5EF4-FFF2-40B4-BE49-F238E27FC236}">
+                  <a16:creationId xmlns:a16="http://schemas.microsoft.com/office/drawing/2014/main" id="{0609A61C-5C31-5E47-9594-9E27D75EA4C6}"/>
+                </a:ext>
+              </a:extLst>
+            </p:cNvPr>
+            <p:cNvSpPr/>
+            <p:nvPr/>
+          </p:nvSpPr>
+          <p:spPr>
+            <a:xfrm>
+              <a:off x="392624" y="3445029"/>
+              <a:ext cx="1859797" cy="821411"/>
+            </a:xfrm>
+            <a:prstGeom prst="roundRect">
+              <a:avLst/>
+            </a:prstGeom>
+            <a:solidFill>
+              <a:srgbClr val="00FF01"/>
+            </a:solidFill>
+          </p:spPr>
+          <p:style>
+            <a:lnRef idx="2">
+              <a:schemeClr val="accent6">
+                <a:shade val="50000"/>
+              </a:schemeClr>
+            </a:lnRef>
+            <a:fillRef idx="1">
+              <a:schemeClr val="accent6"/>
+            </a:fillRef>
+            <a:effectRef idx="0">
+              <a:schemeClr val="accent6"/>
+            </a:effectRef>
+            <a:fontRef idx="minor">
+              <a:schemeClr val="lt1"/>
+            </a:fontRef>
+          </p:style>
+          <p:txBody>
+            <a:bodyPr rtlCol="0" anchor="ctr"/>
+            <a:lstStyle/>
+            <a:p>
+              <a:pPr algn="ctr"/>
+              <a:r>
+                <a:rPr lang="en-GB" sz="2600" dirty="0" err="1">
+                  <a:solidFill>
+                    <a:schemeClr val="tx1"/>
+                  </a:solidFill>
+                </a:rPr>
+                <a:t>plade</a:t>
+              </a:r>
+              <a:endParaRPr lang="en-GB" sz="2600" dirty="0">
+                <a:solidFill>
+                  <a:schemeClr val="tx1"/>
+                </a:solidFill>
+              </a:endParaRPr>
+            </a:p>
+          </p:txBody>
+        </p:sp>
+        <p:sp>
+          <p:nvSpPr>
+            <p:cNvPr id="51" name="Rounded Rectangle 50">
+              <a:extLst>
+                <a:ext uri="{FF2B5EF4-FFF2-40B4-BE49-F238E27FC236}">
+                  <a16:creationId xmlns:a16="http://schemas.microsoft.com/office/drawing/2014/main" id="{5B01C704-DA3B-9145-B8CB-A3EDAD54AF2B}"/>
+                </a:ext>
+              </a:extLst>
+            </p:cNvPr>
+            <p:cNvSpPr/>
+            <p:nvPr/>
+          </p:nvSpPr>
+          <p:spPr>
+            <a:xfrm>
+              <a:off x="2560995" y="2180416"/>
+              <a:ext cx="1859797" cy="821411"/>
+            </a:xfrm>
+            <a:prstGeom prst="roundRect">
+              <a:avLst/>
+            </a:prstGeom>
+            <a:solidFill>
+              <a:srgbClr val="00FF01"/>
+            </a:solidFill>
+          </p:spPr>
+          <p:style>
+            <a:lnRef idx="2">
+              <a:schemeClr val="accent6">
+                <a:shade val="50000"/>
+              </a:schemeClr>
+            </a:lnRef>
+            <a:fillRef idx="1">
+              <a:schemeClr val="accent6"/>
+            </a:fillRef>
+            <a:effectRef idx="0">
+              <a:schemeClr val="accent6"/>
+            </a:effectRef>
+            <a:fontRef idx="minor">
+              <a:schemeClr val="lt1"/>
+            </a:fontRef>
+          </p:style>
+          <p:txBody>
+            <a:bodyPr rtlCol="0" anchor="ctr"/>
+            <a:lstStyle/>
+            <a:p>
+              <a:pPr algn="ctr"/>
+              <a:r>
+                <a:rPr lang="en-GB" sz="2600" dirty="0">
+                  <a:solidFill>
+                    <a:schemeClr val="tx1"/>
+                  </a:solidFill>
+                </a:rPr>
+                <a:t>spiller</a:t>
+              </a:r>
+            </a:p>
+          </p:txBody>
+        </p:sp>
+        <p:sp>
+          <p:nvSpPr>
+            <p:cNvPr id="52" name="Rounded Rectangle 51">
+              <a:extLst>
+                <a:ext uri="{FF2B5EF4-FFF2-40B4-BE49-F238E27FC236}">
+                  <a16:creationId xmlns:a16="http://schemas.microsoft.com/office/drawing/2014/main" id="{21BBC764-820B-2046-B829-3AC9EBCDE3F8}"/>
+                </a:ext>
+              </a:extLst>
+            </p:cNvPr>
+            <p:cNvSpPr/>
+            <p:nvPr/>
+          </p:nvSpPr>
+          <p:spPr>
+            <a:xfrm>
+              <a:off x="4729366" y="3455688"/>
+              <a:ext cx="1859797" cy="821411"/>
+            </a:xfrm>
+            <a:prstGeom prst="roundRect">
+              <a:avLst/>
+            </a:prstGeom>
+            <a:solidFill>
+              <a:srgbClr val="00FF01"/>
+            </a:solidFill>
+          </p:spPr>
+          <p:style>
+            <a:lnRef idx="2">
+              <a:schemeClr val="accent6">
+                <a:shade val="50000"/>
+              </a:schemeClr>
+            </a:lnRef>
+            <a:fillRef idx="1">
+              <a:schemeClr val="accent6"/>
+            </a:fillRef>
+            <a:effectRef idx="0">
+              <a:schemeClr val="accent6"/>
+            </a:effectRef>
+            <a:fontRef idx="minor">
+              <a:schemeClr val="lt1"/>
+            </a:fontRef>
+          </p:style>
+          <p:txBody>
+            <a:bodyPr rtlCol="0" anchor="ctr"/>
+            <a:lstStyle/>
+            <a:p>
+              <a:pPr algn="ctr"/>
+              <a:r>
+                <a:rPr lang="en-GB" sz="2500" dirty="0" err="1">
+                  <a:solidFill>
+                    <a:schemeClr val="tx1"/>
+                  </a:solidFill>
+                </a:rPr>
+                <a:t>skib</a:t>
+              </a:r>
+              <a:endParaRPr lang="en-GB" sz="2500" dirty="0">
+                <a:solidFill>
+                  <a:schemeClr val="tx1"/>
+                </a:solidFill>
+              </a:endParaRPr>
+            </a:p>
+          </p:txBody>
+        </p:sp>
+        <p:cxnSp>
+          <p:nvCxnSpPr>
+            <p:cNvPr id="54" name="Straight Arrow Connector 53">
+              <a:extLst>
+                <a:ext uri="{FF2B5EF4-FFF2-40B4-BE49-F238E27FC236}">
+                  <a16:creationId xmlns:a16="http://schemas.microsoft.com/office/drawing/2014/main" id="{65A62FA7-03DA-E748-A064-BB600DE3842D}"/>
+                </a:ext>
+              </a:extLst>
+            </p:cNvPr>
+            <p:cNvCxnSpPr>
+              <a:cxnSpLocks/>
+              <a:stCxn id="51" idx="2"/>
+              <a:endCxn id="48" idx="0"/>
+            </p:cNvCxnSpPr>
+            <p:nvPr/>
+          </p:nvCxnSpPr>
+          <p:spPr>
+            <a:xfrm flipH="1">
+              <a:off x="1322523" y="3001827"/>
+              <a:ext cx="2168371" cy="443202"/>
+            </a:xfrm>
+            <a:prstGeom prst="straightConnector1">
+              <a:avLst/>
+            </a:prstGeom>
+            <a:ln w="63500">
+              <a:solidFill>
+                <a:srgbClr val="01FFFF"/>
+              </a:solidFill>
+              <a:tailEnd type="triangle"/>
+            </a:ln>
+          </p:spPr>
+          <p:style>
+            <a:lnRef idx="1">
+              <a:schemeClr val="accent1"/>
+            </a:lnRef>
+            <a:fillRef idx="0">
+              <a:schemeClr val="accent1"/>
+            </a:fillRef>
+            <a:effectRef idx="0">
+              <a:schemeClr val="accent1"/>
+            </a:effectRef>
+            <a:fontRef idx="minor">
+              <a:schemeClr val="tx1"/>
+            </a:fontRef>
+          </p:style>
+        </p:cxnSp>
+        <p:cxnSp>
+          <p:nvCxnSpPr>
+            <p:cNvPr id="56" name="Straight Arrow Connector 55">
+              <a:extLst>
+                <a:ext uri="{FF2B5EF4-FFF2-40B4-BE49-F238E27FC236}">
+                  <a16:creationId xmlns:a16="http://schemas.microsoft.com/office/drawing/2014/main" id="{86F6ADF2-3C51-C448-8F90-35760FC1BF32}"/>
+                </a:ext>
+              </a:extLst>
+            </p:cNvPr>
+            <p:cNvCxnSpPr>
+              <a:cxnSpLocks/>
+              <a:stCxn id="51" idx="2"/>
+            </p:cNvCxnSpPr>
+            <p:nvPr/>
+          </p:nvCxnSpPr>
+          <p:spPr>
+            <a:xfrm>
+              <a:off x="3490894" y="3001827"/>
+              <a:ext cx="2165987" cy="421160"/>
+            </a:xfrm>
+            <a:prstGeom prst="straightConnector1">
+              <a:avLst/>
+            </a:prstGeom>
+            <a:ln w="63500">
+              <a:solidFill>
+                <a:srgbClr val="01FFFF"/>
+              </a:solidFill>
+              <a:tailEnd type="triangle"/>
+            </a:ln>
+          </p:spPr>
+          <p:style>
+            <a:lnRef idx="1">
+              <a:schemeClr val="accent1"/>
+            </a:lnRef>
+            <a:fillRef idx="0">
+              <a:schemeClr val="accent1"/>
+            </a:fillRef>
+            <a:effectRef idx="0">
+              <a:schemeClr val="accent1"/>
+            </a:effectRef>
+            <a:fontRef idx="minor">
+              <a:schemeClr val="tx1"/>
+            </a:fontRef>
+          </p:style>
+        </p:cxnSp>
+      </p:grpSp>
+      <p:cxnSp>
+        <p:nvCxnSpPr>
+          <p:cNvPr id="59" name="Straight Arrow Connector 58">
+            <a:extLst>
+              <a:ext uri="{FF2B5EF4-FFF2-40B4-BE49-F238E27FC236}">
+                <a16:creationId xmlns:a16="http://schemas.microsoft.com/office/drawing/2014/main" id="{7FB0B094-C357-944A-B8AA-D55234ECFFD9}"/>
+              </a:ext>
+            </a:extLst>
+          </p:cNvPr>
+          <p:cNvCxnSpPr>
+            <a:cxnSpLocks/>
+            <a:stCxn id="52" idx="1"/>
+            <a:endCxn id="48" idx="3"/>
+          </p:cNvCxnSpPr>
+          <p:nvPr/>
+        </p:nvCxnSpPr>
+        <p:spPr>
+          <a:xfrm flipH="1" flipV="1">
+            <a:off x="7763026" y="3765831"/>
+            <a:ext cx="2476945" cy="10659"/>
+          </a:xfrm>
+          <a:prstGeom prst="straightConnector1">
+            <a:avLst/>
+          </a:prstGeom>
+          <a:ln w="63500">
+            <a:solidFill>
+              <a:srgbClr val="01FFFF"/>
+            </a:solidFill>
+            <a:tailEnd type="none"/>
+          </a:ln>
+        </p:spPr>
+        <p:style>
+          <a:lnRef idx="1">
+            <a:schemeClr val="accent1"/>
+          </a:lnRef>
+          <a:fillRef idx="0">
+            <a:schemeClr val="accent1"/>
+          </a:fillRef>
+          <a:effectRef idx="0">
+            <a:schemeClr val="accent1"/>
+          </a:effectRef>
+          <a:fontRef idx="minor">
+            <a:schemeClr val="tx1"/>
+          </a:fontRef>
+        </p:style>
+      </p:cxnSp>
+      <p:grpSp>
+        <p:nvGrpSpPr>
+          <p:cNvPr id="60" name="Group 59">
+            <a:extLst>
+              <a:ext uri="{FF2B5EF4-FFF2-40B4-BE49-F238E27FC236}">
+                <a16:creationId xmlns:a16="http://schemas.microsoft.com/office/drawing/2014/main" id="{1B4EA436-D0BF-2E40-9E51-0A94F806429A}"/>
+              </a:ext>
+            </a:extLst>
+          </p:cNvPr>
+          <p:cNvGrpSpPr/>
+          <p:nvPr/>
+        </p:nvGrpSpPr>
+        <p:grpSpPr>
+          <a:xfrm>
+            <a:off x="5900649" y="866963"/>
+            <a:ext cx="6201699" cy="5676058"/>
+            <a:chOff x="5900649" y="866963"/>
+            <a:chExt cx="6201699" cy="5676058"/>
+          </a:xfrm>
+        </p:grpSpPr>
+        <p:sp>
+          <p:nvSpPr>
+            <p:cNvPr id="9" name="Rectangle 8">
+              <a:extLst>
+                <a:ext uri="{FF2B5EF4-FFF2-40B4-BE49-F238E27FC236}">
+                  <a16:creationId xmlns:a16="http://schemas.microsoft.com/office/drawing/2014/main" id="{85EE4C94-C609-CD48-B330-79A205401C4C}"/>
+                </a:ext>
+              </a:extLst>
+            </p:cNvPr>
+            <p:cNvSpPr/>
+            <p:nvPr/>
+          </p:nvSpPr>
+          <p:spPr>
+            <a:xfrm>
+              <a:off x="5900649" y="1727374"/>
+              <a:ext cx="6196539" cy="3276819"/>
+            </a:xfrm>
+            <a:prstGeom prst="rect">
+              <a:avLst/>
+            </a:prstGeom>
+            <a:solidFill>
+              <a:schemeClr val="bg1"/>
+            </a:solidFill>
+            <a:ln>
+              <a:noFill/>
+            </a:ln>
+          </p:spPr>
+          <p:style>
+            <a:lnRef idx="2">
+              <a:schemeClr val="accent1">
+                <a:shade val="50000"/>
+              </a:schemeClr>
+            </a:lnRef>
+            <a:fillRef idx="1">
+              <a:schemeClr val="accent1"/>
+            </a:fillRef>
+            <a:effectRef idx="0">
+              <a:schemeClr val="accent1"/>
+            </a:effectRef>
+            <a:fontRef idx="minor">
+              <a:schemeClr val="lt1"/>
+            </a:fontRef>
+          </p:style>
+          <p:txBody>
+            <a:bodyPr rtlCol="0" anchor="ctr"/>
+            <a:lstStyle/>
+            <a:p>
+              <a:pPr algn="ctr"/>
+              <a:endParaRPr lang="en-GB"/>
+            </a:p>
+          </p:txBody>
+        </p:sp>
+        <p:grpSp>
+          <p:nvGrpSpPr>
+            <p:cNvPr id="31" name="Group 30">
+              <a:extLst>
+                <a:ext uri="{FF2B5EF4-FFF2-40B4-BE49-F238E27FC236}">
+                  <a16:creationId xmlns:a16="http://schemas.microsoft.com/office/drawing/2014/main" id="{DEBE3C65-C165-BC41-9EDA-4B7B1161B26F}"/>
+                </a:ext>
+              </a:extLst>
+            </p:cNvPr>
+            <p:cNvGrpSpPr/>
+            <p:nvPr/>
+          </p:nvGrpSpPr>
+          <p:grpSpPr>
+            <a:xfrm>
+              <a:off x="5905809" y="866963"/>
+              <a:ext cx="6196539" cy="5676058"/>
+              <a:chOff x="392624" y="954287"/>
+              <a:chExt cx="6196539" cy="5676058"/>
+            </a:xfrm>
+            <a:solidFill>
+              <a:srgbClr val="00FF01"/>
+            </a:solidFill>
+          </p:grpSpPr>
+          <p:sp>
+            <p:nvSpPr>
+              <p:cNvPr id="32" name="Rounded Rectangle 31">
+                <a:extLst>
+                  <a:ext uri="{FF2B5EF4-FFF2-40B4-BE49-F238E27FC236}">
+                    <a16:creationId xmlns:a16="http://schemas.microsoft.com/office/drawing/2014/main" id="{20D2240F-A66E-8C4F-B357-0CD592C067DA}"/>
+                  </a:ext>
+                </a:extLst>
+              </p:cNvPr>
+              <p:cNvSpPr/>
+              <p:nvPr/>
+            </p:nvSpPr>
+            <p:spPr>
+              <a:xfrm>
+                <a:off x="2560996" y="954287"/>
+                <a:ext cx="1859797" cy="821411"/>
+              </a:xfrm>
+              <a:prstGeom prst="roundRect">
+                <a:avLst/>
+              </a:prstGeom>
+              <a:grpFill/>
+            </p:spPr>
+            <p:style>
+              <a:lnRef idx="2">
+                <a:schemeClr val="accent6">
+                  <a:shade val="50000"/>
+                </a:schemeClr>
+              </a:lnRef>
+              <a:fillRef idx="1">
+                <a:schemeClr val="accent6"/>
+              </a:fillRef>
+              <a:effectRef idx="0">
+                <a:schemeClr val="accent6"/>
+              </a:effectRef>
+              <a:fontRef idx="minor">
+                <a:schemeClr val="lt1"/>
+              </a:fontRef>
+            </p:style>
+            <p:txBody>
+              <a:bodyPr rtlCol="0" anchor="ctr"/>
+              <a:lstStyle/>
+              <a:p>
+                <a:pPr algn="ctr"/>
+                <a:r>
+                  <a:rPr lang="en-GB" sz="2600" dirty="0" err="1">
+                    <a:solidFill>
+                      <a:schemeClr val="tx1"/>
+                    </a:solidFill>
+                  </a:rPr>
+                  <a:t>spil</a:t>
+                </a:r>
+                <a:endParaRPr lang="en-GB" sz="2600" dirty="0">
+                  <a:solidFill>
+                    <a:schemeClr val="tx1"/>
+                  </a:solidFill>
+                </a:endParaRPr>
+              </a:p>
+            </p:txBody>
+          </p:sp>
+          <p:sp>
+            <p:nvSpPr>
+              <p:cNvPr id="33" name="Rounded Rectangle 32">
+                <a:extLst>
+                  <a:ext uri="{FF2B5EF4-FFF2-40B4-BE49-F238E27FC236}">
+                    <a16:creationId xmlns:a16="http://schemas.microsoft.com/office/drawing/2014/main" id="{FBF84CCB-C6EB-404D-B779-6B97E57E613C}"/>
+                  </a:ext>
+                </a:extLst>
+              </p:cNvPr>
+              <p:cNvSpPr/>
+              <p:nvPr/>
+            </p:nvSpPr>
+            <p:spPr>
+              <a:xfrm>
+                <a:off x="392624" y="4601606"/>
+                <a:ext cx="1859797" cy="821411"/>
+              </a:xfrm>
+              <a:prstGeom prst="roundRect">
+                <a:avLst/>
+              </a:prstGeom>
+              <a:grpFill/>
+            </p:spPr>
+            <p:style>
+              <a:lnRef idx="2">
+                <a:schemeClr val="accent6">
+                  <a:shade val="50000"/>
+                </a:schemeClr>
+              </a:lnRef>
+              <a:fillRef idx="1">
+                <a:schemeClr val="accent6"/>
+              </a:fillRef>
+              <a:effectRef idx="0">
+                <a:schemeClr val="accent6"/>
+              </a:effectRef>
+              <a:fontRef idx="minor">
+                <a:schemeClr val="lt1"/>
+              </a:fontRef>
+            </p:style>
+            <p:txBody>
+              <a:bodyPr rtlCol="0" anchor="ctr"/>
+              <a:lstStyle/>
+              <a:p>
+                <a:pPr algn="ctr"/>
+                <a:r>
+                  <a:rPr lang="en-GB" sz="2600" dirty="0">
+                    <a:solidFill>
+                      <a:schemeClr val="tx1"/>
+                    </a:solidFill>
+                  </a:rPr>
+                  <a:t>felt</a:t>
+                </a:r>
+              </a:p>
+            </p:txBody>
+          </p:sp>
+          <p:sp>
+            <p:nvSpPr>
+              <p:cNvPr id="34" name="Rounded Rectangle 33">
+                <a:extLst>
+                  <a:ext uri="{FF2B5EF4-FFF2-40B4-BE49-F238E27FC236}">
+                    <a16:creationId xmlns:a16="http://schemas.microsoft.com/office/drawing/2014/main" id="{785E49BE-3841-7645-B305-EDAE8AA9E634}"/>
+                  </a:ext>
+                </a:extLst>
+              </p:cNvPr>
+              <p:cNvSpPr/>
+              <p:nvPr/>
+            </p:nvSpPr>
+            <p:spPr>
+              <a:xfrm>
+                <a:off x="392624" y="3445029"/>
+                <a:ext cx="1859797" cy="821411"/>
+              </a:xfrm>
+              <a:prstGeom prst="roundRect">
+                <a:avLst/>
+              </a:prstGeom>
+              <a:grpFill/>
+            </p:spPr>
+            <p:style>
+              <a:lnRef idx="2">
+                <a:schemeClr val="accent6">
+                  <a:shade val="50000"/>
+                </a:schemeClr>
+              </a:lnRef>
+              <a:fillRef idx="1">
+                <a:schemeClr val="accent6"/>
+              </a:fillRef>
+              <a:effectRef idx="0">
+                <a:schemeClr val="accent6"/>
+              </a:effectRef>
+              <a:fontRef idx="minor">
+                <a:schemeClr val="lt1"/>
+              </a:fontRef>
+            </p:style>
+            <p:txBody>
+              <a:bodyPr rtlCol="0" anchor="ctr"/>
+              <a:lstStyle/>
+              <a:p>
+                <a:pPr algn="ctr"/>
+                <a:r>
+                  <a:rPr lang="en-GB" sz="2600" dirty="0" err="1">
+                    <a:solidFill>
+                      <a:schemeClr val="tx1"/>
+                    </a:solidFill>
+                  </a:rPr>
+                  <a:t>plade</a:t>
+                </a:r>
+                <a:endParaRPr lang="en-GB" sz="2600" dirty="0">
+                  <a:solidFill>
+                    <a:schemeClr val="tx1"/>
+                  </a:solidFill>
+                </a:endParaRPr>
+              </a:p>
+            </p:txBody>
+          </p:sp>
+          <p:sp>
+            <p:nvSpPr>
+              <p:cNvPr id="35" name="Rounded Rectangle 34">
+                <a:extLst>
+                  <a:ext uri="{FF2B5EF4-FFF2-40B4-BE49-F238E27FC236}">
+                    <a16:creationId xmlns:a16="http://schemas.microsoft.com/office/drawing/2014/main" id="{82453E4C-3D0D-B245-9FF0-7E69CCC1EDEF}"/>
+                  </a:ext>
+                </a:extLst>
+              </p:cNvPr>
+              <p:cNvSpPr/>
+              <p:nvPr/>
+            </p:nvSpPr>
+            <p:spPr>
+              <a:xfrm>
+                <a:off x="2560995" y="3422987"/>
+                <a:ext cx="1859797" cy="821411"/>
+              </a:xfrm>
+              <a:prstGeom prst="roundRect">
+                <a:avLst/>
+              </a:prstGeom>
+              <a:grpFill/>
+            </p:spPr>
+            <p:style>
+              <a:lnRef idx="2">
+                <a:schemeClr val="accent6">
+                  <a:shade val="50000"/>
+                </a:schemeClr>
+              </a:lnRef>
+              <a:fillRef idx="1">
+                <a:schemeClr val="accent6"/>
+              </a:fillRef>
+              <a:effectRef idx="0">
+                <a:schemeClr val="accent6"/>
+              </a:effectRef>
+              <a:fontRef idx="minor">
+                <a:schemeClr val="lt1"/>
+              </a:fontRef>
+            </p:style>
+            <p:txBody>
+              <a:bodyPr rtlCol="0" anchor="ctr"/>
+              <a:lstStyle/>
+              <a:p>
+                <a:pPr algn="ctr"/>
+                <a:r>
+                  <a:rPr lang="en-GB" sz="2600" dirty="0" err="1">
+                    <a:solidFill>
+                      <a:schemeClr val="tx1"/>
+                    </a:solidFill>
+                  </a:rPr>
+                  <a:t>skib</a:t>
+                </a:r>
+                <a:endParaRPr lang="en-GB" sz="2600" dirty="0">
+                  <a:solidFill>
+                    <a:schemeClr val="tx1"/>
+                  </a:solidFill>
+                </a:endParaRPr>
+              </a:p>
+            </p:txBody>
+          </p:sp>
+          <p:sp>
+            <p:nvSpPr>
+              <p:cNvPr id="36" name="Rounded Rectangle 35">
+                <a:extLst>
+                  <a:ext uri="{FF2B5EF4-FFF2-40B4-BE49-F238E27FC236}">
+                    <a16:creationId xmlns:a16="http://schemas.microsoft.com/office/drawing/2014/main" id="{42CF1712-36B4-DD41-954E-0DB7AEF7D847}"/>
+                  </a:ext>
+                </a:extLst>
+              </p:cNvPr>
+              <p:cNvSpPr/>
+              <p:nvPr/>
+            </p:nvSpPr>
+            <p:spPr>
+              <a:xfrm>
+                <a:off x="392624" y="5808934"/>
+                <a:ext cx="1859797" cy="821411"/>
+              </a:xfrm>
+              <a:prstGeom prst="roundRect">
+                <a:avLst/>
+              </a:prstGeom>
+              <a:grpFill/>
+            </p:spPr>
+            <p:style>
+              <a:lnRef idx="2">
+                <a:schemeClr val="accent6">
+                  <a:shade val="50000"/>
+                </a:schemeClr>
+              </a:lnRef>
+              <a:fillRef idx="1">
+                <a:schemeClr val="accent6"/>
+              </a:fillRef>
+              <a:effectRef idx="0">
+                <a:schemeClr val="accent6"/>
+              </a:effectRef>
+              <a:fontRef idx="minor">
+                <a:schemeClr val="lt1"/>
+              </a:fontRef>
+            </p:style>
+            <p:txBody>
+              <a:bodyPr rtlCol="0" anchor="ctr"/>
+              <a:lstStyle/>
+              <a:p>
+                <a:pPr algn="ctr"/>
+                <a:r>
+                  <a:rPr lang="en-GB" sz="2600" dirty="0" err="1">
+                    <a:solidFill>
+                      <a:schemeClr val="tx1"/>
+                    </a:solidFill>
+                  </a:rPr>
+                  <a:t>koordinat</a:t>
+                </a:r>
+                <a:endParaRPr lang="en-GB" sz="2600" dirty="0">
+                  <a:solidFill>
+                    <a:schemeClr val="tx1"/>
+                  </a:solidFill>
+                </a:endParaRPr>
+              </a:p>
+            </p:txBody>
+          </p:sp>
+          <p:sp>
+            <p:nvSpPr>
+              <p:cNvPr id="37" name="Rounded Rectangle 36">
+                <a:extLst>
+                  <a:ext uri="{FF2B5EF4-FFF2-40B4-BE49-F238E27FC236}">
+                    <a16:creationId xmlns:a16="http://schemas.microsoft.com/office/drawing/2014/main" id="{BDE26204-A32E-AA4A-8A62-4068C27FEE55}"/>
+                  </a:ext>
+                </a:extLst>
+              </p:cNvPr>
+              <p:cNvSpPr/>
+              <p:nvPr/>
+            </p:nvSpPr>
+            <p:spPr>
+              <a:xfrm>
+                <a:off x="2560995" y="2180416"/>
+                <a:ext cx="1859797" cy="821411"/>
+              </a:xfrm>
+              <a:prstGeom prst="roundRect">
+                <a:avLst/>
+              </a:prstGeom>
+              <a:grpFill/>
+            </p:spPr>
+            <p:style>
+              <a:lnRef idx="2">
+                <a:schemeClr val="accent6">
+                  <a:shade val="50000"/>
+                </a:schemeClr>
+              </a:lnRef>
+              <a:fillRef idx="1">
+                <a:schemeClr val="accent6"/>
+              </a:fillRef>
+              <a:effectRef idx="0">
+                <a:schemeClr val="accent6"/>
+              </a:effectRef>
+              <a:fontRef idx="minor">
+                <a:schemeClr val="lt1"/>
+              </a:fontRef>
+            </p:style>
+            <p:txBody>
+              <a:bodyPr rtlCol="0" anchor="ctr"/>
+              <a:lstStyle/>
+              <a:p>
+                <a:pPr algn="ctr"/>
+                <a:r>
+                  <a:rPr lang="en-GB" sz="2600" dirty="0">
+                    <a:solidFill>
+                      <a:schemeClr val="tx1"/>
+                    </a:solidFill>
+                  </a:rPr>
+                  <a:t>spiller</a:t>
+                </a:r>
+              </a:p>
+            </p:txBody>
+          </p:sp>
+          <p:sp>
+            <p:nvSpPr>
+              <p:cNvPr id="38" name="Rounded Rectangle 37">
+                <a:extLst>
+                  <a:ext uri="{FF2B5EF4-FFF2-40B4-BE49-F238E27FC236}">
+                    <a16:creationId xmlns:a16="http://schemas.microsoft.com/office/drawing/2014/main" id="{AC3CD7AD-7448-0F45-8055-3FB652AE8B55}"/>
+                  </a:ext>
+                </a:extLst>
+              </p:cNvPr>
+              <p:cNvSpPr/>
+              <p:nvPr/>
+            </p:nvSpPr>
+            <p:spPr>
+              <a:xfrm>
+                <a:off x="4729366" y="3455688"/>
+                <a:ext cx="1859797" cy="821411"/>
+              </a:xfrm>
+              <a:prstGeom prst="roundRect">
+                <a:avLst/>
+              </a:prstGeom>
+              <a:grpFill/>
+            </p:spPr>
+            <p:style>
+              <a:lnRef idx="2">
+                <a:schemeClr val="accent6">
+                  <a:shade val="50000"/>
+                </a:schemeClr>
+              </a:lnRef>
+              <a:fillRef idx="1">
+                <a:schemeClr val="accent6"/>
+              </a:fillRef>
+              <a:effectRef idx="0">
+                <a:schemeClr val="accent6"/>
+              </a:effectRef>
+              <a:fontRef idx="minor">
+                <a:schemeClr val="lt1"/>
+              </a:fontRef>
+            </p:style>
+            <p:txBody>
+              <a:bodyPr rtlCol="0" anchor="ctr"/>
+              <a:lstStyle/>
+              <a:p>
+                <a:pPr algn="ctr"/>
+                <a:r>
+                  <a:rPr lang="en-GB" sz="2500" dirty="0" err="1">
+                    <a:solidFill>
+                      <a:schemeClr val="tx1"/>
+                    </a:solidFill>
+                  </a:rPr>
+                  <a:t>modstander</a:t>
+                </a:r>
+                <a:endParaRPr lang="en-GB" sz="2500" dirty="0">
+                  <a:solidFill>
+                    <a:schemeClr val="tx1"/>
+                  </a:solidFill>
+                </a:endParaRPr>
+              </a:p>
+            </p:txBody>
+          </p:sp>
+          <p:cxnSp>
+            <p:nvCxnSpPr>
+              <p:cNvPr id="39" name="Straight Arrow Connector 38">
+                <a:extLst>
+                  <a:ext uri="{FF2B5EF4-FFF2-40B4-BE49-F238E27FC236}">
+                    <a16:creationId xmlns:a16="http://schemas.microsoft.com/office/drawing/2014/main" id="{8CEB3A92-DD19-BF49-8C65-36036A416877}"/>
+                  </a:ext>
+                </a:extLst>
+              </p:cNvPr>
+              <p:cNvCxnSpPr>
+                <a:cxnSpLocks/>
+                <a:stCxn id="32" idx="2"/>
+                <a:endCxn id="37" idx="0"/>
+              </p:cNvCxnSpPr>
+              <p:nvPr/>
+            </p:nvCxnSpPr>
+            <p:spPr>
+              <a:xfrm flipH="1">
+                <a:off x="3490894" y="1775698"/>
+                <a:ext cx="1" cy="404718"/>
+              </a:xfrm>
+              <a:prstGeom prst="straightConnector1">
+                <a:avLst/>
+              </a:prstGeom>
+              <a:grpFill/>
+              <a:ln w="63500">
+                <a:solidFill>
+                  <a:srgbClr val="01FFFF"/>
+                </a:solidFill>
+                <a:tailEnd type="triangle"/>
+              </a:ln>
+            </p:spPr>
+            <p:style>
+              <a:lnRef idx="1">
+                <a:schemeClr val="accent1"/>
+              </a:lnRef>
+              <a:fillRef idx="0">
+                <a:schemeClr val="accent1"/>
+              </a:fillRef>
+              <a:effectRef idx="0">
+                <a:schemeClr val="accent1"/>
+              </a:effectRef>
+              <a:fontRef idx="minor">
+                <a:schemeClr val="tx1"/>
+              </a:fontRef>
+            </p:style>
+          </p:cxnSp>
+          <p:cxnSp>
+            <p:nvCxnSpPr>
+              <p:cNvPr id="40" name="Straight Arrow Connector 39">
+                <a:extLst>
+                  <a:ext uri="{FF2B5EF4-FFF2-40B4-BE49-F238E27FC236}">
+                    <a16:creationId xmlns:a16="http://schemas.microsoft.com/office/drawing/2014/main" id="{6F0991F1-A0D1-EE4B-8506-D40437B8B415}"/>
+                  </a:ext>
+                </a:extLst>
+              </p:cNvPr>
+              <p:cNvCxnSpPr>
+                <a:cxnSpLocks/>
+                <a:stCxn id="37" idx="2"/>
+                <a:endCxn id="34" idx="0"/>
+              </p:cNvCxnSpPr>
+              <p:nvPr/>
+            </p:nvCxnSpPr>
+            <p:spPr>
+              <a:xfrm flipH="1">
+                <a:off x="1322523" y="3001827"/>
+                <a:ext cx="2168371" cy="443202"/>
+              </a:xfrm>
+              <a:prstGeom prst="straightConnector1">
+                <a:avLst/>
+              </a:prstGeom>
+              <a:grpFill/>
+              <a:ln w="63500">
+                <a:solidFill>
+                  <a:srgbClr val="01FFFF"/>
+                </a:solidFill>
+                <a:tailEnd type="triangle"/>
+              </a:ln>
+            </p:spPr>
+            <p:style>
+              <a:lnRef idx="1">
+                <a:schemeClr val="accent1"/>
+              </a:lnRef>
+              <a:fillRef idx="0">
+                <a:schemeClr val="accent1"/>
+              </a:fillRef>
+              <a:effectRef idx="0">
+                <a:schemeClr val="accent1"/>
+              </a:effectRef>
+              <a:fontRef idx="minor">
+                <a:schemeClr val="tx1"/>
+              </a:fontRef>
+            </p:style>
+          </p:cxnSp>
+          <p:cxnSp>
+            <p:nvCxnSpPr>
+              <p:cNvPr id="41" name="Straight Arrow Connector 40">
+                <a:extLst>
+                  <a:ext uri="{FF2B5EF4-FFF2-40B4-BE49-F238E27FC236}">
+                    <a16:creationId xmlns:a16="http://schemas.microsoft.com/office/drawing/2014/main" id="{9A44A7D8-BCB6-6545-A321-EA8A571546E9}"/>
+                  </a:ext>
+                </a:extLst>
+              </p:cNvPr>
+              <p:cNvCxnSpPr>
+                <a:cxnSpLocks/>
+                <a:stCxn id="37" idx="2"/>
+                <a:endCxn id="35" idx="0"/>
+              </p:cNvCxnSpPr>
+              <p:nvPr/>
+            </p:nvCxnSpPr>
+            <p:spPr>
+              <a:xfrm>
+                <a:off x="3490894" y="3001827"/>
+                <a:ext cx="0" cy="421160"/>
+              </a:xfrm>
+              <a:prstGeom prst="straightConnector1">
+                <a:avLst/>
+              </a:prstGeom>
+              <a:grpFill/>
+              <a:ln w="63500">
+                <a:solidFill>
+                  <a:srgbClr val="01FFFF"/>
+                </a:solidFill>
+                <a:tailEnd type="triangle"/>
+              </a:ln>
+            </p:spPr>
+            <p:style>
+              <a:lnRef idx="1">
+                <a:schemeClr val="accent1"/>
+              </a:lnRef>
+              <a:fillRef idx="0">
+                <a:schemeClr val="accent1"/>
+              </a:fillRef>
+              <a:effectRef idx="0">
+                <a:schemeClr val="accent1"/>
+              </a:effectRef>
+              <a:fontRef idx="minor">
+                <a:schemeClr val="tx1"/>
+              </a:fontRef>
+            </p:style>
+          </p:cxnSp>
+          <p:cxnSp>
+            <p:nvCxnSpPr>
+              <p:cNvPr id="42" name="Straight Arrow Connector 41">
+                <a:extLst>
+                  <a:ext uri="{FF2B5EF4-FFF2-40B4-BE49-F238E27FC236}">
+                    <a16:creationId xmlns:a16="http://schemas.microsoft.com/office/drawing/2014/main" id="{AFC2B91E-5726-5D41-87FF-0539992F3FE0}"/>
+                  </a:ext>
+                </a:extLst>
+              </p:cNvPr>
+              <p:cNvCxnSpPr>
+                <a:cxnSpLocks/>
+                <a:stCxn id="37" idx="2"/>
+              </p:cNvCxnSpPr>
+              <p:nvPr/>
+            </p:nvCxnSpPr>
+            <p:spPr>
+              <a:xfrm>
+                <a:off x="3490894" y="3001827"/>
+                <a:ext cx="2165987" cy="421160"/>
+              </a:xfrm>
+              <a:prstGeom prst="straightConnector1">
+                <a:avLst/>
+              </a:prstGeom>
+              <a:grpFill/>
+              <a:ln w="63500">
+                <a:solidFill>
+                  <a:srgbClr val="01FFFF"/>
+                </a:solidFill>
+                <a:tailEnd type="triangle"/>
+              </a:ln>
+            </p:spPr>
+            <p:style>
+              <a:lnRef idx="1">
+                <a:schemeClr val="accent1"/>
+              </a:lnRef>
+              <a:fillRef idx="0">
+                <a:schemeClr val="accent1"/>
+              </a:fillRef>
+              <a:effectRef idx="0">
+                <a:schemeClr val="accent1"/>
+              </a:effectRef>
+              <a:fontRef idx="minor">
+                <a:schemeClr val="tx1"/>
+              </a:fontRef>
+            </p:style>
+          </p:cxnSp>
+          <p:cxnSp>
+            <p:nvCxnSpPr>
+              <p:cNvPr id="43" name="Straight Arrow Connector 42">
+                <a:extLst>
+                  <a:ext uri="{FF2B5EF4-FFF2-40B4-BE49-F238E27FC236}">
+                    <a16:creationId xmlns:a16="http://schemas.microsoft.com/office/drawing/2014/main" id="{36E37605-1491-0041-B653-ED9D5DF0D7DF}"/>
+                  </a:ext>
+                </a:extLst>
+              </p:cNvPr>
+              <p:cNvCxnSpPr>
+                <a:cxnSpLocks/>
+                <a:stCxn id="34" idx="2"/>
+                <a:endCxn id="33" idx="0"/>
+              </p:cNvCxnSpPr>
+              <p:nvPr/>
+            </p:nvCxnSpPr>
+            <p:spPr>
+              <a:xfrm>
+                <a:off x="1322523" y="4266440"/>
+                <a:ext cx="0" cy="335166"/>
+              </a:xfrm>
+              <a:prstGeom prst="straightConnector1">
+                <a:avLst/>
+              </a:prstGeom>
+              <a:grpFill/>
+              <a:ln w="63500">
+                <a:solidFill>
+                  <a:srgbClr val="01FFFF"/>
+                </a:solidFill>
+                <a:tailEnd type="triangle"/>
+              </a:ln>
+            </p:spPr>
+            <p:style>
+              <a:lnRef idx="1">
+                <a:schemeClr val="accent1"/>
+              </a:lnRef>
+              <a:fillRef idx="0">
+                <a:schemeClr val="accent1"/>
+              </a:fillRef>
+              <a:effectRef idx="0">
+                <a:schemeClr val="accent1"/>
+              </a:effectRef>
+              <a:fontRef idx="minor">
+                <a:schemeClr val="tx1"/>
+              </a:fontRef>
+            </p:style>
+          </p:cxnSp>
+          <p:cxnSp>
+            <p:nvCxnSpPr>
+              <p:cNvPr id="44" name="Straight Arrow Connector 43">
+                <a:extLst>
+                  <a:ext uri="{FF2B5EF4-FFF2-40B4-BE49-F238E27FC236}">
+                    <a16:creationId xmlns:a16="http://schemas.microsoft.com/office/drawing/2014/main" id="{B3E57CB6-9CF0-2949-9676-3F207421F057}"/>
+                  </a:ext>
+                </a:extLst>
+              </p:cNvPr>
+              <p:cNvCxnSpPr>
+                <a:cxnSpLocks/>
+                <a:stCxn id="33" idx="2"/>
+                <a:endCxn id="36" idx="0"/>
+              </p:cNvCxnSpPr>
+              <p:nvPr/>
+            </p:nvCxnSpPr>
+            <p:spPr>
+              <a:xfrm>
+                <a:off x="1322523" y="5423017"/>
+                <a:ext cx="0" cy="385917"/>
+              </a:xfrm>
+              <a:prstGeom prst="straightConnector1">
+                <a:avLst/>
+              </a:prstGeom>
+              <a:grpFill/>
+              <a:ln w="63500">
+                <a:solidFill>
+                  <a:srgbClr val="01FFFF"/>
+                </a:solidFill>
+                <a:tailEnd type="triangle"/>
+              </a:ln>
+            </p:spPr>
+            <p:style>
+              <a:lnRef idx="1">
+                <a:schemeClr val="accent1"/>
+              </a:lnRef>
+              <a:fillRef idx="0">
+                <a:schemeClr val="accent1"/>
+              </a:fillRef>
+              <a:effectRef idx="0">
+                <a:schemeClr val="accent1"/>
+              </a:effectRef>
+              <a:fontRef idx="minor">
+                <a:schemeClr val="tx1"/>
+              </a:fontRef>
+            </p:style>
+          </p:cxnSp>
+        </p:grpSp>
+      </p:grpSp>
+      <p:pic>
+        <p:nvPicPr>
+          <p:cNvPr id="62" name="Picture 61">
+            <a:extLst>
+              <a:ext uri="{FF2B5EF4-FFF2-40B4-BE49-F238E27FC236}">
+                <a16:creationId xmlns:a16="http://schemas.microsoft.com/office/drawing/2014/main" id="{D2D8C1C3-E691-3145-A543-E728DD37910D}"/>
+              </a:ext>
+            </a:extLst>
+          </p:cNvPr>
+          <p:cNvPicPr>
+            <a:picLocks noChangeAspect="1"/>
+          </p:cNvPicPr>
+          <p:nvPr/>
+        </p:nvPicPr>
+        <p:blipFill>
+          <a:blip r:embed="rId2"/>
+          <a:stretch>
+            <a:fillRect/>
+          </a:stretch>
+        </p:blipFill>
+        <p:spPr>
+          <a:xfrm>
+            <a:off x="6096000" y="4832744"/>
+            <a:ext cx="5688564" cy="1564355"/>
+          </a:xfrm>
+          <a:prstGeom prst="rect">
+            <a:avLst/>
+          </a:prstGeom>
+        </p:spPr>
+      </p:pic>
+      <p:graphicFrame>
+        <p:nvGraphicFramePr>
+          <p:cNvPr id="63" name="Table 62">
+            <a:extLst>
+              <a:ext uri="{FF2B5EF4-FFF2-40B4-BE49-F238E27FC236}">
+                <a16:creationId xmlns:a16="http://schemas.microsoft.com/office/drawing/2014/main" id="{F2970603-E811-7A41-986D-8B0CD37FD73C}"/>
+              </a:ext>
+            </a:extLst>
+          </p:cNvPr>
+          <p:cNvGraphicFramePr>
+            <a:graphicFrameLocks noGrp="1"/>
+          </p:cNvGraphicFramePr>
+          <p:nvPr>
+            <p:extLst>
+              <p:ext uri="{D42A27DB-BD31-4B8C-83A1-F6EECF244321}">
+                <p14:modId xmlns:p14="http://schemas.microsoft.com/office/powerpoint/2010/main" val="4142089507"/>
+              </p:ext>
+            </p:extLst>
+          </p:nvPr>
+        </p:nvGraphicFramePr>
+        <p:xfrm>
+          <a:off x="7218040" y="1451811"/>
+          <a:ext cx="4199604" cy="3087660"/>
+        </p:xfrm>
+        <a:graphic>
+          <a:graphicData uri="http://schemas.openxmlformats.org/drawingml/2006/table">
+            <a:tbl>
+              <a:tblPr firstRow="1" bandRow="1">
+                <a:tableStyleId>{2D5ABB26-0587-4C30-8999-92F81FD0307C}</a:tableStyleId>
+              </a:tblPr>
+              <a:tblGrid>
+                <a:gridCol w="699934">
+                  <a:extLst>
+                    <a:ext uri="{9D8B030D-6E8A-4147-A177-3AD203B41FA5}">
+                      <a16:colId xmlns:a16="http://schemas.microsoft.com/office/drawing/2014/main" val="3880725768"/>
+                    </a:ext>
+                  </a:extLst>
+                </a:gridCol>
+                <a:gridCol w="699934">
+                  <a:extLst>
+                    <a:ext uri="{9D8B030D-6E8A-4147-A177-3AD203B41FA5}">
+                      <a16:colId xmlns:a16="http://schemas.microsoft.com/office/drawing/2014/main" val="3374527806"/>
+                    </a:ext>
+                  </a:extLst>
+                </a:gridCol>
+                <a:gridCol w="699934">
+                  <a:extLst>
+                    <a:ext uri="{9D8B030D-6E8A-4147-A177-3AD203B41FA5}">
+                      <a16:colId xmlns:a16="http://schemas.microsoft.com/office/drawing/2014/main" val="2418372968"/>
+                    </a:ext>
+                  </a:extLst>
+                </a:gridCol>
+                <a:gridCol w="699934">
+                  <a:extLst>
+                    <a:ext uri="{9D8B030D-6E8A-4147-A177-3AD203B41FA5}">
+                      <a16:colId xmlns:a16="http://schemas.microsoft.com/office/drawing/2014/main" val="961054593"/>
+                    </a:ext>
+                  </a:extLst>
+                </a:gridCol>
+                <a:gridCol w="699934">
+                  <a:extLst>
+                    <a:ext uri="{9D8B030D-6E8A-4147-A177-3AD203B41FA5}">
+                      <a16:colId xmlns:a16="http://schemas.microsoft.com/office/drawing/2014/main" val="3798740948"/>
+                    </a:ext>
+                  </a:extLst>
+                </a:gridCol>
+                <a:gridCol w="699934">
+                  <a:extLst>
+                    <a:ext uri="{9D8B030D-6E8A-4147-A177-3AD203B41FA5}">
+                      <a16:colId xmlns:a16="http://schemas.microsoft.com/office/drawing/2014/main" val="58108870"/>
+                    </a:ext>
+                  </a:extLst>
+                </a:gridCol>
+              </a:tblGrid>
+              <a:tr h="617532">
+                <a:tc>
+                  <a:txBody>
+                    <a:bodyPr/>
+                    <a:lstStyle/>
+                    <a:p>
+                      <a:endParaRPr lang="en-GB" dirty="0"/>
+                    </a:p>
+                  </a:txBody>
+                  <a:tcPr>
+                    <a:lnL w="12700" cap="flat" cmpd="sng" algn="ctr">
+                      <a:solidFill>
+                        <a:schemeClr val="tx1"/>
+                      </a:solidFill>
+                      <a:prstDash val="solid"/>
+                      <a:round/>
+                      <a:headEnd type="none" w="med" len="med"/>
+                      <a:tailEnd type="none" w="med" len="med"/>
+                    </a:lnL>
+                    <a:lnR w="12700" cap="flat" cmpd="sng" algn="ctr">
+                      <a:solidFill>
+                        <a:schemeClr val="tx1"/>
+                      </a:solidFill>
+                      <a:prstDash val="solid"/>
+                      <a:round/>
+                      <a:headEnd type="none" w="med" len="med"/>
+                      <a:tailEnd type="none" w="med" len="med"/>
+                    </a:lnR>
+                    <a:lnT w="12700" cap="flat" cmpd="sng" algn="ctr">
+                      <a:solidFill>
+                        <a:schemeClr val="tx1"/>
+                      </a:solidFill>
+                      <a:prstDash val="solid"/>
+                      <a:round/>
+                      <a:headEnd type="none" w="med" len="med"/>
+                      <a:tailEnd type="none" w="med" len="med"/>
+                    </a:lnT>
+                    <a:lnB w="12700" cap="flat" cmpd="sng" algn="ctr">
+                      <a:solidFill>
+                        <a:schemeClr val="tx1"/>
+                      </a:solidFill>
+                      <a:prstDash val="solid"/>
+                      <a:round/>
+                      <a:headEnd type="none" w="med" len="med"/>
+                      <a:tailEnd type="none" w="med" len="med"/>
+                    </a:lnB>
+                  </a:tcPr>
+                </a:tc>
+                <a:tc>
+                  <a:txBody>
+                    <a:bodyPr/>
+                    <a:lstStyle/>
+                    <a:p>
+                      <a:endParaRPr lang="en-GB"/>
+                    </a:p>
+                  </a:txBody>
+                  <a:tcPr>
+                    <a:lnL w="12700" cap="flat" cmpd="sng" algn="ctr">
+                      <a:solidFill>
+                        <a:schemeClr val="tx1"/>
+                      </a:solidFill>
+                      <a:prstDash val="solid"/>
+                      <a:round/>
+                      <a:headEnd type="none" w="med" len="med"/>
+                      <a:tailEnd type="none" w="med" len="med"/>
+                    </a:lnL>
+                    <a:lnR w="12700" cap="flat" cmpd="sng" algn="ctr">
+                      <a:solidFill>
+                        <a:schemeClr val="tx1"/>
+                      </a:solidFill>
+                      <a:prstDash val="solid"/>
+                      <a:round/>
+                      <a:headEnd type="none" w="med" len="med"/>
+                      <a:tailEnd type="none" w="med" len="med"/>
+                    </a:lnR>
+                    <a:lnT w="12700" cap="flat" cmpd="sng" algn="ctr">
+                      <a:solidFill>
+                        <a:schemeClr val="tx1"/>
+                      </a:solidFill>
+                      <a:prstDash val="solid"/>
+                      <a:round/>
+                      <a:headEnd type="none" w="med" len="med"/>
+                      <a:tailEnd type="none" w="med" len="med"/>
+                    </a:lnT>
+                    <a:lnB w="12700" cap="flat" cmpd="sng" algn="ctr">
+                      <a:solidFill>
+                        <a:schemeClr val="tx1"/>
+                      </a:solidFill>
+                      <a:prstDash val="solid"/>
+                      <a:round/>
+                      <a:headEnd type="none" w="med" len="med"/>
+                      <a:tailEnd type="none" w="med" len="med"/>
+                    </a:lnB>
+                  </a:tcPr>
+                </a:tc>
+                <a:tc>
+                  <a:txBody>
+                    <a:bodyPr/>
+                    <a:lstStyle/>
+                    <a:p>
+                      <a:endParaRPr lang="en-GB"/>
+                    </a:p>
+                  </a:txBody>
+                  <a:tcPr>
+                    <a:lnL w="12700" cap="flat" cmpd="sng" algn="ctr">
+                      <a:solidFill>
+                        <a:schemeClr val="tx1"/>
+                      </a:solidFill>
+                      <a:prstDash val="solid"/>
+                      <a:round/>
+                      <a:headEnd type="none" w="med" len="med"/>
+                      <a:tailEnd type="none" w="med" len="med"/>
+                    </a:lnL>
+                    <a:lnR w="12700" cap="flat" cmpd="sng" algn="ctr">
+                      <a:solidFill>
+                        <a:schemeClr val="tx1"/>
+                      </a:solidFill>
+                      <a:prstDash val="solid"/>
+                      <a:round/>
+                      <a:headEnd type="none" w="med" len="med"/>
+                      <a:tailEnd type="none" w="med" len="med"/>
+                    </a:lnR>
+                    <a:lnT w="12700" cap="flat" cmpd="sng" algn="ctr">
+                      <a:solidFill>
+                        <a:schemeClr val="tx1"/>
+                      </a:solidFill>
+                      <a:prstDash val="solid"/>
+                      <a:round/>
+                      <a:headEnd type="none" w="med" len="med"/>
+                      <a:tailEnd type="none" w="med" len="med"/>
+                    </a:lnT>
+                    <a:lnB w="12700" cap="flat" cmpd="sng" algn="ctr">
+                      <a:solidFill>
+                        <a:schemeClr val="tx1"/>
+                      </a:solidFill>
+                      <a:prstDash val="solid"/>
+                      <a:round/>
+                      <a:headEnd type="none" w="med" len="med"/>
+                      <a:tailEnd type="none" w="med" len="med"/>
+                    </a:lnB>
+                  </a:tcPr>
+                </a:tc>
+                <a:tc>
+                  <a:txBody>
+                    <a:bodyPr/>
+                    <a:lstStyle/>
+                    <a:p>
+                      <a:endParaRPr lang="en-GB"/>
+                    </a:p>
+                  </a:txBody>
+                  <a:tcPr>
+                    <a:lnL w="12700" cap="flat" cmpd="sng" algn="ctr">
+                      <a:solidFill>
+                        <a:schemeClr val="tx1"/>
+                      </a:solidFill>
+                      <a:prstDash val="solid"/>
+                      <a:round/>
+                      <a:headEnd type="none" w="med" len="med"/>
+                      <a:tailEnd type="none" w="med" len="med"/>
+                    </a:lnL>
+                    <a:lnR w="12700" cap="flat" cmpd="sng" algn="ctr">
+                      <a:solidFill>
+                        <a:schemeClr val="tx1"/>
+                      </a:solidFill>
+                      <a:prstDash val="solid"/>
+                      <a:round/>
+                      <a:headEnd type="none" w="med" len="med"/>
+                      <a:tailEnd type="none" w="med" len="med"/>
+                    </a:lnR>
+                    <a:lnT w="12700" cap="flat" cmpd="sng" algn="ctr">
+                      <a:solidFill>
+                        <a:schemeClr val="tx1"/>
+                      </a:solidFill>
+                      <a:prstDash val="solid"/>
+                      <a:round/>
+                      <a:headEnd type="none" w="med" len="med"/>
+                      <a:tailEnd type="none" w="med" len="med"/>
+                    </a:lnT>
+                    <a:lnB w="12700" cap="flat" cmpd="sng" algn="ctr">
+                      <a:solidFill>
+                        <a:schemeClr val="tx1"/>
+                      </a:solidFill>
+                      <a:prstDash val="solid"/>
+                      <a:round/>
+                      <a:headEnd type="none" w="med" len="med"/>
+                      <a:tailEnd type="none" w="med" len="med"/>
+                    </a:lnB>
+                  </a:tcPr>
+                </a:tc>
+                <a:tc>
+                  <a:txBody>
+                    <a:bodyPr/>
+                    <a:lstStyle/>
+                    <a:p>
+                      <a:endParaRPr lang="en-GB"/>
+                    </a:p>
+                  </a:txBody>
+                  <a:tcPr>
+                    <a:lnL w="12700" cap="flat" cmpd="sng" algn="ctr">
+                      <a:solidFill>
+                        <a:schemeClr val="tx1"/>
+                      </a:solidFill>
+                      <a:prstDash val="solid"/>
+                      <a:round/>
+                      <a:headEnd type="none" w="med" len="med"/>
+                      <a:tailEnd type="none" w="med" len="med"/>
+                    </a:lnL>
+                    <a:lnR w="12700" cap="flat" cmpd="sng" algn="ctr">
+                      <a:solidFill>
+                        <a:schemeClr val="tx1"/>
+                      </a:solidFill>
+                      <a:prstDash val="solid"/>
+                      <a:round/>
+                      <a:headEnd type="none" w="med" len="med"/>
+                      <a:tailEnd type="none" w="med" len="med"/>
+                    </a:lnR>
+                    <a:lnT w="12700" cap="flat" cmpd="sng" algn="ctr">
+                      <a:solidFill>
+                        <a:schemeClr val="tx1"/>
+                      </a:solidFill>
+                      <a:prstDash val="solid"/>
+                      <a:round/>
+                      <a:headEnd type="none" w="med" len="med"/>
+                      <a:tailEnd type="none" w="med" len="med"/>
+                    </a:lnT>
+                    <a:lnB w="12700" cap="flat" cmpd="sng" algn="ctr">
+                      <a:solidFill>
+                        <a:schemeClr val="tx1"/>
+                      </a:solidFill>
+                      <a:prstDash val="solid"/>
+                      <a:round/>
+                      <a:headEnd type="none" w="med" len="med"/>
+                      <a:tailEnd type="none" w="med" len="med"/>
+                    </a:lnB>
+                  </a:tcPr>
+                </a:tc>
+                <a:tc>
+                  <a:txBody>
+                    <a:bodyPr/>
+                    <a:lstStyle/>
+                    <a:p>
+                      <a:endParaRPr lang="en-GB"/>
+                    </a:p>
+                  </a:txBody>
+                  <a:tcPr>
+                    <a:lnL w="12700" cap="flat" cmpd="sng" algn="ctr">
+                      <a:solidFill>
+                        <a:schemeClr val="tx1"/>
+                      </a:solidFill>
+                      <a:prstDash val="solid"/>
+                      <a:round/>
+                      <a:headEnd type="none" w="med" len="med"/>
+                      <a:tailEnd type="none" w="med" len="med"/>
+                    </a:lnL>
+                    <a:lnR w="12700" cap="flat" cmpd="sng" algn="ctr">
+                      <a:solidFill>
+                        <a:schemeClr val="tx1"/>
+                      </a:solidFill>
+                      <a:prstDash val="solid"/>
+                      <a:round/>
+                      <a:headEnd type="none" w="med" len="med"/>
+                      <a:tailEnd type="none" w="med" len="med"/>
+                    </a:lnR>
+                    <a:lnT w="12700" cap="flat" cmpd="sng" algn="ctr">
+                      <a:solidFill>
+                        <a:schemeClr val="tx1"/>
+                      </a:solidFill>
+                      <a:prstDash val="solid"/>
+                      <a:round/>
+                      <a:headEnd type="none" w="med" len="med"/>
+                      <a:tailEnd type="none" w="med" len="med"/>
+                    </a:lnT>
+                    <a:lnB w="12700" cap="flat" cmpd="sng" algn="ctr">
+                      <a:solidFill>
+                        <a:schemeClr val="tx1"/>
+                      </a:solidFill>
+                      <a:prstDash val="solid"/>
+                      <a:round/>
+                      <a:headEnd type="none" w="med" len="med"/>
+                      <a:tailEnd type="none" w="med" len="med"/>
+                    </a:lnB>
+                  </a:tcPr>
+                </a:tc>
+                <a:extLst>
+                  <a:ext uri="{0D108BD9-81ED-4DB2-BD59-A6C34878D82A}">
+                    <a16:rowId xmlns:a16="http://schemas.microsoft.com/office/drawing/2014/main" val="2677689572"/>
+                  </a:ext>
+                </a:extLst>
+              </a:tr>
+              <a:tr h="617532">
+                <a:tc>
+                  <a:txBody>
+                    <a:bodyPr/>
+                    <a:lstStyle/>
+                    <a:p>
+                      <a:endParaRPr lang="en-GB"/>
+                    </a:p>
+                  </a:txBody>
+                  <a:tcPr>
+                    <a:lnL w="12700" cap="flat" cmpd="sng" algn="ctr">
+                      <a:solidFill>
+                        <a:schemeClr val="tx1"/>
+                      </a:solidFill>
+                      <a:prstDash val="solid"/>
+                      <a:round/>
+                      <a:headEnd type="none" w="med" len="med"/>
+                      <a:tailEnd type="none" w="med" len="med"/>
+                    </a:lnL>
+                    <a:lnR w="12700" cap="flat" cmpd="sng" algn="ctr">
+                      <a:solidFill>
+                        <a:schemeClr val="tx1"/>
+                      </a:solidFill>
+                      <a:prstDash val="solid"/>
+                      <a:round/>
+                      <a:headEnd type="none" w="med" len="med"/>
+                      <a:tailEnd type="none" w="med" len="med"/>
+                    </a:lnR>
+                    <a:lnT w="12700" cap="flat" cmpd="sng" algn="ctr">
+                      <a:solidFill>
+                        <a:schemeClr val="tx1"/>
+                      </a:solidFill>
+                      <a:prstDash val="solid"/>
+                      <a:round/>
+                      <a:headEnd type="none" w="med" len="med"/>
+                      <a:tailEnd type="none" w="med" len="med"/>
+                    </a:lnT>
+                    <a:lnB w="12700" cap="flat" cmpd="sng" algn="ctr">
+                      <a:solidFill>
+                        <a:schemeClr val="tx1"/>
+                      </a:solidFill>
+                      <a:prstDash val="solid"/>
+                      <a:round/>
+                      <a:headEnd type="none" w="med" len="med"/>
+                      <a:tailEnd type="none" w="med" len="med"/>
+                    </a:lnB>
+                  </a:tcPr>
+                </a:tc>
+                <a:tc>
+                  <a:txBody>
+                    <a:bodyPr/>
+                    <a:lstStyle/>
+                    <a:p>
+                      <a:endParaRPr lang="en-GB"/>
+                    </a:p>
+                  </a:txBody>
+                  <a:tcPr>
+                    <a:lnL w="12700" cap="flat" cmpd="sng" algn="ctr">
+                      <a:solidFill>
+                        <a:schemeClr val="tx1"/>
+                      </a:solidFill>
+                      <a:prstDash val="solid"/>
+                      <a:round/>
+                      <a:headEnd type="none" w="med" len="med"/>
+                      <a:tailEnd type="none" w="med" len="med"/>
+                    </a:lnL>
+                    <a:lnR w="12700" cap="flat" cmpd="sng" algn="ctr">
+                      <a:solidFill>
+                        <a:schemeClr val="tx1"/>
+                      </a:solidFill>
+                      <a:prstDash val="solid"/>
+                      <a:round/>
+                      <a:headEnd type="none" w="med" len="med"/>
+                      <a:tailEnd type="none" w="med" len="med"/>
+                    </a:lnR>
+                    <a:lnT w="12700" cap="flat" cmpd="sng" algn="ctr">
+                      <a:solidFill>
+                        <a:schemeClr val="tx1"/>
+                      </a:solidFill>
+                      <a:prstDash val="solid"/>
+                      <a:round/>
+                      <a:headEnd type="none" w="med" len="med"/>
+                      <a:tailEnd type="none" w="med" len="med"/>
+                    </a:lnT>
+                    <a:lnB w="12700" cap="flat" cmpd="sng" algn="ctr">
+                      <a:solidFill>
+                        <a:schemeClr val="tx1"/>
+                      </a:solidFill>
+                      <a:prstDash val="solid"/>
+                      <a:round/>
+                      <a:headEnd type="none" w="med" len="med"/>
+                      <a:tailEnd type="none" w="med" len="med"/>
+                    </a:lnB>
+                  </a:tcPr>
+                </a:tc>
+                <a:tc>
+                  <a:txBody>
+                    <a:bodyPr/>
+                    <a:lstStyle/>
+                    <a:p>
+                      <a:endParaRPr lang="en-GB"/>
+                    </a:p>
+                  </a:txBody>
+                  <a:tcPr>
+                    <a:lnL w="12700" cap="flat" cmpd="sng" algn="ctr">
+                      <a:solidFill>
+                        <a:schemeClr val="tx1"/>
+                      </a:solidFill>
+                      <a:prstDash val="solid"/>
+                      <a:round/>
+                      <a:headEnd type="none" w="med" len="med"/>
+                      <a:tailEnd type="none" w="med" len="med"/>
+                    </a:lnL>
+                    <a:lnR w="12700" cap="flat" cmpd="sng" algn="ctr">
+                      <a:solidFill>
+                        <a:schemeClr val="tx1"/>
+                      </a:solidFill>
+                      <a:prstDash val="solid"/>
+                      <a:round/>
+                      <a:headEnd type="none" w="med" len="med"/>
+                      <a:tailEnd type="none" w="med" len="med"/>
+                    </a:lnR>
+                    <a:lnT w="12700" cap="flat" cmpd="sng" algn="ctr">
+                      <a:solidFill>
+                        <a:schemeClr val="tx1"/>
+                      </a:solidFill>
+                      <a:prstDash val="solid"/>
+                      <a:round/>
+                      <a:headEnd type="none" w="med" len="med"/>
+                      <a:tailEnd type="none" w="med" len="med"/>
+                    </a:lnT>
+                    <a:lnB w="12700" cap="flat" cmpd="sng" algn="ctr">
+                      <a:solidFill>
+                        <a:schemeClr val="tx1"/>
+                      </a:solidFill>
+                      <a:prstDash val="solid"/>
+                      <a:round/>
+                      <a:headEnd type="none" w="med" len="med"/>
+                      <a:tailEnd type="none" w="med" len="med"/>
+                    </a:lnB>
+                  </a:tcPr>
+                </a:tc>
+                <a:tc>
+                  <a:txBody>
+                    <a:bodyPr/>
+                    <a:lstStyle/>
+                    <a:p>
+                      <a:endParaRPr lang="en-GB"/>
+                    </a:p>
+                  </a:txBody>
+                  <a:tcPr>
+                    <a:lnL w="12700" cap="flat" cmpd="sng" algn="ctr">
+                      <a:solidFill>
+                        <a:schemeClr val="tx1"/>
+                      </a:solidFill>
+                      <a:prstDash val="solid"/>
+                      <a:round/>
+                      <a:headEnd type="none" w="med" len="med"/>
+                      <a:tailEnd type="none" w="med" len="med"/>
+                    </a:lnL>
+                    <a:lnR w="12700" cap="flat" cmpd="sng" algn="ctr">
+                      <a:solidFill>
+                        <a:schemeClr val="tx1"/>
+                      </a:solidFill>
+                      <a:prstDash val="solid"/>
+                      <a:round/>
+                      <a:headEnd type="none" w="med" len="med"/>
+                      <a:tailEnd type="none" w="med" len="med"/>
+                    </a:lnR>
+                    <a:lnT w="12700" cap="flat" cmpd="sng" algn="ctr">
+                      <a:solidFill>
+                        <a:schemeClr val="tx1"/>
+                      </a:solidFill>
+                      <a:prstDash val="solid"/>
+                      <a:round/>
+                      <a:headEnd type="none" w="med" len="med"/>
+                      <a:tailEnd type="none" w="med" len="med"/>
+                    </a:lnT>
+                    <a:lnB w="12700" cap="flat" cmpd="sng" algn="ctr">
+                      <a:solidFill>
+                        <a:schemeClr val="tx1"/>
+                      </a:solidFill>
+                      <a:prstDash val="solid"/>
+                      <a:round/>
+                      <a:headEnd type="none" w="med" len="med"/>
+                      <a:tailEnd type="none" w="med" len="med"/>
+                    </a:lnB>
+                  </a:tcPr>
+                </a:tc>
+                <a:tc>
+                  <a:txBody>
+                    <a:bodyPr/>
+                    <a:lstStyle/>
+                    <a:p>
+                      <a:endParaRPr lang="en-GB"/>
+                    </a:p>
+                  </a:txBody>
+                  <a:tcPr>
+                    <a:lnL w="12700" cap="flat" cmpd="sng" algn="ctr">
+                      <a:solidFill>
+                        <a:schemeClr val="tx1"/>
+                      </a:solidFill>
+                      <a:prstDash val="solid"/>
+                      <a:round/>
+                      <a:headEnd type="none" w="med" len="med"/>
+                      <a:tailEnd type="none" w="med" len="med"/>
+                    </a:lnL>
+                    <a:lnR w="12700" cap="flat" cmpd="sng" algn="ctr">
+                      <a:solidFill>
+                        <a:schemeClr val="tx1"/>
+                      </a:solidFill>
+                      <a:prstDash val="solid"/>
+                      <a:round/>
+                      <a:headEnd type="none" w="med" len="med"/>
+                      <a:tailEnd type="none" w="med" len="med"/>
+                    </a:lnR>
+                    <a:lnT w="12700" cap="flat" cmpd="sng" algn="ctr">
+                      <a:solidFill>
+                        <a:schemeClr val="tx1"/>
+                      </a:solidFill>
+                      <a:prstDash val="solid"/>
+                      <a:round/>
+                      <a:headEnd type="none" w="med" len="med"/>
+                      <a:tailEnd type="none" w="med" len="med"/>
+                    </a:lnT>
+                    <a:lnB w="12700" cap="flat" cmpd="sng" algn="ctr">
+                      <a:solidFill>
+                        <a:schemeClr val="tx1"/>
+                      </a:solidFill>
+                      <a:prstDash val="solid"/>
+                      <a:round/>
+                      <a:headEnd type="none" w="med" len="med"/>
+                      <a:tailEnd type="none" w="med" len="med"/>
+                    </a:lnB>
+                  </a:tcPr>
+                </a:tc>
+                <a:tc>
+                  <a:txBody>
+                    <a:bodyPr/>
+                    <a:lstStyle/>
+                    <a:p>
+                      <a:endParaRPr lang="en-GB"/>
+                    </a:p>
+                  </a:txBody>
+                  <a:tcPr>
+                    <a:lnL w="12700" cap="flat" cmpd="sng" algn="ctr">
+                      <a:solidFill>
+                        <a:schemeClr val="tx1"/>
+                      </a:solidFill>
+                      <a:prstDash val="solid"/>
+                      <a:round/>
+                      <a:headEnd type="none" w="med" len="med"/>
+                      <a:tailEnd type="none" w="med" len="med"/>
+                    </a:lnL>
+                    <a:lnR w="12700" cap="flat" cmpd="sng" algn="ctr">
+                      <a:solidFill>
+                        <a:schemeClr val="tx1"/>
+                      </a:solidFill>
+                      <a:prstDash val="solid"/>
+                      <a:round/>
+                      <a:headEnd type="none" w="med" len="med"/>
+                      <a:tailEnd type="none" w="med" len="med"/>
+                    </a:lnR>
+                    <a:lnT w="12700" cap="flat" cmpd="sng" algn="ctr">
+                      <a:solidFill>
+                        <a:schemeClr val="tx1"/>
+                      </a:solidFill>
+                      <a:prstDash val="solid"/>
+                      <a:round/>
+                      <a:headEnd type="none" w="med" len="med"/>
+                      <a:tailEnd type="none" w="med" len="med"/>
+                    </a:lnT>
+                    <a:lnB w="12700" cap="flat" cmpd="sng" algn="ctr">
+                      <a:solidFill>
+                        <a:schemeClr val="tx1"/>
+                      </a:solidFill>
+                      <a:prstDash val="solid"/>
+                      <a:round/>
+                      <a:headEnd type="none" w="med" len="med"/>
+                      <a:tailEnd type="none" w="med" len="med"/>
+                    </a:lnB>
+                  </a:tcPr>
+                </a:tc>
+                <a:extLst>
+                  <a:ext uri="{0D108BD9-81ED-4DB2-BD59-A6C34878D82A}">
+                    <a16:rowId xmlns:a16="http://schemas.microsoft.com/office/drawing/2014/main" val="3018837350"/>
+                  </a:ext>
+                </a:extLst>
+              </a:tr>
+              <a:tr h="617532">
+                <a:tc>
+                  <a:txBody>
+                    <a:bodyPr/>
+                    <a:lstStyle/>
+                    <a:p>
+                      <a:endParaRPr lang="en-GB"/>
+                    </a:p>
+                  </a:txBody>
+                  <a:tcPr>
+                    <a:lnL w="12700" cap="flat" cmpd="sng" algn="ctr">
+                      <a:solidFill>
+                        <a:schemeClr val="tx1"/>
+                      </a:solidFill>
+                      <a:prstDash val="solid"/>
+                      <a:round/>
+                      <a:headEnd type="none" w="med" len="med"/>
+                      <a:tailEnd type="none" w="med" len="med"/>
+                    </a:lnL>
+                    <a:lnR w="12700" cap="flat" cmpd="sng" algn="ctr">
+                      <a:solidFill>
+                        <a:schemeClr val="tx1"/>
+                      </a:solidFill>
+                      <a:prstDash val="solid"/>
+                      <a:round/>
+                      <a:headEnd type="none" w="med" len="med"/>
+                      <a:tailEnd type="none" w="med" len="med"/>
+                    </a:lnR>
+                    <a:lnT w="12700" cap="flat" cmpd="sng" algn="ctr">
+                      <a:solidFill>
+                        <a:schemeClr val="tx1"/>
+                      </a:solidFill>
+                      <a:prstDash val="solid"/>
+                      <a:round/>
+                      <a:headEnd type="none" w="med" len="med"/>
+                      <a:tailEnd type="none" w="med" len="med"/>
+                    </a:lnT>
+                    <a:lnB w="12700" cap="flat" cmpd="sng" algn="ctr">
+                      <a:solidFill>
+                        <a:schemeClr val="tx1"/>
+                      </a:solidFill>
+                      <a:prstDash val="solid"/>
+                      <a:round/>
+                      <a:headEnd type="none" w="med" len="med"/>
+                      <a:tailEnd type="none" w="med" len="med"/>
+                    </a:lnB>
+                  </a:tcPr>
+                </a:tc>
+                <a:tc>
+                  <a:txBody>
+                    <a:bodyPr/>
+                    <a:lstStyle/>
+                    <a:p>
+                      <a:endParaRPr lang="en-GB"/>
+                    </a:p>
+                  </a:txBody>
+                  <a:tcPr>
+                    <a:lnL w="12700" cap="flat" cmpd="sng" algn="ctr">
+                      <a:solidFill>
+                        <a:schemeClr val="tx1"/>
+                      </a:solidFill>
+                      <a:prstDash val="solid"/>
+                      <a:round/>
+                      <a:headEnd type="none" w="med" len="med"/>
+                      <a:tailEnd type="none" w="med" len="med"/>
+                    </a:lnL>
+                    <a:lnR w="12700" cap="flat" cmpd="sng" algn="ctr">
+                      <a:solidFill>
+                        <a:schemeClr val="tx1"/>
+                      </a:solidFill>
+                      <a:prstDash val="solid"/>
+                      <a:round/>
+                      <a:headEnd type="none" w="med" len="med"/>
+                      <a:tailEnd type="none" w="med" len="med"/>
+                    </a:lnR>
+                    <a:lnT w="12700" cap="flat" cmpd="sng" algn="ctr">
+                      <a:solidFill>
+                        <a:schemeClr val="tx1"/>
+                      </a:solidFill>
+                      <a:prstDash val="solid"/>
+                      <a:round/>
+                      <a:headEnd type="none" w="med" len="med"/>
+                      <a:tailEnd type="none" w="med" len="med"/>
+                    </a:lnT>
+                    <a:lnB w="12700" cap="flat" cmpd="sng" algn="ctr">
+                      <a:solidFill>
+                        <a:schemeClr val="tx1"/>
+                      </a:solidFill>
+                      <a:prstDash val="solid"/>
+                      <a:round/>
+                      <a:headEnd type="none" w="med" len="med"/>
+                      <a:tailEnd type="none" w="med" len="med"/>
+                    </a:lnB>
+                  </a:tcPr>
+                </a:tc>
+                <a:tc>
+                  <a:txBody>
+                    <a:bodyPr/>
+                    <a:lstStyle/>
+                    <a:p>
+                      <a:endParaRPr lang="en-GB"/>
+                    </a:p>
+                  </a:txBody>
+                  <a:tcPr>
+                    <a:lnL w="12700" cap="flat" cmpd="sng" algn="ctr">
+                      <a:solidFill>
+                        <a:schemeClr val="tx1"/>
+                      </a:solidFill>
+                      <a:prstDash val="solid"/>
+                      <a:round/>
+                      <a:headEnd type="none" w="med" len="med"/>
+                      <a:tailEnd type="none" w="med" len="med"/>
+                    </a:lnL>
+                    <a:lnR w="12700" cap="flat" cmpd="sng" algn="ctr">
+                      <a:solidFill>
+                        <a:schemeClr val="tx1"/>
+                      </a:solidFill>
+                      <a:prstDash val="solid"/>
+                      <a:round/>
+                      <a:headEnd type="none" w="med" len="med"/>
+                      <a:tailEnd type="none" w="med" len="med"/>
+                    </a:lnR>
+                    <a:lnT w="12700" cap="flat" cmpd="sng" algn="ctr">
+                      <a:solidFill>
+                        <a:schemeClr val="tx1"/>
+                      </a:solidFill>
+                      <a:prstDash val="solid"/>
+                      <a:round/>
+                      <a:headEnd type="none" w="med" len="med"/>
+                      <a:tailEnd type="none" w="med" len="med"/>
+                    </a:lnT>
+                    <a:lnB w="12700" cap="flat" cmpd="sng" algn="ctr">
+                      <a:solidFill>
+                        <a:schemeClr val="tx1"/>
+                      </a:solidFill>
+                      <a:prstDash val="solid"/>
+                      <a:round/>
+                      <a:headEnd type="none" w="med" len="med"/>
+                      <a:tailEnd type="none" w="med" len="med"/>
+                    </a:lnB>
+                  </a:tcPr>
+                </a:tc>
+                <a:tc>
+                  <a:txBody>
+                    <a:bodyPr/>
+                    <a:lstStyle/>
+                    <a:p>
+                      <a:endParaRPr lang="en-GB"/>
+                    </a:p>
+                  </a:txBody>
+                  <a:tcPr>
+                    <a:lnL w="12700" cap="flat" cmpd="sng" algn="ctr">
+                      <a:solidFill>
+                        <a:schemeClr val="tx1"/>
+                      </a:solidFill>
+                      <a:prstDash val="solid"/>
+                      <a:round/>
+                      <a:headEnd type="none" w="med" len="med"/>
+                      <a:tailEnd type="none" w="med" len="med"/>
+                    </a:lnL>
+                    <a:lnR w="12700" cap="flat" cmpd="sng" algn="ctr">
+                      <a:solidFill>
+                        <a:schemeClr val="tx1"/>
+                      </a:solidFill>
+                      <a:prstDash val="solid"/>
+                      <a:round/>
+                      <a:headEnd type="none" w="med" len="med"/>
+                      <a:tailEnd type="none" w="med" len="med"/>
+                    </a:lnR>
+                    <a:lnT w="12700" cap="flat" cmpd="sng" algn="ctr">
+                      <a:solidFill>
+                        <a:schemeClr val="tx1"/>
+                      </a:solidFill>
+                      <a:prstDash val="solid"/>
+                      <a:round/>
+                      <a:headEnd type="none" w="med" len="med"/>
+                      <a:tailEnd type="none" w="med" len="med"/>
+                    </a:lnT>
+                    <a:lnB w="12700" cap="flat" cmpd="sng" algn="ctr">
+                      <a:solidFill>
+                        <a:schemeClr val="tx1"/>
+                      </a:solidFill>
+                      <a:prstDash val="solid"/>
+                      <a:round/>
+                      <a:headEnd type="none" w="med" len="med"/>
+                      <a:tailEnd type="none" w="med" len="med"/>
+                    </a:lnB>
+                  </a:tcPr>
+                </a:tc>
+                <a:tc>
+                  <a:txBody>
+                    <a:bodyPr/>
+                    <a:lstStyle/>
+                    <a:p>
+                      <a:endParaRPr lang="en-GB"/>
+                    </a:p>
+                  </a:txBody>
+                  <a:tcPr>
+                    <a:lnL w="12700" cap="flat" cmpd="sng" algn="ctr">
+                      <a:solidFill>
+                        <a:schemeClr val="tx1"/>
+                      </a:solidFill>
+                      <a:prstDash val="solid"/>
+                      <a:round/>
+                      <a:headEnd type="none" w="med" len="med"/>
+                      <a:tailEnd type="none" w="med" len="med"/>
+                    </a:lnL>
+                    <a:lnR w="12700" cap="flat" cmpd="sng" algn="ctr">
+                      <a:solidFill>
+                        <a:schemeClr val="tx1"/>
+                      </a:solidFill>
+                      <a:prstDash val="solid"/>
+                      <a:round/>
+                      <a:headEnd type="none" w="med" len="med"/>
+                      <a:tailEnd type="none" w="med" len="med"/>
+                    </a:lnR>
+                    <a:lnT w="12700" cap="flat" cmpd="sng" algn="ctr">
+                      <a:solidFill>
+                        <a:schemeClr val="tx1"/>
+                      </a:solidFill>
+                      <a:prstDash val="solid"/>
+                      <a:round/>
+                      <a:headEnd type="none" w="med" len="med"/>
+                      <a:tailEnd type="none" w="med" len="med"/>
+                    </a:lnT>
+                    <a:lnB w="12700" cap="flat" cmpd="sng" algn="ctr">
+                      <a:solidFill>
+                        <a:schemeClr val="tx1"/>
+                      </a:solidFill>
+                      <a:prstDash val="solid"/>
+                      <a:round/>
+                      <a:headEnd type="none" w="med" len="med"/>
+                      <a:tailEnd type="none" w="med" len="med"/>
+                    </a:lnB>
+                  </a:tcPr>
+                </a:tc>
+                <a:tc>
+                  <a:txBody>
+                    <a:bodyPr/>
+                    <a:lstStyle/>
+                    <a:p>
+                      <a:endParaRPr lang="en-GB"/>
+                    </a:p>
+                  </a:txBody>
+                  <a:tcPr>
+                    <a:lnL w="12700" cap="flat" cmpd="sng" algn="ctr">
+                      <a:solidFill>
+                        <a:schemeClr val="tx1"/>
+                      </a:solidFill>
+                      <a:prstDash val="solid"/>
+                      <a:round/>
+                      <a:headEnd type="none" w="med" len="med"/>
+                      <a:tailEnd type="none" w="med" len="med"/>
+                    </a:lnL>
+                    <a:lnR w="12700" cap="flat" cmpd="sng" algn="ctr">
+                      <a:solidFill>
+                        <a:schemeClr val="tx1"/>
+                      </a:solidFill>
+                      <a:prstDash val="solid"/>
+                      <a:round/>
+                      <a:headEnd type="none" w="med" len="med"/>
+                      <a:tailEnd type="none" w="med" len="med"/>
+                    </a:lnR>
+                    <a:lnT w="12700" cap="flat" cmpd="sng" algn="ctr">
+                      <a:solidFill>
+                        <a:schemeClr val="tx1"/>
+                      </a:solidFill>
+                      <a:prstDash val="solid"/>
+                      <a:round/>
+                      <a:headEnd type="none" w="med" len="med"/>
+                      <a:tailEnd type="none" w="med" len="med"/>
+                    </a:lnT>
+                    <a:lnB w="12700" cap="flat" cmpd="sng" algn="ctr">
+                      <a:solidFill>
+                        <a:schemeClr val="tx1"/>
+                      </a:solidFill>
+                      <a:prstDash val="solid"/>
+                      <a:round/>
+                      <a:headEnd type="none" w="med" len="med"/>
+                      <a:tailEnd type="none" w="med" len="med"/>
+                    </a:lnB>
+                  </a:tcPr>
+                </a:tc>
+                <a:extLst>
+                  <a:ext uri="{0D108BD9-81ED-4DB2-BD59-A6C34878D82A}">
+                    <a16:rowId xmlns:a16="http://schemas.microsoft.com/office/drawing/2014/main" val="3546296"/>
+                  </a:ext>
+                </a:extLst>
+              </a:tr>
+              <a:tr h="617532">
+                <a:tc>
+                  <a:txBody>
+                    <a:bodyPr/>
+                    <a:lstStyle/>
+                    <a:p>
+                      <a:endParaRPr lang="en-GB"/>
+                    </a:p>
+                  </a:txBody>
+                  <a:tcPr>
+                    <a:lnL w="12700" cap="flat" cmpd="sng" algn="ctr">
+                      <a:solidFill>
+                        <a:schemeClr val="tx1"/>
+                      </a:solidFill>
+                      <a:prstDash val="solid"/>
+                      <a:round/>
+                      <a:headEnd type="none" w="med" len="med"/>
+                      <a:tailEnd type="none" w="med" len="med"/>
+                    </a:lnL>
+                    <a:lnR w="12700" cap="flat" cmpd="sng" algn="ctr">
+                      <a:solidFill>
+                        <a:schemeClr val="tx1"/>
+                      </a:solidFill>
+                      <a:prstDash val="solid"/>
+                      <a:round/>
+                      <a:headEnd type="none" w="med" len="med"/>
+                      <a:tailEnd type="none" w="med" len="med"/>
+                    </a:lnR>
+                    <a:lnT w="12700" cap="flat" cmpd="sng" algn="ctr">
+                      <a:solidFill>
+                        <a:schemeClr val="tx1"/>
+                      </a:solidFill>
+                      <a:prstDash val="solid"/>
+                      <a:round/>
+                      <a:headEnd type="none" w="med" len="med"/>
+                      <a:tailEnd type="none" w="med" len="med"/>
+                    </a:lnT>
+                    <a:lnB w="12700" cap="flat" cmpd="sng" algn="ctr">
+                      <a:solidFill>
+                        <a:schemeClr val="tx1"/>
+                      </a:solidFill>
+                      <a:prstDash val="solid"/>
+                      <a:round/>
+                      <a:headEnd type="none" w="med" len="med"/>
+                      <a:tailEnd type="none" w="med" len="med"/>
+                    </a:lnB>
+                  </a:tcPr>
+                </a:tc>
+                <a:tc>
+                  <a:txBody>
+                    <a:bodyPr/>
+                    <a:lstStyle/>
+                    <a:p>
+                      <a:endParaRPr lang="en-GB"/>
+                    </a:p>
+                  </a:txBody>
+                  <a:tcPr>
+                    <a:lnL w="12700" cap="flat" cmpd="sng" algn="ctr">
+                      <a:solidFill>
+                        <a:schemeClr val="tx1"/>
+                      </a:solidFill>
+                      <a:prstDash val="solid"/>
+                      <a:round/>
+                      <a:headEnd type="none" w="med" len="med"/>
+                      <a:tailEnd type="none" w="med" len="med"/>
+                    </a:lnL>
+                    <a:lnR w="12700" cap="flat" cmpd="sng" algn="ctr">
+                      <a:solidFill>
+                        <a:schemeClr val="tx1"/>
+                      </a:solidFill>
+                      <a:prstDash val="solid"/>
+                      <a:round/>
+                      <a:headEnd type="none" w="med" len="med"/>
+                      <a:tailEnd type="none" w="med" len="med"/>
+                    </a:lnR>
+                    <a:lnT w="12700" cap="flat" cmpd="sng" algn="ctr">
+                      <a:solidFill>
+                        <a:schemeClr val="tx1"/>
+                      </a:solidFill>
+                      <a:prstDash val="solid"/>
+                      <a:round/>
+                      <a:headEnd type="none" w="med" len="med"/>
+                      <a:tailEnd type="none" w="med" len="med"/>
+                    </a:lnT>
+                    <a:lnB w="12700" cap="flat" cmpd="sng" algn="ctr">
+                      <a:solidFill>
+                        <a:schemeClr val="tx1"/>
+                      </a:solidFill>
+                      <a:prstDash val="solid"/>
+                      <a:round/>
+                      <a:headEnd type="none" w="med" len="med"/>
+                      <a:tailEnd type="none" w="med" len="med"/>
+                    </a:lnB>
+                  </a:tcPr>
+                </a:tc>
+                <a:tc>
+                  <a:txBody>
+                    <a:bodyPr/>
+                    <a:lstStyle/>
+                    <a:p>
+                      <a:endParaRPr lang="en-GB"/>
+                    </a:p>
+                  </a:txBody>
+                  <a:tcPr>
+                    <a:lnL w="12700" cap="flat" cmpd="sng" algn="ctr">
+                      <a:solidFill>
+                        <a:schemeClr val="tx1"/>
+                      </a:solidFill>
+                      <a:prstDash val="solid"/>
+                      <a:round/>
+                      <a:headEnd type="none" w="med" len="med"/>
+                      <a:tailEnd type="none" w="med" len="med"/>
+                    </a:lnL>
+                    <a:lnR w="12700" cap="flat" cmpd="sng" algn="ctr">
+                      <a:solidFill>
+                        <a:schemeClr val="tx1"/>
+                      </a:solidFill>
+                      <a:prstDash val="solid"/>
+                      <a:round/>
+                      <a:headEnd type="none" w="med" len="med"/>
+                      <a:tailEnd type="none" w="med" len="med"/>
+                    </a:lnR>
+                    <a:lnT w="12700" cap="flat" cmpd="sng" algn="ctr">
+                      <a:solidFill>
+                        <a:schemeClr val="tx1"/>
+                      </a:solidFill>
+                      <a:prstDash val="solid"/>
+                      <a:round/>
+                      <a:headEnd type="none" w="med" len="med"/>
+                      <a:tailEnd type="none" w="med" len="med"/>
+                    </a:lnT>
+                    <a:lnB w="12700" cap="flat" cmpd="sng" algn="ctr">
+                      <a:solidFill>
+                        <a:schemeClr val="tx1"/>
+                      </a:solidFill>
+                      <a:prstDash val="solid"/>
+                      <a:round/>
+                      <a:headEnd type="none" w="med" len="med"/>
+                      <a:tailEnd type="none" w="med" len="med"/>
+                    </a:lnB>
+                  </a:tcPr>
+                </a:tc>
+                <a:tc>
+                  <a:txBody>
+                    <a:bodyPr/>
+                    <a:lstStyle/>
+                    <a:p>
+                      <a:endParaRPr lang="en-GB"/>
+                    </a:p>
+                  </a:txBody>
+                  <a:tcPr>
+                    <a:lnL w="12700" cap="flat" cmpd="sng" algn="ctr">
+                      <a:solidFill>
+                        <a:schemeClr val="tx1"/>
+                      </a:solidFill>
+                      <a:prstDash val="solid"/>
+                      <a:round/>
+                      <a:headEnd type="none" w="med" len="med"/>
+                      <a:tailEnd type="none" w="med" len="med"/>
+                    </a:lnL>
+                    <a:lnR w="12700" cap="flat" cmpd="sng" algn="ctr">
+                      <a:solidFill>
+                        <a:schemeClr val="tx1"/>
+                      </a:solidFill>
+                      <a:prstDash val="solid"/>
+                      <a:round/>
+                      <a:headEnd type="none" w="med" len="med"/>
+                      <a:tailEnd type="none" w="med" len="med"/>
+                    </a:lnR>
+                    <a:lnT w="12700" cap="flat" cmpd="sng" algn="ctr">
+                      <a:solidFill>
+                        <a:schemeClr val="tx1"/>
+                      </a:solidFill>
+                      <a:prstDash val="solid"/>
+                      <a:round/>
+                      <a:headEnd type="none" w="med" len="med"/>
+                      <a:tailEnd type="none" w="med" len="med"/>
+                    </a:lnT>
+                    <a:lnB w="12700" cap="flat" cmpd="sng" algn="ctr">
+                      <a:solidFill>
+                        <a:schemeClr val="tx1"/>
+                      </a:solidFill>
+                      <a:prstDash val="solid"/>
+                      <a:round/>
+                      <a:headEnd type="none" w="med" len="med"/>
+                      <a:tailEnd type="none" w="med" len="med"/>
+                    </a:lnB>
+                  </a:tcPr>
+                </a:tc>
+                <a:tc>
+                  <a:txBody>
+                    <a:bodyPr/>
+                    <a:lstStyle/>
+                    <a:p>
+                      <a:endParaRPr lang="en-GB"/>
+                    </a:p>
+                  </a:txBody>
+                  <a:tcPr>
+                    <a:lnL w="12700" cap="flat" cmpd="sng" algn="ctr">
+                      <a:solidFill>
+                        <a:schemeClr val="tx1"/>
+                      </a:solidFill>
+                      <a:prstDash val="solid"/>
+                      <a:round/>
+                      <a:headEnd type="none" w="med" len="med"/>
+                      <a:tailEnd type="none" w="med" len="med"/>
+                    </a:lnL>
+                    <a:lnR w="12700" cap="flat" cmpd="sng" algn="ctr">
+                      <a:solidFill>
+                        <a:schemeClr val="tx1"/>
+                      </a:solidFill>
+                      <a:prstDash val="solid"/>
+                      <a:round/>
+                      <a:headEnd type="none" w="med" len="med"/>
+                      <a:tailEnd type="none" w="med" len="med"/>
+                    </a:lnR>
+                    <a:lnT w="12700" cap="flat" cmpd="sng" algn="ctr">
+                      <a:solidFill>
+                        <a:schemeClr val="tx1"/>
+                      </a:solidFill>
+                      <a:prstDash val="solid"/>
+                      <a:round/>
+                      <a:headEnd type="none" w="med" len="med"/>
+                      <a:tailEnd type="none" w="med" len="med"/>
+                    </a:lnT>
+                    <a:lnB w="12700" cap="flat" cmpd="sng" algn="ctr">
+                      <a:solidFill>
+                        <a:schemeClr val="tx1"/>
+                      </a:solidFill>
+                      <a:prstDash val="solid"/>
+                      <a:round/>
+                      <a:headEnd type="none" w="med" len="med"/>
+                      <a:tailEnd type="none" w="med" len="med"/>
+                    </a:lnB>
+                  </a:tcPr>
+                </a:tc>
+                <a:tc>
+                  <a:txBody>
+                    <a:bodyPr/>
+                    <a:lstStyle/>
+                    <a:p>
+                      <a:endParaRPr lang="en-GB"/>
+                    </a:p>
+                  </a:txBody>
+                  <a:tcPr>
+                    <a:lnL w="12700" cap="flat" cmpd="sng" algn="ctr">
+                      <a:solidFill>
+                        <a:schemeClr val="tx1"/>
+                      </a:solidFill>
+                      <a:prstDash val="solid"/>
+                      <a:round/>
+                      <a:headEnd type="none" w="med" len="med"/>
+                      <a:tailEnd type="none" w="med" len="med"/>
+                    </a:lnL>
+                    <a:lnR w="12700" cap="flat" cmpd="sng" algn="ctr">
+                      <a:solidFill>
+                        <a:schemeClr val="tx1"/>
+                      </a:solidFill>
+                      <a:prstDash val="solid"/>
+                      <a:round/>
+                      <a:headEnd type="none" w="med" len="med"/>
+                      <a:tailEnd type="none" w="med" len="med"/>
+                    </a:lnR>
+                    <a:lnT w="12700" cap="flat" cmpd="sng" algn="ctr">
+                      <a:solidFill>
+                        <a:schemeClr val="tx1"/>
+                      </a:solidFill>
+                      <a:prstDash val="solid"/>
+                      <a:round/>
+                      <a:headEnd type="none" w="med" len="med"/>
+                      <a:tailEnd type="none" w="med" len="med"/>
+                    </a:lnT>
+                    <a:lnB w="12700" cap="flat" cmpd="sng" algn="ctr">
+                      <a:solidFill>
+                        <a:schemeClr val="tx1"/>
+                      </a:solidFill>
+                      <a:prstDash val="solid"/>
+                      <a:round/>
+                      <a:headEnd type="none" w="med" len="med"/>
+                      <a:tailEnd type="none" w="med" len="med"/>
+                    </a:lnB>
+                  </a:tcPr>
+                </a:tc>
+                <a:extLst>
+                  <a:ext uri="{0D108BD9-81ED-4DB2-BD59-A6C34878D82A}">
+                    <a16:rowId xmlns:a16="http://schemas.microsoft.com/office/drawing/2014/main" val="3647717143"/>
+                  </a:ext>
+                </a:extLst>
+              </a:tr>
+              <a:tr h="617532">
+                <a:tc>
+                  <a:txBody>
+                    <a:bodyPr/>
+                    <a:lstStyle/>
+                    <a:p>
+                      <a:endParaRPr lang="en-GB"/>
+                    </a:p>
+                  </a:txBody>
+                  <a:tcPr>
+                    <a:lnL w="12700" cap="flat" cmpd="sng" algn="ctr">
+                      <a:solidFill>
+                        <a:schemeClr val="tx1"/>
+                      </a:solidFill>
+                      <a:prstDash val="solid"/>
+                      <a:round/>
+                      <a:headEnd type="none" w="med" len="med"/>
+                      <a:tailEnd type="none" w="med" len="med"/>
+                    </a:lnL>
+                    <a:lnR w="12700" cap="flat" cmpd="sng" algn="ctr">
+                      <a:solidFill>
+                        <a:schemeClr val="tx1"/>
+                      </a:solidFill>
+                      <a:prstDash val="solid"/>
+                      <a:round/>
+                      <a:headEnd type="none" w="med" len="med"/>
+                      <a:tailEnd type="none" w="med" len="med"/>
+                    </a:lnR>
+                    <a:lnT w="12700" cap="flat" cmpd="sng" algn="ctr">
+                      <a:solidFill>
+                        <a:schemeClr val="tx1"/>
+                      </a:solidFill>
+                      <a:prstDash val="solid"/>
+                      <a:round/>
+                      <a:headEnd type="none" w="med" len="med"/>
+                      <a:tailEnd type="none" w="med" len="med"/>
+                    </a:lnT>
+                    <a:lnB w="12700" cap="flat" cmpd="sng" algn="ctr">
+                      <a:solidFill>
+                        <a:schemeClr val="tx1"/>
+                      </a:solidFill>
+                      <a:prstDash val="solid"/>
+                      <a:round/>
+                      <a:headEnd type="none" w="med" len="med"/>
+                      <a:tailEnd type="none" w="med" len="med"/>
+                    </a:lnB>
+                  </a:tcPr>
+                </a:tc>
+                <a:tc>
+                  <a:txBody>
+                    <a:bodyPr/>
+                    <a:lstStyle/>
+                    <a:p>
+                      <a:endParaRPr lang="en-GB"/>
+                    </a:p>
+                  </a:txBody>
+                  <a:tcPr>
+                    <a:lnL w="12700" cap="flat" cmpd="sng" algn="ctr">
+                      <a:solidFill>
+                        <a:schemeClr val="tx1"/>
+                      </a:solidFill>
+                      <a:prstDash val="solid"/>
+                      <a:round/>
+                      <a:headEnd type="none" w="med" len="med"/>
+                      <a:tailEnd type="none" w="med" len="med"/>
+                    </a:lnL>
+                    <a:lnR w="12700" cap="flat" cmpd="sng" algn="ctr">
+                      <a:solidFill>
+                        <a:schemeClr val="tx1"/>
+                      </a:solidFill>
+                      <a:prstDash val="solid"/>
+                      <a:round/>
+                      <a:headEnd type="none" w="med" len="med"/>
+                      <a:tailEnd type="none" w="med" len="med"/>
+                    </a:lnR>
+                    <a:lnT w="12700" cap="flat" cmpd="sng" algn="ctr">
+                      <a:solidFill>
+                        <a:schemeClr val="tx1"/>
+                      </a:solidFill>
+                      <a:prstDash val="solid"/>
+                      <a:round/>
+                      <a:headEnd type="none" w="med" len="med"/>
+                      <a:tailEnd type="none" w="med" len="med"/>
+                    </a:lnT>
+                    <a:lnB w="12700" cap="flat" cmpd="sng" algn="ctr">
+                      <a:solidFill>
+                        <a:schemeClr val="tx1"/>
+                      </a:solidFill>
+                      <a:prstDash val="solid"/>
+                      <a:round/>
+                      <a:headEnd type="none" w="med" len="med"/>
+                      <a:tailEnd type="none" w="med" len="med"/>
+                    </a:lnB>
+                  </a:tcPr>
+                </a:tc>
+                <a:tc>
+                  <a:txBody>
+                    <a:bodyPr/>
+                    <a:lstStyle/>
+                    <a:p>
+                      <a:endParaRPr lang="en-GB"/>
+                    </a:p>
+                  </a:txBody>
+                  <a:tcPr>
+                    <a:lnL w="12700" cap="flat" cmpd="sng" algn="ctr">
+                      <a:solidFill>
+                        <a:schemeClr val="tx1"/>
+                      </a:solidFill>
+                      <a:prstDash val="solid"/>
+                      <a:round/>
+                      <a:headEnd type="none" w="med" len="med"/>
+                      <a:tailEnd type="none" w="med" len="med"/>
+                    </a:lnL>
+                    <a:lnR w="12700" cap="flat" cmpd="sng" algn="ctr">
+                      <a:solidFill>
+                        <a:schemeClr val="tx1"/>
+                      </a:solidFill>
+                      <a:prstDash val="solid"/>
+                      <a:round/>
+                      <a:headEnd type="none" w="med" len="med"/>
+                      <a:tailEnd type="none" w="med" len="med"/>
+                    </a:lnR>
+                    <a:lnT w="12700" cap="flat" cmpd="sng" algn="ctr">
+                      <a:solidFill>
+                        <a:schemeClr val="tx1"/>
+                      </a:solidFill>
+                      <a:prstDash val="solid"/>
+                      <a:round/>
+                      <a:headEnd type="none" w="med" len="med"/>
+                      <a:tailEnd type="none" w="med" len="med"/>
+                    </a:lnT>
+                    <a:lnB w="12700" cap="flat" cmpd="sng" algn="ctr">
+                      <a:solidFill>
+                        <a:schemeClr val="tx1"/>
+                      </a:solidFill>
+                      <a:prstDash val="solid"/>
+                      <a:round/>
+                      <a:headEnd type="none" w="med" len="med"/>
+                      <a:tailEnd type="none" w="med" len="med"/>
+                    </a:lnB>
+                  </a:tcPr>
+                </a:tc>
+                <a:tc>
+                  <a:txBody>
+                    <a:bodyPr/>
+                    <a:lstStyle/>
+                    <a:p>
+                      <a:endParaRPr lang="en-GB"/>
+                    </a:p>
+                  </a:txBody>
+                  <a:tcPr>
+                    <a:lnL w="12700" cap="flat" cmpd="sng" algn="ctr">
+                      <a:solidFill>
+                        <a:schemeClr val="tx1"/>
+                      </a:solidFill>
+                      <a:prstDash val="solid"/>
+                      <a:round/>
+                      <a:headEnd type="none" w="med" len="med"/>
+                      <a:tailEnd type="none" w="med" len="med"/>
+                    </a:lnL>
+                    <a:lnR w="12700" cap="flat" cmpd="sng" algn="ctr">
+                      <a:solidFill>
+                        <a:schemeClr val="tx1"/>
+                      </a:solidFill>
+                      <a:prstDash val="solid"/>
+                      <a:round/>
+                      <a:headEnd type="none" w="med" len="med"/>
+                      <a:tailEnd type="none" w="med" len="med"/>
+                    </a:lnR>
+                    <a:lnT w="12700" cap="flat" cmpd="sng" algn="ctr">
+                      <a:solidFill>
+                        <a:schemeClr val="tx1"/>
+                      </a:solidFill>
+                      <a:prstDash val="solid"/>
+                      <a:round/>
+                      <a:headEnd type="none" w="med" len="med"/>
+                      <a:tailEnd type="none" w="med" len="med"/>
+                    </a:lnT>
+                    <a:lnB w="12700" cap="flat" cmpd="sng" algn="ctr">
+                      <a:solidFill>
+                        <a:schemeClr val="tx1"/>
+                      </a:solidFill>
+                      <a:prstDash val="solid"/>
+                      <a:round/>
+                      <a:headEnd type="none" w="med" len="med"/>
+                      <a:tailEnd type="none" w="med" len="med"/>
+                    </a:lnB>
+                  </a:tcPr>
+                </a:tc>
+                <a:tc>
+                  <a:txBody>
+                    <a:bodyPr/>
+                    <a:lstStyle/>
+                    <a:p>
+                      <a:endParaRPr lang="en-GB"/>
+                    </a:p>
+                  </a:txBody>
+                  <a:tcPr>
+                    <a:lnL w="12700" cap="flat" cmpd="sng" algn="ctr">
+                      <a:solidFill>
+                        <a:schemeClr val="tx1"/>
+                      </a:solidFill>
+                      <a:prstDash val="solid"/>
+                      <a:round/>
+                      <a:headEnd type="none" w="med" len="med"/>
+                      <a:tailEnd type="none" w="med" len="med"/>
+                    </a:lnL>
+                    <a:lnR w="12700" cap="flat" cmpd="sng" algn="ctr">
+                      <a:solidFill>
+                        <a:schemeClr val="tx1"/>
+                      </a:solidFill>
+                      <a:prstDash val="solid"/>
+                      <a:round/>
+                      <a:headEnd type="none" w="med" len="med"/>
+                      <a:tailEnd type="none" w="med" len="med"/>
+                    </a:lnR>
+                    <a:lnT w="12700" cap="flat" cmpd="sng" algn="ctr">
+                      <a:solidFill>
+                        <a:schemeClr val="tx1"/>
+                      </a:solidFill>
+                      <a:prstDash val="solid"/>
+                      <a:round/>
+                      <a:headEnd type="none" w="med" len="med"/>
+                      <a:tailEnd type="none" w="med" len="med"/>
+                    </a:lnT>
+                    <a:lnB w="12700" cap="flat" cmpd="sng" algn="ctr">
+                      <a:solidFill>
+                        <a:schemeClr val="tx1"/>
+                      </a:solidFill>
+                      <a:prstDash val="solid"/>
+                      <a:round/>
+                      <a:headEnd type="none" w="med" len="med"/>
+                      <a:tailEnd type="none" w="med" len="med"/>
+                    </a:lnB>
+                  </a:tcPr>
+                </a:tc>
+                <a:tc>
+                  <a:txBody>
+                    <a:bodyPr/>
+                    <a:lstStyle/>
+                    <a:p>
+                      <a:endParaRPr lang="en-GB" dirty="0"/>
+                    </a:p>
+                  </a:txBody>
+                  <a:tcPr>
+                    <a:lnL w="12700" cap="flat" cmpd="sng" algn="ctr">
+                      <a:solidFill>
+                        <a:schemeClr val="tx1"/>
+                      </a:solidFill>
+                      <a:prstDash val="solid"/>
+                      <a:round/>
+                      <a:headEnd type="none" w="med" len="med"/>
+                      <a:tailEnd type="none" w="med" len="med"/>
+                    </a:lnL>
+                    <a:lnR w="12700" cap="flat" cmpd="sng" algn="ctr">
+                      <a:solidFill>
+                        <a:schemeClr val="tx1"/>
+                      </a:solidFill>
+                      <a:prstDash val="solid"/>
+                      <a:round/>
+                      <a:headEnd type="none" w="med" len="med"/>
+                      <a:tailEnd type="none" w="med" len="med"/>
+                    </a:lnR>
+                    <a:lnT w="12700" cap="flat" cmpd="sng" algn="ctr">
+                      <a:solidFill>
+                        <a:schemeClr val="tx1"/>
+                      </a:solidFill>
+                      <a:prstDash val="solid"/>
+                      <a:round/>
+                      <a:headEnd type="none" w="med" len="med"/>
+                      <a:tailEnd type="none" w="med" len="med"/>
+                    </a:lnT>
+                    <a:lnB w="12700" cap="flat" cmpd="sng" algn="ctr">
+                      <a:solidFill>
+                        <a:schemeClr val="tx1"/>
+                      </a:solidFill>
+                      <a:prstDash val="solid"/>
+                      <a:round/>
+                      <a:headEnd type="none" w="med" len="med"/>
+                      <a:tailEnd type="none" w="med" len="med"/>
+                    </a:lnB>
+                  </a:tcPr>
+                </a:tc>
+                <a:extLst>
+                  <a:ext uri="{0D108BD9-81ED-4DB2-BD59-A6C34878D82A}">
+                    <a16:rowId xmlns:a16="http://schemas.microsoft.com/office/drawing/2014/main" val="2906104394"/>
+                  </a:ext>
+                </a:extLst>
+              </a:tr>
+            </a:tbl>
+          </a:graphicData>
+        </a:graphic>
+      </p:graphicFrame>
+    </p:spTree>
+    <p:extLst>
+      <p:ext uri="{BB962C8B-B14F-4D97-AF65-F5344CB8AC3E}">
+        <p14:creationId xmlns:p14="http://schemas.microsoft.com/office/powerpoint/2010/main" val="3836570722"/>
       </p:ext>
     </p:extLst>
   </p:cSld>
@@ -7281,7 +11336,7 @@
                                           </p:stCondLst>
                                         </p:cTn>
                                         <p:tgtEl>
-                                          <p:spTgt spid="15"/>
+                                          <p:spTgt spid="3"/>
                                         </p:tgtEl>
                                         <p:attrNameLst>
                                           <p:attrName>style.visibility</p:attrName>
@@ -7313,7 +11368,7 @@
                             </p:stCondLst>
                             <p:childTnLst>
                               <p:par>
-                                <p:cTn id="9" presetID="1" presetClass="entr" presetSubtype="0" fill="hold" nodeType="clickEffect">
+                                <p:cTn id="9" presetID="1" presetClass="entr" presetSubtype="0" fill="hold" grpId="0" nodeType="clickEffect">
                                   <p:stCondLst>
                                     <p:cond delay="0"/>
                                   </p:stCondLst>
@@ -7326,7 +11381,97 @@
                                           </p:stCondLst>
                                         </p:cTn>
                                         <p:tgtEl>
-                                          <p:spTgt spid="13"/>
+                                          <p:spTgt spid="4"/>
+                                        </p:tgtEl>
+                                        <p:attrNameLst>
+                                          <p:attrName>style.visibility</p:attrName>
+                                        </p:attrNameLst>
+                                      </p:cBhvr>
+                                      <p:to>
+                                        <p:strVal val="visible"/>
+                                      </p:to>
+                                    </p:set>
+                                  </p:childTnLst>
+                                </p:cTn>
+                              </p:par>
+                            </p:childTnLst>
+                          </p:cTn>
+                        </p:par>
+                      </p:childTnLst>
+                    </p:cTn>
+                  </p:par>
+                  <p:par>
+                    <p:cTn id="11" fill="hold">
+                      <p:stCondLst>
+                        <p:cond delay="indefinite"/>
+                      </p:stCondLst>
+                      <p:childTnLst>
+                        <p:par>
+                          <p:cTn id="12" fill="hold">
+                            <p:stCondLst>
+                              <p:cond delay="0"/>
+                            </p:stCondLst>
+                            <p:childTnLst>
+                              <p:par>
+                                <p:cTn id="13" presetID="1" presetClass="exit" presetSubtype="0" fill="hold" nodeType="clickEffect">
+                                  <p:stCondLst>
+                                    <p:cond delay="0"/>
+                                  </p:stCondLst>
+                                  <p:childTnLst>
+                                    <p:set>
+                                      <p:cBhvr>
+                                        <p:cTn id="14" dur="1" fill="hold">
+                                          <p:stCondLst>
+                                            <p:cond delay="0"/>
+                                          </p:stCondLst>
+                                        </p:cTn>
+                                        <p:tgtEl>
+                                          <p:spTgt spid="60"/>
+                                        </p:tgtEl>
+                                        <p:attrNameLst>
+                                          <p:attrName>style.visibility</p:attrName>
+                                        </p:attrNameLst>
+                                      </p:cBhvr>
+                                      <p:to>
+                                        <p:strVal val="hidden"/>
+                                      </p:to>
+                                    </p:set>
+                                  </p:childTnLst>
+                                </p:cTn>
+                              </p:par>
+                            </p:childTnLst>
+                          </p:cTn>
+                        </p:par>
+                      </p:childTnLst>
+                    </p:cTn>
+                  </p:par>
+                  <p:par>
+                    <p:cTn id="15" fill="hold">
+                      <p:stCondLst>
+                        <p:cond delay="indefinite"/>
+                      </p:stCondLst>
+                      <p:childTnLst>
+                        <p:par>
+                          <p:cTn id="16" fill="hold">
+                            <p:stCondLst>
+                              <p:cond delay="0"/>
+                            </p:stCondLst>
+                            <p:childTnLst>
+                              <p:par>
+                                <p:cTn id="17" presetID="1" presetClass="entr" presetSubtype="0" fill="hold" nodeType="clickEffect">
+                                  <p:stCondLst>
+                                    <p:cond delay="0"/>
+                                  </p:stCondLst>
+                                  <p:childTnLst>
+                                    <p:set>
+                                      <p:cBhvr>
+                                        <p:cTn id="18" dur="1" fill="hold">
+                                          <p:stCondLst>
+                                            <p:cond delay="0"/>
+                                          </p:stCondLst>
+                                        </p:cTn>
+                                        <p:tgtEl>
+                                          <p:spTgt spid="62"/>
                                         </p:tgtEl>
                                         <p:attrNameLst>
                                           <p:attrName>style.visibility</p:attrName>
@@ -7367,13 +11512,14 @@
       </p:par>
     </p:tnLst>
     <p:bldLst>
-      <p:bldP spid="15" grpId="0" animBg="1"/>
+      <p:bldP spid="3" grpId="0" animBg="1"/>
+      <p:bldP spid="4" grpId="0" animBg="1"/>
     </p:bldLst>
   </p:timing>
 </p:sld>
 </file>
 
-<file path=ppt/slides/slide15.xml><?xml version="1.0" encoding="utf-8"?>
+<file path=ppt/slides/slide17.xml><?xml version="1.0" encoding="utf-8"?>
 <p:sld xmlns:a="http://schemas.openxmlformats.org/drawingml/2006/main" xmlns:r="http://schemas.openxmlformats.org/officeDocument/2006/relationships" xmlns:p="http://schemas.openxmlformats.org/presentationml/2006/main">
   <p:cSld>
     <p:spTree>
@@ -7406,8 +11552,8 @@
         </p:nvSpPr>
         <p:spPr>
           <a:xfrm>
-            <a:off x="89649" y="32523"/>
-            <a:ext cx="5664974" cy="1084122"/>
+            <a:off x="89648" y="32523"/>
+            <a:ext cx="11472087" cy="1084122"/>
           </a:xfrm>
           <a:prstGeom prst="rect">
             <a:avLst/>
@@ -7438,19 +11584,2244 @@
           </a:lstStyle>
           <a:p>
             <a:r>
-              <a:rPr lang="da-DK"/>
-              <a:t>Sænke slagskibe</a:t>
+              <a:rPr lang="da-DK" dirty="0"/>
+              <a:t>Sænke slagskibe: </a:t>
+            </a:r>
+            <a:r>
+              <a:rPr lang="en-GB" i="1" dirty="0" err="1"/>
+              <a:t>Kender</a:t>
+            </a:r>
+            <a:r>
+              <a:rPr lang="en-GB" i="1" dirty="0"/>
+              <a:t> </a:t>
+            </a:r>
+            <a:r>
+              <a:rPr lang="en-GB" i="1" dirty="0" err="1"/>
+              <a:t>til</a:t>
+            </a:r>
+            <a:r>
+              <a:rPr lang="en-GB" i="1" dirty="0"/>
+              <a:t> </a:t>
+            </a:r>
+            <a:r>
+              <a:rPr lang="en-GB" i="1" dirty="0" err="1"/>
+              <a:t>relationer</a:t>
             </a:r>
             <a:endParaRPr lang="da-DK" dirty="0"/>
           </a:p>
         </p:txBody>
       </p:sp>
+      <p:grpSp>
+        <p:nvGrpSpPr>
+          <p:cNvPr id="45" name="Group 44">
+            <a:extLst>
+              <a:ext uri="{FF2B5EF4-FFF2-40B4-BE49-F238E27FC236}">
+                <a16:creationId xmlns:a16="http://schemas.microsoft.com/office/drawing/2014/main" id="{AF1A72E8-77DF-F142-9A10-B99BD920B4ED}"/>
+              </a:ext>
+            </a:extLst>
+          </p:cNvPr>
+          <p:cNvGrpSpPr/>
+          <p:nvPr/>
+        </p:nvGrpSpPr>
+        <p:grpSpPr>
+          <a:xfrm>
+            <a:off x="1392776" y="1332317"/>
+            <a:ext cx="4026727" cy="2053083"/>
+            <a:chOff x="1554550" y="2180416"/>
+            <a:chExt cx="4026727" cy="2053083"/>
+          </a:xfrm>
+        </p:grpSpPr>
+        <p:sp>
+          <p:nvSpPr>
+            <p:cNvPr id="48" name="Rounded Rectangle 47">
+              <a:extLst>
+                <a:ext uri="{FF2B5EF4-FFF2-40B4-BE49-F238E27FC236}">
+                  <a16:creationId xmlns:a16="http://schemas.microsoft.com/office/drawing/2014/main" id="{0609A61C-5C31-5E47-9594-9E27D75EA4C6}"/>
+                </a:ext>
+              </a:extLst>
+            </p:cNvPr>
+            <p:cNvSpPr/>
+            <p:nvPr/>
+          </p:nvSpPr>
+          <p:spPr>
+            <a:xfrm>
+              <a:off x="1554550" y="3412088"/>
+              <a:ext cx="1859797" cy="821411"/>
+            </a:xfrm>
+            <a:prstGeom prst="roundRect">
+              <a:avLst/>
+            </a:prstGeom>
+            <a:solidFill>
+              <a:srgbClr val="00FF01"/>
+            </a:solidFill>
+          </p:spPr>
+          <p:style>
+            <a:lnRef idx="2">
+              <a:schemeClr val="accent6">
+                <a:shade val="50000"/>
+              </a:schemeClr>
+            </a:lnRef>
+            <a:fillRef idx="1">
+              <a:schemeClr val="accent6"/>
+            </a:fillRef>
+            <a:effectRef idx="0">
+              <a:schemeClr val="accent6"/>
+            </a:effectRef>
+            <a:fontRef idx="minor">
+              <a:schemeClr val="lt1"/>
+            </a:fontRef>
+          </p:style>
+          <p:txBody>
+            <a:bodyPr rtlCol="0" anchor="ctr"/>
+            <a:lstStyle/>
+            <a:p>
+              <a:pPr algn="ctr"/>
+              <a:r>
+                <a:rPr lang="en-GB" sz="2600" dirty="0" err="1">
+                  <a:solidFill>
+                    <a:schemeClr val="tx1"/>
+                  </a:solidFill>
+                </a:rPr>
+                <a:t>plade</a:t>
+              </a:r>
+              <a:endParaRPr lang="en-GB" sz="2600" dirty="0">
+                <a:solidFill>
+                  <a:schemeClr val="tx1"/>
+                </a:solidFill>
+              </a:endParaRPr>
+            </a:p>
+          </p:txBody>
+        </p:sp>
+        <p:sp>
+          <p:nvSpPr>
+            <p:cNvPr id="51" name="Rounded Rectangle 50">
+              <a:extLst>
+                <a:ext uri="{FF2B5EF4-FFF2-40B4-BE49-F238E27FC236}">
+                  <a16:creationId xmlns:a16="http://schemas.microsoft.com/office/drawing/2014/main" id="{5B01C704-DA3B-9145-B8CB-A3EDAD54AF2B}"/>
+                </a:ext>
+              </a:extLst>
+            </p:cNvPr>
+            <p:cNvSpPr/>
+            <p:nvPr/>
+          </p:nvSpPr>
+          <p:spPr>
+            <a:xfrm>
+              <a:off x="2560995" y="2180416"/>
+              <a:ext cx="1859797" cy="821411"/>
+            </a:xfrm>
+            <a:prstGeom prst="roundRect">
+              <a:avLst/>
+            </a:prstGeom>
+            <a:solidFill>
+              <a:srgbClr val="00FF01"/>
+            </a:solidFill>
+          </p:spPr>
+          <p:style>
+            <a:lnRef idx="2">
+              <a:schemeClr val="accent6">
+                <a:shade val="50000"/>
+              </a:schemeClr>
+            </a:lnRef>
+            <a:fillRef idx="1">
+              <a:schemeClr val="accent6"/>
+            </a:fillRef>
+            <a:effectRef idx="0">
+              <a:schemeClr val="accent6"/>
+            </a:effectRef>
+            <a:fontRef idx="minor">
+              <a:schemeClr val="lt1"/>
+            </a:fontRef>
+          </p:style>
+          <p:txBody>
+            <a:bodyPr rtlCol="0" anchor="ctr"/>
+            <a:lstStyle/>
+            <a:p>
+              <a:pPr algn="ctr"/>
+              <a:r>
+                <a:rPr lang="en-GB" sz="2600" dirty="0">
+                  <a:solidFill>
+                    <a:schemeClr val="tx1"/>
+                  </a:solidFill>
+                </a:rPr>
+                <a:t>spiller</a:t>
+              </a:r>
+            </a:p>
+          </p:txBody>
+        </p:sp>
+        <p:sp>
+          <p:nvSpPr>
+            <p:cNvPr id="52" name="Rounded Rectangle 51">
+              <a:extLst>
+                <a:ext uri="{FF2B5EF4-FFF2-40B4-BE49-F238E27FC236}">
+                  <a16:creationId xmlns:a16="http://schemas.microsoft.com/office/drawing/2014/main" id="{21BBC764-820B-2046-B829-3AC9EBCDE3F8}"/>
+                </a:ext>
+              </a:extLst>
+            </p:cNvPr>
+            <p:cNvSpPr/>
+            <p:nvPr/>
+          </p:nvSpPr>
+          <p:spPr>
+            <a:xfrm>
+              <a:off x="3721480" y="3412087"/>
+              <a:ext cx="1859797" cy="821411"/>
+            </a:xfrm>
+            <a:prstGeom prst="roundRect">
+              <a:avLst/>
+            </a:prstGeom>
+            <a:solidFill>
+              <a:srgbClr val="00FF01"/>
+            </a:solidFill>
+          </p:spPr>
+          <p:style>
+            <a:lnRef idx="2">
+              <a:schemeClr val="accent6">
+                <a:shade val="50000"/>
+              </a:schemeClr>
+            </a:lnRef>
+            <a:fillRef idx="1">
+              <a:schemeClr val="accent6"/>
+            </a:fillRef>
+            <a:effectRef idx="0">
+              <a:schemeClr val="accent6"/>
+            </a:effectRef>
+            <a:fontRef idx="minor">
+              <a:schemeClr val="lt1"/>
+            </a:fontRef>
+          </p:style>
+          <p:txBody>
+            <a:bodyPr rtlCol="0" anchor="ctr"/>
+            <a:lstStyle/>
+            <a:p>
+              <a:pPr algn="ctr"/>
+              <a:r>
+                <a:rPr lang="en-GB" sz="2500" dirty="0" err="1">
+                  <a:solidFill>
+                    <a:schemeClr val="tx1"/>
+                  </a:solidFill>
+                </a:rPr>
+                <a:t>skib</a:t>
+              </a:r>
+              <a:endParaRPr lang="en-GB" sz="2500" dirty="0">
+                <a:solidFill>
+                  <a:schemeClr val="tx1"/>
+                </a:solidFill>
+              </a:endParaRPr>
+            </a:p>
+          </p:txBody>
+        </p:sp>
+        <p:cxnSp>
+          <p:nvCxnSpPr>
+            <p:cNvPr id="54" name="Straight Arrow Connector 53">
+              <a:extLst>
+                <a:ext uri="{FF2B5EF4-FFF2-40B4-BE49-F238E27FC236}">
+                  <a16:creationId xmlns:a16="http://schemas.microsoft.com/office/drawing/2014/main" id="{65A62FA7-03DA-E748-A064-BB600DE3842D}"/>
+                </a:ext>
+              </a:extLst>
+            </p:cNvPr>
+            <p:cNvCxnSpPr>
+              <a:cxnSpLocks/>
+              <a:stCxn id="51" idx="2"/>
+              <a:endCxn id="48" idx="0"/>
+            </p:cNvCxnSpPr>
+            <p:nvPr/>
+          </p:nvCxnSpPr>
+          <p:spPr>
+            <a:xfrm flipH="1">
+              <a:off x="2484449" y="3001827"/>
+              <a:ext cx="1006445" cy="410261"/>
+            </a:xfrm>
+            <a:prstGeom prst="straightConnector1">
+              <a:avLst/>
+            </a:prstGeom>
+            <a:ln w="63500">
+              <a:solidFill>
+                <a:srgbClr val="01FFFF"/>
+              </a:solidFill>
+              <a:tailEnd type="triangle"/>
+            </a:ln>
+          </p:spPr>
+          <p:style>
+            <a:lnRef idx="1">
+              <a:schemeClr val="accent1"/>
+            </a:lnRef>
+            <a:fillRef idx="0">
+              <a:schemeClr val="accent1"/>
+            </a:fillRef>
+            <a:effectRef idx="0">
+              <a:schemeClr val="accent1"/>
+            </a:effectRef>
+            <a:fontRef idx="minor">
+              <a:schemeClr val="tx1"/>
+            </a:fontRef>
+          </p:style>
+        </p:cxnSp>
+        <p:cxnSp>
+          <p:nvCxnSpPr>
+            <p:cNvPr id="56" name="Straight Arrow Connector 55">
+              <a:extLst>
+                <a:ext uri="{FF2B5EF4-FFF2-40B4-BE49-F238E27FC236}">
+                  <a16:creationId xmlns:a16="http://schemas.microsoft.com/office/drawing/2014/main" id="{86F6ADF2-3C51-C448-8F90-35760FC1BF32}"/>
+                </a:ext>
+              </a:extLst>
+            </p:cNvPr>
+            <p:cNvCxnSpPr>
+              <a:cxnSpLocks/>
+              <a:stCxn id="51" idx="2"/>
+              <a:endCxn id="52" idx="0"/>
+            </p:cNvCxnSpPr>
+            <p:nvPr/>
+          </p:nvCxnSpPr>
+          <p:spPr>
+            <a:xfrm>
+              <a:off x="3490894" y="3001827"/>
+              <a:ext cx="1160485" cy="410260"/>
+            </a:xfrm>
+            <a:prstGeom prst="straightConnector1">
+              <a:avLst/>
+            </a:prstGeom>
+            <a:ln w="63500">
+              <a:solidFill>
+                <a:srgbClr val="01FFFF"/>
+              </a:solidFill>
+              <a:tailEnd type="triangle"/>
+            </a:ln>
+          </p:spPr>
+          <p:style>
+            <a:lnRef idx="1">
+              <a:schemeClr val="accent1"/>
+            </a:lnRef>
+            <a:fillRef idx="0">
+              <a:schemeClr val="accent1"/>
+            </a:fillRef>
+            <a:effectRef idx="0">
+              <a:schemeClr val="accent1"/>
+            </a:effectRef>
+            <a:fontRef idx="minor">
+              <a:schemeClr val="tx1"/>
+            </a:fontRef>
+          </p:style>
+        </p:cxnSp>
+      </p:grpSp>
+      <p:cxnSp>
+        <p:nvCxnSpPr>
+          <p:cNvPr id="59" name="Straight Arrow Connector 58">
+            <a:extLst>
+              <a:ext uri="{FF2B5EF4-FFF2-40B4-BE49-F238E27FC236}">
+                <a16:creationId xmlns:a16="http://schemas.microsoft.com/office/drawing/2014/main" id="{7FB0B094-C357-944A-B8AA-D55234ECFFD9}"/>
+              </a:ext>
+            </a:extLst>
+          </p:cNvPr>
+          <p:cNvCxnSpPr>
+            <a:cxnSpLocks/>
+            <a:stCxn id="52" idx="1"/>
+            <a:endCxn id="48" idx="3"/>
+          </p:cNvCxnSpPr>
+          <p:nvPr/>
+        </p:nvCxnSpPr>
+        <p:spPr>
+          <a:xfrm flipH="1">
+            <a:off x="3252573" y="2974694"/>
+            <a:ext cx="307133" cy="1"/>
+          </a:xfrm>
+          <a:prstGeom prst="straightConnector1">
+            <a:avLst/>
+          </a:prstGeom>
+          <a:ln w="63500">
+            <a:solidFill>
+              <a:srgbClr val="01FFFF"/>
+            </a:solidFill>
+            <a:tailEnd type="none"/>
+          </a:ln>
+        </p:spPr>
+        <p:style>
+          <a:lnRef idx="1">
+            <a:schemeClr val="accent1"/>
+          </a:lnRef>
+          <a:fillRef idx="0">
+            <a:schemeClr val="accent1"/>
+          </a:fillRef>
+          <a:effectRef idx="0">
+            <a:schemeClr val="accent1"/>
+          </a:effectRef>
+          <a:fontRef idx="minor">
+            <a:schemeClr val="tx1"/>
+          </a:fontRef>
+        </p:style>
+      </p:cxnSp>
+      <p:pic>
+        <p:nvPicPr>
+          <p:cNvPr id="62" name="Picture 61">
+            <a:extLst>
+              <a:ext uri="{FF2B5EF4-FFF2-40B4-BE49-F238E27FC236}">
+                <a16:creationId xmlns:a16="http://schemas.microsoft.com/office/drawing/2014/main" id="{D2D8C1C3-E691-3145-A543-E728DD37910D}"/>
+              </a:ext>
+            </a:extLst>
+          </p:cNvPr>
+          <p:cNvPicPr>
+            <a:picLocks noChangeAspect="1"/>
+          </p:cNvPicPr>
+          <p:nvPr/>
+        </p:nvPicPr>
+        <p:blipFill>
+          <a:blip r:embed="rId2"/>
+          <a:stretch>
+            <a:fillRect/>
+          </a:stretch>
+        </p:blipFill>
+        <p:spPr>
+          <a:xfrm>
+            <a:off x="484837" y="4743505"/>
+            <a:ext cx="5688564" cy="1564355"/>
+          </a:xfrm>
+          <a:prstGeom prst="rect">
+            <a:avLst/>
+          </a:prstGeom>
+        </p:spPr>
+      </p:pic>
+      <p:graphicFrame>
+        <p:nvGraphicFramePr>
+          <p:cNvPr id="63" name="Table 62">
+            <a:extLst>
+              <a:ext uri="{FF2B5EF4-FFF2-40B4-BE49-F238E27FC236}">
+                <a16:creationId xmlns:a16="http://schemas.microsoft.com/office/drawing/2014/main" id="{F2970603-E811-7A41-986D-8B0CD37FD73C}"/>
+              </a:ext>
+            </a:extLst>
+          </p:cNvPr>
+          <p:cNvGraphicFramePr>
+            <a:graphicFrameLocks noGrp="1"/>
+          </p:cNvGraphicFramePr>
+          <p:nvPr>
+            <p:extLst>
+              <p:ext uri="{D42A27DB-BD31-4B8C-83A1-F6EECF244321}">
+                <p14:modId xmlns:p14="http://schemas.microsoft.com/office/powerpoint/2010/main" val="3230415359"/>
+              </p:ext>
+            </p:extLst>
+          </p:nvPr>
+        </p:nvGraphicFramePr>
+        <p:xfrm>
+          <a:off x="7033216" y="1364079"/>
+          <a:ext cx="4199604" cy="3087660"/>
+        </p:xfrm>
+        <a:graphic>
+          <a:graphicData uri="http://schemas.openxmlformats.org/drawingml/2006/table">
+            <a:tbl>
+              <a:tblPr firstRow="1" bandRow="1">
+                <a:tableStyleId>{2D5ABB26-0587-4C30-8999-92F81FD0307C}</a:tableStyleId>
+              </a:tblPr>
+              <a:tblGrid>
+                <a:gridCol w="699934">
+                  <a:extLst>
+                    <a:ext uri="{9D8B030D-6E8A-4147-A177-3AD203B41FA5}">
+                      <a16:colId xmlns:a16="http://schemas.microsoft.com/office/drawing/2014/main" val="3880725768"/>
+                    </a:ext>
+                  </a:extLst>
+                </a:gridCol>
+                <a:gridCol w="699934">
+                  <a:extLst>
+                    <a:ext uri="{9D8B030D-6E8A-4147-A177-3AD203B41FA5}">
+                      <a16:colId xmlns:a16="http://schemas.microsoft.com/office/drawing/2014/main" val="3374527806"/>
+                    </a:ext>
+                  </a:extLst>
+                </a:gridCol>
+                <a:gridCol w="699934">
+                  <a:extLst>
+                    <a:ext uri="{9D8B030D-6E8A-4147-A177-3AD203B41FA5}">
+                      <a16:colId xmlns:a16="http://schemas.microsoft.com/office/drawing/2014/main" val="2418372968"/>
+                    </a:ext>
+                  </a:extLst>
+                </a:gridCol>
+                <a:gridCol w="699934">
+                  <a:extLst>
+                    <a:ext uri="{9D8B030D-6E8A-4147-A177-3AD203B41FA5}">
+                      <a16:colId xmlns:a16="http://schemas.microsoft.com/office/drawing/2014/main" val="961054593"/>
+                    </a:ext>
+                  </a:extLst>
+                </a:gridCol>
+                <a:gridCol w="699934">
+                  <a:extLst>
+                    <a:ext uri="{9D8B030D-6E8A-4147-A177-3AD203B41FA5}">
+                      <a16:colId xmlns:a16="http://schemas.microsoft.com/office/drawing/2014/main" val="3798740948"/>
+                    </a:ext>
+                  </a:extLst>
+                </a:gridCol>
+                <a:gridCol w="699934">
+                  <a:extLst>
+                    <a:ext uri="{9D8B030D-6E8A-4147-A177-3AD203B41FA5}">
+                      <a16:colId xmlns:a16="http://schemas.microsoft.com/office/drawing/2014/main" val="58108870"/>
+                    </a:ext>
+                  </a:extLst>
+                </a:gridCol>
+              </a:tblGrid>
+              <a:tr h="617532">
+                <a:tc>
+                  <a:txBody>
+                    <a:bodyPr/>
+                    <a:lstStyle/>
+                    <a:p>
+                      <a:pPr algn="ctr"/>
+                      <a:r>
+                        <a:rPr lang="en-GB" dirty="0"/>
+                        <a:t>(f, S  )</a:t>
+                      </a:r>
+                    </a:p>
+                  </a:txBody>
+                  <a:tcPr anchor="ctr">
+                    <a:lnL w="12700" cap="flat" cmpd="sng" algn="ctr">
+                      <a:solidFill>
+                        <a:schemeClr val="tx1"/>
+                      </a:solidFill>
+                      <a:prstDash val="solid"/>
+                      <a:round/>
+                      <a:headEnd type="none" w="med" len="med"/>
+                      <a:tailEnd type="none" w="med" len="med"/>
+                    </a:lnL>
+                    <a:lnR w="12700" cap="flat" cmpd="sng" algn="ctr">
+                      <a:solidFill>
+                        <a:schemeClr val="tx1"/>
+                      </a:solidFill>
+                      <a:prstDash val="solid"/>
+                      <a:round/>
+                      <a:headEnd type="none" w="med" len="med"/>
+                      <a:tailEnd type="none" w="med" len="med"/>
+                    </a:lnR>
+                    <a:lnT w="12700" cap="flat" cmpd="sng" algn="ctr">
+                      <a:solidFill>
+                        <a:schemeClr val="tx1"/>
+                      </a:solidFill>
+                      <a:prstDash val="solid"/>
+                      <a:round/>
+                      <a:headEnd type="none" w="med" len="med"/>
+                      <a:tailEnd type="none" w="med" len="med"/>
+                    </a:lnT>
+                    <a:lnB w="12700" cap="flat" cmpd="sng" algn="ctr">
+                      <a:solidFill>
+                        <a:schemeClr val="tx1"/>
+                      </a:solidFill>
+                      <a:prstDash val="solid"/>
+                      <a:round/>
+                      <a:headEnd type="none" w="med" len="med"/>
+                      <a:tailEnd type="none" w="med" len="med"/>
+                    </a:lnB>
+                  </a:tcPr>
+                </a:tc>
+                <a:tc>
+                  <a:txBody>
+                    <a:bodyPr/>
+                    <a:lstStyle/>
+                    <a:p>
+                      <a:pPr algn="ctr"/>
+                      <a:r>
+                        <a:rPr lang="en-GB" dirty="0"/>
+                        <a:t>(f, S  )</a:t>
+                      </a:r>
+                    </a:p>
+                  </a:txBody>
+                  <a:tcPr anchor="ctr">
+                    <a:lnL w="12700" cap="flat" cmpd="sng" algn="ctr">
+                      <a:solidFill>
+                        <a:schemeClr val="tx1"/>
+                      </a:solidFill>
+                      <a:prstDash val="solid"/>
+                      <a:round/>
+                      <a:headEnd type="none" w="med" len="med"/>
+                      <a:tailEnd type="none" w="med" len="med"/>
+                    </a:lnL>
+                    <a:lnR w="12700" cap="flat" cmpd="sng" algn="ctr">
+                      <a:solidFill>
+                        <a:schemeClr val="tx1"/>
+                      </a:solidFill>
+                      <a:prstDash val="solid"/>
+                      <a:round/>
+                      <a:headEnd type="none" w="med" len="med"/>
+                      <a:tailEnd type="none" w="med" len="med"/>
+                    </a:lnR>
+                    <a:lnT w="12700" cap="flat" cmpd="sng" algn="ctr">
+                      <a:solidFill>
+                        <a:schemeClr val="tx1"/>
+                      </a:solidFill>
+                      <a:prstDash val="solid"/>
+                      <a:round/>
+                      <a:headEnd type="none" w="med" len="med"/>
+                      <a:tailEnd type="none" w="med" len="med"/>
+                    </a:lnT>
+                    <a:lnB w="12700" cap="flat" cmpd="sng" algn="ctr">
+                      <a:solidFill>
+                        <a:schemeClr val="tx1"/>
+                      </a:solidFill>
+                      <a:prstDash val="solid"/>
+                      <a:round/>
+                      <a:headEnd type="none" w="med" len="med"/>
+                      <a:tailEnd type="none" w="med" len="med"/>
+                    </a:lnB>
+                  </a:tcPr>
+                </a:tc>
+                <a:tc>
+                  <a:txBody>
+                    <a:bodyPr/>
+                    <a:lstStyle/>
+                    <a:p>
+                      <a:pPr algn="ctr"/>
+                      <a:r>
+                        <a:rPr lang="en-GB" dirty="0"/>
+                        <a:t>(f, S  )</a:t>
+                      </a:r>
+                    </a:p>
+                  </a:txBody>
+                  <a:tcPr anchor="ctr">
+                    <a:lnL w="12700" cap="flat" cmpd="sng" algn="ctr">
+                      <a:solidFill>
+                        <a:schemeClr val="tx1"/>
+                      </a:solidFill>
+                      <a:prstDash val="solid"/>
+                      <a:round/>
+                      <a:headEnd type="none" w="med" len="med"/>
+                      <a:tailEnd type="none" w="med" len="med"/>
+                    </a:lnL>
+                    <a:lnR w="12700" cap="flat" cmpd="sng" algn="ctr">
+                      <a:solidFill>
+                        <a:schemeClr val="tx1"/>
+                      </a:solidFill>
+                      <a:prstDash val="solid"/>
+                      <a:round/>
+                      <a:headEnd type="none" w="med" len="med"/>
+                      <a:tailEnd type="none" w="med" len="med"/>
+                    </a:lnR>
+                    <a:lnT w="12700" cap="flat" cmpd="sng" algn="ctr">
+                      <a:solidFill>
+                        <a:schemeClr val="tx1"/>
+                      </a:solidFill>
+                      <a:prstDash val="solid"/>
+                      <a:round/>
+                      <a:headEnd type="none" w="med" len="med"/>
+                      <a:tailEnd type="none" w="med" len="med"/>
+                    </a:lnT>
+                    <a:lnB w="12700" cap="flat" cmpd="sng" algn="ctr">
+                      <a:solidFill>
+                        <a:schemeClr val="tx1"/>
+                      </a:solidFill>
+                      <a:prstDash val="solid"/>
+                      <a:round/>
+                      <a:headEnd type="none" w="med" len="med"/>
+                      <a:tailEnd type="none" w="med" len="med"/>
+                    </a:lnB>
+                  </a:tcPr>
+                </a:tc>
+                <a:tc>
+                  <a:txBody>
+                    <a:bodyPr/>
+                    <a:lstStyle/>
+                    <a:p>
+                      <a:r>
+                        <a:rPr lang="en-GB" dirty="0"/>
+                        <a:t>(</a:t>
+                      </a:r>
+                      <a:r>
+                        <a:rPr lang="en-GB" dirty="0" err="1"/>
+                        <a:t>f,N</a:t>
+                      </a:r>
+                      <a:r>
+                        <a:rPr lang="en-GB" dirty="0"/>
+                        <a:t>)</a:t>
+                      </a:r>
+                    </a:p>
+                  </a:txBody>
+                  <a:tcPr anchor="ctr">
+                    <a:lnL w="12700" cap="flat" cmpd="sng" algn="ctr">
+                      <a:solidFill>
+                        <a:schemeClr val="tx1"/>
+                      </a:solidFill>
+                      <a:prstDash val="solid"/>
+                      <a:round/>
+                      <a:headEnd type="none" w="med" len="med"/>
+                      <a:tailEnd type="none" w="med" len="med"/>
+                    </a:lnL>
+                    <a:lnR w="12700" cap="flat" cmpd="sng" algn="ctr">
+                      <a:solidFill>
+                        <a:schemeClr val="tx1"/>
+                      </a:solidFill>
+                      <a:prstDash val="solid"/>
+                      <a:round/>
+                      <a:headEnd type="none" w="med" len="med"/>
+                      <a:tailEnd type="none" w="med" len="med"/>
+                    </a:lnR>
+                    <a:lnT w="12700" cap="flat" cmpd="sng" algn="ctr">
+                      <a:solidFill>
+                        <a:schemeClr val="tx1"/>
+                      </a:solidFill>
+                      <a:prstDash val="solid"/>
+                      <a:round/>
+                      <a:headEnd type="none" w="med" len="med"/>
+                      <a:tailEnd type="none" w="med" len="med"/>
+                    </a:lnT>
+                    <a:lnB w="12700" cap="flat" cmpd="sng" algn="ctr">
+                      <a:solidFill>
+                        <a:schemeClr val="tx1"/>
+                      </a:solidFill>
+                      <a:prstDash val="solid"/>
+                      <a:round/>
+                      <a:headEnd type="none" w="med" len="med"/>
+                      <a:tailEnd type="none" w="med" len="med"/>
+                    </a:lnB>
+                  </a:tcPr>
+                </a:tc>
+                <a:tc>
+                  <a:txBody>
+                    <a:bodyPr/>
+                    <a:lstStyle/>
+                    <a:p>
+                      <a:r>
+                        <a:rPr lang="en-GB" dirty="0"/>
+                        <a:t>(</a:t>
+                      </a:r>
+                      <a:r>
+                        <a:rPr lang="en-GB" dirty="0" err="1"/>
+                        <a:t>f,N</a:t>
+                      </a:r>
+                      <a:r>
+                        <a:rPr lang="en-GB" dirty="0"/>
+                        <a:t>)</a:t>
+                      </a:r>
+                    </a:p>
+                  </a:txBody>
+                  <a:tcPr anchor="ctr">
+                    <a:lnL w="12700" cap="flat" cmpd="sng" algn="ctr">
+                      <a:solidFill>
+                        <a:schemeClr val="tx1"/>
+                      </a:solidFill>
+                      <a:prstDash val="solid"/>
+                      <a:round/>
+                      <a:headEnd type="none" w="med" len="med"/>
+                      <a:tailEnd type="none" w="med" len="med"/>
+                    </a:lnL>
+                    <a:lnR w="12700" cap="flat" cmpd="sng" algn="ctr">
+                      <a:solidFill>
+                        <a:schemeClr val="tx1"/>
+                      </a:solidFill>
+                      <a:prstDash val="solid"/>
+                      <a:round/>
+                      <a:headEnd type="none" w="med" len="med"/>
+                      <a:tailEnd type="none" w="med" len="med"/>
+                    </a:lnR>
+                    <a:lnT w="12700" cap="flat" cmpd="sng" algn="ctr">
+                      <a:solidFill>
+                        <a:schemeClr val="tx1"/>
+                      </a:solidFill>
+                      <a:prstDash val="solid"/>
+                      <a:round/>
+                      <a:headEnd type="none" w="med" len="med"/>
+                      <a:tailEnd type="none" w="med" len="med"/>
+                    </a:lnT>
+                    <a:lnB w="12700" cap="flat" cmpd="sng" algn="ctr">
+                      <a:solidFill>
+                        <a:schemeClr val="tx1"/>
+                      </a:solidFill>
+                      <a:prstDash val="solid"/>
+                      <a:round/>
+                      <a:headEnd type="none" w="med" len="med"/>
+                      <a:tailEnd type="none" w="med" len="med"/>
+                    </a:lnB>
+                  </a:tcPr>
+                </a:tc>
+                <a:tc>
+                  <a:txBody>
+                    <a:bodyPr/>
+                    <a:lstStyle/>
+                    <a:p>
+                      <a:r>
+                        <a:rPr lang="en-GB" dirty="0"/>
+                        <a:t>(</a:t>
+                      </a:r>
+                      <a:r>
+                        <a:rPr lang="en-GB" dirty="0" err="1"/>
+                        <a:t>f,N</a:t>
+                      </a:r>
+                      <a:r>
+                        <a:rPr lang="en-GB" dirty="0"/>
+                        <a:t>)</a:t>
+                      </a:r>
+                    </a:p>
+                  </a:txBody>
+                  <a:tcPr anchor="ctr">
+                    <a:lnL w="12700" cap="flat" cmpd="sng" algn="ctr">
+                      <a:solidFill>
+                        <a:schemeClr val="tx1"/>
+                      </a:solidFill>
+                      <a:prstDash val="solid"/>
+                      <a:round/>
+                      <a:headEnd type="none" w="med" len="med"/>
+                      <a:tailEnd type="none" w="med" len="med"/>
+                    </a:lnL>
+                    <a:lnR w="12700" cap="flat" cmpd="sng" algn="ctr">
+                      <a:solidFill>
+                        <a:schemeClr val="tx1"/>
+                      </a:solidFill>
+                      <a:prstDash val="solid"/>
+                      <a:round/>
+                      <a:headEnd type="none" w="med" len="med"/>
+                      <a:tailEnd type="none" w="med" len="med"/>
+                    </a:lnR>
+                    <a:lnT w="12700" cap="flat" cmpd="sng" algn="ctr">
+                      <a:solidFill>
+                        <a:schemeClr val="tx1"/>
+                      </a:solidFill>
+                      <a:prstDash val="solid"/>
+                      <a:round/>
+                      <a:headEnd type="none" w="med" len="med"/>
+                      <a:tailEnd type="none" w="med" len="med"/>
+                    </a:lnT>
+                    <a:lnB w="12700" cap="flat" cmpd="sng" algn="ctr">
+                      <a:solidFill>
+                        <a:schemeClr val="tx1"/>
+                      </a:solidFill>
+                      <a:prstDash val="solid"/>
+                      <a:round/>
+                      <a:headEnd type="none" w="med" len="med"/>
+                      <a:tailEnd type="none" w="med" len="med"/>
+                    </a:lnB>
+                  </a:tcPr>
+                </a:tc>
+                <a:extLst>
+                  <a:ext uri="{0D108BD9-81ED-4DB2-BD59-A6C34878D82A}">
+                    <a16:rowId xmlns:a16="http://schemas.microsoft.com/office/drawing/2014/main" val="2677689572"/>
+                  </a:ext>
+                </a:extLst>
+              </a:tr>
+              <a:tr h="617532">
+                <a:tc>
+                  <a:txBody>
+                    <a:bodyPr/>
+                    <a:lstStyle/>
+                    <a:p>
+                      <a:r>
+                        <a:rPr lang="en-GB" dirty="0"/>
+                        <a:t>(</a:t>
+                      </a:r>
+                      <a:r>
+                        <a:rPr lang="en-GB" dirty="0" err="1"/>
+                        <a:t>f,N</a:t>
+                      </a:r>
+                      <a:r>
+                        <a:rPr lang="en-GB" dirty="0"/>
+                        <a:t>)</a:t>
+                      </a:r>
+                    </a:p>
+                  </a:txBody>
+                  <a:tcPr anchor="ctr">
+                    <a:lnL w="12700" cap="flat" cmpd="sng" algn="ctr">
+                      <a:solidFill>
+                        <a:schemeClr val="tx1"/>
+                      </a:solidFill>
+                      <a:prstDash val="solid"/>
+                      <a:round/>
+                      <a:headEnd type="none" w="med" len="med"/>
+                      <a:tailEnd type="none" w="med" len="med"/>
+                    </a:lnL>
+                    <a:lnR w="12700" cap="flat" cmpd="sng" algn="ctr">
+                      <a:solidFill>
+                        <a:schemeClr val="tx1"/>
+                      </a:solidFill>
+                      <a:prstDash val="solid"/>
+                      <a:round/>
+                      <a:headEnd type="none" w="med" len="med"/>
+                      <a:tailEnd type="none" w="med" len="med"/>
+                    </a:lnR>
+                    <a:lnT w="12700" cap="flat" cmpd="sng" algn="ctr">
+                      <a:solidFill>
+                        <a:schemeClr val="tx1"/>
+                      </a:solidFill>
+                      <a:prstDash val="solid"/>
+                      <a:round/>
+                      <a:headEnd type="none" w="med" len="med"/>
+                      <a:tailEnd type="none" w="med" len="med"/>
+                    </a:lnT>
+                    <a:lnB w="12700" cap="flat" cmpd="sng" algn="ctr">
+                      <a:solidFill>
+                        <a:schemeClr val="tx1"/>
+                      </a:solidFill>
+                      <a:prstDash val="solid"/>
+                      <a:round/>
+                      <a:headEnd type="none" w="med" len="med"/>
+                      <a:tailEnd type="none" w="med" len="med"/>
+                    </a:lnB>
+                  </a:tcPr>
+                </a:tc>
+                <a:tc>
+                  <a:txBody>
+                    <a:bodyPr/>
+                    <a:lstStyle/>
+                    <a:p>
+                      <a:r>
+                        <a:rPr lang="en-GB" dirty="0"/>
+                        <a:t>(</a:t>
+                      </a:r>
+                      <a:r>
+                        <a:rPr lang="en-GB" dirty="0" err="1"/>
+                        <a:t>f,N</a:t>
+                      </a:r>
+                      <a:r>
+                        <a:rPr lang="en-GB" dirty="0"/>
+                        <a:t>)</a:t>
+                      </a:r>
+                    </a:p>
+                  </a:txBody>
+                  <a:tcPr anchor="ctr">
+                    <a:lnL w="12700" cap="flat" cmpd="sng" algn="ctr">
+                      <a:solidFill>
+                        <a:schemeClr val="tx1"/>
+                      </a:solidFill>
+                      <a:prstDash val="solid"/>
+                      <a:round/>
+                      <a:headEnd type="none" w="med" len="med"/>
+                      <a:tailEnd type="none" w="med" len="med"/>
+                    </a:lnL>
+                    <a:lnR w="12700" cap="flat" cmpd="sng" algn="ctr">
+                      <a:solidFill>
+                        <a:schemeClr val="tx1"/>
+                      </a:solidFill>
+                      <a:prstDash val="solid"/>
+                      <a:round/>
+                      <a:headEnd type="none" w="med" len="med"/>
+                      <a:tailEnd type="none" w="med" len="med"/>
+                    </a:lnR>
+                    <a:lnT w="12700" cap="flat" cmpd="sng" algn="ctr">
+                      <a:solidFill>
+                        <a:schemeClr val="tx1"/>
+                      </a:solidFill>
+                      <a:prstDash val="solid"/>
+                      <a:round/>
+                      <a:headEnd type="none" w="med" len="med"/>
+                      <a:tailEnd type="none" w="med" len="med"/>
+                    </a:lnT>
+                    <a:lnB w="12700" cap="flat" cmpd="sng" algn="ctr">
+                      <a:solidFill>
+                        <a:schemeClr val="tx1"/>
+                      </a:solidFill>
+                      <a:prstDash val="solid"/>
+                      <a:round/>
+                      <a:headEnd type="none" w="med" len="med"/>
+                      <a:tailEnd type="none" w="med" len="med"/>
+                    </a:lnB>
+                  </a:tcPr>
+                </a:tc>
+                <a:tc>
+                  <a:txBody>
+                    <a:bodyPr/>
+                    <a:lstStyle/>
+                    <a:p>
+                      <a:r>
+                        <a:rPr lang="en-GB" dirty="0"/>
+                        <a:t>(</a:t>
+                      </a:r>
+                      <a:r>
+                        <a:rPr lang="en-GB" dirty="0" err="1"/>
+                        <a:t>f,N</a:t>
+                      </a:r>
+                      <a:r>
+                        <a:rPr lang="en-GB" dirty="0"/>
+                        <a:t>)</a:t>
+                      </a:r>
+                    </a:p>
+                  </a:txBody>
+                  <a:tcPr anchor="ctr">
+                    <a:lnL w="12700" cap="flat" cmpd="sng" algn="ctr">
+                      <a:solidFill>
+                        <a:schemeClr val="tx1"/>
+                      </a:solidFill>
+                      <a:prstDash val="solid"/>
+                      <a:round/>
+                      <a:headEnd type="none" w="med" len="med"/>
+                      <a:tailEnd type="none" w="med" len="med"/>
+                    </a:lnL>
+                    <a:lnR w="12700" cap="flat" cmpd="sng" algn="ctr">
+                      <a:solidFill>
+                        <a:schemeClr val="tx1"/>
+                      </a:solidFill>
+                      <a:prstDash val="solid"/>
+                      <a:round/>
+                      <a:headEnd type="none" w="med" len="med"/>
+                      <a:tailEnd type="none" w="med" len="med"/>
+                    </a:lnR>
+                    <a:lnT w="12700" cap="flat" cmpd="sng" algn="ctr">
+                      <a:solidFill>
+                        <a:schemeClr val="tx1"/>
+                      </a:solidFill>
+                      <a:prstDash val="solid"/>
+                      <a:round/>
+                      <a:headEnd type="none" w="med" len="med"/>
+                      <a:tailEnd type="none" w="med" len="med"/>
+                    </a:lnT>
+                    <a:lnB w="12700" cap="flat" cmpd="sng" algn="ctr">
+                      <a:solidFill>
+                        <a:schemeClr val="tx1"/>
+                      </a:solidFill>
+                      <a:prstDash val="solid"/>
+                      <a:round/>
+                      <a:headEnd type="none" w="med" len="med"/>
+                      <a:tailEnd type="none" w="med" len="med"/>
+                    </a:lnB>
+                  </a:tcPr>
+                </a:tc>
+                <a:tc>
+                  <a:txBody>
+                    <a:bodyPr/>
+                    <a:lstStyle/>
+                    <a:p>
+                      <a:r>
+                        <a:rPr lang="en-GB" dirty="0"/>
+                        <a:t>(</a:t>
+                      </a:r>
+                      <a:r>
+                        <a:rPr lang="en-GB" dirty="0" err="1"/>
+                        <a:t>f,N</a:t>
+                      </a:r>
+                      <a:r>
+                        <a:rPr lang="en-GB" dirty="0"/>
+                        <a:t>)</a:t>
+                      </a:r>
+                    </a:p>
+                  </a:txBody>
+                  <a:tcPr anchor="ctr">
+                    <a:lnL w="12700" cap="flat" cmpd="sng" algn="ctr">
+                      <a:solidFill>
+                        <a:schemeClr val="tx1"/>
+                      </a:solidFill>
+                      <a:prstDash val="solid"/>
+                      <a:round/>
+                      <a:headEnd type="none" w="med" len="med"/>
+                      <a:tailEnd type="none" w="med" len="med"/>
+                    </a:lnL>
+                    <a:lnR w="12700" cap="flat" cmpd="sng" algn="ctr">
+                      <a:solidFill>
+                        <a:schemeClr val="tx1"/>
+                      </a:solidFill>
+                      <a:prstDash val="solid"/>
+                      <a:round/>
+                      <a:headEnd type="none" w="med" len="med"/>
+                      <a:tailEnd type="none" w="med" len="med"/>
+                    </a:lnR>
+                    <a:lnT w="12700" cap="flat" cmpd="sng" algn="ctr">
+                      <a:solidFill>
+                        <a:schemeClr val="tx1"/>
+                      </a:solidFill>
+                      <a:prstDash val="solid"/>
+                      <a:round/>
+                      <a:headEnd type="none" w="med" len="med"/>
+                      <a:tailEnd type="none" w="med" len="med"/>
+                    </a:lnT>
+                    <a:lnB w="12700" cap="flat" cmpd="sng" algn="ctr">
+                      <a:solidFill>
+                        <a:schemeClr val="tx1"/>
+                      </a:solidFill>
+                      <a:prstDash val="solid"/>
+                      <a:round/>
+                      <a:headEnd type="none" w="med" len="med"/>
+                      <a:tailEnd type="none" w="med" len="med"/>
+                    </a:lnB>
+                  </a:tcPr>
+                </a:tc>
+                <a:tc>
+                  <a:txBody>
+                    <a:bodyPr/>
+                    <a:lstStyle/>
+                    <a:p>
+                      <a:r>
+                        <a:rPr lang="en-GB" dirty="0"/>
+                        <a:t>(</a:t>
+                      </a:r>
+                      <a:r>
+                        <a:rPr lang="en-GB" dirty="0" err="1"/>
+                        <a:t>f,N</a:t>
+                      </a:r>
+                      <a:r>
+                        <a:rPr lang="en-GB" dirty="0"/>
+                        <a:t>)</a:t>
+                      </a:r>
+                    </a:p>
+                  </a:txBody>
+                  <a:tcPr anchor="ctr">
+                    <a:lnL w="12700" cap="flat" cmpd="sng" algn="ctr">
+                      <a:solidFill>
+                        <a:schemeClr val="tx1"/>
+                      </a:solidFill>
+                      <a:prstDash val="solid"/>
+                      <a:round/>
+                      <a:headEnd type="none" w="med" len="med"/>
+                      <a:tailEnd type="none" w="med" len="med"/>
+                    </a:lnL>
+                    <a:lnR w="12700" cap="flat" cmpd="sng" algn="ctr">
+                      <a:solidFill>
+                        <a:schemeClr val="tx1"/>
+                      </a:solidFill>
+                      <a:prstDash val="solid"/>
+                      <a:round/>
+                      <a:headEnd type="none" w="med" len="med"/>
+                      <a:tailEnd type="none" w="med" len="med"/>
+                    </a:lnR>
+                    <a:lnT w="12700" cap="flat" cmpd="sng" algn="ctr">
+                      <a:solidFill>
+                        <a:schemeClr val="tx1"/>
+                      </a:solidFill>
+                      <a:prstDash val="solid"/>
+                      <a:round/>
+                      <a:headEnd type="none" w="med" len="med"/>
+                      <a:tailEnd type="none" w="med" len="med"/>
+                    </a:lnT>
+                    <a:lnB w="12700" cap="flat" cmpd="sng" algn="ctr">
+                      <a:solidFill>
+                        <a:schemeClr val="tx1"/>
+                      </a:solidFill>
+                      <a:prstDash val="solid"/>
+                      <a:round/>
+                      <a:headEnd type="none" w="med" len="med"/>
+                      <a:tailEnd type="none" w="med" len="med"/>
+                    </a:lnB>
+                  </a:tcPr>
+                </a:tc>
+                <a:tc>
+                  <a:txBody>
+                    <a:bodyPr/>
+                    <a:lstStyle/>
+                    <a:p>
+                      <a:r>
+                        <a:rPr lang="en-GB" dirty="0"/>
+                        <a:t>(</a:t>
+                      </a:r>
+                      <a:r>
+                        <a:rPr lang="en-GB" dirty="0" err="1"/>
+                        <a:t>f,N</a:t>
+                      </a:r>
+                      <a:r>
+                        <a:rPr lang="en-GB" dirty="0"/>
+                        <a:t>)</a:t>
+                      </a:r>
+                    </a:p>
+                  </a:txBody>
+                  <a:tcPr anchor="ctr">
+                    <a:lnL w="12700" cap="flat" cmpd="sng" algn="ctr">
+                      <a:solidFill>
+                        <a:schemeClr val="tx1"/>
+                      </a:solidFill>
+                      <a:prstDash val="solid"/>
+                      <a:round/>
+                      <a:headEnd type="none" w="med" len="med"/>
+                      <a:tailEnd type="none" w="med" len="med"/>
+                    </a:lnL>
+                    <a:lnR w="12700" cap="flat" cmpd="sng" algn="ctr">
+                      <a:solidFill>
+                        <a:schemeClr val="tx1"/>
+                      </a:solidFill>
+                      <a:prstDash val="solid"/>
+                      <a:round/>
+                      <a:headEnd type="none" w="med" len="med"/>
+                      <a:tailEnd type="none" w="med" len="med"/>
+                    </a:lnR>
+                    <a:lnT w="12700" cap="flat" cmpd="sng" algn="ctr">
+                      <a:solidFill>
+                        <a:schemeClr val="tx1"/>
+                      </a:solidFill>
+                      <a:prstDash val="solid"/>
+                      <a:round/>
+                      <a:headEnd type="none" w="med" len="med"/>
+                      <a:tailEnd type="none" w="med" len="med"/>
+                    </a:lnT>
+                    <a:lnB w="12700" cap="flat" cmpd="sng" algn="ctr">
+                      <a:solidFill>
+                        <a:schemeClr val="tx1"/>
+                      </a:solidFill>
+                      <a:prstDash val="solid"/>
+                      <a:round/>
+                      <a:headEnd type="none" w="med" len="med"/>
+                      <a:tailEnd type="none" w="med" len="med"/>
+                    </a:lnB>
+                  </a:tcPr>
+                </a:tc>
+                <a:extLst>
+                  <a:ext uri="{0D108BD9-81ED-4DB2-BD59-A6C34878D82A}">
+                    <a16:rowId xmlns:a16="http://schemas.microsoft.com/office/drawing/2014/main" val="3018837350"/>
+                  </a:ext>
+                </a:extLst>
+              </a:tr>
+              <a:tr h="617532">
+                <a:tc>
+                  <a:txBody>
+                    <a:bodyPr/>
+                    <a:lstStyle/>
+                    <a:p>
+                      <a:r>
+                        <a:rPr lang="en-GB" dirty="0"/>
+                        <a:t>(</a:t>
+                      </a:r>
+                      <a:r>
+                        <a:rPr lang="en-GB" dirty="0" err="1"/>
+                        <a:t>f,N</a:t>
+                      </a:r>
+                      <a:r>
+                        <a:rPr lang="en-GB" dirty="0"/>
+                        <a:t>)</a:t>
+                      </a:r>
+                    </a:p>
+                  </a:txBody>
+                  <a:tcPr anchor="ctr">
+                    <a:lnL w="12700" cap="flat" cmpd="sng" algn="ctr">
+                      <a:solidFill>
+                        <a:schemeClr val="tx1"/>
+                      </a:solidFill>
+                      <a:prstDash val="solid"/>
+                      <a:round/>
+                      <a:headEnd type="none" w="med" len="med"/>
+                      <a:tailEnd type="none" w="med" len="med"/>
+                    </a:lnL>
+                    <a:lnR w="12700" cap="flat" cmpd="sng" algn="ctr">
+                      <a:solidFill>
+                        <a:schemeClr val="tx1"/>
+                      </a:solidFill>
+                      <a:prstDash val="solid"/>
+                      <a:round/>
+                      <a:headEnd type="none" w="med" len="med"/>
+                      <a:tailEnd type="none" w="med" len="med"/>
+                    </a:lnR>
+                    <a:lnT w="12700" cap="flat" cmpd="sng" algn="ctr">
+                      <a:solidFill>
+                        <a:schemeClr val="tx1"/>
+                      </a:solidFill>
+                      <a:prstDash val="solid"/>
+                      <a:round/>
+                      <a:headEnd type="none" w="med" len="med"/>
+                      <a:tailEnd type="none" w="med" len="med"/>
+                    </a:lnT>
+                    <a:lnB w="12700" cap="flat" cmpd="sng" algn="ctr">
+                      <a:solidFill>
+                        <a:schemeClr val="tx1"/>
+                      </a:solidFill>
+                      <a:prstDash val="solid"/>
+                      <a:round/>
+                      <a:headEnd type="none" w="med" len="med"/>
+                      <a:tailEnd type="none" w="med" len="med"/>
+                    </a:lnB>
+                  </a:tcPr>
+                </a:tc>
+                <a:tc>
+                  <a:txBody>
+                    <a:bodyPr/>
+                    <a:lstStyle/>
+                    <a:p>
+                      <a:pPr algn="ctr"/>
+                      <a:r>
+                        <a:rPr lang="en-GB" dirty="0"/>
+                        <a:t>(f, S  )</a:t>
+                      </a:r>
+                    </a:p>
+                  </a:txBody>
+                  <a:tcPr anchor="ctr">
+                    <a:lnL w="12700" cap="flat" cmpd="sng" algn="ctr">
+                      <a:solidFill>
+                        <a:schemeClr val="tx1"/>
+                      </a:solidFill>
+                      <a:prstDash val="solid"/>
+                      <a:round/>
+                      <a:headEnd type="none" w="med" len="med"/>
+                      <a:tailEnd type="none" w="med" len="med"/>
+                    </a:lnL>
+                    <a:lnR w="12700" cap="flat" cmpd="sng" algn="ctr">
+                      <a:solidFill>
+                        <a:schemeClr val="tx1"/>
+                      </a:solidFill>
+                      <a:prstDash val="solid"/>
+                      <a:round/>
+                      <a:headEnd type="none" w="med" len="med"/>
+                      <a:tailEnd type="none" w="med" len="med"/>
+                    </a:lnR>
+                    <a:lnT w="12700" cap="flat" cmpd="sng" algn="ctr">
+                      <a:solidFill>
+                        <a:schemeClr val="tx1"/>
+                      </a:solidFill>
+                      <a:prstDash val="solid"/>
+                      <a:round/>
+                      <a:headEnd type="none" w="med" len="med"/>
+                      <a:tailEnd type="none" w="med" len="med"/>
+                    </a:lnT>
+                    <a:lnB w="12700" cap="flat" cmpd="sng" algn="ctr">
+                      <a:solidFill>
+                        <a:schemeClr val="tx1"/>
+                      </a:solidFill>
+                      <a:prstDash val="solid"/>
+                      <a:round/>
+                      <a:headEnd type="none" w="med" len="med"/>
+                      <a:tailEnd type="none" w="med" len="med"/>
+                    </a:lnB>
+                  </a:tcPr>
+                </a:tc>
+                <a:tc>
+                  <a:txBody>
+                    <a:bodyPr/>
+                    <a:lstStyle/>
+                    <a:p>
+                      <a:pPr algn="ctr"/>
+                      <a:r>
+                        <a:rPr lang="en-GB" dirty="0"/>
+                        <a:t>(f, S  )</a:t>
+                      </a:r>
+                    </a:p>
+                  </a:txBody>
+                  <a:tcPr anchor="ctr">
+                    <a:lnL w="12700" cap="flat" cmpd="sng" algn="ctr">
+                      <a:solidFill>
+                        <a:schemeClr val="tx1"/>
+                      </a:solidFill>
+                      <a:prstDash val="solid"/>
+                      <a:round/>
+                      <a:headEnd type="none" w="med" len="med"/>
+                      <a:tailEnd type="none" w="med" len="med"/>
+                    </a:lnL>
+                    <a:lnR w="12700" cap="flat" cmpd="sng" algn="ctr">
+                      <a:solidFill>
+                        <a:schemeClr val="tx1"/>
+                      </a:solidFill>
+                      <a:prstDash val="solid"/>
+                      <a:round/>
+                      <a:headEnd type="none" w="med" len="med"/>
+                      <a:tailEnd type="none" w="med" len="med"/>
+                    </a:lnR>
+                    <a:lnT w="12700" cap="flat" cmpd="sng" algn="ctr">
+                      <a:solidFill>
+                        <a:schemeClr val="tx1"/>
+                      </a:solidFill>
+                      <a:prstDash val="solid"/>
+                      <a:round/>
+                      <a:headEnd type="none" w="med" len="med"/>
+                      <a:tailEnd type="none" w="med" len="med"/>
+                    </a:lnT>
+                    <a:lnB w="12700" cap="flat" cmpd="sng" algn="ctr">
+                      <a:solidFill>
+                        <a:schemeClr val="tx1"/>
+                      </a:solidFill>
+                      <a:prstDash val="solid"/>
+                      <a:round/>
+                      <a:headEnd type="none" w="med" len="med"/>
+                      <a:tailEnd type="none" w="med" len="med"/>
+                    </a:lnB>
+                  </a:tcPr>
+                </a:tc>
+                <a:tc>
+                  <a:txBody>
+                    <a:bodyPr/>
+                    <a:lstStyle/>
+                    <a:p>
+                      <a:r>
+                        <a:rPr lang="en-GB" dirty="0"/>
+                        <a:t>(</a:t>
+                      </a:r>
+                      <a:r>
+                        <a:rPr lang="en-GB" dirty="0" err="1"/>
+                        <a:t>f,N</a:t>
+                      </a:r>
+                      <a:r>
+                        <a:rPr lang="en-GB" dirty="0"/>
+                        <a:t>)</a:t>
+                      </a:r>
+                    </a:p>
+                  </a:txBody>
+                  <a:tcPr anchor="ctr">
+                    <a:lnL w="12700" cap="flat" cmpd="sng" algn="ctr">
+                      <a:solidFill>
+                        <a:schemeClr val="tx1"/>
+                      </a:solidFill>
+                      <a:prstDash val="solid"/>
+                      <a:round/>
+                      <a:headEnd type="none" w="med" len="med"/>
+                      <a:tailEnd type="none" w="med" len="med"/>
+                    </a:lnL>
+                    <a:lnR w="12700" cap="flat" cmpd="sng" algn="ctr">
+                      <a:solidFill>
+                        <a:schemeClr val="tx1"/>
+                      </a:solidFill>
+                      <a:prstDash val="solid"/>
+                      <a:round/>
+                      <a:headEnd type="none" w="med" len="med"/>
+                      <a:tailEnd type="none" w="med" len="med"/>
+                    </a:lnR>
+                    <a:lnT w="12700" cap="flat" cmpd="sng" algn="ctr">
+                      <a:solidFill>
+                        <a:schemeClr val="tx1"/>
+                      </a:solidFill>
+                      <a:prstDash val="solid"/>
+                      <a:round/>
+                      <a:headEnd type="none" w="med" len="med"/>
+                      <a:tailEnd type="none" w="med" len="med"/>
+                    </a:lnT>
+                    <a:lnB w="12700" cap="flat" cmpd="sng" algn="ctr">
+                      <a:solidFill>
+                        <a:schemeClr val="tx1"/>
+                      </a:solidFill>
+                      <a:prstDash val="solid"/>
+                      <a:round/>
+                      <a:headEnd type="none" w="med" len="med"/>
+                      <a:tailEnd type="none" w="med" len="med"/>
+                    </a:lnB>
+                  </a:tcPr>
+                </a:tc>
+                <a:tc>
+                  <a:txBody>
+                    <a:bodyPr/>
+                    <a:lstStyle/>
+                    <a:p>
+                      <a:r>
+                        <a:rPr lang="en-GB" dirty="0"/>
+                        <a:t>(</a:t>
+                      </a:r>
+                      <a:r>
+                        <a:rPr lang="en-GB" dirty="0" err="1"/>
+                        <a:t>f,N</a:t>
+                      </a:r>
+                      <a:r>
+                        <a:rPr lang="en-GB" dirty="0"/>
+                        <a:t>)</a:t>
+                      </a:r>
+                    </a:p>
+                  </a:txBody>
+                  <a:tcPr anchor="ctr">
+                    <a:lnL w="12700" cap="flat" cmpd="sng" algn="ctr">
+                      <a:solidFill>
+                        <a:schemeClr val="tx1"/>
+                      </a:solidFill>
+                      <a:prstDash val="solid"/>
+                      <a:round/>
+                      <a:headEnd type="none" w="med" len="med"/>
+                      <a:tailEnd type="none" w="med" len="med"/>
+                    </a:lnL>
+                    <a:lnR w="12700" cap="flat" cmpd="sng" algn="ctr">
+                      <a:solidFill>
+                        <a:schemeClr val="tx1"/>
+                      </a:solidFill>
+                      <a:prstDash val="solid"/>
+                      <a:round/>
+                      <a:headEnd type="none" w="med" len="med"/>
+                      <a:tailEnd type="none" w="med" len="med"/>
+                    </a:lnR>
+                    <a:lnT w="12700" cap="flat" cmpd="sng" algn="ctr">
+                      <a:solidFill>
+                        <a:schemeClr val="tx1"/>
+                      </a:solidFill>
+                      <a:prstDash val="solid"/>
+                      <a:round/>
+                      <a:headEnd type="none" w="med" len="med"/>
+                      <a:tailEnd type="none" w="med" len="med"/>
+                    </a:lnT>
+                    <a:lnB w="12700" cap="flat" cmpd="sng" algn="ctr">
+                      <a:solidFill>
+                        <a:schemeClr val="tx1"/>
+                      </a:solidFill>
+                      <a:prstDash val="solid"/>
+                      <a:round/>
+                      <a:headEnd type="none" w="med" len="med"/>
+                      <a:tailEnd type="none" w="med" len="med"/>
+                    </a:lnB>
+                  </a:tcPr>
+                </a:tc>
+                <a:tc>
+                  <a:txBody>
+                    <a:bodyPr/>
+                    <a:lstStyle/>
+                    <a:p>
+                      <a:r>
+                        <a:rPr lang="en-GB" dirty="0"/>
+                        <a:t>(</a:t>
+                      </a:r>
+                      <a:r>
+                        <a:rPr lang="en-GB" dirty="0" err="1"/>
+                        <a:t>f,N</a:t>
+                      </a:r>
+                      <a:r>
+                        <a:rPr lang="en-GB" dirty="0"/>
+                        <a:t>)</a:t>
+                      </a:r>
+                    </a:p>
+                  </a:txBody>
+                  <a:tcPr anchor="ctr">
+                    <a:lnL w="12700" cap="flat" cmpd="sng" algn="ctr">
+                      <a:solidFill>
+                        <a:schemeClr val="tx1"/>
+                      </a:solidFill>
+                      <a:prstDash val="solid"/>
+                      <a:round/>
+                      <a:headEnd type="none" w="med" len="med"/>
+                      <a:tailEnd type="none" w="med" len="med"/>
+                    </a:lnL>
+                    <a:lnR w="12700" cap="flat" cmpd="sng" algn="ctr">
+                      <a:solidFill>
+                        <a:schemeClr val="tx1"/>
+                      </a:solidFill>
+                      <a:prstDash val="solid"/>
+                      <a:round/>
+                      <a:headEnd type="none" w="med" len="med"/>
+                      <a:tailEnd type="none" w="med" len="med"/>
+                    </a:lnR>
+                    <a:lnT w="12700" cap="flat" cmpd="sng" algn="ctr">
+                      <a:solidFill>
+                        <a:schemeClr val="tx1"/>
+                      </a:solidFill>
+                      <a:prstDash val="solid"/>
+                      <a:round/>
+                      <a:headEnd type="none" w="med" len="med"/>
+                      <a:tailEnd type="none" w="med" len="med"/>
+                    </a:lnT>
+                    <a:lnB w="12700" cap="flat" cmpd="sng" algn="ctr">
+                      <a:solidFill>
+                        <a:schemeClr val="tx1"/>
+                      </a:solidFill>
+                      <a:prstDash val="solid"/>
+                      <a:round/>
+                      <a:headEnd type="none" w="med" len="med"/>
+                      <a:tailEnd type="none" w="med" len="med"/>
+                    </a:lnB>
+                  </a:tcPr>
+                </a:tc>
+                <a:extLst>
+                  <a:ext uri="{0D108BD9-81ED-4DB2-BD59-A6C34878D82A}">
+                    <a16:rowId xmlns:a16="http://schemas.microsoft.com/office/drawing/2014/main" val="3546296"/>
+                  </a:ext>
+                </a:extLst>
+              </a:tr>
+              <a:tr h="617532">
+                <a:tc>
+                  <a:txBody>
+                    <a:bodyPr/>
+                    <a:lstStyle/>
+                    <a:p>
+                      <a:r>
+                        <a:rPr lang="en-GB" dirty="0"/>
+                        <a:t>(</a:t>
+                      </a:r>
+                      <a:r>
+                        <a:rPr lang="en-GB" dirty="0" err="1"/>
+                        <a:t>f,N</a:t>
+                      </a:r>
+                      <a:r>
+                        <a:rPr lang="en-GB" dirty="0"/>
+                        <a:t>)</a:t>
+                      </a:r>
+                    </a:p>
+                  </a:txBody>
+                  <a:tcPr anchor="ctr">
+                    <a:lnL w="12700" cap="flat" cmpd="sng" algn="ctr">
+                      <a:solidFill>
+                        <a:schemeClr val="tx1"/>
+                      </a:solidFill>
+                      <a:prstDash val="solid"/>
+                      <a:round/>
+                      <a:headEnd type="none" w="med" len="med"/>
+                      <a:tailEnd type="none" w="med" len="med"/>
+                    </a:lnL>
+                    <a:lnR w="12700" cap="flat" cmpd="sng" algn="ctr">
+                      <a:solidFill>
+                        <a:schemeClr val="tx1"/>
+                      </a:solidFill>
+                      <a:prstDash val="solid"/>
+                      <a:round/>
+                      <a:headEnd type="none" w="med" len="med"/>
+                      <a:tailEnd type="none" w="med" len="med"/>
+                    </a:lnR>
+                    <a:lnT w="12700" cap="flat" cmpd="sng" algn="ctr">
+                      <a:solidFill>
+                        <a:schemeClr val="tx1"/>
+                      </a:solidFill>
+                      <a:prstDash val="solid"/>
+                      <a:round/>
+                      <a:headEnd type="none" w="med" len="med"/>
+                      <a:tailEnd type="none" w="med" len="med"/>
+                    </a:lnT>
+                    <a:lnB w="12700" cap="flat" cmpd="sng" algn="ctr">
+                      <a:solidFill>
+                        <a:schemeClr val="tx1"/>
+                      </a:solidFill>
+                      <a:prstDash val="solid"/>
+                      <a:round/>
+                      <a:headEnd type="none" w="med" len="med"/>
+                      <a:tailEnd type="none" w="med" len="med"/>
+                    </a:lnB>
+                  </a:tcPr>
+                </a:tc>
+                <a:tc>
+                  <a:txBody>
+                    <a:bodyPr/>
+                    <a:lstStyle/>
+                    <a:p>
+                      <a:r>
+                        <a:rPr lang="en-GB" dirty="0"/>
+                        <a:t>(</a:t>
+                      </a:r>
+                      <a:r>
+                        <a:rPr lang="en-GB" dirty="0" err="1"/>
+                        <a:t>f,N</a:t>
+                      </a:r>
+                      <a:r>
+                        <a:rPr lang="en-GB" dirty="0"/>
+                        <a:t>)</a:t>
+                      </a:r>
+                    </a:p>
+                  </a:txBody>
+                  <a:tcPr anchor="ctr">
+                    <a:lnL w="12700" cap="flat" cmpd="sng" algn="ctr">
+                      <a:solidFill>
+                        <a:schemeClr val="tx1"/>
+                      </a:solidFill>
+                      <a:prstDash val="solid"/>
+                      <a:round/>
+                      <a:headEnd type="none" w="med" len="med"/>
+                      <a:tailEnd type="none" w="med" len="med"/>
+                    </a:lnL>
+                    <a:lnR w="12700" cap="flat" cmpd="sng" algn="ctr">
+                      <a:solidFill>
+                        <a:schemeClr val="tx1"/>
+                      </a:solidFill>
+                      <a:prstDash val="solid"/>
+                      <a:round/>
+                      <a:headEnd type="none" w="med" len="med"/>
+                      <a:tailEnd type="none" w="med" len="med"/>
+                    </a:lnR>
+                    <a:lnT w="12700" cap="flat" cmpd="sng" algn="ctr">
+                      <a:solidFill>
+                        <a:schemeClr val="tx1"/>
+                      </a:solidFill>
+                      <a:prstDash val="solid"/>
+                      <a:round/>
+                      <a:headEnd type="none" w="med" len="med"/>
+                      <a:tailEnd type="none" w="med" len="med"/>
+                    </a:lnT>
+                    <a:lnB w="12700" cap="flat" cmpd="sng" algn="ctr">
+                      <a:solidFill>
+                        <a:schemeClr val="tx1"/>
+                      </a:solidFill>
+                      <a:prstDash val="solid"/>
+                      <a:round/>
+                      <a:headEnd type="none" w="med" len="med"/>
+                      <a:tailEnd type="none" w="med" len="med"/>
+                    </a:lnB>
+                  </a:tcPr>
+                </a:tc>
+                <a:tc>
+                  <a:txBody>
+                    <a:bodyPr/>
+                    <a:lstStyle/>
+                    <a:p>
+                      <a:r>
+                        <a:rPr lang="en-GB" dirty="0"/>
+                        <a:t>(</a:t>
+                      </a:r>
+                      <a:r>
+                        <a:rPr lang="en-GB" dirty="0" err="1"/>
+                        <a:t>f,N</a:t>
+                      </a:r>
+                      <a:r>
+                        <a:rPr lang="en-GB" dirty="0"/>
+                        <a:t>)</a:t>
+                      </a:r>
+                    </a:p>
+                  </a:txBody>
+                  <a:tcPr anchor="ctr">
+                    <a:lnL w="12700" cap="flat" cmpd="sng" algn="ctr">
+                      <a:solidFill>
+                        <a:schemeClr val="tx1"/>
+                      </a:solidFill>
+                      <a:prstDash val="solid"/>
+                      <a:round/>
+                      <a:headEnd type="none" w="med" len="med"/>
+                      <a:tailEnd type="none" w="med" len="med"/>
+                    </a:lnL>
+                    <a:lnR w="12700" cap="flat" cmpd="sng" algn="ctr">
+                      <a:solidFill>
+                        <a:schemeClr val="tx1"/>
+                      </a:solidFill>
+                      <a:prstDash val="solid"/>
+                      <a:round/>
+                      <a:headEnd type="none" w="med" len="med"/>
+                      <a:tailEnd type="none" w="med" len="med"/>
+                    </a:lnR>
+                    <a:lnT w="12700" cap="flat" cmpd="sng" algn="ctr">
+                      <a:solidFill>
+                        <a:schemeClr val="tx1"/>
+                      </a:solidFill>
+                      <a:prstDash val="solid"/>
+                      <a:round/>
+                      <a:headEnd type="none" w="med" len="med"/>
+                      <a:tailEnd type="none" w="med" len="med"/>
+                    </a:lnT>
+                    <a:lnB w="12700" cap="flat" cmpd="sng" algn="ctr">
+                      <a:solidFill>
+                        <a:schemeClr val="tx1"/>
+                      </a:solidFill>
+                      <a:prstDash val="solid"/>
+                      <a:round/>
+                      <a:headEnd type="none" w="med" len="med"/>
+                      <a:tailEnd type="none" w="med" len="med"/>
+                    </a:lnB>
+                  </a:tcPr>
+                </a:tc>
+                <a:tc>
+                  <a:txBody>
+                    <a:bodyPr/>
+                    <a:lstStyle/>
+                    <a:p>
+                      <a:r>
+                        <a:rPr lang="en-GB" dirty="0"/>
+                        <a:t>(</a:t>
+                      </a:r>
+                      <a:r>
+                        <a:rPr lang="en-GB" dirty="0" err="1"/>
+                        <a:t>f,N</a:t>
+                      </a:r>
+                      <a:r>
+                        <a:rPr lang="en-GB" dirty="0"/>
+                        <a:t>)</a:t>
+                      </a:r>
+                    </a:p>
+                  </a:txBody>
+                  <a:tcPr anchor="ctr">
+                    <a:lnL w="12700" cap="flat" cmpd="sng" algn="ctr">
+                      <a:solidFill>
+                        <a:schemeClr val="tx1"/>
+                      </a:solidFill>
+                      <a:prstDash val="solid"/>
+                      <a:round/>
+                      <a:headEnd type="none" w="med" len="med"/>
+                      <a:tailEnd type="none" w="med" len="med"/>
+                    </a:lnL>
+                    <a:lnR w="12700" cap="flat" cmpd="sng" algn="ctr">
+                      <a:solidFill>
+                        <a:schemeClr val="tx1"/>
+                      </a:solidFill>
+                      <a:prstDash val="solid"/>
+                      <a:round/>
+                      <a:headEnd type="none" w="med" len="med"/>
+                      <a:tailEnd type="none" w="med" len="med"/>
+                    </a:lnR>
+                    <a:lnT w="12700" cap="flat" cmpd="sng" algn="ctr">
+                      <a:solidFill>
+                        <a:schemeClr val="tx1"/>
+                      </a:solidFill>
+                      <a:prstDash val="solid"/>
+                      <a:round/>
+                      <a:headEnd type="none" w="med" len="med"/>
+                      <a:tailEnd type="none" w="med" len="med"/>
+                    </a:lnT>
+                    <a:lnB w="12700" cap="flat" cmpd="sng" algn="ctr">
+                      <a:solidFill>
+                        <a:schemeClr val="tx1"/>
+                      </a:solidFill>
+                      <a:prstDash val="solid"/>
+                      <a:round/>
+                      <a:headEnd type="none" w="med" len="med"/>
+                      <a:tailEnd type="none" w="med" len="med"/>
+                    </a:lnB>
+                  </a:tcPr>
+                </a:tc>
+                <a:tc>
+                  <a:txBody>
+                    <a:bodyPr/>
+                    <a:lstStyle/>
+                    <a:p>
+                      <a:pPr algn="ctr"/>
+                      <a:r>
+                        <a:rPr lang="en-GB" dirty="0"/>
+                        <a:t>(f, S  )</a:t>
+                      </a:r>
+                    </a:p>
+                  </a:txBody>
+                  <a:tcPr anchor="ctr">
+                    <a:lnL w="12700" cap="flat" cmpd="sng" algn="ctr">
+                      <a:solidFill>
+                        <a:schemeClr val="tx1"/>
+                      </a:solidFill>
+                      <a:prstDash val="solid"/>
+                      <a:round/>
+                      <a:headEnd type="none" w="med" len="med"/>
+                      <a:tailEnd type="none" w="med" len="med"/>
+                    </a:lnL>
+                    <a:lnR w="12700" cap="flat" cmpd="sng" algn="ctr">
+                      <a:solidFill>
+                        <a:schemeClr val="tx1"/>
+                      </a:solidFill>
+                      <a:prstDash val="solid"/>
+                      <a:round/>
+                      <a:headEnd type="none" w="med" len="med"/>
+                      <a:tailEnd type="none" w="med" len="med"/>
+                    </a:lnR>
+                    <a:lnT w="12700" cap="flat" cmpd="sng" algn="ctr">
+                      <a:solidFill>
+                        <a:schemeClr val="tx1"/>
+                      </a:solidFill>
+                      <a:prstDash val="solid"/>
+                      <a:round/>
+                      <a:headEnd type="none" w="med" len="med"/>
+                      <a:tailEnd type="none" w="med" len="med"/>
+                    </a:lnT>
+                    <a:lnB w="12700" cap="flat" cmpd="sng" algn="ctr">
+                      <a:solidFill>
+                        <a:schemeClr val="tx1"/>
+                      </a:solidFill>
+                      <a:prstDash val="solid"/>
+                      <a:round/>
+                      <a:headEnd type="none" w="med" len="med"/>
+                      <a:tailEnd type="none" w="med" len="med"/>
+                    </a:lnB>
+                  </a:tcPr>
+                </a:tc>
+                <a:tc>
+                  <a:txBody>
+                    <a:bodyPr/>
+                    <a:lstStyle/>
+                    <a:p>
+                      <a:r>
+                        <a:rPr lang="en-GB" dirty="0"/>
+                        <a:t>(</a:t>
+                      </a:r>
+                      <a:r>
+                        <a:rPr lang="en-GB" dirty="0" err="1"/>
+                        <a:t>f,N</a:t>
+                      </a:r>
+                      <a:r>
+                        <a:rPr lang="en-GB" dirty="0"/>
+                        <a:t>)</a:t>
+                      </a:r>
+                    </a:p>
+                  </a:txBody>
+                  <a:tcPr anchor="ctr">
+                    <a:lnL w="12700" cap="flat" cmpd="sng" algn="ctr">
+                      <a:solidFill>
+                        <a:schemeClr val="tx1"/>
+                      </a:solidFill>
+                      <a:prstDash val="solid"/>
+                      <a:round/>
+                      <a:headEnd type="none" w="med" len="med"/>
+                      <a:tailEnd type="none" w="med" len="med"/>
+                    </a:lnL>
+                    <a:lnR w="12700" cap="flat" cmpd="sng" algn="ctr">
+                      <a:solidFill>
+                        <a:schemeClr val="tx1"/>
+                      </a:solidFill>
+                      <a:prstDash val="solid"/>
+                      <a:round/>
+                      <a:headEnd type="none" w="med" len="med"/>
+                      <a:tailEnd type="none" w="med" len="med"/>
+                    </a:lnR>
+                    <a:lnT w="12700" cap="flat" cmpd="sng" algn="ctr">
+                      <a:solidFill>
+                        <a:schemeClr val="tx1"/>
+                      </a:solidFill>
+                      <a:prstDash val="solid"/>
+                      <a:round/>
+                      <a:headEnd type="none" w="med" len="med"/>
+                      <a:tailEnd type="none" w="med" len="med"/>
+                    </a:lnT>
+                    <a:lnB w="12700" cap="flat" cmpd="sng" algn="ctr">
+                      <a:solidFill>
+                        <a:schemeClr val="tx1"/>
+                      </a:solidFill>
+                      <a:prstDash val="solid"/>
+                      <a:round/>
+                      <a:headEnd type="none" w="med" len="med"/>
+                      <a:tailEnd type="none" w="med" len="med"/>
+                    </a:lnB>
+                  </a:tcPr>
+                </a:tc>
+                <a:extLst>
+                  <a:ext uri="{0D108BD9-81ED-4DB2-BD59-A6C34878D82A}">
+                    <a16:rowId xmlns:a16="http://schemas.microsoft.com/office/drawing/2014/main" val="3647717143"/>
+                  </a:ext>
+                </a:extLst>
+              </a:tr>
+              <a:tr h="617532">
+                <a:tc>
+                  <a:txBody>
+                    <a:bodyPr/>
+                    <a:lstStyle/>
+                    <a:p>
+                      <a:r>
+                        <a:rPr lang="en-GB" dirty="0"/>
+                        <a:t>(</a:t>
+                      </a:r>
+                      <a:r>
+                        <a:rPr lang="en-GB" dirty="0" err="1"/>
+                        <a:t>f,N</a:t>
+                      </a:r>
+                      <a:r>
+                        <a:rPr lang="en-GB" dirty="0"/>
+                        <a:t>)</a:t>
+                      </a:r>
+                    </a:p>
+                  </a:txBody>
+                  <a:tcPr anchor="ctr">
+                    <a:lnL w="12700" cap="flat" cmpd="sng" algn="ctr">
+                      <a:solidFill>
+                        <a:schemeClr val="tx1"/>
+                      </a:solidFill>
+                      <a:prstDash val="solid"/>
+                      <a:round/>
+                      <a:headEnd type="none" w="med" len="med"/>
+                      <a:tailEnd type="none" w="med" len="med"/>
+                    </a:lnL>
+                    <a:lnR w="12700" cap="flat" cmpd="sng" algn="ctr">
+                      <a:solidFill>
+                        <a:schemeClr val="tx1"/>
+                      </a:solidFill>
+                      <a:prstDash val="solid"/>
+                      <a:round/>
+                      <a:headEnd type="none" w="med" len="med"/>
+                      <a:tailEnd type="none" w="med" len="med"/>
+                    </a:lnR>
+                    <a:lnT w="12700" cap="flat" cmpd="sng" algn="ctr">
+                      <a:solidFill>
+                        <a:schemeClr val="tx1"/>
+                      </a:solidFill>
+                      <a:prstDash val="solid"/>
+                      <a:round/>
+                      <a:headEnd type="none" w="med" len="med"/>
+                      <a:tailEnd type="none" w="med" len="med"/>
+                    </a:lnT>
+                    <a:lnB w="12700" cap="flat" cmpd="sng" algn="ctr">
+                      <a:solidFill>
+                        <a:schemeClr val="tx1"/>
+                      </a:solidFill>
+                      <a:prstDash val="solid"/>
+                      <a:round/>
+                      <a:headEnd type="none" w="med" len="med"/>
+                      <a:tailEnd type="none" w="med" len="med"/>
+                    </a:lnB>
+                  </a:tcPr>
+                </a:tc>
+                <a:tc>
+                  <a:txBody>
+                    <a:bodyPr/>
+                    <a:lstStyle/>
+                    <a:p>
+                      <a:pPr marL="0" marR="0" lvl="0" indent="0" algn="l" defTabSz="914400" rtl="0" eaLnBrk="1" fontAlgn="auto" latinLnBrk="0" hangingPunct="1">
+                        <a:lnSpc>
+                          <a:spcPct val="100000"/>
+                        </a:lnSpc>
+                        <a:spcBef>
+                          <a:spcPts val="0"/>
+                        </a:spcBef>
+                        <a:spcAft>
+                          <a:spcPts val="0"/>
+                        </a:spcAft>
+                        <a:buClrTx/>
+                        <a:buSzTx/>
+                        <a:buFontTx/>
+                        <a:buNone/>
+                        <a:tabLst/>
+                        <a:defRPr/>
+                      </a:pPr>
+                      <a:r>
+                        <a:rPr lang="en-GB" dirty="0"/>
+                        <a:t>(</a:t>
+                      </a:r>
+                      <a:r>
+                        <a:rPr lang="en-GB" dirty="0" err="1"/>
+                        <a:t>f,N</a:t>
+                      </a:r>
+                      <a:r>
+                        <a:rPr lang="en-GB" dirty="0"/>
+                        <a:t>)</a:t>
+                      </a:r>
+                    </a:p>
+                  </a:txBody>
+                  <a:tcPr anchor="ctr">
+                    <a:lnL w="12700" cap="flat" cmpd="sng" algn="ctr">
+                      <a:solidFill>
+                        <a:schemeClr val="tx1"/>
+                      </a:solidFill>
+                      <a:prstDash val="solid"/>
+                      <a:round/>
+                      <a:headEnd type="none" w="med" len="med"/>
+                      <a:tailEnd type="none" w="med" len="med"/>
+                    </a:lnL>
+                    <a:lnR w="12700" cap="flat" cmpd="sng" algn="ctr">
+                      <a:solidFill>
+                        <a:schemeClr val="tx1"/>
+                      </a:solidFill>
+                      <a:prstDash val="solid"/>
+                      <a:round/>
+                      <a:headEnd type="none" w="med" len="med"/>
+                      <a:tailEnd type="none" w="med" len="med"/>
+                    </a:lnR>
+                    <a:lnT w="12700" cap="flat" cmpd="sng" algn="ctr">
+                      <a:solidFill>
+                        <a:schemeClr val="tx1"/>
+                      </a:solidFill>
+                      <a:prstDash val="solid"/>
+                      <a:round/>
+                      <a:headEnd type="none" w="med" len="med"/>
+                      <a:tailEnd type="none" w="med" len="med"/>
+                    </a:lnT>
+                    <a:lnB w="12700" cap="flat" cmpd="sng" algn="ctr">
+                      <a:solidFill>
+                        <a:schemeClr val="tx1"/>
+                      </a:solidFill>
+                      <a:prstDash val="solid"/>
+                      <a:round/>
+                      <a:headEnd type="none" w="med" len="med"/>
+                      <a:tailEnd type="none" w="med" len="med"/>
+                    </a:lnB>
+                  </a:tcPr>
+                </a:tc>
+                <a:tc>
+                  <a:txBody>
+                    <a:bodyPr/>
+                    <a:lstStyle/>
+                    <a:p>
+                      <a:pPr marL="0" marR="0" lvl="0" indent="0" algn="l" defTabSz="914400" rtl="0" eaLnBrk="1" fontAlgn="auto" latinLnBrk="0" hangingPunct="1">
+                        <a:lnSpc>
+                          <a:spcPct val="100000"/>
+                        </a:lnSpc>
+                        <a:spcBef>
+                          <a:spcPts val="0"/>
+                        </a:spcBef>
+                        <a:spcAft>
+                          <a:spcPts val="0"/>
+                        </a:spcAft>
+                        <a:buClrTx/>
+                        <a:buSzTx/>
+                        <a:buFontTx/>
+                        <a:buNone/>
+                        <a:tabLst/>
+                        <a:defRPr/>
+                      </a:pPr>
+                      <a:r>
+                        <a:rPr lang="en-GB" dirty="0"/>
+                        <a:t>(</a:t>
+                      </a:r>
+                      <a:r>
+                        <a:rPr lang="en-GB" dirty="0" err="1"/>
+                        <a:t>f,N</a:t>
+                      </a:r>
+                      <a:r>
+                        <a:rPr lang="en-GB" dirty="0"/>
+                        <a:t>)</a:t>
+                      </a:r>
+                    </a:p>
+                  </a:txBody>
+                  <a:tcPr anchor="ctr">
+                    <a:lnL w="12700" cap="flat" cmpd="sng" algn="ctr">
+                      <a:solidFill>
+                        <a:schemeClr val="tx1"/>
+                      </a:solidFill>
+                      <a:prstDash val="solid"/>
+                      <a:round/>
+                      <a:headEnd type="none" w="med" len="med"/>
+                      <a:tailEnd type="none" w="med" len="med"/>
+                    </a:lnL>
+                    <a:lnR w="12700" cap="flat" cmpd="sng" algn="ctr">
+                      <a:solidFill>
+                        <a:schemeClr val="tx1"/>
+                      </a:solidFill>
+                      <a:prstDash val="solid"/>
+                      <a:round/>
+                      <a:headEnd type="none" w="med" len="med"/>
+                      <a:tailEnd type="none" w="med" len="med"/>
+                    </a:lnR>
+                    <a:lnT w="12700" cap="flat" cmpd="sng" algn="ctr">
+                      <a:solidFill>
+                        <a:schemeClr val="tx1"/>
+                      </a:solidFill>
+                      <a:prstDash val="solid"/>
+                      <a:round/>
+                      <a:headEnd type="none" w="med" len="med"/>
+                      <a:tailEnd type="none" w="med" len="med"/>
+                    </a:lnT>
+                    <a:lnB w="12700" cap="flat" cmpd="sng" algn="ctr">
+                      <a:solidFill>
+                        <a:schemeClr val="tx1"/>
+                      </a:solidFill>
+                      <a:prstDash val="solid"/>
+                      <a:round/>
+                      <a:headEnd type="none" w="med" len="med"/>
+                      <a:tailEnd type="none" w="med" len="med"/>
+                    </a:lnB>
+                  </a:tcPr>
+                </a:tc>
+                <a:tc>
+                  <a:txBody>
+                    <a:bodyPr/>
+                    <a:lstStyle/>
+                    <a:p>
+                      <a:r>
+                        <a:rPr lang="en-GB" dirty="0"/>
+                        <a:t>(</a:t>
+                      </a:r>
+                      <a:r>
+                        <a:rPr lang="en-GB" dirty="0" err="1"/>
+                        <a:t>f,N</a:t>
+                      </a:r>
+                      <a:r>
+                        <a:rPr lang="en-GB" dirty="0"/>
+                        <a:t>)</a:t>
+                      </a:r>
+                    </a:p>
+                  </a:txBody>
+                  <a:tcPr anchor="ctr">
+                    <a:lnL w="12700" cap="flat" cmpd="sng" algn="ctr">
+                      <a:solidFill>
+                        <a:schemeClr val="tx1"/>
+                      </a:solidFill>
+                      <a:prstDash val="solid"/>
+                      <a:round/>
+                      <a:headEnd type="none" w="med" len="med"/>
+                      <a:tailEnd type="none" w="med" len="med"/>
+                    </a:lnL>
+                    <a:lnR w="12700" cap="flat" cmpd="sng" algn="ctr">
+                      <a:solidFill>
+                        <a:schemeClr val="tx1"/>
+                      </a:solidFill>
+                      <a:prstDash val="solid"/>
+                      <a:round/>
+                      <a:headEnd type="none" w="med" len="med"/>
+                      <a:tailEnd type="none" w="med" len="med"/>
+                    </a:lnR>
+                    <a:lnT w="12700" cap="flat" cmpd="sng" algn="ctr">
+                      <a:solidFill>
+                        <a:schemeClr val="tx1"/>
+                      </a:solidFill>
+                      <a:prstDash val="solid"/>
+                      <a:round/>
+                      <a:headEnd type="none" w="med" len="med"/>
+                      <a:tailEnd type="none" w="med" len="med"/>
+                    </a:lnT>
+                    <a:lnB w="12700" cap="flat" cmpd="sng" algn="ctr">
+                      <a:solidFill>
+                        <a:schemeClr val="tx1"/>
+                      </a:solidFill>
+                      <a:prstDash val="solid"/>
+                      <a:round/>
+                      <a:headEnd type="none" w="med" len="med"/>
+                      <a:tailEnd type="none" w="med" len="med"/>
+                    </a:lnB>
+                  </a:tcPr>
+                </a:tc>
+                <a:tc>
+                  <a:txBody>
+                    <a:bodyPr/>
+                    <a:lstStyle/>
+                    <a:p>
+                      <a:pPr algn="ctr"/>
+                      <a:r>
+                        <a:rPr lang="en-GB" dirty="0"/>
+                        <a:t>(f, S  )</a:t>
+                      </a:r>
+                    </a:p>
+                  </a:txBody>
+                  <a:tcPr anchor="ctr">
+                    <a:lnL w="12700" cap="flat" cmpd="sng" algn="ctr">
+                      <a:solidFill>
+                        <a:schemeClr val="tx1"/>
+                      </a:solidFill>
+                      <a:prstDash val="solid"/>
+                      <a:round/>
+                      <a:headEnd type="none" w="med" len="med"/>
+                      <a:tailEnd type="none" w="med" len="med"/>
+                    </a:lnL>
+                    <a:lnR w="12700" cap="flat" cmpd="sng" algn="ctr">
+                      <a:solidFill>
+                        <a:schemeClr val="tx1"/>
+                      </a:solidFill>
+                      <a:prstDash val="solid"/>
+                      <a:round/>
+                      <a:headEnd type="none" w="med" len="med"/>
+                      <a:tailEnd type="none" w="med" len="med"/>
+                    </a:lnR>
+                    <a:lnT w="12700" cap="flat" cmpd="sng" algn="ctr">
+                      <a:solidFill>
+                        <a:schemeClr val="tx1"/>
+                      </a:solidFill>
+                      <a:prstDash val="solid"/>
+                      <a:round/>
+                      <a:headEnd type="none" w="med" len="med"/>
+                      <a:tailEnd type="none" w="med" len="med"/>
+                    </a:lnT>
+                    <a:lnB w="12700" cap="flat" cmpd="sng" algn="ctr">
+                      <a:solidFill>
+                        <a:schemeClr val="tx1"/>
+                      </a:solidFill>
+                      <a:prstDash val="solid"/>
+                      <a:round/>
+                      <a:headEnd type="none" w="med" len="med"/>
+                      <a:tailEnd type="none" w="med" len="med"/>
+                    </a:lnB>
+                  </a:tcPr>
+                </a:tc>
+                <a:tc>
+                  <a:txBody>
+                    <a:bodyPr/>
+                    <a:lstStyle/>
+                    <a:p>
+                      <a:r>
+                        <a:rPr lang="en-GB" dirty="0"/>
+                        <a:t>(</a:t>
+                      </a:r>
+                      <a:r>
+                        <a:rPr lang="en-GB" dirty="0" err="1"/>
+                        <a:t>f,N</a:t>
+                      </a:r>
+                      <a:r>
+                        <a:rPr lang="en-GB" dirty="0"/>
+                        <a:t>)</a:t>
+                      </a:r>
+                    </a:p>
+                  </a:txBody>
+                  <a:tcPr anchor="ctr">
+                    <a:lnL w="12700" cap="flat" cmpd="sng" algn="ctr">
+                      <a:solidFill>
+                        <a:schemeClr val="tx1"/>
+                      </a:solidFill>
+                      <a:prstDash val="solid"/>
+                      <a:round/>
+                      <a:headEnd type="none" w="med" len="med"/>
+                      <a:tailEnd type="none" w="med" len="med"/>
+                    </a:lnL>
+                    <a:lnR w="12700" cap="flat" cmpd="sng" algn="ctr">
+                      <a:solidFill>
+                        <a:schemeClr val="tx1"/>
+                      </a:solidFill>
+                      <a:prstDash val="solid"/>
+                      <a:round/>
+                      <a:headEnd type="none" w="med" len="med"/>
+                      <a:tailEnd type="none" w="med" len="med"/>
+                    </a:lnR>
+                    <a:lnT w="12700" cap="flat" cmpd="sng" algn="ctr">
+                      <a:solidFill>
+                        <a:schemeClr val="tx1"/>
+                      </a:solidFill>
+                      <a:prstDash val="solid"/>
+                      <a:round/>
+                      <a:headEnd type="none" w="med" len="med"/>
+                      <a:tailEnd type="none" w="med" len="med"/>
+                    </a:lnT>
+                    <a:lnB w="12700" cap="flat" cmpd="sng" algn="ctr">
+                      <a:solidFill>
+                        <a:schemeClr val="tx1"/>
+                      </a:solidFill>
+                      <a:prstDash val="solid"/>
+                      <a:round/>
+                      <a:headEnd type="none" w="med" len="med"/>
+                      <a:tailEnd type="none" w="med" len="med"/>
+                    </a:lnB>
+                  </a:tcPr>
+                </a:tc>
+                <a:extLst>
+                  <a:ext uri="{0D108BD9-81ED-4DB2-BD59-A6C34878D82A}">
+                    <a16:rowId xmlns:a16="http://schemas.microsoft.com/office/drawing/2014/main" val="2906104394"/>
+                  </a:ext>
+                </a:extLst>
+              </a:tr>
+            </a:tbl>
+          </a:graphicData>
+        </a:graphic>
+      </p:graphicFrame>
       <p:sp>
         <p:nvSpPr>
-          <p:cNvPr id="15" name="TextBox 14">
+          <p:cNvPr id="13" name="TextBox 12">
             <a:extLst>
               <a:ext uri="{FF2B5EF4-FFF2-40B4-BE49-F238E27FC236}">
-                <a16:creationId xmlns:a16="http://schemas.microsoft.com/office/drawing/2014/main" id="{DE138CF0-103B-0446-A8F8-D0C2147732E7}"/>
+                <a16:creationId xmlns:a16="http://schemas.microsoft.com/office/drawing/2014/main" id="{B2F4C4BA-91DA-7E4B-B319-9CB942896E7E}"/>
               </a:ext>
             </a:extLst>
           </p:cNvPr>
@@ -7459,243 +13830,488 @@
         </p:nvSpPr>
         <p:spPr>
           <a:xfrm>
-            <a:off x="245677" y="1029351"/>
-            <a:ext cx="5850323" cy="2123658"/>
+            <a:off x="7033216" y="932752"/>
+            <a:ext cx="704039" cy="369332"/>
           </a:xfrm>
           <a:prstGeom prst="rect">
             <a:avLst/>
           </a:prstGeom>
           <a:noFill/>
-          <a:ln>
-            <a:solidFill>
-              <a:schemeClr val="tx1"/>
-            </a:solidFill>
-          </a:ln>
         </p:spPr>
         <p:txBody>
-          <a:bodyPr wrap="square" rtlCol="0">
+          <a:bodyPr wrap="none" rtlCol="0">
             <a:spAutoFit/>
           </a:bodyPr>
           <a:lstStyle/>
           <a:p>
             <a:r>
-              <a:rPr lang="en-GB" sz="2200" dirty="0" err="1"/>
-              <a:t>Problemer</a:t>
-            </a:r>
-            <a:r>
-              <a:rPr lang="en-GB" sz="2200" dirty="0"/>
-              <a:t>:</a:t>
-            </a:r>
-          </a:p>
-          <a:p>
-            <a:pPr marL="285750" indent="-285750">
-              <a:buFont typeface="Arial" panose="020B0604020202020204" pitchFamily="34" charset="0"/>
-              <a:buChar char="•"/>
-            </a:pPr>
-            <a:r>
-              <a:rPr lang="en-GB" sz="2200" dirty="0" err="1"/>
-              <a:t>Hvordan</a:t>
-            </a:r>
-            <a:r>
-              <a:rPr lang="en-GB" sz="2200" dirty="0"/>
+              <a:rPr lang="en-GB" dirty="0"/>
+              <a:t>Ship1</a:t>
+            </a:r>
+          </a:p>
+        </p:txBody>
+      </p:sp>
+      <p:sp>
+        <p:nvSpPr>
+          <p:cNvPr id="46" name="TextBox 45">
+            <a:extLst>
+              <a:ext uri="{FF2B5EF4-FFF2-40B4-BE49-F238E27FC236}">
+                <a16:creationId xmlns:a16="http://schemas.microsoft.com/office/drawing/2014/main" id="{9CD8C4A7-FF6F-FD43-A4F7-CAE574127734}"/>
+              </a:ext>
+            </a:extLst>
+          </p:cNvPr>
+          <p:cNvSpPr txBox="1"/>
+          <p:nvPr/>
+        </p:nvSpPr>
+        <p:spPr>
+          <a:xfrm>
+            <a:off x="7737255" y="915084"/>
+            <a:ext cx="704039" cy="369332"/>
+          </a:xfrm>
+          <a:prstGeom prst="rect">
+            <a:avLst/>
+          </a:prstGeom>
+          <a:noFill/>
+        </p:spPr>
+        <p:txBody>
+          <a:bodyPr wrap="none" rtlCol="0">
+            <a:spAutoFit/>
+          </a:bodyPr>
+          <a:lstStyle/>
+          <a:p>
+            <a:r>
+              <a:rPr lang="en-GB" dirty="0"/>
+              <a:t>Ship2</a:t>
+            </a:r>
+          </a:p>
+        </p:txBody>
+      </p:sp>
+      <p:sp>
+        <p:nvSpPr>
+          <p:cNvPr id="47" name="TextBox 46">
+            <a:extLst>
+              <a:ext uri="{FF2B5EF4-FFF2-40B4-BE49-F238E27FC236}">
+                <a16:creationId xmlns:a16="http://schemas.microsoft.com/office/drawing/2014/main" id="{998D2619-01BC-F948-8786-DA7AF93E5198}"/>
+              </a:ext>
+            </a:extLst>
+          </p:cNvPr>
+          <p:cNvSpPr txBox="1"/>
+          <p:nvPr/>
+        </p:nvSpPr>
+        <p:spPr>
+          <a:xfrm>
+            <a:off x="8346598" y="897416"/>
+            <a:ext cx="704039" cy="369332"/>
+          </a:xfrm>
+          <a:prstGeom prst="rect">
+            <a:avLst/>
+          </a:prstGeom>
+          <a:noFill/>
+        </p:spPr>
+        <p:txBody>
+          <a:bodyPr wrap="none" rtlCol="0">
+            <a:spAutoFit/>
+          </a:bodyPr>
+          <a:lstStyle/>
+          <a:p>
+            <a:r>
+              <a:rPr lang="en-GB" dirty="0"/>
+              <a:t>Ship3</a:t>
+            </a:r>
+          </a:p>
+        </p:txBody>
+      </p:sp>
+      <p:cxnSp>
+        <p:nvCxnSpPr>
+          <p:cNvPr id="16" name="Straight Arrow Connector 15">
+            <a:extLst>
+              <a:ext uri="{FF2B5EF4-FFF2-40B4-BE49-F238E27FC236}">
+                <a16:creationId xmlns:a16="http://schemas.microsoft.com/office/drawing/2014/main" id="{B0D593F3-D67E-5B4E-AD7B-C0822FB81D50}"/>
+              </a:ext>
+            </a:extLst>
+          </p:cNvPr>
+          <p:cNvCxnSpPr>
+            <a:cxnSpLocks/>
+            <a:endCxn id="13" idx="2"/>
+          </p:cNvCxnSpPr>
+          <p:nvPr/>
+        </p:nvCxnSpPr>
+        <p:spPr>
+          <a:xfrm flipH="1" flipV="1">
+            <a:off x="7385236" y="1302084"/>
+            <a:ext cx="131026" cy="347417"/>
+          </a:xfrm>
+          <a:prstGeom prst="straightConnector1">
+            <a:avLst/>
+          </a:prstGeom>
+          <a:ln w="38100">
+            <a:tailEnd type="triangle"/>
+          </a:ln>
+        </p:spPr>
+        <p:style>
+          <a:lnRef idx="1">
+            <a:schemeClr val="accent1"/>
+          </a:lnRef>
+          <a:fillRef idx="0">
+            <a:schemeClr val="accent1"/>
+          </a:fillRef>
+          <a:effectRef idx="0">
+            <a:schemeClr val="accent1"/>
+          </a:effectRef>
+          <a:fontRef idx="minor">
+            <a:schemeClr val="tx1"/>
+          </a:fontRef>
+        </p:style>
+      </p:cxnSp>
+      <p:cxnSp>
+        <p:nvCxnSpPr>
+          <p:cNvPr id="49" name="Straight Arrow Connector 48">
+            <a:extLst>
+              <a:ext uri="{FF2B5EF4-FFF2-40B4-BE49-F238E27FC236}">
+                <a16:creationId xmlns:a16="http://schemas.microsoft.com/office/drawing/2014/main" id="{19D53B73-7949-9447-8B00-E738A4D6A797}"/>
+              </a:ext>
+            </a:extLst>
+          </p:cNvPr>
+          <p:cNvCxnSpPr>
+            <a:cxnSpLocks/>
+            <a:endCxn id="13" idx="2"/>
+          </p:cNvCxnSpPr>
+          <p:nvPr/>
+        </p:nvCxnSpPr>
+        <p:spPr>
+          <a:xfrm flipH="1" flipV="1">
+            <a:off x="7385236" y="1302084"/>
+            <a:ext cx="832701" cy="411384"/>
+          </a:xfrm>
+          <a:prstGeom prst="straightConnector1">
+            <a:avLst/>
+          </a:prstGeom>
+          <a:ln w="38100">
+            <a:tailEnd type="triangle"/>
+          </a:ln>
+        </p:spPr>
+        <p:style>
+          <a:lnRef idx="1">
+            <a:schemeClr val="accent1"/>
+          </a:lnRef>
+          <a:fillRef idx="0">
+            <a:schemeClr val="accent1"/>
+          </a:fillRef>
+          <a:effectRef idx="0">
+            <a:schemeClr val="accent1"/>
+          </a:effectRef>
+          <a:fontRef idx="minor">
+            <a:schemeClr val="tx1"/>
+          </a:fontRef>
+        </p:style>
+      </p:cxnSp>
+      <p:cxnSp>
+        <p:nvCxnSpPr>
+          <p:cNvPr id="50" name="Straight Arrow Connector 49">
+            <a:extLst>
+              <a:ext uri="{FF2B5EF4-FFF2-40B4-BE49-F238E27FC236}">
+                <a16:creationId xmlns:a16="http://schemas.microsoft.com/office/drawing/2014/main" id="{D516F96C-CE44-A34F-B320-DFF3E6FC0E48}"/>
+              </a:ext>
+            </a:extLst>
+          </p:cNvPr>
+          <p:cNvCxnSpPr>
+            <a:cxnSpLocks/>
+          </p:cNvCxnSpPr>
+          <p:nvPr/>
+        </p:nvCxnSpPr>
+        <p:spPr>
+          <a:xfrm flipH="1" flipV="1">
+            <a:off x="7355984" y="1302084"/>
+            <a:ext cx="1591103" cy="432874"/>
+          </a:xfrm>
+          <a:prstGeom prst="straightConnector1">
+            <a:avLst/>
+          </a:prstGeom>
+          <a:ln w="38100">
+            <a:tailEnd type="triangle"/>
+          </a:ln>
+        </p:spPr>
+        <p:style>
+          <a:lnRef idx="1">
+            <a:schemeClr val="accent1"/>
+          </a:lnRef>
+          <a:fillRef idx="0">
+            <a:schemeClr val="accent1"/>
+          </a:fillRef>
+          <a:effectRef idx="0">
+            <a:schemeClr val="accent1"/>
+          </a:effectRef>
+          <a:fontRef idx="minor">
+            <a:schemeClr val="tx1"/>
+          </a:fontRef>
+        </p:style>
+      </p:cxnSp>
+      <p:cxnSp>
+        <p:nvCxnSpPr>
+          <p:cNvPr id="55" name="Straight Arrow Connector 54">
+            <a:extLst>
+              <a:ext uri="{FF2B5EF4-FFF2-40B4-BE49-F238E27FC236}">
+                <a16:creationId xmlns:a16="http://schemas.microsoft.com/office/drawing/2014/main" id="{F5DD9CC2-75B0-154D-A555-AA8B264FB5F2}"/>
+              </a:ext>
+            </a:extLst>
+          </p:cNvPr>
+          <p:cNvCxnSpPr>
+            <a:cxnSpLocks/>
+            <a:endCxn id="46" idx="2"/>
+          </p:cNvCxnSpPr>
+          <p:nvPr/>
+        </p:nvCxnSpPr>
+        <p:spPr>
+          <a:xfrm flipH="1" flipV="1">
+            <a:off x="8089275" y="1284416"/>
+            <a:ext cx="163955" cy="1690277"/>
+          </a:xfrm>
+          <a:prstGeom prst="straightConnector1">
+            <a:avLst/>
+          </a:prstGeom>
+          <a:ln w="38100">
+            <a:tailEnd type="triangle"/>
+          </a:ln>
+        </p:spPr>
+        <p:style>
+          <a:lnRef idx="1">
+            <a:schemeClr val="accent1"/>
+          </a:lnRef>
+          <a:fillRef idx="0">
+            <a:schemeClr val="accent1"/>
+          </a:fillRef>
+          <a:effectRef idx="0">
+            <a:schemeClr val="accent1"/>
+          </a:effectRef>
+          <a:fontRef idx="minor">
+            <a:schemeClr val="tx1"/>
+          </a:fontRef>
+        </p:style>
+      </p:cxnSp>
+      <p:cxnSp>
+        <p:nvCxnSpPr>
+          <p:cNvPr id="61" name="Straight Arrow Connector 60">
+            <a:extLst>
+              <a:ext uri="{FF2B5EF4-FFF2-40B4-BE49-F238E27FC236}">
+                <a16:creationId xmlns:a16="http://schemas.microsoft.com/office/drawing/2014/main" id="{9D08D027-395E-0D41-B778-EDBB6B417DA4}"/>
+              </a:ext>
+            </a:extLst>
+          </p:cNvPr>
+          <p:cNvCxnSpPr>
+            <a:cxnSpLocks/>
+          </p:cNvCxnSpPr>
+          <p:nvPr/>
+        </p:nvCxnSpPr>
+        <p:spPr>
+          <a:xfrm flipH="1" flipV="1">
+            <a:off x="8118528" y="1284417"/>
+            <a:ext cx="837414" cy="1690276"/>
+          </a:xfrm>
+          <a:prstGeom prst="straightConnector1">
+            <a:avLst/>
+          </a:prstGeom>
+          <a:ln w="38100">
+            <a:tailEnd type="triangle"/>
+          </a:ln>
+        </p:spPr>
+        <p:style>
+          <a:lnRef idx="1">
+            <a:schemeClr val="accent1"/>
+          </a:lnRef>
+          <a:fillRef idx="0">
+            <a:schemeClr val="accent1"/>
+          </a:fillRef>
+          <a:effectRef idx="0">
+            <a:schemeClr val="accent1"/>
+          </a:effectRef>
+          <a:fontRef idx="minor">
+            <a:schemeClr val="tx1"/>
+          </a:fontRef>
+        </p:style>
+      </p:cxnSp>
+      <p:cxnSp>
+        <p:nvCxnSpPr>
+          <p:cNvPr id="64" name="Straight Arrow Connector 63">
+            <a:extLst>
+              <a:ext uri="{FF2B5EF4-FFF2-40B4-BE49-F238E27FC236}">
+                <a16:creationId xmlns:a16="http://schemas.microsoft.com/office/drawing/2014/main" id="{BE9F95BD-CC9B-D042-BC23-29018E8CF468}"/>
+              </a:ext>
+            </a:extLst>
+          </p:cNvPr>
+          <p:cNvCxnSpPr>
+            <a:cxnSpLocks/>
+            <a:endCxn id="47" idx="2"/>
+          </p:cNvCxnSpPr>
+          <p:nvPr/>
+        </p:nvCxnSpPr>
+        <p:spPr>
+          <a:xfrm flipH="1" flipV="1">
+            <a:off x="8698618" y="1266748"/>
+            <a:ext cx="1582248" cy="2235152"/>
+          </a:xfrm>
+          <a:prstGeom prst="straightConnector1">
+            <a:avLst/>
+          </a:prstGeom>
+          <a:ln w="38100">
+            <a:tailEnd type="triangle"/>
+          </a:ln>
+        </p:spPr>
+        <p:style>
+          <a:lnRef idx="1">
+            <a:schemeClr val="accent1"/>
+          </a:lnRef>
+          <a:fillRef idx="0">
+            <a:schemeClr val="accent1"/>
+          </a:fillRef>
+          <a:effectRef idx="0">
+            <a:schemeClr val="accent1"/>
+          </a:effectRef>
+          <a:fontRef idx="minor">
+            <a:schemeClr val="tx1"/>
+          </a:fontRef>
+        </p:style>
+      </p:cxnSp>
+      <p:cxnSp>
+        <p:nvCxnSpPr>
+          <p:cNvPr id="66" name="Straight Arrow Connector 65">
+            <a:extLst>
+              <a:ext uri="{FF2B5EF4-FFF2-40B4-BE49-F238E27FC236}">
+                <a16:creationId xmlns:a16="http://schemas.microsoft.com/office/drawing/2014/main" id="{EB491639-CC08-4446-8443-F013B04329EB}"/>
+              </a:ext>
+            </a:extLst>
+          </p:cNvPr>
+          <p:cNvCxnSpPr>
+            <a:cxnSpLocks/>
+            <a:endCxn id="47" idx="2"/>
+          </p:cNvCxnSpPr>
+          <p:nvPr/>
+        </p:nvCxnSpPr>
+        <p:spPr>
+          <a:xfrm flipH="1" flipV="1">
+            <a:off x="8698618" y="1266748"/>
+            <a:ext cx="1613713" cy="2933293"/>
+          </a:xfrm>
+          <a:prstGeom prst="straightConnector1">
+            <a:avLst/>
+          </a:prstGeom>
+          <a:ln w="38100">
+            <a:tailEnd type="triangle"/>
+          </a:ln>
+        </p:spPr>
+        <p:style>
+          <a:lnRef idx="1">
+            <a:schemeClr val="accent1"/>
+          </a:lnRef>
+          <a:fillRef idx="0">
+            <a:schemeClr val="accent1"/>
+          </a:fillRef>
+          <a:effectRef idx="0">
+            <a:schemeClr val="accent1"/>
+          </a:effectRef>
+          <a:fontRef idx="minor">
+            <a:schemeClr val="tx1"/>
+          </a:fontRef>
+        </p:style>
+      </p:cxnSp>
+      <p:sp>
+        <p:nvSpPr>
+          <p:cNvPr id="77" name="TextBox 76">
+            <a:extLst>
+              <a:ext uri="{FF2B5EF4-FFF2-40B4-BE49-F238E27FC236}">
+                <a16:creationId xmlns:a16="http://schemas.microsoft.com/office/drawing/2014/main" id="{B311722D-096A-4C48-90B3-436A49080471}"/>
+              </a:ext>
+            </a:extLst>
+          </p:cNvPr>
+          <p:cNvSpPr txBox="1"/>
+          <p:nvPr/>
+        </p:nvSpPr>
+        <p:spPr>
+          <a:xfrm>
+            <a:off x="7033216" y="5406586"/>
+            <a:ext cx="4689425" cy="369332"/>
+          </a:xfrm>
+          <a:prstGeom prst="rect">
+            <a:avLst/>
+          </a:prstGeom>
+          <a:noFill/>
+        </p:spPr>
+        <p:txBody>
+          <a:bodyPr wrap="none" rtlCol="0">
+            <a:spAutoFit/>
+          </a:bodyPr>
+          <a:lstStyle/>
+          <a:p>
+            <a:r>
+              <a:rPr lang="en-GB" dirty="0" err="1"/>
+              <a:t>Plade</a:t>
+            </a:r>
+            <a:r>
+              <a:rPr lang="en-GB" dirty="0"/>
               <a:t> </a:t>
             </a:r>
             <a:r>
-              <a:rPr lang="en-GB" sz="2200" dirty="0" err="1"/>
-              <a:t>skal</a:t>
-            </a:r>
-            <a:r>
-              <a:rPr lang="en-GB" sz="2200" dirty="0"/>
-              <a:t> vi </a:t>
-            </a:r>
-            <a:r>
-              <a:rPr lang="en-GB" sz="2200" dirty="0" err="1"/>
-              <a:t>placere</a:t>
-            </a:r>
-            <a:r>
-              <a:rPr lang="en-GB" sz="2200" dirty="0"/>
+              <a:rPr lang="en-GB" dirty="0" err="1"/>
+              <a:t>kender</a:t>
+            </a:r>
+            <a:r>
+              <a:rPr lang="en-GB" dirty="0"/>
               <a:t> </a:t>
             </a:r>
             <a:r>
-              <a:rPr lang="en-GB" sz="2200" dirty="0" err="1"/>
+              <a:rPr lang="en-GB" dirty="0" err="1"/>
+              <a:t>til</a:t>
+            </a:r>
+            <a:r>
+              <a:rPr lang="en-GB" dirty="0"/>
+              <a:t> </a:t>
+            </a:r>
+            <a:r>
+              <a:rPr lang="en-GB" dirty="0" err="1"/>
               <a:t>skibe</a:t>
             </a:r>
             <a:r>
-              <a:rPr lang="en-GB" sz="2200" dirty="0"/>
+              <a:rPr lang="en-GB" dirty="0"/>
+              <a:t>, </a:t>
+            </a:r>
+            <a:r>
+              <a:rPr lang="en-GB" dirty="0" err="1"/>
+              <a:t>skibe</a:t>
+            </a:r>
+            <a:r>
+              <a:rPr lang="en-GB" dirty="0"/>
               <a:t> </a:t>
             </a:r>
             <a:r>
-              <a:rPr lang="en-GB" sz="2200" dirty="0" err="1"/>
-              <a:t>på</a:t>
-            </a:r>
-            <a:r>
-              <a:rPr lang="en-GB" sz="2200" dirty="0"/>
+              <a:rPr lang="en-GB" dirty="0" err="1"/>
+              <a:t>kender</a:t>
+            </a:r>
+            <a:r>
+              <a:rPr lang="en-GB" dirty="0"/>
               <a:t> </a:t>
             </a:r>
             <a:r>
-              <a:rPr lang="en-GB" sz="2200" dirty="0" err="1"/>
-              <a:t>brættet</a:t>
-            </a:r>
-            <a:r>
-              <a:rPr lang="en-GB" sz="2200"/>
-              <a:t>?</a:t>
-            </a:r>
-            <a:endParaRPr lang="en-GB" sz="2200" dirty="0"/>
-          </a:p>
-          <a:p>
-            <a:pPr marL="285750" indent="-285750">
-              <a:buFont typeface="Arial" panose="020B0604020202020204" pitchFamily="34" charset="0"/>
-              <a:buChar char="•"/>
-            </a:pPr>
-            <a:r>
-              <a:rPr lang="en-GB" sz="2200" dirty="0" err="1"/>
-              <a:t>Hvordan</a:t>
-            </a:r>
-            <a:r>
-              <a:rPr lang="en-GB" sz="2200" dirty="0"/>
+              <a:rPr lang="en-GB" i="1" dirty="0" err="1"/>
+              <a:t>ikke</a:t>
+            </a:r>
+            <a:r>
+              <a:rPr lang="en-GB" dirty="0"/>
               <a:t> </a:t>
             </a:r>
             <a:r>
-              <a:rPr lang="en-GB" sz="2200" dirty="0" err="1"/>
-              <a:t>skal</a:t>
-            </a:r>
-            <a:r>
-              <a:rPr lang="en-GB" sz="2200" dirty="0"/>
-              <a:t> vi </a:t>
-            </a:r>
-            <a:r>
-              <a:rPr lang="en-GB" sz="2200" dirty="0" err="1"/>
-              <a:t>repræsentere</a:t>
-            </a:r>
-            <a:r>
-              <a:rPr lang="en-GB" sz="2200" dirty="0"/>
-              <a:t>, at der </a:t>
-            </a:r>
-            <a:r>
-              <a:rPr lang="en-GB" sz="2200" dirty="0" err="1"/>
-              <a:t>er</a:t>
-            </a:r>
-            <a:r>
-              <a:rPr lang="en-GB" sz="2200" dirty="0"/>
+              <a:rPr lang="en-GB" dirty="0" err="1"/>
+              <a:t>til</a:t>
+            </a:r>
+            <a:r>
+              <a:rPr lang="en-GB" dirty="0"/>
               <a:t> </a:t>
             </a:r>
             <a:r>
-              <a:rPr lang="en-GB" sz="2200" dirty="0" err="1"/>
-              <a:t>blevet</a:t>
-            </a:r>
-            <a:r>
-              <a:rPr lang="en-GB" sz="2200" dirty="0"/>
+              <a:rPr lang="en-GB" dirty="0" err="1"/>
+              <a:t>bræt</a:t>
+            </a:r>
+            <a:r>
+              <a:rPr lang="en-GB" dirty="0"/>
               <a:t> </a:t>
-            </a:r>
-            <a:r>
-              <a:rPr lang="en-GB" sz="2200" dirty="0" err="1"/>
-              <a:t>skudt</a:t>
-            </a:r>
-            <a:r>
-              <a:rPr lang="en-GB" sz="2200" dirty="0"/>
-              <a:t> </a:t>
-            </a:r>
-            <a:r>
-              <a:rPr lang="en-GB" sz="2200" dirty="0" err="1"/>
-              <a:t>på</a:t>
-            </a:r>
-            <a:r>
-              <a:rPr lang="en-GB" sz="2200" dirty="0"/>
-              <a:t> et felt </a:t>
-            </a:r>
-            <a:r>
-              <a:rPr lang="en-GB" sz="2200" dirty="0" err="1"/>
-              <a:t>eller</a:t>
-            </a:r>
-            <a:r>
-              <a:rPr lang="en-GB" sz="2200" dirty="0"/>
-              <a:t> </a:t>
-            </a:r>
-            <a:r>
-              <a:rPr lang="en-GB" sz="2200" dirty="0" err="1"/>
-              <a:t>ej</a:t>
-            </a:r>
-            <a:r>
-              <a:rPr lang="en-GB" sz="2200" dirty="0"/>
-              <a:t>?</a:t>
-            </a:r>
-          </a:p>
-          <a:p>
-            <a:pPr marL="285750" indent="-285750">
-              <a:buFont typeface="Arial" panose="020B0604020202020204" pitchFamily="34" charset="0"/>
-              <a:buChar char="•"/>
-            </a:pPr>
-            <a:r>
-              <a:rPr lang="en-GB" sz="2200" dirty="0" err="1"/>
-              <a:t>Hvordan</a:t>
-            </a:r>
-            <a:r>
-              <a:rPr lang="en-GB" sz="2200" dirty="0"/>
-              <a:t> </a:t>
-            </a:r>
-            <a:r>
-              <a:rPr lang="en-GB" sz="2200" dirty="0" err="1"/>
-              <a:t>skal</a:t>
-            </a:r>
-            <a:r>
-              <a:rPr lang="en-GB" sz="2200" dirty="0"/>
-              <a:t> vi </a:t>
-            </a:r>
-            <a:r>
-              <a:rPr lang="en-GB" sz="2200" dirty="0" err="1"/>
-              <a:t>holde</a:t>
-            </a:r>
-            <a:r>
-              <a:rPr lang="en-GB" sz="2200" dirty="0"/>
-              <a:t> </a:t>
-            </a:r>
-            <a:r>
-              <a:rPr lang="en-GB" sz="2200" dirty="0" err="1"/>
-              <a:t>øje</a:t>
-            </a:r>
-            <a:r>
-              <a:rPr lang="en-GB" sz="2200" dirty="0"/>
-              <a:t> med om et </a:t>
-            </a:r>
-            <a:r>
-              <a:rPr lang="en-GB" sz="2200" dirty="0" err="1"/>
-              <a:t>skib</a:t>
-            </a:r>
-            <a:r>
-              <a:rPr lang="en-GB" sz="2200" dirty="0"/>
-              <a:t> </a:t>
-            </a:r>
-            <a:r>
-              <a:rPr lang="en-GB" sz="2200" dirty="0" err="1"/>
-              <a:t>er</a:t>
-            </a:r>
-            <a:r>
-              <a:rPr lang="en-GB" sz="2200" dirty="0"/>
-              <a:t> </a:t>
-            </a:r>
-            <a:r>
-              <a:rPr lang="en-GB" sz="2200" dirty="0" err="1"/>
-              <a:t>sænket</a:t>
-            </a:r>
-            <a:r>
-              <a:rPr lang="en-GB" sz="2200" dirty="0"/>
-              <a:t> </a:t>
-            </a:r>
-            <a:r>
-              <a:rPr lang="en-GB" sz="2200" dirty="0" err="1"/>
-              <a:t>eller</a:t>
-            </a:r>
-            <a:r>
-              <a:rPr lang="en-GB" sz="2200" dirty="0"/>
-              <a:t> </a:t>
-            </a:r>
-            <a:r>
-              <a:rPr lang="en-GB" sz="2200" dirty="0" err="1"/>
-              <a:t>ej</a:t>
-            </a:r>
-            <a:r>
-              <a:rPr lang="en-GB" sz="2200" dirty="0"/>
-              <a:t>?</a:t>
             </a:r>
           </a:p>
         </p:txBody>
@@ -7703,13 +14319,136 @@
     </p:spTree>
     <p:extLst>
       <p:ext uri="{BB962C8B-B14F-4D97-AF65-F5344CB8AC3E}">
-        <p14:creationId xmlns:p14="http://schemas.microsoft.com/office/powerpoint/2010/main" val="3836570722"/>
+        <p14:creationId xmlns:p14="http://schemas.microsoft.com/office/powerpoint/2010/main" val="1875393825"/>
       </p:ext>
     </p:extLst>
   </p:cSld>
   <p:clrMapOvr>
     <a:masterClrMapping/>
   </p:clrMapOvr>
+  <p:timing>
+    <p:tnLst>
+      <p:par>
+        <p:cTn id="1" dur="indefinite" restart="never" nodeType="tmRoot">
+          <p:childTnLst>
+            <p:seq concurrent="1" nextAc="seek">
+              <p:cTn id="2" dur="indefinite" nodeType="mainSeq">
+                <p:childTnLst>
+                  <p:par>
+                    <p:cTn id="3" fill="hold">
+                      <p:stCondLst>
+                        <p:cond delay="indefinite"/>
+                      </p:stCondLst>
+                      <p:childTnLst>
+                        <p:par>
+                          <p:cTn id="4" fill="hold">
+                            <p:stCondLst>
+                              <p:cond delay="0"/>
+                            </p:stCondLst>
+                            <p:childTnLst>
+                              <p:par>
+                                <p:cTn id="5" presetID="1" presetClass="entr" presetSubtype="0" fill="hold" nodeType="clickEffect">
+                                  <p:stCondLst>
+                                    <p:cond delay="0"/>
+                                  </p:stCondLst>
+                                  <p:childTnLst>
+                                    <p:set>
+                                      <p:cBhvr>
+                                        <p:cTn id="6" dur="1" fill="hold">
+                                          <p:stCondLst>
+                                            <p:cond delay="0"/>
+                                          </p:stCondLst>
+                                        </p:cTn>
+                                        <p:tgtEl>
+                                          <p:spTgt spid="62"/>
+                                        </p:tgtEl>
+                                        <p:attrNameLst>
+                                          <p:attrName>style.visibility</p:attrName>
+                                        </p:attrNameLst>
+                                      </p:cBhvr>
+                                      <p:to>
+                                        <p:strVal val="visible"/>
+                                      </p:to>
+                                    </p:set>
+                                  </p:childTnLst>
+                                </p:cTn>
+                              </p:par>
+                            </p:childTnLst>
+                          </p:cTn>
+                        </p:par>
+                      </p:childTnLst>
+                    </p:cTn>
+                  </p:par>
+                  <p:par>
+                    <p:cTn id="7" fill="hold">
+                      <p:stCondLst>
+                        <p:cond delay="indefinite"/>
+                      </p:stCondLst>
+                      <p:childTnLst>
+                        <p:par>
+                          <p:cTn id="8" fill="hold">
+                            <p:stCondLst>
+                              <p:cond delay="0"/>
+                            </p:stCondLst>
+                            <p:childTnLst>
+                              <p:par>
+                                <p:cTn id="9" presetID="1" presetClass="entr" presetSubtype="0" fill="hold" grpId="0" nodeType="clickEffect">
+                                  <p:stCondLst>
+                                    <p:cond delay="0"/>
+                                  </p:stCondLst>
+                                  <p:childTnLst>
+                                    <p:set>
+                                      <p:cBhvr>
+                                        <p:cTn id="10" dur="1" fill="hold">
+                                          <p:stCondLst>
+                                            <p:cond delay="0"/>
+                                          </p:stCondLst>
+                                        </p:cTn>
+                                        <p:tgtEl>
+                                          <p:spTgt spid="77"/>
+                                        </p:tgtEl>
+                                        <p:attrNameLst>
+                                          <p:attrName>style.visibility</p:attrName>
+                                        </p:attrNameLst>
+                                      </p:cBhvr>
+                                      <p:to>
+                                        <p:strVal val="visible"/>
+                                      </p:to>
+                                    </p:set>
+                                  </p:childTnLst>
+                                </p:cTn>
+                              </p:par>
+                            </p:childTnLst>
+                          </p:cTn>
+                        </p:par>
+                      </p:childTnLst>
+                    </p:cTn>
+                  </p:par>
+                </p:childTnLst>
+              </p:cTn>
+              <p:prevCondLst>
+                <p:cond evt="onPrev" delay="0">
+                  <p:tgtEl>
+                    <p:sldTgt/>
+                  </p:tgtEl>
+                </p:cond>
+              </p:prevCondLst>
+              <p:nextCondLst>
+                <p:cond evt="onNext" delay="0">
+                  <p:tgtEl>
+                    <p:sldTgt/>
+                  </p:tgtEl>
+                </p:cond>
+              </p:nextCondLst>
+            </p:seq>
+          </p:childTnLst>
+        </p:cTn>
+      </p:par>
+    </p:tnLst>
+    <p:bldLst>
+      <p:bldP spid="77" grpId="0"/>
+    </p:bldLst>
+  </p:timing>
 </p:sld>
 </file>
 
@@ -15968,17 +22707,19 @@
         </p:nvSpPr>
         <p:spPr>
           <a:xfrm>
-            <a:off x="89649" y="32523"/>
-            <a:ext cx="5664974" cy="1084122"/>
+            <a:off x="89648" y="32523"/>
+            <a:ext cx="7427029" cy="1084122"/>
           </a:xfrm>
         </p:spPr>
         <p:txBody>
-          <a:bodyPr/>
+          <a:bodyPr>
+            <a:normAutofit/>
+          </a:bodyPr>
           <a:lstStyle/>
           <a:p>
             <a:r>
               <a:rPr lang="da-DK" dirty="0"/>
-              <a:t>Sænke slagskibe</a:t>
+              <a:t>Sænke slagskibe: relationer</a:t>
             </a:r>
           </a:p>
         </p:txBody>

--- a/lectures/13.1-3/lecture13.1.pptx
+++ b/lectures/13.1-3/lecture13.1.pptx
@@ -5,7 +5,7 @@
     <p:sldMasterId id="2147483648" r:id="rId1"/>
   </p:sldMasterIdLst>
   <p:notesMasterIdLst>
-    <p:notesMasterId r:id="rId22"/>
+    <p:notesMasterId r:id="rId16"/>
   </p:notesMasterIdLst>
   <p:sldIdLst>
     <p:sldId id="256" r:id="rId2"/>
@@ -22,12 +22,6 @@
     <p:sldId id="279" r:id="rId13"/>
     <p:sldId id="281" r:id="rId14"/>
     <p:sldId id="283" r:id="rId15"/>
-    <p:sldId id="284" r:id="rId16"/>
-    <p:sldId id="286" r:id="rId17"/>
-    <p:sldId id="285" r:id="rId18"/>
-    <p:sldId id="288" r:id="rId19"/>
-    <p:sldId id="287" r:id="rId20"/>
-    <p:sldId id="289" r:id="rId21"/>
   </p:sldIdLst>
   <p:sldSz cx="12192000" cy="6858000"/>
   <p:notesSz cx="6858000" cy="9144000"/>
@@ -11578,7 +11572,7 @@
                             </p:stCondLst>
                             <p:childTnLst>
                               <p:par>
-                                <p:cTn id="5" presetID="1" presetClass="entr" presetSubtype="0" fill="hold" nodeType="clickEffect">
+                                <p:cTn id="5" presetID="1" presetClass="entr" presetSubtype="0" fill="hold" grpId="0" nodeType="clickEffect">
                                   <p:stCondLst>
                                     <p:cond delay="0"/>
                                   </p:stCondLst>
@@ -11591,7 +11585,7 @@
                                           </p:stCondLst>
                                         </p:cTn>
                                         <p:tgtEl>
-                                          <p:spTgt spid="3"/>
+                                          <p:spTgt spid="5"/>
                                         </p:tgtEl>
                                         <p:attrNameLst>
                                           <p:attrName>style.visibility</p:attrName>
@@ -11623,7 +11617,7 @@
                             </p:stCondLst>
                             <p:childTnLst>
                               <p:par>
-                                <p:cTn id="9" presetID="1" presetClass="entr" presetSubtype="0" fill="hold" grpId="0" nodeType="clickEffect">
+                                <p:cTn id="9" presetID="1" presetClass="entr" presetSubtype="0" fill="hold" nodeType="clickEffect">
                                   <p:stCondLst>
                                     <p:cond delay="0"/>
                                   </p:stCondLst>
@@ -11636,7 +11630,7 @@
                                           </p:stCondLst>
                                         </p:cTn>
                                         <p:tgtEl>
-                                          <p:spTgt spid="5"/>
+                                          <p:spTgt spid="8"/>
                                         </p:tgtEl>
                                         <p:attrNameLst>
                                           <p:attrName>style.visibility</p:attrName>
@@ -11676,51 +11670,6 @@
                                     <p:set>
                                       <p:cBhvr>
                                         <p:cTn id="14" dur="1" fill="hold">
-                                          <p:stCondLst>
-                                            <p:cond delay="0"/>
-                                          </p:stCondLst>
-                                        </p:cTn>
-                                        <p:tgtEl>
-                                          <p:spTgt spid="8"/>
-                                        </p:tgtEl>
-                                        <p:attrNameLst>
-                                          <p:attrName>style.visibility</p:attrName>
-                                        </p:attrNameLst>
-                                      </p:cBhvr>
-                                      <p:to>
-                                        <p:strVal val="visible"/>
-                                      </p:to>
-                                    </p:set>
-                                  </p:childTnLst>
-                                </p:cTn>
-                              </p:par>
-                            </p:childTnLst>
-                          </p:cTn>
-                        </p:par>
-                      </p:childTnLst>
-                    </p:cTn>
-                  </p:par>
-                  <p:par>
-                    <p:cTn id="15" fill="hold">
-                      <p:stCondLst>
-                        <p:cond delay="indefinite"/>
-                      </p:stCondLst>
-                      <p:childTnLst>
-                        <p:par>
-                          <p:cTn id="16" fill="hold">
-                            <p:stCondLst>
-                              <p:cond delay="0"/>
-                            </p:stCondLst>
-                            <p:childTnLst>
-                              <p:par>
-                                <p:cTn id="17" presetID="1" presetClass="entr" presetSubtype="0" fill="hold" nodeType="clickEffect">
-                                  <p:stCondLst>
-                                    <p:cond delay="0"/>
-                                  </p:stCondLst>
-                                  <p:childTnLst>
-                                    <p:set>
-                                      <p:cBhvr>
-                                        <p:cTn id="18" dur="1" fill="hold">
                                           <p:stCondLst>
                                             <p:cond delay="0"/>
                                           </p:stCondLst>
@@ -11768,3670 +11717,6 @@
     </p:tnLst>
     <p:bldLst>
       <p:bldP spid="5" grpId="0" animBg="1"/>
-    </p:bldLst>
-  </p:timing>
-</p:sld>
-</file>
-
-<file path=ppt/slides/slide15.xml><?xml version="1.0" encoding="utf-8"?>
-<p:sld xmlns:a="http://schemas.openxmlformats.org/drawingml/2006/main" xmlns:r="http://schemas.openxmlformats.org/officeDocument/2006/relationships" xmlns:p="http://schemas.openxmlformats.org/presentationml/2006/main">
-  <p:cSld>
-    <p:spTree>
-      <p:nvGrpSpPr>
-        <p:cNvPr id="1" name=""/>
-        <p:cNvGrpSpPr/>
-        <p:nvPr/>
-      </p:nvGrpSpPr>
-      <p:grpSpPr>
-        <a:xfrm>
-          <a:off x="0" y="0"/>
-          <a:ext cx="0" cy="0"/>
-          <a:chOff x="0" y="0"/>
-          <a:chExt cx="0" cy="0"/>
-        </a:xfrm>
-      </p:grpSpPr>
-      <p:sp>
-        <p:nvSpPr>
-          <p:cNvPr id="7" name="Title 1">
-            <a:extLst>
-              <a:ext uri="{FF2B5EF4-FFF2-40B4-BE49-F238E27FC236}">
-                <a16:creationId xmlns:a16="http://schemas.microsoft.com/office/drawing/2014/main" id="{A69D63B9-FC0A-0544-8900-4333340F3743}"/>
-              </a:ext>
-            </a:extLst>
-          </p:cNvPr>
-          <p:cNvSpPr>
-            <a:spLocks noGrp="1"/>
-          </p:cNvSpPr>
-          <p:nvPr>
-            <p:ph type="title"/>
-          </p:nvPr>
-        </p:nvSpPr>
-        <p:spPr>
-          <a:xfrm>
-            <a:off x="6974239" y="32523"/>
-            <a:ext cx="5018720" cy="1084122"/>
-          </a:xfrm>
-        </p:spPr>
-        <p:txBody>
-          <a:bodyPr/>
-          <a:lstStyle/>
-          <a:p>
-            <a:r>
-              <a:rPr lang="da-DK" dirty="0"/>
-              <a:t>Sænke slagskibe</a:t>
-            </a:r>
-          </a:p>
-        </p:txBody>
-      </p:sp>
-      <p:pic>
-        <p:nvPicPr>
-          <p:cNvPr id="9" name="Picture 8">
-            <a:extLst>
-              <a:ext uri="{FF2B5EF4-FFF2-40B4-BE49-F238E27FC236}">
-                <a16:creationId xmlns:a16="http://schemas.microsoft.com/office/drawing/2014/main" id="{FCAF1B8D-E341-8042-A47D-D8B7E41EB5FE}"/>
-              </a:ext>
-            </a:extLst>
-          </p:cNvPr>
-          <p:cNvPicPr>
-            <a:picLocks noChangeAspect="1"/>
-          </p:cNvPicPr>
-          <p:nvPr/>
-        </p:nvPicPr>
-        <p:blipFill>
-          <a:blip r:embed="rId2"/>
-          <a:stretch>
-            <a:fillRect/>
-          </a:stretch>
-        </p:blipFill>
-        <p:spPr>
-          <a:xfrm>
-            <a:off x="199041" y="285750"/>
-            <a:ext cx="6477000" cy="6286500"/>
-          </a:xfrm>
-          <a:prstGeom prst="rect">
-            <a:avLst/>
-          </a:prstGeom>
-          <a:ln>
-            <a:solidFill>
-              <a:schemeClr val="tx1"/>
-            </a:solidFill>
-          </a:ln>
-        </p:spPr>
-      </p:pic>
-      <p:sp>
-        <p:nvSpPr>
-          <p:cNvPr id="2" name="TextBox 1">
-            <a:extLst>
-              <a:ext uri="{FF2B5EF4-FFF2-40B4-BE49-F238E27FC236}">
-                <a16:creationId xmlns:a16="http://schemas.microsoft.com/office/drawing/2014/main" id="{FD4AFA72-CD90-654E-A167-AAC805193200}"/>
-              </a:ext>
-            </a:extLst>
-          </p:cNvPr>
-          <p:cNvSpPr txBox="1"/>
-          <p:nvPr/>
-        </p:nvSpPr>
-        <p:spPr>
-          <a:xfrm>
-            <a:off x="6974239" y="790416"/>
-            <a:ext cx="3575274" cy="1477328"/>
-          </a:xfrm>
-          <a:prstGeom prst="rect">
-            <a:avLst/>
-          </a:prstGeom>
-          <a:noFill/>
-        </p:spPr>
-        <p:txBody>
-          <a:bodyPr wrap="none" rtlCol="0">
-            <a:spAutoFit/>
-          </a:bodyPr>
-          <a:lstStyle/>
-          <a:p>
-            <a:r>
-              <a:rPr lang="en-GB" dirty="0" err="1"/>
-              <a:t>Træd</a:t>
-            </a:r>
-            <a:r>
-              <a:rPr lang="en-GB" dirty="0"/>
-              <a:t> et </a:t>
-            </a:r>
-            <a:r>
-              <a:rPr lang="en-GB" dirty="0" err="1"/>
-              <a:t>skridt</a:t>
-            </a:r>
-            <a:r>
-              <a:rPr lang="en-GB" dirty="0"/>
-              <a:t> </a:t>
-            </a:r>
-            <a:r>
-              <a:rPr lang="en-GB" dirty="0" err="1"/>
-              <a:t>tilbage</a:t>
-            </a:r>
-            <a:r>
-              <a:rPr lang="en-GB" dirty="0"/>
-              <a:t>:</a:t>
-            </a:r>
-          </a:p>
-          <a:p>
-            <a:pPr marL="285750" indent="-285750">
-              <a:buFont typeface="Arial" panose="020B0604020202020204" pitchFamily="34" charset="0"/>
-              <a:buChar char="•"/>
-            </a:pPr>
-            <a:r>
-              <a:rPr lang="en-GB" dirty="0" err="1"/>
-              <a:t>Koordinater</a:t>
-            </a:r>
-            <a:r>
-              <a:rPr lang="en-GB" dirty="0"/>
-              <a:t> </a:t>
-            </a:r>
-            <a:r>
-              <a:rPr lang="en-GB" dirty="0" err="1"/>
-              <a:t>er</a:t>
-            </a:r>
-            <a:r>
-              <a:rPr lang="en-GB" dirty="0"/>
-              <a:t> bare </a:t>
-            </a:r>
-            <a:r>
-              <a:rPr lang="en-GB" dirty="0" err="1"/>
-              <a:t>heltalspar</a:t>
-            </a:r>
-            <a:endParaRPr lang="en-GB" dirty="0"/>
-          </a:p>
-          <a:p>
-            <a:pPr marL="285750" indent="-285750">
-              <a:buFont typeface="Arial" panose="020B0604020202020204" pitchFamily="34" charset="0"/>
-              <a:buChar char="•"/>
-            </a:pPr>
-            <a:r>
-              <a:rPr lang="en-GB" dirty="0"/>
-              <a:t>Index </a:t>
-            </a:r>
-            <a:r>
-              <a:rPr lang="en-GB" dirty="0" err="1"/>
-              <a:t>i</a:t>
-            </a:r>
-            <a:r>
-              <a:rPr lang="en-GB" dirty="0"/>
-              <a:t> et array </a:t>
-            </a:r>
-            <a:r>
-              <a:rPr lang="en-GB" dirty="0" err="1"/>
-              <a:t>er</a:t>
-            </a:r>
-            <a:r>
-              <a:rPr lang="en-GB" dirty="0"/>
-              <a:t> </a:t>
-            </a:r>
-            <a:r>
-              <a:rPr lang="en-GB" dirty="0" err="1"/>
-              <a:t>en</a:t>
-            </a:r>
-            <a:r>
-              <a:rPr lang="en-GB" dirty="0"/>
-              <a:t> </a:t>
-            </a:r>
-            <a:r>
-              <a:rPr lang="en-GB" dirty="0" err="1"/>
-              <a:t>koordinat</a:t>
-            </a:r>
-            <a:endParaRPr lang="en-GB" dirty="0"/>
-          </a:p>
-          <a:p>
-            <a:pPr marL="285750" indent="-285750">
-              <a:buFont typeface="Arial" panose="020B0604020202020204" pitchFamily="34" charset="0"/>
-              <a:buChar char="•"/>
-            </a:pPr>
-            <a:r>
-              <a:rPr lang="en-GB" dirty="0"/>
-              <a:t>Arrays har </a:t>
-            </a:r>
-            <a:r>
-              <a:rPr lang="en-GB" dirty="0" err="1"/>
-              <a:t>felter</a:t>
-            </a:r>
-            <a:endParaRPr lang="en-GB" dirty="0"/>
-          </a:p>
-          <a:p>
-            <a:pPr marL="285750" indent="-285750">
-              <a:buFont typeface="Arial" panose="020B0604020202020204" pitchFamily="34" charset="0"/>
-              <a:buChar char="•"/>
-            </a:pPr>
-            <a:r>
-              <a:rPr lang="en-GB" dirty="0" err="1"/>
-              <a:t>En</a:t>
-            </a:r>
-            <a:r>
-              <a:rPr lang="en-GB" dirty="0"/>
-              <a:t> </a:t>
-            </a:r>
-            <a:r>
-              <a:rPr lang="en-GB" dirty="0" err="1"/>
-              <a:t>modstander</a:t>
-            </a:r>
-            <a:r>
-              <a:rPr lang="en-GB" dirty="0"/>
-              <a:t> </a:t>
-            </a:r>
-            <a:r>
-              <a:rPr lang="en-GB" dirty="0" err="1"/>
-              <a:t>er</a:t>
-            </a:r>
-            <a:r>
-              <a:rPr lang="en-GB" dirty="0"/>
-              <a:t> </a:t>
-            </a:r>
-            <a:r>
-              <a:rPr lang="en-GB" dirty="0" err="1"/>
-              <a:t>også</a:t>
-            </a:r>
-            <a:r>
-              <a:rPr lang="en-GB" dirty="0"/>
-              <a:t> </a:t>
-            </a:r>
-            <a:r>
-              <a:rPr lang="en-GB" dirty="0" err="1"/>
-              <a:t>en</a:t>
-            </a:r>
-            <a:r>
-              <a:rPr lang="en-GB" dirty="0"/>
-              <a:t> spiller.</a:t>
-            </a:r>
-          </a:p>
-        </p:txBody>
-      </p:sp>
-      <p:pic>
-        <p:nvPicPr>
-          <p:cNvPr id="11" name="Picture 10">
-            <a:extLst>
-              <a:ext uri="{FF2B5EF4-FFF2-40B4-BE49-F238E27FC236}">
-                <a16:creationId xmlns:a16="http://schemas.microsoft.com/office/drawing/2014/main" id="{DDF52027-2D36-B84C-9711-FCF2E95DBAAD}"/>
-              </a:ext>
-            </a:extLst>
-          </p:cNvPr>
-          <p:cNvPicPr>
-            <a:picLocks noChangeAspect="1"/>
-          </p:cNvPicPr>
-          <p:nvPr/>
-        </p:nvPicPr>
-        <p:blipFill>
-          <a:blip r:embed="rId3"/>
-          <a:stretch>
-            <a:fillRect/>
-          </a:stretch>
-        </p:blipFill>
-        <p:spPr>
-          <a:xfrm>
-            <a:off x="6930045" y="888308"/>
-            <a:ext cx="4965258" cy="5319920"/>
-          </a:xfrm>
-          <a:prstGeom prst="rect">
-            <a:avLst/>
-          </a:prstGeom>
-          <a:ln>
-            <a:solidFill>
-              <a:schemeClr val="tx1"/>
-            </a:solidFill>
-          </a:ln>
-        </p:spPr>
-      </p:pic>
-    </p:spTree>
-    <p:extLst>
-      <p:ext uri="{BB962C8B-B14F-4D97-AF65-F5344CB8AC3E}">
-        <p14:creationId xmlns:p14="http://schemas.microsoft.com/office/powerpoint/2010/main" val="3134147304"/>
-      </p:ext>
-    </p:extLst>
-  </p:cSld>
-  <p:clrMapOvr>
-    <a:masterClrMapping/>
-  </p:clrMapOvr>
-  <p:timing>
-    <p:tnLst>
-      <p:par>
-        <p:cTn id="1" dur="indefinite" restart="never" nodeType="tmRoot">
-          <p:childTnLst>
-            <p:seq concurrent="1" nextAc="seek">
-              <p:cTn id="2" dur="indefinite" nodeType="mainSeq">
-                <p:childTnLst>
-                  <p:par>
-                    <p:cTn id="3" fill="hold">
-                      <p:stCondLst>
-                        <p:cond delay="indefinite"/>
-                      </p:stCondLst>
-                      <p:childTnLst>
-                        <p:par>
-                          <p:cTn id="4" fill="hold">
-                            <p:stCondLst>
-                              <p:cond delay="0"/>
-                            </p:stCondLst>
-                            <p:childTnLst>
-                              <p:par>
-                                <p:cTn id="5" presetID="1" presetClass="entr" presetSubtype="0" fill="hold" nodeType="clickEffect">
-                                  <p:stCondLst>
-                                    <p:cond delay="0"/>
-                                  </p:stCondLst>
-                                  <p:childTnLst>
-                                    <p:set>
-                                      <p:cBhvr>
-                                        <p:cTn id="6" dur="1" fill="hold">
-                                          <p:stCondLst>
-                                            <p:cond delay="0"/>
-                                          </p:stCondLst>
-                                        </p:cTn>
-                                        <p:tgtEl>
-                                          <p:spTgt spid="11"/>
-                                        </p:tgtEl>
-                                        <p:attrNameLst>
-                                          <p:attrName>style.visibility</p:attrName>
-                                        </p:attrNameLst>
-                                      </p:cBhvr>
-                                      <p:to>
-                                        <p:strVal val="visible"/>
-                                      </p:to>
-                                    </p:set>
-                                  </p:childTnLst>
-                                </p:cTn>
-                              </p:par>
-                            </p:childTnLst>
-                          </p:cTn>
-                        </p:par>
-                      </p:childTnLst>
-                    </p:cTn>
-                  </p:par>
-                </p:childTnLst>
-              </p:cTn>
-              <p:prevCondLst>
-                <p:cond evt="onPrev" delay="0">
-                  <p:tgtEl>
-                    <p:sldTgt/>
-                  </p:tgtEl>
-                </p:cond>
-              </p:prevCondLst>
-              <p:nextCondLst>
-                <p:cond evt="onNext" delay="0">
-                  <p:tgtEl>
-                    <p:sldTgt/>
-                  </p:tgtEl>
-                </p:cond>
-              </p:nextCondLst>
-            </p:seq>
-          </p:childTnLst>
-        </p:cTn>
-      </p:par>
-    </p:tnLst>
-  </p:timing>
-</p:sld>
-</file>
-
-<file path=ppt/slides/slide16.xml><?xml version="1.0" encoding="utf-8"?>
-<p:sld xmlns:a="http://schemas.openxmlformats.org/drawingml/2006/main" xmlns:r="http://schemas.openxmlformats.org/officeDocument/2006/relationships" xmlns:p="http://schemas.openxmlformats.org/presentationml/2006/main">
-  <p:cSld>
-    <p:spTree>
-      <p:nvGrpSpPr>
-        <p:cNvPr id="1" name=""/>
-        <p:cNvGrpSpPr/>
-        <p:nvPr/>
-      </p:nvGrpSpPr>
-      <p:grpSpPr>
-        <a:xfrm>
-          <a:off x="0" y="0"/>
-          <a:ext cx="0" cy="0"/>
-          <a:chOff x="0" y="0"/>
-          <a:chExt cx="0" cy="0"/>
-        </a:xfrm>
-      </p:grpSpPr>
-      <p:sp>
-        <p:nvSpPr>
-          <p:cNvPr id="8" name="Content Placeholder 2">
-            <a:extLst>
-              <a:ext uri="{FF2B5EF4-FFF2-40B4-BE49-F238E27FC236}">
-                <a16:creationId xmlns:a16="http://schemas.microsoft.com/office/drawing/2014/main" id="{D22DC14F-24D7-7C41-B030-9F28DABBE5D5}"/>
-              </a:ext>
-            </a:extLst>
-          </p:cNvPr>
-          <p:cNvSpPr txBox="1">
-            <a:spLocks/>
-          </p:cNvSpPr>
-          <p:nvPr/>
-        </p:nvSpPr>
-        <p:spPr>
-          <a:xfrm>
-            <a:off x="6437379" y="1200689"/>
-            <a:ext cx="4572000" cy="4332206"/>
-          </a:xfrm>
-          <a:prstGeom prst="rect">
-            <a:avLst/>
-          </a:prstGeom>
-          <a:noFill/>
-        </p:spPr>
-        <p:txBody>
-          <a:bodyPr vert="horz" lIns="91440" tIns="45720" rIns="91440" bIns="45720" rtlCol="0">
-            <a:normAutofit/>
-          </a:bodyPr>
-          <a:lstStyle>
-            <a:lvl1pPr marL="228600" indent="-228600" algn="l" defTabSz="914400" rtl="0" eaLnBrk="1" latinLnBrk="0" hangingPunct="1">
-              <a:lnSpc>
-                <a:spcPct val="90000"/>
-              </a:lnSpc>
-              <a:spcBef>
-                <a:spcPts val="1000"/>
-              </a:spcBef>
-              <a:buFont typeface="Arial" panose="020B0604020202020204" pitchFamily="34" charset="0"/>
-              <a:buChar char="•"/>
-              <a:defRPr sz="2800" kern="1200">
-                <a:solidFill>
-                  <a:schemeClr val="tx1"/>
-                </a:solidFill>
-                <a:latin typeface="+mn-lt"/>
-                <a:ea typeface="+mn-ea"/>
-                <a:cs typeface="+mn-cs"/>
-              </a:defRPr>
-            </a:lvl1pPr>
-            <a:lvl2pPr marL="685800" indent="-228600" algn="l" defTabSz="914400" rtl="0" eaLnBrk="1" latinLnBrk="0" hangingPunct="1">
-              <a:lnSpc>
-                <a:spcPct val="90000"/>
-              </a:lnSpc>
-              <a:spcBef>
-                <a:spcPts val="500"/>
-              </a:spcBef>
-              <a:buFont typeface="Arial" panose="020B0604020202020204" pitchFamily="34" charset="0"/>
-              <a:buChar char="•"/>
-              <a:defRPr sz="2400" kern="1200">
-                <a:solidFill>
-                  <a:schemeClr val="tx1"/>
-                </a:solidFill>
-                <a:latin typeface="+mn-lt"/>
-                <a:ea typeface="+mn-ea"/>
-                <a:cs typeface="+mn-cs"/>
-              </a:defRPr>
-            </a:lvl2pPr>
-            <a:lvl3pPr marL="1143000" indent="-228600" algn="l" defTabSz="914400" rtl="0" eaLnBrk="1" latinLnBrk="0" hangingPunct="1">
-              <a:lnSpc>
-                <a:spcPct val="90000"/>
-              </a:lnSpc>
-              <a:spcBef>
-                <a:spcPts val="500"/>
-              </a:spcBef>
-              <a:buFont typeface="Arial" panose="020B0604020202020204" pitchFamily="34" charset="0"/>
-              <a:buChar char="•"/>
-              <a:defRPr sz="2000" kern="1200">
-                <a:solidFill>
-                  <a:schemeClr val="tx1"/>
-                </a:solidFill>
-                <a:latin typeface="+mn-lt"/>
-                <a:ea typeface="+mn-ea"/>
-                <a:cs typeface="+mn-cs"/>
-              </a:defRPr>
-            </a:lvl3pPr>
-            <a:lvl4pPr marL="1600200" indent="-228600" algn="l" defTabSz="914400" rtl="0" eaLnBrk="1" latinLnBrk="0" hangingPunct="1">
-              <a:lnSpc>
-                <a:spcPct val="90000"/>
-              </a:lnSpc>
-              <a:spcBef>
-                <a:spcPts val="500"/>
-              </a:spcBef>
-              <a:buFont typeface="Arial" panose="020B0604020202020204" pitchFamily="34" charset="0"/>
-              <a:buChar char="•"/>
-              <a:defRPr sz="1800" kern="1200">
-                <a:solidFill>
-                  <a:schemeClr val="tx1"/>
-                </a:solidFill>
-                <a:latin typeface="+mn-lt"/>
-                <a:ea typeface="+mn-ea"/>
-                <a:cs typeface="+mn-cs"/>
-              </a:defRPr>
-            </a:lvl4pPr>
-            <a:lvl5pPr marL="2057400" indent="-228600" algn="l" defTabSz="914400" rtl="0" eaLnBrk="1" latinLnBrk="0" hangingPunct="1">
-              <a:lnSpc>
-                <a:spcPct val="90000"/>
-              </a:lnSpc>
-              <a:spcBef>
-                <a:spcPts val="500"/>
-              </a:spcBef>
-              <a:buFont typeface="Arial" panose="020B0604020202020204" pitchFamily="34" charset="0"/>
-              <a:buChar char="•"/>
-              <a:defRPr sz="1800" kern="1200">
-                <a:solidFill>
-                  <a:schemeClr val="tx1"/>
-                </a:solidFill>
-                <a:latin typeface="+mn-lt"/>
-                <a:ea typeface="+mn-ea"/>
-                <a:cs typeface="+mn-cs"/>
-              </a:defRPr>
-            </a:lvl5pPr>
-            <a:lvl6pPr marL="2514600" indent="-228600" algn="l" defTabSz="914400" rtl="0" eaLnBrk="1" latinLnBrk="0" hangingPunct="1">
-              <a:lnSpc>
-                <a:spcPct val="90000"/>
-              </a:lnSpc>
-              <a:spcBef>
-                <a:spcPts val="500"/>
-              </a:spcBef>
-              <a:buFont typeface="Arial" panose="020B0604020202020204" pitchFamily="34" charset="0"/>
-              <a:buChar char="•"/>
-              <a:defRPr sz="1800" kern="1200">
-                <a:solidFill>
-                  <a:schemeClr val="tx1"/>
-                </a:solidFill>
-                <a:latin typeface="+mn-lt"/>
-                <a:ea typeface="+mn-ea"/>
-                <a:cs typeface="+mn-cs"/>
-              </a:defRPr>
-            </a:lvl6pPr>
-            <a:lvl7pPr marL="2971800" indent="-228600" algn="l" defTabSz="914400" rtl="0" eaLnBrk="1" latinLnBrk="0" hangingPunct="1">
-              <a:lnSpc>
-                <a:spcPct val="90000"/>
-              </a:lnSpc>
-              <a:spcBef>
-                <a:spcPts val="500"/>
-              </a:spcBef>
-              <a:buFont typeface="Arial" panose="020B0604020202020204" pitchFamily="34" charset="0"/>
-              <a:buChar char="•"/>
-              <a:defRPr sz="1800" kern="1200">
-                <a:solidFill>
-                  <a:schemeClr val="tx1"/>
-                </a:solidFill>
-                <a:latin typeface="+mn-lt"/>
-                <a:ea typeface="+mn-ea"/>
-                <a:cs typeface="+mn-cs"/>
-              </a:defRPr>
-            </a:lvl7pPr>
-            <a:lvl8pPr marL="3429000" indent="-228600" algn="l" defTabSz="914400" rtl="0" eaLnBrk="1" latinLnBrk="0" hangingPunct="1">
-              <a:lnSpc>
-                <a:spcPct val="90000"/>
-              </a:lnSpc>
-              <a:spcBef>
-                <a:spcPts val="500"/>
-              </a:spcBef>
-              <a:buFont typeface="Arial" panose="020B0604020202020204" pitchFamily="34" charset="0"/>
-              <a:buChar char="•"/>
-              <a:defRPr sz="1800" kern="1200">
-                <a:solidFill>
-                  <a:schemeClr val="tx1"/>
-                </a:solidFill>
-                <a:latin typeface="+mn-lt"/>
-                <a:ea typeface="+mn-ea"/>
-                <a:cs typeface="+mn-cs"/>
-              </a:defRPr>
-            </a:lvl8pPr>
-            <a:lvl9pPr marL="3886200" indent="-228600" algn="l" defTabSz="914400" rtl="0" eaLnBrk="1" latinLnBrk="0" hangingPunct="1">
-              <a:lnSpc>
-                <a:spcPct val="90000"/>
-              </a:lnSpc>
-              <a:spcBef>
-                <a:spcPts val="500"/>
-              </a:spcBef>
-              <a:buFont typeface="Arial" panose="020B0604020202020204" pitchFamily="34" charset="0"/>
-              <a:buChar char="•"/>
-              <a:defRPr sz="1800" kern="1200">
-                <a:solidFill>
-                  <a:schemeClr val="tx1"/>
-                </a:solidFill>
-                <a:latin typeface="+mn-lt"/>
-                <a:ea typeface="+mn-ea"/>
-                <a:cs typeface="+mn-cs"/>
-              </a:defRPr>
-            </a:lvl9pPr>
-          </a:lstStyle>
-          <a:p>
-            <a:pPr marL="0" indent="0">
-              <a:buFont typeface="Arial" panose="020B0604020202020204" pitchFamily="34" charset="0"/>
-              <a:buNone/>
-            </a:pPr>
-            <a:r>
-              <a:rPr lang="da-DK" sz="2200" strike="sngStrike" dirty="0"/>
-              <a:t>Et </a:t>
-            </a:r>
-            <a:r>
-              <a:rPr lang="da-DK" sz="2200" strike="sngStrike" dirty="0">
-                <a:highlight>
-                  <a:srgbClr val="00FF00"/>
-                </a:highlight>
-              </a:rPr>
-              <a:t>spil</a:t>
-            </a:r>
-            <a:r>
-              <a:rPr lang="da-DK" sz="2200" strike="sngStrike" dirty="0"/>
-              <a:t> </a:t>
-            </a:r>
-            <a:r>
-              <a:rPr lang="da-DK" sz="2200" u="sng" strike="sngStrike" dirty="0"/>
-              <a:t>består af</a:t>
-            </a:r>
-            <a:r>
-              <a:rPr lang="da-DK" sz="2200" strike="sngStrike" dirty="0"/>
-              <a:t> </a:t>
-            </a:r>
-            <a:r>
-              <a:rPr lang="da-DK" sz="2200" strike="sngStrike" dirty="0">
-                <a:highlight>
-                  <a:srgbClr val="00FF00"/>
-                </a:highlight>
-              </a:rPr>
-              <a:t>spillere</a:t>
-            </a:r>
-            <a:r>
-              <a:rPr lang="da-DK" sz="2200" strike="sngStrike" dirty="0"/>
-              <a:t>.</a:t>
-            </a:r>
-          </a:p>
-          <a:p>
-            <a:pPr marL="0" indent="0">
-              <a:buNone/>
-            </a:pPr>
-            <a:r>
-              <a:rPr lang="da-DK" sz="2200" strike="sngStrike" dirty="0"/>
-              <a:t>En </a:t>
-            </a:r>
-            <a:r>
-              <a:rPr lang="da-DK" sz="2200" strike="sngStrike" dirty="0">
-                <a:highlight>
-                  <a:srgbClr val="00FF00"/>
-                </a:highlight>
-              </a:rPr>
-              <a:t>spiller</a:t>
-            </a:r>
-            <a:r>
-              <a:rPr lang="da-DK" sz="2200" strike="sngStrike" dirty="0"/>
-              <a:t> </a:t>
-            </a:r>
-            <a:r>
-              <a:rPr lang="da-DK" sz="2200" u="sng" strike="sngStrike" dirty="0"/>
-              <a:t>har en</a:t>
-            </a:r>
-            <a:r>
-              <a:rPr lang="da-DK" sz="2200" strike="sngStrike" dirty="0"/>
-              <a:t> </a:t>
-            </a:r>
-            <a:r>
-              <a:rPr lang="da-DK" sz="2200" strike="sngStrike" dirty="0">
-                <a:highlight>
-                  <a:srgbClr val="00FF00"/>
-                </a:highlight>
-              </a:rPr>
-              <a:t>modstander</a:t>
-            </a:r>
-            <a:r>
-              <a:rPr lang="da-DK" sz="2200" strike="sngStrike" dirty="0"/>
-              <a:t>.</a:t>
-            </a:r>
-          </a:p>
-          <a:p>
-            <a:pPr marL="0" indent="0">
-              <a:buNone/>
-            </a:pPr>
-            <a:r>
-              <a:rPr lang="da-DK" sz="2200" dirty="0"/>
-              <a:t>En </a:t>
-            </a:r>
-            <a:r>
-              <a:rPr lang="da-DK" sz="2200" dirty="0">
-                <a:highlight>
-                  <a:srgbClr val="00FF00"/>
-                </a:highlight>
-              </a:rPr>
-              <a:t>spiller</a:t>
-            </a:r>
-            <a:r>
-              <a:rPr lang="da-DK" sz="2200" dirty="0"/>
-              <a:t> </a:t>
-            </a:r>
-            <a:r>
-              <a:rPr lang="da-DK" sz="2200" u="sng" dirty="0"/>
-              <a:t>har</a:t>
-            </a:r>
-            <a:r>
-              <a:rPr lang="da-DK" sz="2200" dirty="0"/>
-              <a:t> </a:t>
-            </a:r>
-            <a:r>
-              <a:rPr lang="da-DK" sz="2200" dirty="0">
-                <a:highlight>
-                  <a:srgbClr val="00FF00"/>
-                </a:highlight>
-              </a:rPr>
-              <a:t>skibe.</a:t>
-            </a:r>
-            <a:endParaRPr lang="da-DK" sz="2200" dirty="0"/>
-          </a:p>
-          <a:p>
-            <a:pPr marL="0" indent="0">
-              <a:buFont typeface="Arial" panose="020B0604020202020204" pitchFamily="34" charset="0"/>
-              <a:buNone/>
-            </a:pPr>
-            <a:r>
-              <a:rPr lang="da-DK" sz="2200" strike="sngStrike" dirty="0"/>
-              <a:t>En </a:t>
-            </a:r>
-            <a:r>
-              <a:rPr lang="da-DK" sz="2200" strike="sngStrike" dirty="0">
-                <a:highlight>
-                  <a:srgbClr val="00FF00"/>
-                </a:highlight>
-              </a:rPr>
-              <a:t>spiller</a:t>
-            </a:r>
-            <a:r>
-              <a:rPr lang="da-DK" sz="2200" strike="sngStrike" dirty="0"/>
-              <a:t> </a:t>
-            </a:r>
-            <a:r>
-              <a:rPr lang="da-DK" sz="2200" u="sng" strike="sngStrike" dirty="0"/>
-              <a:t>har</a:t>
-            </a:r>
-            <a:r>
-              <a:rPr lang="da-DK" sz="2200" strike="sngStrike" dirty="0"/>
-              <a:t> </a:t>
-            </a:r>
-            <a:r>
-              <a:rPr lang="da-DK" sz="2200" strike="sngStrike" dirty="0">
-                <a:highlight>
-                  <a:srgbClr val="00FF00"/>
-                </a:highlight>
-              </a:rPr>
-              <a:t>plader</a:t>
-            </a:r>
-            <a:r>
-              <a:rPr lang="da-DK" sz="2200" strike="sngStrike" dirty="0"/>
-              <a:t>.</a:t>
-            </a:r>
-          </a:p>
-          <a:p>
-            <a:pPr marL="0" indent="0">
-              <a:buFont typeface="Arial" panose="020B0604020202020204" pitchFamily="34" charset="0"/>
-              <a:buNone/>
-            </a:pPr>
-            <a:r>
-              <a:rPr lang="da-DK" sz="2200" strike="sngStrike" dirty="0"/>
-              <a:t>En </a:t>
-            </a:r>
-            <a:r>
-              <a:rPr lang="da-DK" sz="2200" strike="sngStrike" dirty="0">
-                <a:highlight>
-                  <a:srgbClr val="00FF00"/>
-                </a:highlight>
-              </a:rPr>
-              <a:t>plade</a:t>
-            </a:r>
-            <a:r>
-              <a:rPr lang="da-DK" sz="2200" strike="sngStrike" dirty="0"/>
-              <a:t> </a:t>
-            </a:r>
-            <a:r>
-              <a:rPr lang="da-DK" sz="2200" u="sng" strike="sngStrike" dirty="0"/>
-              <a:t>består af</a:t>
-            </a:r>
-            <a:r>
-              <a:rPr lang="da-DK" sz="2200" strike="sngStrike" dirty="0"/>
-              <a:t> </a:t>
-            </a:r>
-            <a:r>
-              <a:rPr lang="da-DK" sz="2200" strike="sngStrike" dirty="0">
-                <a:highlight>
-                  <a:srgbClr val="00FF00"/>
-                </a:highlight>
-              </a:rPr>
-              <a:t>felter</a:t>
-            </a:r>
-            <a:r>
-              <a:rPr lang="da-DK" sz="2200" strike="sngStrike" dirty="0"/>
-              <a:t>.</a:t>
-            </a:r>
-          </a:p>
-          <a:p>
-            <a:pPr marL="0" indent="0">
-              <a:buFont typeface="Arial" panose="020B0604020202020204" pitchFamily="34" charset="0"/>
-              <a:buNone/>
-            </a:pPr>
-            <a:r>
-              <a:rPr lang="da-DK" sz="2200" strike="sngStrike" dirty="0"/>
-              <a:t>Et </a:t>
-            </a:r>
-            <a:r>
-              <a:rPr lang="da-DK" sz="2200" strike="sngStrike" dirty="0">
-                <a:highlight>
-                  <a:srgbClr val="00FF00"/>
-                </a:highlight>
-              </a:rPr>
-              <a:t>felt</a:t>
-            </a:r>
-            <a:r>
-              <a:rPr lang="da-DK" sz="2200" strike="sngStrike" dirty="0"/>
-              <a:t> </a:t>
-            </a:r>
-            <a:r>
-              <a:rPr lang="da-DK" sz="2200" u="sng" strike="sngStrike" dirty="0"/>
-              <a:t>har et</a:t>
-            </a:r>
-            <a:r>
-              <a:rPr lang="da-DK" sz="2200" strike="sngStrike" dirty="0"/>
-              <a:t> </a:t>
-            </a:r>
-            <a:r>
-              <a:rPr lang="da-DK" sz="2200" strike="sngStrike" dirty="0">
-                <a:highlight>
-                  <a:srgbClr val="00FF00"/>
-                </a:highlight>
-              </a:rPr>
-              <a:t>koordinat</a:t>
-            </a:r>
-            <a:r>
-              <a:rPr lang="da-DK" sz="2200" strike="sngStrike" dirty="0"/>
-              <a:t>.</a:t>
-            </a:r>
-          </a:p>
-          <a:p>
-            <a:pPr marL="0" indent="0">
-              <a:buFont typeface="Arial" panose="020B0604020202020204" pitchFamily="34" charset="0"/>
-              <a:buNone/>
-            </a:pPr>
-            <a:r>
-              <a:rPr lang="da-DK" sz="2200" dirty="0"/>
-              <a:t>En </a:t>
-            </a:r>
-            <a:r>
-              <a:rPr lang="da-DK" sz="2200" dirty="0">
-                <a:highlight>
-                  <a:srgbClr val="00FF00"/>
-                </a:highlight>
-              </a:rPr>
-              <a:t>spiller</a:t>
-            </a:r>
-            <a:r>
-              <a:rPr lang="da-DK" sz="2200" dirty="0"/>
-              <a:t> </a:t>
-            </a:r>
-            <a:r>
-              <a:rPr lang="da-DK" sz="2200" u="sng" dirty="0"/>
-              <a:t>kan vinde</a:t>
-            </a:r>
-            <a:r>
-              <a:rPr lang="da-DK" sz="2200" dirty="0"/>
-              <a:t>.</a:t>
-            </a:r>
-            <a:endParaRPr lang="da-DK" sz="2200" dirty="0">
-              <a:highlight>
-                <a:srgbClr val="00FF00"/>
-              </a:highlight>
-            </a:endParaRPr>
-          </a:p>
-          <a:p>
-            <a:pPr marL="0" indent="0">
-              <a:buNone/>
-            </a:pPr>
-            <a:r>
-              <a:rPr lang="da-DK" sz="2200" dirty="0"/>
-              <a:t>En </a:t>
-            </a:r>
-            <a:r>
-              <a:rPr lang="da-DK" sz="2200" dirty="0">
-                <a:highlight>
-                  <a:srgbClr val="00FF00"/>
-                </a:highlight>
-              </a:rPr>
-              <a:t>spiller</a:t>
-            </a:r>
-            <a:r>
-              <a:rPr lang="da-DK" sz="2200" dirty="0"/>
-              <a:t> </a:t>
-            </a:r>
-            <a:r>
-              <a:rPr lang="da-DK" sz="2200" u="sng" dirty="0"/>
-              <a:t>skyder på</a:t>
-            </a:r>
-            <a:r>
-              <a:rPr lang="da-DK" sz="2200" dirty="0"/>
-              <a:t> en </a:t>
-            </a:r>
-            <a:r>
-              <a:rPr lang="da-DK" sz="2200" dirty="0">
-                <a:highlight>
-                  <a:srgbClr val="00FF00"/>
-                </a:highlight>
-              </a:rPr>
-              <a:t>modstander.</a:t>
-            </a:r>
-          </a:p>
-          <a:p>
-            <a:pPr marL="0" indent="0">
-              <a:buNone/>
-            </a:pPr>
-            <a:r>
-              <a:rPr lang="da-DK" sz="2200" dirty="0"/>
-              <a:t>En </a:t>
-            </a:r>
-            <a:r>
-              <a:rPr lang="da-DK" sz="2200" dirty="0">
-                <a:highlight>
-                  <a:srgbClr val="00FF00"/>
-                </a:highlight>
-              </a:rPr>
-              <a:t>spiller</a:t>
-            </a:r>
-            <a:r>
-              <a:rPr lang="da-DK" sz="2200" dirty="0"/>
-              <a:t> </a:t>
-            </a:r>
-            <a:r>
-              <a:rPr lang="da-DK" sz="2200" u="sng" dirty="0"/>
-              <a:t>markerer skud</a:t>
-            </a:r>
-            <a:r>
-              <a:rPr lang="da-DK" sz="2200" dirty="0"/>
-              <a:t> på en </a:t>
-            </a:r>
-            <a:r>
-              <a:rPr lang="da-DK" sz="2200" dirty="0">
-                <a:highlight>
-                  <a:srgbClr val="00FF00"/>
-                </a:highlight>
-              </a:rPr>
-              <a:t>plade.</a:t>
-            </a:r>
-          </a:p>
-          <a:p>
-            <a:pPr marL="0" indent="0">
-              <a:buNone/>
-            </a:pPr>
-            <a:r>
-              <a:rPr lang="da-DK" sz="2200" dirty="0"/>
-              <a:t>Et </a:t>
-            </a:r>
-            <a:r>
-              <a:rPr lang="da-DK" sz="2200" dirty="0">
-                <a:highlight>
-                  <a:srgbClr val="00FF00"/>
-                </a:highlight>
-              </a:rPr>
-              <a:t>skib</a:t>
-            </a:r>
-            <a:r>
-              <a:rPr lang="da-DK" sz="2200" dirty="0"/>
-              <a:t> </a:t>
-            </a:r>
-            <a:r>
-              <a:rPr lang="da-DK" sz="2200" u="sng" dirty="0"/>
-              <a:t>kan blive</a:t>
-            </a:r>
-            <a:r>
-              <a:rPr lang="da-DK" sz="2200" dirty="0"/>
-              <a:t> ramt.</a:t>
-            </a:r>
-          </a:p>
-        </p:txBody>
-      </p:sp>
-      <p:sp>
-        <p:nvSpPr>
-          <p:cNvPr id="10" name="Title 1">
-            <a:extLst>
-              <a:ext uri="{FF2B5EF4-FFF2-40B4-BE49-F238E27FC236}">
-                <a16:creationId xmlns:a16="http://schemas.microsoft.com/office/drawing/2014/main" id="{72189D8D-41DA-A245-9274-044B7351B482}"/>
-              </a:ext>
-            </a:extLst>
-          </p:cNvPr>
-          <p:cNvSpPr txBox="1">
-            <a:spLocks/>
-          </p:cNvSpPr>
-          <p:nvPr/>
-        </p:nvSpPr>
-        <p:spPr>
-          <a:xfrm>
-            <a:off x="89649" y="32523"/>
-            <a:ext cx="5664974" cy="1084122"/>
-          </a:xfrm>
-          <a:prstGeom prst="rect">
-            <a:avLst/>
-          </a:prstGeom>
-        </p:spPr>
-        <p:txBody>
-          <a:bodyPr vert="horz" lIns="91440" tIns="45720" rIns="91440" bIns="45720" rtlCol="0" anchor="ctr">
-            <a:normAutofit/>
-          </a:bodyPr>
-          <a:lstStyle>
-            <a:lvl1pPr algn="l" defTabSz="914400" rtl="0" eaLnBrk="1" latinLnBrk="0" hangingPunct="1">
-              <a:lnSpc>
-                <a:spcPct val="90000"/>
-              </a:lnSpc>
-              <a:spcBef>
-                <a:spcPct val="0"/>
-              </a:spcBef>
-              <a:buNone/>
-              <a:defRPr sz="4400" kern="1200">
-                <a:solidFill>
-                  <a:schemeClr val="tx1"/>
-                </a:solidFill>
-                <a:latin typeface="+mj-lt"/>
-                <a:ea typeface="+mj-ea"/>
-                <a:cs typeface="+mj-cs"/>
-              </a:defRPr>
-            </a:lvl1pPr>
-          </a:lstStyle>
-          <a:p>
-            <a:r>
-              <a:rPr lang="da-DK"/>
-              <a:t>Sænke slagskibe</a:t>
-            </a:r>
-            <a:endParaRPr lang="da-DK" dirty="0"/>
-          </a:p>
-        </p:txBody>
-      </p:sp>
-      <p:sp>
-        <p:nvSpPr>
-          <p:cNvPr id="5" name="TextBox 4">
-            <a:extLst>
-              <a:ext uri="{FF2B5EF4-FFF2-40B4-BE49-F238E27FC236}">
-                <a16:creationId xmlns:a16="http://schemas.microsoft.com/office/drawing/2014/main" id="{CFBA1787-8BB3-A945-B6A0-E806E19F169A}"/>
-              </a:ext>
-            </a:extLst>
-          </p:cNvPr>
-          <p:cNvSpPr txBox="1"/>
-          <p:nvPr/>
-        </p:nvSpPr>
-        <p:spPr>
-          <a:xfrm>
-            <a:off x="6195390" y="5965235"/>
-            <a:ext cx="5508944" cy="430887"/>
-          </a:xfrm>
-          <a:prstGeom prst="rect">
-            <a:avLst/>
-          </a:prstGeom>
-          <a:noFill/>
-          <a:ln w="63500">
-            <a:solidFill>
-              <a:schemeClr val="accent2"/>
-            </a:solidFill>
-          </a:ln>
-        </p:spPr>
-        <p:txBody>
-          <a:bodyPr wrap="none" rtlCol="0">
-            <a:spAutoFit/>
-          </a:bodyPr>
-          <a:lstStyle/>
-          <a:p>
-            <a:r>
-              <a:rPr lang="en-GB" sz="2200" dirty="0" err="1"/>
-              <a:t>Opgaven</a:t>
-            </a:r>
-            <a:r>
-              <a:rPr lang="en-GB" sz="2200" dirty="0"/>
-              <a:t> </a:t>
-            </a:r>
-            <a:r>
-              <a:rPr lang="en-GB" sz="2200" dirty="0" err="1"/>
-              <a:t>er</a:t>
-            </a:r>
-            <a:r>
-              <a:rPr lang="en-GB" sz="2200" dirty="0"/>
-              <a:t> </a:t>
-            </a:r>
-            <a:r>
-              <a:rPr lang="en-GB" sz="2200" dirty="0" err="1"/>
-              <a:t>ikke</a:t>
-            </a:r>
-            <a:r>
-              <a:rPr lang="en-GB" sz="2200" dirty="0"/>
-              <a:t> </a:t>
-            </a:r>
-            <a:r>
-              <a:rPr lang="en-GB" sz="2200" dirty="0" err="1"/>
-              <a:t>fuldt</a:t>
-            </a:r>
-            <a:r>
-              <a:rPr lang="en-GB" sz="2200" dirty="0"/>
-              <a:t> </a:t>
-            </a:r>
-            <a:r>
-              <a:rPr lang="en-GB" sz="2200" dirty="0" err="1"/>
-              <a:t>specificeret</a:t>
-            </a:r>
-            <a:r>
-              <a:rPr lang="en-GB" sz="2200" dirty="0"/>
-              <a:t>, </a:t>
-            </a:r>
-            <a:r>
-              <a:rPr lang="en-GB" sz="2200" dirty="0" err="1"/>
-              <a:t>hvad</a:t>
-            </a:r>
-            <a:r>
-              <a:rPr lang="en-GB" sz="2200" dirty="0"/>
-              <a:t> </a:t>
-            </a:r>
-            <a:r>
-              <a:rPr lang="en-GB" sz="2200" dirty="0" err="1"/>
-              <a:t>gør</a:t>
-            </a:r>
-            <a:r>
-              <a:rPr lang="en-GB" sz="2200" dirty="0"/>
-              <a:t> vi?</a:t>
-            </a:r>
-          </a:p>
-        </p:txBody>
-      </p:sp>
-      <p:pic>
-        <p:nvPicPr>
-          <p:cNvPr id="11" name="Picture 10">
-            <a:extLst>
-              <a:ext uri="{FF2B5EF4-FFF2-40B4-BE49-F238E27FC236}">
-                <a16:creationId xmlns:a16="http://schemas.microsoft.com/office/drawing/2014/main" id="{8E56600A-1302-ED47-AB0F-FEA6E043F3D7}"/>
-              </a:ext>
-            </a:extLst>
-          </p:cNvPr>
-          <p:cNvPicPr>
-            <a:picLocks noChangeAspect="1"/>
-          </p:cNvPicPr>
-          <p:nvPr/>
-        </p:nvPicPr>
-        <p:blipFill>
-          <a:blip r:embed="rId2"/>
-          <a:stretch>
-            <a:fillRect/>
-          </a:stretch>
-        </p:blipFill>
-        <p:spPr>
-          <a:xfrm>
-            <a:off x="527454" y="1200689"/>
-            <a:ext cx="4965258" cy="5319920"/>
-          </a:xfrm>
-          <a:prstGeom prst="rect">
-            <a:avLst/>
-          </a:prstGeom>
-          <a:ln>
-            <a:solidFill>
-              <a:schemeClr val="tx1"/>
-            </a:solidFill>
-          </a:ln>
-        </p:spPr>
-      </p:pic>
-    </p:spTree>
-    <p:extLst>
-      <p:ext uri="{BB962C8B-B14F-4D97-AF65-F5344CB8AC3E}">
-        <p14:creationId xmlns:p14="http://schemas.microsoft.com/office/powerpoint/2010/main" val="2330896780"/>
-      </p:ext>
-    </p:extLst>
-  </p:cSld>
-  <p:clrMapOvr>
-    <a:masterClrMapping/>
-  </p:clrMapOvr>
-  <p:timing>
-    <p:tnLst>
-      <p:par>
-        <p:cTn id="1" dur="indefinite" restart="never" nodeType="tmRoot">
-          <p:childTnLst>
-            <p:seq concurrent="1" nextAc="seek">
-              <p:cTn id="2" dur="indefinite" nodeType="mainSeq">
-                <p:childTnLst>
-                  <p:par>
-                    <p:cTn id="3" fill="hold">
-                      <p:stCondLst>
-                        <p:cond delay="indefinite"/>
-                      </p:stCondLst>
-                      <p:childTnLst>
-                        <p:par>
-                          <p:cTn id="4" fill="hold">
-                            <p:stCondLst>
-                              <p:cond delay="0"/>
-                            </p:stCondLst>
-                            <p:childTnLst>
-                              <p:par>
-                                <p:cTn id="5" presetID="1" presetClass="entr" presetSubtype="0" fill="hold" grpId="0" nodeType="clickEffect">
-                                  <p:stCondLst>
-                                    <p:cond delay="0"/>
-                                  </p:stCondLst>
-                                  <p:childTnLst>
-                                    <p:set>
-                                      <p:cBhvr>
-                                        <p:cTn id="6" dur="1" fill="hold">
-                                          <p:stCondLst>
-                                            <p:cond delay="0"/>
-                                          </p:stCondLst>
-                                        </p:cTn>
-                                        <p:tgtEl>
-                                          <p:spTgt spid="5"/>
-                                        </p:tgtEl>
-                                        <p:attrNameLst>
-                                          <p:attrName>style.visibility</p:attrName>
-                                        </p:attrNameLst>
-                                      </p:cBhvr>
-                                      <p:to>
-                                        <p:strVal val="visible"/>
-                                      </p:to>
-                                    </p:set>
-                                  </p:childTnLst>
-                                </p:cTn>
-                              </p:par>
-                            </p:childTnLst>
-                          </p:cTn>
-                        </p:par>
-                      </p:childTnLst>
-                    </p:cTn>
-                  </p:par>
-                </p:childTnLst>
-              </p:cTn>
-              <p:prevCondLst>
-                <p:cond evt="onPrev" delay="0">
-                  <p:tgtEl>
-                    <p:sldTgt/>
-                  </p:tgtEl>
-                </p:cond>
-              </p:prevCondLst>
-              <p:nextCondLst>
-                <p:cond evt="onNext" delay="0">
-                  <p:tgtEl>
-                    <p:sldTgt/>
-                  </p:tgtEl>
-                </p:cond>
-              </p:nextCondLst>
-            </p:seq>
-          </p:childTnLst>
-        </p:cTn>
-      </p:par>
-    </p:tnLst>
-    <p:bldLst>
-      <p:bldP spid="5" grpId="0" animBg="1"/>
-    </p:bldLst>
-  </p:timing>
-</p:sld>
-</file>
-
-<file path=ppt/slides/slide17.xml><?xml version="1.0" encoding="utf-8"?>
-<p:sld xmlns:a="http://schemas.openxmlformats.org/drawingml/2006/main" xmlns:r="http://schemas.openxmlformats.org/officeDocument/2006/relationships" xmlns:p="http://schemas.openxmlformats.org/presentationml/2006/main">
-  <p:cSld>
-    <p:spTree>
-      <p:nvGrpSpPr>
-        <p:cNvPr id="1" name=""/>
-        <p:cNvGrpSpPr/>
-        <p:nvPr/>
-      </p:nvGrpSpPr>
-      <p:grpSpPr>
-        <a:xfrm>
-          <a:off x="0" y="0"/>
-          <a:ext cx="0" cy="0"/>
-          <a:chOff x="0" y="0"/>
-          <a:chExt cx="0" cy="0"/>
-        </a:xfrm>
-      </p:grpSpPr>
-      <p:sp>
-        <p:nvSpPr>
-          <p:cNvPr id="8" name="Title 1">
-            <a:extLst>
-              <a:ext uri="{FF2B5EF4-FFF2-40B4-BE49-F238E27FC236}">
-                <a16:creationId xmlns:a16="http://schemas.microsoft.com/office/drawing/2014/main" id="{9BC41EBE-0CFC-BB44-ABFD-042EF58D24BB}"/>
-              </a:ext>
-            </a:extLst>
-          </p:cNvPr>
-          <p:cNvSpPr txBox="1">
-            <a:spLocks/>
-          </p:cNvSpPr>
-          <p:nvPr/>
-        </p:nvSpPr>
-        <p:spPr>
-          <a:xfrm>
-            <a:off x="89649" y="32523"/>
-            <a:ext cx="5664974" cy="1084122"/>
-          </a:xfrm>
-          <a:prstGeom prst="rect">
-            <a:avLst/>
-          </a:prstGeom>
-        </p:spPr>
-        <p:txBody>
-          <a:bodyPr vert="horz" lIns="91440" tIns="45720" rIns="91440" bIns="45720" rtlCol="0" anchor="ctr">
-            <a:normAutofit/>
-          </a:bodyPr>
-          <a:lstStyle>
-            <a:lvl1pPr algn="l" defTabSz="914400" rtl="0" eaLnBrk="1" latinLnBrk="0" hangingPunct="1">
-              <a:lnSpc>
-                <a:spcPct val="90000"/>
-              </a:lnSpc>
-              <a:spcBef>
-                <a:spcPct val="0"/>
-              </a:spcBef>
-              <a:buNone/>
-              <a:defRPr sz="4400" kern="1200">
-                <a:solidFill>
-                  <a:schemeClr val="tx1"/>
-                </a:solidFill>
-                <a:latin typeface="+mj-lt"/>
-                <a:ea typeface="+mj-ea"/>
-                <a:cs typeface="+mj-cs"/>
-              </a:defRPr>
-            </a:lvl1pPr>
-          </a:lstStyle>
-          <a:p>
-            <a:r>
-              <a:rPr lang="da-DK"/>
-              <a:t>Sænke slagskibe</a:t>
-            </a:r>
-            <a:endParaRPr lang="da-DK" dirty="0"/>
-          </a:p>
-        </p:txBody>
-      </p:sp>
-      <p:sp>
-        <p:nvSpPr>
-          <p:cNvPr id="14" name="TextBox 13">
-            <a:extLst>
-              <a:ext uri="{FF2B5EF4-FFF2-40B4-BE49-F238E27FC236}">
-                <a16:creationId xmlns:a16="http://schemas.microsoft.com/office/drawing/2014/main" id="{90140142-25C2-2F4D-B1AD-4719F86C375F}"/>
-              </a:ext>
-            </a:extLst>
-          </p:cNvPr>
-          <p:cNvSpPr txBox="1"/>
-          <p:nvPr/>
-        </p:nvSpPr>
-        <p:spPr>
-          <a:xfrm>
-            <a:off x="245677" y="1460621"/>
-            <a:ext cx="5508944" cy="1107996"/>
-          </a:xfrm>
-          <a:prstGeom prst="rect">
-            <a:avLst/>
-          </a:prstGeom>
-          <a:noFill/>
-          <a:ln w="63500">
-            <a:solidFill>
-              <a:schemeClr val="accent2"/>
-            </a:solidFill>
-          </a:ln>
-        </p:spPr>
-        <p:txBody>
-          <a:bodyPr wrap="square" rtlCol="0">
-            <a:spAutoFit/>
-          </a:bodyPr>
-          <a:lstStyle/>
-          <a:p>
-            <a:pPr marL="342900" indent="-342900">
-              <a:buFont typeface="Arial" panose="020B0604020202020204" pitchFamily="34" charset="0"/>
-              <a:buChar char="•"/>
-            </a:pPr>
-            <a:r>
-              <a:rPr lang="en-GB" sz="2200" dirty="0" err="1"/>
-              <a:t>Identificer</a:t>
-            </a:r>
-            <a:r>
-              <a:rPr lang="en-GB" sz="2200" dirty="0"/>
-              <a:t> </a:t>
-            </a:r>
-            <a:r>
-              <a:rPr lang="en-GB" sz="2200" dirty="0" err="1"/>
-              <a:t>uklare</a:t>
-            </a:r>
-            <a:r>
-              <a:rPr lang="en-GB" sz="2200" dirty="0"/>
-              <a:t> </a:t>
-            </a:r>
-            <a:r>
-              <a:rPr lang="en-GB" sz="2200" dirty="0" err="1"/>
-              <a:t>eller</a:t>
-            </a:r>
-            <a:r>
-              <a:rPr lang="en-GB" sz="2200" dirty="0"/>
-              <a:t> </a:t>
-            </a:r>
-            <a:r>
-              <a:rPr lang="en-GB" sz="2200" dirty="0" err="1"/>
-              <a:t>løse</a:t>
-            </a:r>
-            <a:r>
-              <a:rPr lang="en-GB" sz="2200" dirty="0"/>
-              <a:t> </a:t>
-            </a:r>
-            <a:r>
-              <a:rPr lang="en-GB" sz="2200" dirty="0" err="1"/>
-              <a:t>specifikationer</a:t>
-            </a:r>
-            <a:endParaRPr lang="en-GB" sz="2200" dirty="0"/>
-          </a:p>
-          <a:p>
-            <a:pPr marL="342900" indent="-342900">
-              <a:buFont typeface="Arial" panose="020B0604020202020204" pitchFamily="34" charset="0"/>
-              <a:buChar char="•"/>
-            </a:pPr>
-            <a:r>
-              <a:rPr lang="en-GB" sz="2200" dirty="0" err="1"/>
-              <a:t>Beskriv</a:t>
-            </a:r>
-            <a:r>
-              <a:rPr lang="en-GB" sz="2200" dirty="0"/>
-              <a:t> </a:t>
-            </a:r>
-            <a:r>
-              <a:rPr lang="en-GB" sz="2200" dirty="0" err="1"/>
-              <a:t>mulige</a:t>
-            </a:r>
-            <a:r>
-              <a:rPr lang="en-GB" sz="2200" dirty="0"/>
-              <a:t> </a:t>
-            </a:r>
-            <a:r>
-              <a:rPr lang="en-GB" sz="2200" dirty="0" err="1"/>
-              <a:t>løsninger</a:t>
-            </a:r>
-            <a:endParaRPr lang="en-GB" sz="2200" dirty="0"/>
-          </a:p>
-          <a:p>
-            <a:pPr marL="342900" indent="-342900">
-              <a:buFont typeface="Arial" panose="020B0604020202020204" pitchFamily="34" charset="0"/>
-              <a:buChar char="•"/>
-            </a:pPr>
-            <a:r>
-              <a:rPr lang="en-GB" sz="2200" dirty="0" err="1"/>
-              <a:t>Vælg</a:t>
-            </a:r>
-            <a:r>
-              <a:rPr lang="en-GB" sz="2200" dirty="0"/>
-              <a:t> </a:t>
-            </a:r>
-            <a:r>
-              <a:rPr lang="en-GB" sz="2200" dirty="0" err="1"/>
-              <a:t>og</a:t>
-            </a:r>
-            <a:r>
-              <a:rPr lang="en-GB" sz="2200" dirty="0"/>
-              <a:t> </a:t>
-            </a:r>
-            <a:r>
-              <a:rPr lang="en-GB" sz="2200" dirty="0" err="1"/>
-              <a:t>argumentér</a:t>
-            </a:r>
-            <a:endParaRPr lang="en-GB" sz="2200" dirty="0"/>
-          </a:p>
-        </p:txBody>
-      </p:sp>
-      <p:sp>
-        <p:nvSpPr>
-          <p:cNvPr id="15" name="TextBox 14">
-            <a:extLst>
-              <a:ext uri="{FF2B5EF4-FFF2-40B4-BE49-F238E27FC236}">
-                <a16:creationId xmlns:a16="http://schemas.microsoft.com/office/drawing/2014/main" id="{DE138CF0-103B-0446-A8F8-D0C2147732E7}"/>
-              </a:ext>
-            </a:extLst>
-          </p:cNvPr>
-          <p:cNvSpPr txBox="1"/>
-          <p:nvPr/>
-        </p:nvSpPr>
-        <p:spPr>
-          <a:xfrm>
-            <a:off x="245678" y="2796156"/>
-            <a:ext cx="5508943" cy="3477875"/>
-          </a:xfrm>
-          <a:prstGeom prst="rect">
-            <a:avLst/>
-          </a:prstGeom>
-          <a:noFill/>
-          <a:ln>
-            <a:solidFill>
-              <a:schemeClr val="tx1"/>
-            </a:solidFill>
-          </a:ln>
-        </p:spPr>
-        <p:txBody>
-          <a:bodyPr wrap="square" rtlCol="0">
-            <a:spAutoFit/>
-          </a:bodyPr>
-          <a:lstStyle/>
-          <a:p>
-            <a:r>
-              <a:rPr lang="en-GB" sz="2200" dirty="0" err="1"/>
-              <a:t>F.eks</a:t>
-            </a:r>
-            <a:r>
-              <a:rPr lang="en-GB" sz="2200" dirty="0"/>
-              <a:t>.:</a:t>
-            </a:r>
-          </a:p>
-          <a:p>
-            <a:pPr marL="285750" indent="-285750">
-              <a:buFont typeface="Arial" panose="020B0604020202020204" pitchFamily="34" charset="0"/>
-              <a:buChar char="•"/>
-            </a:pPr>
-            <a:r>
-              <a:rPr lang="en-GB" sz="2200" dirty="0" err="1"/>
-              <a:t>Opgaven</a:t>
-            </a:r>
-            <a:r>
-              <a:rPr lang="en-GB" sz="2200" dirty="0"/>
-              <a:t> </a:t>
-            </a:r>
-            <a:r>
-              <a:rPr lang="en-GB" sz="2200" dirty="0" err="1"/>
-              <a:t>specificerer</a:t>
-            </a:r>
-            <a:r>
-              <a:rPr lang="en-GB" sz="2200" dirty="0"/>
-              <a:t> </a:t>
-            </a:r>
-            <a:r>
-              <a:rPr lang="en-GB" sz="2200" dirty="0" err="1"/>
-              <a:t>ikke</a:t>
-            </a:r>
-            <a:r>
-              <a:rPr lang="en-GB" sz="2200" dirty="0"/>
-              <a:t>, </a:t>
-            </a:r>
-            <a:r>
-              <a:rPr lang="en-GB" sz="2200" dirty="0" err="1"/>
-              <a:t>hvor</a:t>
-            </a:r>
-            <a:r>
-              <a:rPr lang="en-GB" sz="2200" dirty="0"/>
-              <a:t> mange </a:t>
-            </a:r>
-            <a:r>
-              <a:rPr lang="en-GB" sz="2200" dirty="0" err="1"/>
-              <a:t>skibe</a:t>
-            </a:r>
-            <a:r>
-              <a:rPr lang="en-GB" sz="2200" dirty="0"/>
-              <a:t>, der </a:t>
-            </a:r>
-            <a:r>
-              <a:rPr lang="en-GB" sz="2200" dirty="0" err="1"/>
-              <a:t>skal</a:t>
-            </a:r>
-            <a:r>
-              <a:rPr lang="en-GB" sz="2200" dirty="0"/>
-              <a:t> </a:t>
-            </a:r>
-            <a:r>
-              <a:rPr lang="en-GB" sz="2200" dirty="0" err="1"/>
-              <a:t>være</a:t>
-            </a:r>
-            <a:r>
-              <a:rPr lang="en-GB" sz="2200" dirty="0"/>
-              <a:t> </a:t>
-            </a:r>
-            <a:r>
-              <a:rPr lang="en-GB" sz="2200" dirty="0" err="1"/>
-              <a:t>i</a:t>
-            </a:r>
-            <a:r>
-              <a:rPr lang="en-GB" sz="2200" dirty="0"/>
-              <a:t> </a:t>
-            </a:r>
-            <a:r>
-              <a:rPr lang="en-GB" sz="2200" dirty="0" err="1"/>
-              <a:t>spillet</a:t>
-            </a:r>
-            <a:r>
-              <a:rPr lang="en-GB" sz="2200" dirty="0"/>
-              <a:t>, </a:t>
-            </a:r>
-            <a:r>
-              <a:rPr lang="en-GB" sz="2200" dirty="0" err="1"/>
-              <a:t>ej</a:t>
-            </a:r>
-            <a:r>
-              <a:rPr lang="en-GB" sz="2200" dirty="0"/>
-              <a:t> </a:t>
-            </a:r>
-            <a:r>
-              <a:rPr lang="en-GB" sz="2200" dirty="0" err="1"/>
-              <a:t>heller</a:t>
-            </a:r>
-            <a:r>
-              <a:rPr lang="en-GB" sz="2200" dirty="0"/>
-              <a:t> </a:t>
-            </a:r>
-            <a:r>
-              <a:rPr lang="en-GB" sz="2200" dirty="0" err="1"/>
-              <a:t>hvilken</a:t>
-            </a:r>
-            <a:r>
-              <a:rPr lang="en-GB" sz="2200" dirty="0"/>
-              <a:t> form de </a:t>
-            </a:r>
-            <a:r>
-              <a:rPr lang="en-GB" sz="2200" dirty="0" err="1"/>
-              <a:t>skal</a:t>
-            </a:r>
-            <a:r>
-              <a:rPr lang="en-GB" sz="2200" dirty="0"/>
-              <a:t> have.</a:t>
-            </a:r>
-          </a:p>
-          <a:p>
-            <a:pPr marL="285750" indent="-285750">
-              <a:buFont typeface="Arial" panose="020B0604020202020204" pitchFamily="34" charset="0"/>
-              <a:buChar char="•"/>
-            </a:pPr>
-            <a:r>
-              <a:rPr lang="en-GB" sz="2200" dirty="0" err="1"/>
-              <a:t>Typiske</a:t>
-            </a:r>
-            <a:r>
-              <a:rPr lang="en-GB" sz="2200" dirty="0"/>
-              <a:t> </a:t>
-            </a:r>
-            <a:r>
-              <a:rPr lang="en-GB" sz="2200" dirty="0" err="1"/>
-              <a:t>spil</a:t>
-            </a:r>
-            <a:r>
-              <a:rPr lang="en-GB" sz="2200" dirty="0"/>
-              <a:t> har 4-5 </a:t>
-            </a:r>
-            <a:r>
-              <a:rPr lang="en-GB" sz="2200" dirty="0" err="1"/>
-              <a:t>skibe</a:t>
-            </a:r>
-            <a:r>
-              <a:rPr lang="en-GB" sz="2200" dirty="0"/>
-              <a:t>, </a:t>
-            </a:r>
-            <a:r>
-              <a:rPr lang="en-GB" sz="2200" dirty="0" err="1"/>
-              <a:t>som</a:t>
-            </a:r>
-            <a:r>
-              <a:rPr lang="en-GB" sz="2200" dirty="0"/>
-              <a:t> </a:t>
-            </a:r>
-            <a:r>
-              <a:rPr lang="en-GB" sz="2200" dirty="0" err="1"/>
-              <a:t>er</a:t>
-            </a:r>
-            <a:r>
-              <a:rPr lang="en-GB" sz="2200" dirty="0"/>
-              <a:t> </a:t>
-            </a:r>
-            <a:r>
-              <a:rPr lang="en-GB" sz="2200" dirty="0" err="1"/>
-              <a:t>lige</a:t>
-            </a:r>
-            <a:r>
-              <a:rPr lang="en-GB" sz="2200" dirty="0"/>
-              <a:t>, ligger </a:t>
-            </a:r>
-            <a:r>
-              <a:rPr lang="en-GB" sz="2200" dirty="0" err="1"/>
-              <a:t>enten</a:t>
-            </a:r>
-            <a:r>
-              <a:rPr lang="en-GB" sz="2200" dirty="0"/>
-              <a:t> </a:t>
-            </a:r>
-            <a:r>
-              <a:rPr lang="en-GB" sz="2200" dirty="0" err="1"/>
-              <a:t>horisontalt</a:t>
-            </a:r>
-            <a:r>
-              <a:rPr lang="en-GB" sz="2200" dirty="0"/>
-              <a:t> </a:t>
-            </a:r>
-            <a:r>
-              <a:rPr lang="en-GB" sz="2200" dirty="0" err="1"/>
-              <a:t>eller</a:t>
-            </a:r>
-            <a:r>
-              <a:rPr lang="en-GB" sz="2200" dirty="0"/>
-              <a:t> </a:t>
-            </a:r>
-            <a:r>
-              <a:rPr lang="en-GB" sz="2200" dirty="0" err="1"/>
-              <a:t>verticalt</a:t>
-            </a:r>
-            <a:r>
-              <a:rPr lang="en-GB" sz="2200" dirty="0"/>
-              <a:t>, </a:t>
-            </a:r>
-            <a:r>
-              <a:rPr lang="en-GB" sz="2200" dirty="0" err="1"/>
-              <a:t>og</a:t>
-            </a:r>
-            <a:r>
-              <a:rPr lang="en-GB" sz="2200" dirty="0"/>
-              <a:t> har </a:t>
-            </a:r>
-            <a:r>
-              <a:rPr lang="en-GB" sz="2200" dirty="0" err="1"/>
-              <a:t>størrelse</a:t>
-            </a:r>
-            <a:r>
-              <a:rPr lang="en-GB" sz="2200" dirty="0"/>
-              <a:t> </a:t>
-            </a:r>
-            <a:r>
-              <a:rPr lang="en-GB" sz="2200" dirty="0" err="1"/>
-              <a:t>mellem</a:t>
-            </a:r>
-            <a:r>
-              <a:rPr lang="en-GB" sz="2200" dirty="0"/>
-              <a:t> 2 </a:t>
-            </a:r>
-            <a:r>
-              <a:rPr lang="en-GB" sz="2200" dirty="0" err="1"/>
-              <a:t>og</a:t>
-            </a:r>
-            <a:r>
-              <a:rPr lang="en-GB" sz="2200" dirty="0"/>
-              <a:t> 5 </a:t>
-            </a:r>
-            <a:r>
-              <a:rPr lang="en-GB" sz="2200" dirty="0" err="1"/>
-              <a:t>felter</a:t>
-            </a:r>
-            <a:r>
-              <a:rPr lang="en-GB" sz="2200" dirty="0"/>
-              <a:t>.</a:t>
-            </a:r>
-          </a:p>
-          <a:p>
-            <a:pPr marL="285750" indent="-285750">
-              <a:buFont typeface="Arial" panose="020B0604020202020204" pitchFamily="34" charset="0"/>
-              <a:buChar char="•"/>
-            </a:pPr>
-            <a:r>
-              <a:rPr lang="en-GB" sz="2200" dirty="0"/>
-              <a:t>Vi </a:t>
-            </a:r>
-            <a:r>
-              <a:rPr lang="en-GB" sz="2200" dirty="0" err="1"/>
-              <a:t>vælger</a:t>
-            </a:r>
-            <a:r>
-              <a:rPr lang="en-GB" sz="2200" dirty="0"/>
-              <a:t> 4 </a:t>
-            </a:r>
-            <a:r>
-              <a:rPr lang="en-GB" sz="2200" dirty="0" err="1"/>
-              <a:t>skibe</a:t>
-            </a:r>
-            <a:r>
-              <a:rPr lang="en-GB" sz="2200" dirty="0"/>
-              <a:t>, 2 </a:t>
-            </a:r>
-            <a:r>
-              <a:rPr lang="en-GB" sz="2200" dirty="0" err="1"/>
-              <a:t>små</a:t>
-            </a:r>
-            <a:r>
-              <a:rPr lang="en-GB" sz="2200" dirty="0"/>
-              <a:t>, 1 </a:t>
-            </a:r>
-            <a:r>
-              <a:rPr lang="en-GB" sz="2200" dirty="0" err="1"/>
-              <a:t>mellem</a:t>
-            </a:r>
-            <a:r>
-              <a:rPr lang="en-GB" sz="2200" dirty="0"/>
-              <a:t> </a:t>
-            </a:r>
-            <a:r>
-              <a:rPr lang="en-GB" sz="2200" dirty="0" err="1"/>
-              <a:t>og</a:t>
-            </a:r>
-            <a:r>
-              <a:rPr lang="en-GB" sz="2200" dirty="0"/>
-              <a:t> 1 </a:t>
-            </a:r>
-            <a:r>
-              <a:rPr lang="en-GB" sz="2200" dirty="0" err="1"/>
-              <a:t>stort</a:t>
-            </a:r>
-            <a:r>
-              <a:rPr lang="en-GB" sz="2200" dirty="0"/>
-              <a:t>. Vi </a:t>
-            </a:r>
-            <a:r>
-              <a:rPr lang="en-GB" sz="2200" dirty="0" err="1"/>
-              <a:t>sikrer</a:t>
-            </a:r>
-            <a:r>
-              <a:rPr lang="en-GB" sz="2200" dirty="0"/>
-              <a:t> at </a:t>
-            </a:r>
-            <a:r>
-              <a:rPr lang="en-GB" sz="2200" dirty="0" err="1"/>
-              <a:t>programmet</a:t>
-            </a:r>
-            <a:r>
-              <a:rPr lang="en-GB" sz="2200" dirty="0"/>
-              <a:t> </a:t>
-            </a:r>
-            <a:r>
-              <a:rPr lang="en-GB" sz="2200" dirty="0" err="1"/>
-              <a:t>nemt</a:t>
-            </a:r>
-            <a:r>
-              <a:rPr lang="en-GB" sz="2200" dirty="0"/>
-              <a:t> </a:t>
-            </a:r>
-            <a:r>
-              <a:rPr lang="en-GB" sz="2200" dirty="0" err="1"/>
-              <a:t>kan</a:t>
-            </a:r>
-            <a:r>
-              <a:rPr lang="en-GB" sz="2200" dirty="0"/>
-              <a:t> </a:t>
-            </a:r>
-            <a:r>
-              <a:rPr lang="en-GB" sz="2200" dirty="0" err="1"/>
-              <a:t>opdateres</a:t>
-            </a:r>
-            <a:r>
-              <a:rPr lang="en-GB" sz="2200" dirty="0"/>
-              <a:t> med et </a:t>
-            </a:r>
-            <a:r>
-              <a:rPr lang="en-GB" sz="2200" dirty="0" err="1"/>
-              <a:t>andet</a:t>
-            </a:r>
-            <a:r>
-              <a:rPr lang="en-GB" sz="2200" dirty="0"/>
-              <a:t> </a:t>
-            </a:r>
-            <a:r>
-              <a:rPr lang="en-GB" sz="2200" dirty="0" err="1"/>
-              <a:t>antal</a:t>
-            </a:r>
-            <a:r>
-              <a:rPr lang="en-GB" sz="2200" dirty="0"/>
-              <a:t> </a:t>
-            </a:r>
-            <a:r>
-              <a:rPr lang="en-GB" sz="2200" dirty="0" err="1"/>
-              <a:t>og</a:t>
-            </a:r>
-            <a:r>
-              <a:rPr lang="en-GB" sz="2200" dirty="0"/>
-              <a:t> </a:t>
-            </a:r>
-            <a:r>
-              <a:rPr lang="en-GB" sz="2200" dirty="0" err="1"/>
-              <a:t>størrelser</a:t>
-            </a:r>
-            <a:r>
-              <a:rPr lang="en-GB" sz="2200" dirty="0"/>
-              <a:t>.</a:t>
-            </a:r>
-          </a:p>
-        </p:txBody>
-      </p:sp>
-      <p:sp>
-        <p:nvSpPr>
-          <p:cNvPr id="16" name="Content Placeholder 2">
-            <a:extLst>
-              <a:ext uri="{FF2B5EF4-FFF2-40B4-BE49-F238E27FC236}">
-                <a16:creationId xmlns:a16="http://schemas.microsoft.com/office/drawing/2014/main" id="{88AF8A21-3088-474F-A7EF-53643A4770C9}"/>
-              </a:ext>
-            </a:extLst>
-          </p:cNvPr>
-          <p:cNvSpPr>
-            <a:spLocks noGrp="1"/>
-          </p:cNvSpPr>
-          <p:nvPr>
-            <p:ph idx="1"/>
-          </p:nvPr>
-        </p:nvSpPr>
-        <p:spPr>
-          <a:xfrm>
-            <a:off x="5834135" y="198004"/>
-            <a:ext cx="6191699" cy="6414581"/>
-          </a:xfrm>
-          <a:ln>
-            <a:solidFill>
-              <a:schemeClr val="tx1"/>
-            </a:solidFill>
-          </a:ln>
-        </p:spPr>
-        <p:txBody>
-          <a:bodyPr>
-            <a:normAutofit fontScale="92500"/>
-          </a:bodyPr>
-          <a:lstStyle/>
-          <a:p>
-            <a:pPr marL="0" indent="0">
-              <a:buNone/>
-            </a:pPr>
-            <a:r>
-              <a:rPr lang="da-DK" sz="2600" dirty="0" err="1"/>
-              <a:t>Use</a:t>
-            </a:r>
-            <a:r>
-              <a:rPr lang="da-DK" sz="2600" dirty="0"/>
-              <a:t>-case: Sænke slagskibe</a:t>
-            </a:r>
-          </a:p>
-          <a:p>
-            <a:pPr marL="0" indent="0">
-              <a:buNone/>
-            </a:pPr>
-            <a:r>
-              <a:rPr lang="da-DK" sz="2600" dirty="0"/>
-              <a:t> </a:t>
-            </a:r>
-          </a:p>
-          <a:p>
-            <a:pPr marL="0" indent="0">
-              <a:buNone/>
-            </a:pPr>
-            <a:r>
-              <a:rPr lang="da-DK" sz="2600" dirty="0"/>
-              <a:t>Dette er et spil for to personer, der kan spilles med papir og blyant. Der spilles på fire plader, to for hver spiller, og hver plade er inddelt i 10x10 felter. Hvert felt identificeres vha. dets række og søjle nummer.</a:t>
-            </a:r>
-          </a:p>
-          <a:p>
-            <a:pPr marL="0" indent="0">
-              <a:buNone/>
-            </a:pPr>
-            <a:r>
-              <a:rPr lang="da-DK" sz="2600" dirty="0"/>
-              <a:t>Hver spiller får tildelt et antal skibe, som placeres på spillerens ene plade og markerer, hvor modstanderen har forsøgt at skyde. På den anden plade markerer spilleren tilsvarende, hvor han/hun har forsøgt at ramme modstanderen.</a:t>
-            </a:r>
-          </a:p>
-          <a:p>
-            <a:pPr marL="0" indent="0">
-              <a:buNone/>
-            </a:pPr>
-            <a:r>
-              <a:rPr lang="da-DK" sz="2600" dirty="0"/>
-              <a:t>Når skibene er placeret skiftes spillerne til at skyde på modstanderens felt, og modstanderen annoncerer ramt eller plask, alt efter om et skib blev ramt eller ej. Vinderen er den, der først får sænket alle modstanderes skibe.</a:t>
-            </a:r>
-          </a:p>
-        </p:txBody>
-      </p:sp>
-      <p:sp>
-        <p:nvSpPr>
-          <p:cNvPr id="17" name="TextBox 16">
-            <a:extLst>
-              <a:ext uri="{FF2B5EF4-FFF2-40B4-BE49-F238E27FC236}">
-                <a16:creationId xmlns:a16="http://schemas.microsoft.com/office/drawing/2014/main" id="{33F81A96-DB78-7849-952F-4715F1651044}"/>
-              </a:ext>
-            </a:extLst>
-          </p:cNvPr>
-          <p:cNvSpPr txBox="1"/>
-          <p:nvPr/>
-        </p:nvSpPr>
-        <p:spPr>
-          <a:xfrm>
-            <a:off x="245678" y="892432"/>
-            <a:ext cx="5508944" cy="430887"/>
-          </a:xfrm>
-          <a:prstGeom prst="rect">
-            <a:avLst/>
-          </a:prstGeom>
-          <a:noFill/>
-          <a:ln w="63500">
-            <a:solidFill>
-              <a:schemeClr val="accent2"/>
-            </a:solidFill>
-          </a:ln>
-        </p:spPr>
-        <p:txBody>
-          <a:bodyPr wrap="none" rtlCol="0">
-            <a:spAutoFit/>
-          </a:bodyPr>
-          <a:lstStyle/>
-          <a:p>
-            <a:r>
-              <a:rPr lang="en-GB" sz="2200" dirty="0" err="1"/>
-              <a:t>Opgaven</a:t>
-            </a:r>
-            <a:r>
-              <a:rPr lang="en-GB" sz="2200" dirty="0"/>
-              <a:t> </a:t>
-            </a:r>
-            <a:r>
-              <a:rPr lang="en-GB" sz="2200" dirty="0" err="1"/>
-              <a:t>er</a:t>
-            </a:r>
-            <a:r>
-              <a:rPr lang="en-GB" sz="2200" dirty="0"/>
-              <a:t> </a:t>
-            </a:r>
-            <a:r>
-              <a:rPr lang="en-GB" sz="2200" dirty="0" err="1"/>
-              <a:t>ikke</a:t>
-            </a:r>
-            <a:r>
-              <a:rPr lang="en-GB" sz="2200" dirty="0"/>
-              <a:t> </a:t>
-            </a:r>
-            <a:r>
-              <a:rPr lang="en-GB" sz="2200" dirty="0" err="1"/>
-              <a:t>fuldt</a:t>
-            </a:r>
-            <a:r>
-              <a:rPr lang="en-GB" sz="2200" dirty="0"/>
-              <a:t> </a:t>
-            </a:r>
-            <a:r>
-              <a:rPr lang="en-GB" sz="2200" dirty="0" err="1"/>
-              <a:t>specificeret</a:t>
-            </a:r>
-            <a:r>
-              <a:rPr lang="en-GB" sz="2200" dirty="0"/>
-              <a:t>, </a:t>
-            </a:r>
-            <a:r>
-              <a:rPr lang="en-GB" sz="2200" dirty="0" err="1"/>
-              <a:t>hvad</a:t>
-            </a:r>
-            <a:r>
-              <a:rPr lang="en-GB" sz="2200" dirty="0"/>
-              <a:t> </a:t>
-            </a:r>
-            <a:r>
-              <a:rPr lang="en-GB" sz="2200" dirty="0" err="1"/>
-              <a:t>gør</a:t>
-            </a:r>
-            <a:r>
-              <a:rPr lang="en-GB" sz="2200" dirty="0"/>
-              <a:t> vi?</a:t>
-            </a:r>
-          </a:p>
-        </p:txBody>
-      </p:sp>
-    </p:spTree>
-    <p:extLst>
-      <p:ext uri="{BB962C8B-B14F-4D97-AF65-F5344CB8AC3E}">
-        <p14:creationId xmlns:p14="http://schemas.microsoft.com/office/powerpoint/2010/main" val="761979977"/>
-      </p:ext>
-    </p:extLst>
-  </p:cSld>
-  <p:clrMapOvr>
-    <a:masterClrMapping/>
-  </p:clrMapOvr>
-  <p:timing>
-    <p:tnLst>
-      <p:par>
-        <p:cTn id="1" dur="indefinite" restart="never" nodeType="tmRoot">
-          <p:childTnLst>
-            <p:seq concurrent="1" nextAc="seek">
-              <p:cTn id="2" dur="indefinite" nodeType="mainSeq">
-                <p:childTnLst>
-                  <p:par>
-                    <p:cTn id="3" fill="hold">
-                      <p:stCondLst>
-                        <p:cond delay="indefinite"/>
-                      </p:stCondLst>
-                      <p:childTnLst>
-                        <p:par>
-                          <p:cTn id="4" fill="hold">
-                            <p:stCondLst>
-                              <p:cond delay="0"/>
-                            </p:stCondLst>
-                            <p:childTnLst>
-                              <p:par>
-                                <p:cTn id="5" presetID="1" presetClass="entr" presetSubtype="0" fill="hold" grpId="0" nodeType="clickEffect">
-                                  <p:stCondLst>
-                                    <p:cond delay="0"/>
-                                  </p:stCondLst>
-                                  <p:childTnLst>
-                                    <p:set>
-                                      <p:cBhvr>
-                                        <p:cTn id="6" dur="1" fill="hold">
-                                          <p:stCondLst>
-                                            <p:cond delay="0"/>
-                                          </p:stCondLst>
-                                        </p:cTn>
-                                        <p:tgtEl>
-                                          <p:spTgt spid="15"/>
-                                        </p:tgtEl>
-                                        <p:attrNameLst>
-                                          <p:attrName>style.visibility</p:attrName>
-                                        </p:attrNameLst>
-                                      </p:cBhvr>
-                                      <p:to>
-                                        <p:strVal val="visible"/>
-                                      </p:to>
-                                    </p:set>
-                                  </p:childTnLst>
-                                </p:cTn>
-                              </p:par>
-                            </p:childTnLst>
-                          </p:cTn>
-                        </p:par>
-                      </p:childTnLst>
-                    </p:cTn>
-                  </p:par>
-                </p:childTnLst>
-              </p:cTn>
-              <p:prevCondLst>
-                <p:cond evt="onPrev" delay="0">
-                  <p:tgtEl>
-                    <p:sldTgt/>
-                  </p:tgtEl>
-                </p:cond>
-              </p:prevCondLst>
-              <p:nextCondLst>
-                <p:cond evt="onNext" delay="0">
-                  <p:tgtEl>
-                    <p:sldTgt/>
-                  </p:tgtEl>
-                </p:cond>
-              </p:nextCondLst>
-            </p:seq>
-          </p:childTnLst>
-        </p:cTn>
-      </p:par>
-    </p:tnLst>
-    <p:bldLst>
-      <p:bldP spid="15" grpId="0" animBg="1"/>
-    </p:bldLst>
-  </p:timing>
-</p:sld>
-</file>
-
-<file path=ppt/slides/slide18.xml><?xml version="1.0" encoding="utf-8"?>
-<p:sld xmlns:a="http://schemas.openxmlformats.org/drawingml/2006/main" xmlns:r="http://schemas.openxmlformats.org/officeDocument/2006/relationships" xmlns:p="http://schemas.openxmlformats.org/presentationml/2006/main">
-  <p:cSld>
-    <p:spTree>
-      <p:nvGrpSpPr>
-        <p:cNvPr id="1" name=""/>
-        <p:cNvGrpSpPr/>
-        <p:nvPr/>
-      </p:nvGrpSpPr>
-      <p:grpSpPr>
-        <a:xfrm>
-          <a:off x="0" y="0"/>
-          <a:ext cx="0" cy="0"/>
-          <a:chOff x="0" y="0"/>
-          <a:chExt cx="0" cy="0"/>
-        </a:xfrm>
-      </p:grpSpPr>
-      <p:sp>
-        <p:nvSpPr>
-          <p:cNvPr id="8" name="Title 1">
-            <a:extLst>
-              <a:ext uri="{FF2B5EF4-FFF2-40B4-BE49-F238E27FC236}">
-                <a16:creationId xmlns:a16="http://schemas.microsoft.com/office/drawing/2014/main" id="{9BC41EBE-0CFC-BB44-ABFD-042EF58D24BB}"/>
-              </a:ext>
-            </a:extLst>
-          </p:cNvPr>
-          <p:cNvSpPr txBox="1">
-            <a:spLocks/>
-          </p:cNvSpPr>
-          <p:nvPr/>
-        </p:nvSpPr>
-        <p:spPr>
-          <a:xfrm>
-            <a:off x="89649" y="32523"/>
-            <a:ext cx="5664974" cy="1084122"/>
-          </a:xfrm>
-          <a:prstGeom prst="rect">
-            <a:avLst/>
-          </a:prstGeom>
-        </p:spPr>
-        <p:txBody>
-          <a:bodyPr vert="horz" lIns="91440" tIns="45720" rIns="91440" bIns="45720" rtlCol="0" anchor="ctr">
-            <a:normAutofit/>
-          </a:bodyPr>
-          <a:lstStyle>
-            <a:lvl1pPr algn="l" defTabSz="914400" rtl="0" eaLnBrk="1" latinLnBrk="0" hangingPunct="1">
-              <a:lnSpc>
-                <a:spcPct val="90000"/>
-              </a:lnSpc>
-              <a:spcBef>
-                <a:spcPct val="0"/>
-              </a:spcBef>
-              <a:buNone/>
-              <a:defRPr sz="4400" kern="1200">
-                <a:solidFill>
-                  <a:schemeClr val="tx1"/>
-                </a:solidFill>
-                <a:latin typeface="+mj-lt"/>
-                <a:ea typeface="+mj-ea"/>
-                <a:cs typeface="+mj-cs"/>
-              </a:defRPr>
-            </a:lvl1pPr>
-          </a:lstStyle>
-          <a:p>
-            <a:r>
-              <a:rPr lang="da-DK"/>
-              <a:t>Sænke slagskibe</a:t>
-            </a:r>
-            <a:endParaRPr lang="da-DK" dirty="0"/>
-          </a:p>
-        </p:txBody>
-      </p:sp>
-      <p:grpSp>
-        <p:nvGrpSpPr>
-          <p:cNvPr id="13" name="Group 12">
-            <a:extLst>
-              <a:ext uri="{FF2B5EF4-FFF2-40B4-BE49-F238E27FC236}">
-                <a16:creationId xmlns:a16="http://schemas.microsoft.com/office/drawing/2014/main" id="{5611B7E1-59A5-284E-BED3-AF9C970DD067}"/>
-              </a:ext>
-            </a:extLst>
-          </p:cNvPr>
-          <p:cNvGrpSpPr/>
-          <p:nvPr/>
-        </p:nvGrpSpPr>
-        <p:grpSpPr>
-          <a:xfrm>
-            <a:off x="6118554" y="942384"/>
-            <a:ext cx="5168900" cy="5283200"/>
-            <a:chOff x="337686" y="942384"/>
-            <a:chExt cx="5168900" cy="5283200"/>
-          </a:xfrm>
-        </p:grpSpPr>
-        <p:pic>
-          <p:nvPicPr>
-            <p:cNvPr id="10" name="Picture 9">
-              <a:extLst>
-                <a:ext uri="{FF2B5EF4-FFF2-40B4-BE49-F238E27FC236}">
-                  <a16:creationId xmlns:a16="http://schemas.microsoft.com/office/drawing/2014/main" id="{C959D2CC-DF86-254F-93AE-53C1C97FC4BD}"/>
-                </a:ext>
-              </a:extLst>
-            </p:cNvPr>
-            <p:cNvPicPr>
-              <a:picLocks noChangeAspect="1"/>
-            </p:cNvPicPr>
-            <p:nvPr/>
-          </p:nvPicPr>
-          <p:blipFill>
-            <a:blip r:embed="rId2"/>
-            <a:stretch>
-              <a:fillRect/>
-            </a:stretch>
-          </p:blipFill>
-          <p:spPr>
-            <a:xfrm>
-              <a:off x="337686" y="942384"/>
-              <a:ext cx="5168900" cy="5283200"/>
-            </a:xfrm>
-            <a:prstGeom prst="rect">
-              <a:avLst/>
-            </a:prstGeom>
-          </p:spPr>
-        </p:pic>
-        <p:sp>
-          <p:nvSpPr>
-            <p:cNvPr id="11" name="Rectangle 10">
-              <a:extLst>
-                <a:ext uri="{FF2B5EF4-FFF2-40B4-BE49-F238E27FC236}">
-                  <a16:creationId xmlns:a16="http://schemas.microsoft.com/office/drawing/2014/main" id="{67AB6DF3-1102-164E-9DBA-6C8FE1F19F19}"/>
-                </a:ext>
-              </a:extLst>
-            </p:cNvPr>
-            <p:cNvSpPr/>
-            <p:nvPr/>
-          </p:nvSpPr>
-          <p:spPr>
-            <a:xfrm>
-              <a:off x="337686" y="1937288"/>
-              <a:ext cx="2266029" cy="650928"/>
-            </a:xfrm>
-            <a:prstGeom prst="rect">
-              <a:avLst/>
-            </a:prstGeom>
-            <a:noFill/>
-            <a:ln w="25400"/>
-            <a:effectLst>
-              <a:outerShdw sx="1000" sy="1000" algn="ctr" rotWithShape="0">
-                <a:srgbClr val="000000"/>
-              </a:outerShdw>
-            </a:effectLst>
-          </p:spPr>
-          <p:style>
-            <a:lnRef idx="2">
-              <a:schemeClr val="accent1">
-                <a:shade val="50000"/>
-              </a:schemeClr>
-            </a:lnRef>
-            <a:fillRef idx="1">
-              <a:schemeClr val="accent1"/>
-            </a:fillRef>
-            <a:effectRef idx="0">
-              <a:schemeClr val="accent1"/>
-            </a:effectRef>
-            <a:fontRef idx="minor">
-              <a:schemeClr val="lt1"/>
-            </a:fontRef>
-          </p:style>
-          <p:txBody>
-            <a:bodyPr rtlCol="0" anchor="ctr"/>
-            <a:lstStyle/>
-            <a:p>
-              <a:pPr algn="ctr"/>
-              <a:endParaRPr lang="en-GB"/>
-            </a:p>
-          </p:txBody>
-        </p:sp>
-        <p:sp>
-          <p:nvSpPr>
-            <p:cNvPr id="12" name="Rectangle 11">
-              <a:extLst>
-                <a:ext uri="{FF2B5EF4-FFF2-40B4-BE49-F238E27FC236}">
-                  <a16:creationId xmlns:a16="http://schemas.microsoft.com/office/drawing/2014/main" id="{F412D856-CA2E-8D40-8254-E995152F9DDA}"/>
-                </a:ext>
-              </a:extLst>
-            </p:cNvPr>
-            <p:cNvSpPr/>
-            <p:nvPr/>
-          </p:nvSpPr>
-          <p:spPr>
-            <a:xfrm>
-              <a:off x="366099" y="3975318"/>
-              <a:ext cx="4996315" cy="251999"/>
-            </a:xfrm>
-            <a:prstGeom prst="rect">
-              <a:avLst/>
-            </a:prstGeom>
-            <a:noFill/>
-            <a:ln w="25400"/>
-            <a:effectLst>
-              <a:outerShdw sx="1000" sy="1000" algn="ctr" rotWithShape="0">
-                <a:srgbClr val="000000"/>
-              </a:outerShdw>
-            </a:effectLst>
-          </p:spPr>
-          <p:style>
-            <a:lnRef idx="2">
-              <a:schemeClr val="accent1">
-                <a:shade val="50000"/>
-              </a:schemeClr>
-            </a:lnRef>
-            <a:fillRef idx="1">
-              <a:schemeClr val="accent1"/>
-            </a:fillRef>
-            <a:effectRef idx="0">
-              <a:schemeClr val="accent1"/>
-            </a:effectRef>
-            <a:fontRef idx="minor">
-              <a:schemeClr val="lt1"/>
-            </a:fontRef>
-          </p:style>
-          <p:txBody>
-            <a:bodyPr rtlCol="0" anchor="ctr"/>
-            <a:lstStyle/>
-            <a:p>
-              <a:pPr algn="ctr"/>
-              <a:endParaRPr lang="en-GB"/>
-            </a:p>
-          </p:txBody>
-        </p:sp>
-      </p:grpSp>
-      <p:sp>
-        <p:nvSpPr>
-          <p:cNvPr id="15" name="TextBox 14">
-            <a:extLst>
-              <a:ext uri="{FF2B5EF4-FFF2-40B4-BE49-F238E27FC236}">
-                <a16:creationId xmlns:a16="http://schemas.microsoft.com/office/drawing/2014/main" id="{DE138CF0-103B-0446-A8F8-D0C2147732E7}"/>
-              </a:ext>
-            </a:extLst>
-          </p:cNvPr>
-          <p:cNvSpPr txBox="1"/>
-          <p:nvPr/>
-        </p:nvSpPr>
-        <p:spPr>
-          <a:xfrm>
-            <a:off x="245678" y="927601"/>
-            <a:ext cx="5349209" cy="3816429"/>
-          </a:xfrm>
-          <a:prstGeom prst="rect">
-            <a:avLst/>
-          </a:prstGeom>
-          <a:noFill/>
-          <a:ln>
-            <a:solidFill>
-              <a:schemeClr val="tx1"/>
-            </a:solidFill>
-          </a:ln>
-        </p:spPr>
-        <p:txBody>
-          <a:bodyPr wrap="square" rtlCol="0">
-            <a:spAutoFit/>
-          </a:bodyPr>
-          <a:lstStyle/>
-          <a:p>
-            <a:r>
-              <a:rPr lang="en-GB" sz="2200" dirty="0" err="1"/>
-              <a:t>Skibe</a:t>
-            </a:r>
-            <a:r>
-              <a:rPr lang="en-GB" sz="2200" dirty="0"/>
-              <a:t>:</a:t>
-            </a:r>
-          </a:p>
-          <a:p>
-            <a:pPr marL="285750" indent="-285750">
-              <a:buFont typeface="Arial" panose="020B0604020202020204" pitchFamily="34" charset="0"/>
-              <a:buChar char="•"/>
-            </a:pPr>
-            <a:r>
-              <a:rPr lang="en-GB" sz="2200" dirty="0" err="1"/>
-              <a:t>Opgaven</a:t>
-            </a:r>
-            <a:r>
-              <a:rPr lang="en-GB" sz="2200" dirty="0"/>
-              <a:t> </a:t>
-            </a:r>
-            <a:r>
-              <a:rPr lang="en-GB" sz="2200" dirty="0" err="1"/>
-              <a:t>specificerer</a:t>
-            </a:r>
-            <a:r>
-              <a:rPr lang="en-GB" sz="2200" dirty="0"/>
-              <a:t> </a:t>
-            </a:r>
-            <a:r>
-              <a:rPr lang="en-GB" sz="2200" dirty="0" err="1"/>
-              <a:t>ikke</a:t>
-            </a:r>
-            <a:r>
-              <a:rPr lang="en-GB" sz="2200" dirty="0"/>
-              <a:t>, </a:t>
-            </a:r>
-            <a:r>
-              <a:rPr lang="en-GB" sz="2200" dirty="0" err="1"/>
-              <a:t>hvor</a:t>
-            </a:r>
-            <a:r>
-              <a:rPr lang="en-GB" sz="2200" dirty="0"/>
-              <a:t> mange </a:t>
-            </a:r>
-            <a:r>
-              <a:rPr lang="en-GB" sz="2200" dirty="0" err="1"/>
-              <a:t>skibe</a:t>
-            </a:r>
-            <a:r>
-              <a:rPr lang="en-GB" sz="2200" dirty="0"/>
-              <a:t>, der </a:t>
-            </a:r>
-            <a:r>
-              <a:rPr lang="en-GB" sz="2200" dirty="0" err="1"/>
-              <a:t>skal</a:t>
-            </a:r>
-            <a:r>
-              <a:rPr lang="en-GB" sz="2200" dirty="0"/>
-              <a:t> </a:t>
-            </a:r>
-            <a:r>
-              <a:rPr lang="en-GB" sz="2200" dirty="0" err="1"/>
-              <a:t>være</a:t>
-            </a:r>
-            <a:r>
-              <a:rPr lang="en-GB" sz="2200" dirty="0"/>
-              <a:t> </a:t>
-            </a:r>
-            <a:r>
-              <a:rPr lang="en-GB" sz="2200" dirty="0" err="1"/>
-              <a:t>i</a:t>
-            </a:r>
-            <a:r>
-              <a:rPr lang="en-GB" sz="2200" dirty="0"/>
-              <a:t> </a:t>
-            </a:r>
-            <a:r>
-              <a:rPr lang="en-GB" sz="2200" dirty="0" err="1"/>
-              <a:t>spillet</a:t>
-            </a:r>
-            <a:r>
-              <a:rPr lang="en-GB" sz="2200" dirty="0"/>
-              <a:t>, </a:t>
-            </a:r>
-            <a:r>
-              <a:rPr lang="en-GB" sz="2200" dirty="0" err="1"/>
-              <a:t>ej</a:t>
-            </a:r>
-            <a:r>
-              <a:rPr lang="en-GB" sz="2200" dirty="0"/>
-              <a:t> </a:t>
-            </a:r>
-            <a:r>
-              <a:rPr lang="en-GB" sz="2200" dirty="0" err="1"/>
-              <a:t>heller</a:t>
-            </a:r>
-            <a:r>
-              <a:rPr lang="en-GB" sz="2200" dirty="0"/>
-              <a:t> </a:t>
-            </a:r>
-            <a:r>
-              <a:rPr lang="en-GB" sz="2200" dirty="0" err="1"/>
-              <a:t>hvilken</a:t>
-            </a:r>
-            <a:r>
-              <a:rPr lang="en-GB" sz="2200" dirty="0"/>
-              <a:t> form de </a:t>
-            </a:r>
-            <a:r>
-              <a:rPr lang="en-GB" sz="2200" dirty="0" err="1"/>
-              <a:t>skal</a:t>
-            </a:r>
-            <a:r>
-              <a:rPr lang="en-GB" sz="2200" dirty="0"/>
-              <a:t> have.</a:t>
-            </a:r>
-          </a:p>
-          <a:p>
-            <a:pPr marL="285750" indent="-285750">
-              <a:buFont typeface="Arial" panose="020B0604020202020204" pitchFamily="34" charset="0"/>
-              <a:buChar char="•"/>
-            </a:pPr>
-            <a:r>
-              <a:rPr lang="en-GB" sz="2200" dirty="0" err="1"/>
-              <a:t>Typiske</a:t>
-            </a:r>
-            <a:r>
-              <a:rPr lang="en-GB" sz="2200" dirty="0"/>
-              <a:t> </a:t>
-            </a:r>
-            <a:r>
-              <a:rPr lang="en-GB" sz="2200" dirty="0" err="1"/>
-              <a:t>spil</a:t>
-            </a:r>
-            <a:r>
-              <a:rPr lang="en-GB" sz="2200" dirty="0"/>
-              <a:t> har 4-5 </a:t>
-            </a:r>
-            <a:r>
-              <a:rPr lang="en-GB" sz="2200" dirty="0" err="1"/>
-              <a:t>skibe</a:t>
-            </a:r>
-            <a:r>
-              <a:rPr lang="en-GB" sz="2200" dirty="0"/>
-              <a:t>, </a:t>
-            </a:r>
-            <a:r>
-              <a:rPr lang="en-GB" sz="2200" dirty="0" err="1"/>
-              <a:t>som</a:t>
-            </a:r>
-            <a:r>
-              <a:rPr lang="en-GB" sz="2200" dirty="0"/>
-              <a:t> </a:t>
-            </a:r>
-            <a:r>
-              <a:rPr lang="en-GB" sz="2200" dirty="0" err="1"/>
-              <a:t>er</a:t>
-            </a:r>
-            <a:r>
-              <a:rPr lang="en-GB" sz="2200" dirty="0"/>
-              <a:t> </a:t>
-            </a:r>
-            <a:r>
-              <a:rPr lang="en-GB" sz="2200" dirty="0" err="1"/>
-              <a:t>lige</a:t>
-            </a:r>
-            <a:r>
-              <a:rPr lang="en-GB" sz="2200" dirty="0"/>
-              <a:t>, ligger </a:t>
-            </a:r>
-            <a:r>
-              <a:rPr lang="en-GB" sz="2200" dirty="0" err="1"/>
-              <a:t>enten</a:t>
-            </a:r>
-            <a:r>
-              <a:rPr lang="en-GB" sz="2200" dirty="0"/>
-              <a:t> </a:t>
-            </a:r>
-            <a:r>
-              <a:rPr lang="en-GB" sz="2200" dirty="0" err="1"/>
-              <a:t>horisontalt</a:t>
-            </a:r>
-            <a:r>
-              <a:rPr lang="en-GB" sz="2200" dirty="0"/>
-              <a:t> </a:t>
-            </a:r>
-            <a:r>
-              <a:rPr lang="en-GB" sz="2200" dirty="0" err="1"/>
-              <a:t>eller</a:t>
-            </a:r>
-            <a:r>
-              <a:rPr lang="en-GB" sz="2200" dirty="0"/>
-              <a:t> </a:t>
-            </a:r>
-            <a:r>
-              <a:rPr lang="en-GB" sz="2200" dirty="0" err="1"/>
-              <a:t>verticalt</a:t>
-            </a:r>
-            <a:r>
-              <a:rPr lang="en-GB" sz="2200" dirty="0"/>
-              <a:t>, </a:t>
-            </a:r>
-            <a:r>
-              <a:rPr lang="en-GB" sz="2200" dirty="0" err="1"/>
-              <a:t>og</a:t>
-            </a:r>
-            <a:r>
-              <a:rPr lang="en-GB" sz="2200" dirty="0"/>
-              <a:t> har </a:t>
-            </a:r>
-            <a:r>
-              <a:rPr lang="en-GB" sz="2200" dirty="0" err="1"/>
-              <a:t>størrelse</a:t>
-            </a:r>
-            <a:r>
-              <a:rPr lang="en-GB" sz="2200" dirty="0"/>
-              <a:t> </a:t>
-            </a:r>
-            <a:r>
-              <a:rPr lang="en-GB" sz="2200" dirty="0" err="1"/>
-              <a:t>mellem</a:t>
-            </a:r>
-            <a:r>
-              <a:rPr lang="en-GB" sz="2200" dirty="0"/>
-              <a:t> 2 </a:t>
-            </a:r>
-            <a:r>
-              <a:rPr lang="en-GB" sz="2200" dirty="0" err="1"/>
-              <a:t>og</a:t>
-            </a:r>
-            <a:r>
-              <a:rPr lang="en-GB" sz="2200" dirty="0"/>
-              <a:t> 5 </a:t>
-            </a:r>
-            <a:r>
-              <a:rPr lang="en-GB" sz="2200" dirty="0" err="1"/>
-              <a:t>felter</a:t>
-            </a:r>
-            <a:r>
-              <a:rPr lang="en-GB" sz="2200" dirty="0"/>
-              <a:t>.</a:t>
-            </a:r>
-          </a:p>
-          <a:p>
-            <a:pPr marL="285750" indent="-285750">
-              <a:buFont typeface="Arial" panose="020B0604020202020204" pitchFamily="34" charset="0"/>
-              <a:buChar char="•"/>
-            </a:pPr>
-            <a:r>
-              <a:rPr lang="en-GB" sz="2200" dirty="0"/>
-              <a:t>Vi </a:t>
-            </a:r>
-            <a:r>
-              <a:rPr lang="en-GB" sz="2200" dirty="0" err="1"/>
-              <a:t>vælger</a:t>
-            </a:r>
-            <a:r>
-              <a:rPr lang="en-GB" sz="2200" dirty="0"/>
-              <a:t> 4 </a:t>
-            </a:r>
-            <a:r>
-              <a:rPr lang="en-GB" sz="2200" dirty="0" err="1"/>
-              <a:t>skibe</a:t>
-            </a:r>
-            <a:r>
-              <a:rPr lang="en-GB" sz="2200" dirty="0"/>
-              <a:t>, 2 </a:t>
-            </a:r>
-            <a:r>
-              <a:rPr lang="en-GB" sz="2200" dirty="0" err="1"/>
-              <a:t>små</a:t>
-            </a:r>
-            <a:r>
-              <a:rPr lang="en-GB" sz="2200" dirty="0"/>
-              <a:t>, 1 </a:t>
-            </a:r>
-            <a:r>
-              <a:rPr lang="en-GB" sz="2200" dirty="0" err="1"/>
-              <a:t>mellem</a:t>
-            </a:r>
-            <a:r>
-              <a:rPr lang="en-GB" sz="2200" dirty="0"/>
-              <a:t> </a:t>
-            </a:r>
-            <a:r>
-              <a:rPr lang="en-GB" sz="2200" dirty="0" err="1"/>
-              <a:t>og</a:t>
-            </a:r>
-            <a:r>
-              <a:rPr lang="en-GB" sz="2200" dirty="0"/>
-              <a:t> 1 </a:t>
-            </a:r>
-            <a:r>
-              <a:rPr lang="en-GB" sz="2200" dirty="0" err="1"/>
-              <a:t>stort</a:t>
-            </a:r>
-            <a:r>
-              <a:rPr lang="en-GB" sz="2200" dirty="0"/>
-              <a:t>. Vi </a:t>
-            </a:r>
-            <a:r>
-              <a:rPr lang="en-GB" sz="2200" dirty="0" err="1"/>
-              <a:t>sikrer</a:t>
-            </a:r>
-            <a:r>
-              <a:rPr lang="en-GB" sz="2200" dirty="0"/>
-              <a:t> at </a:t>
-            </a:r>
-            <a:r>
-              <a:rPr lang="en-GB" sz="2200" dirty="0" err="1"/>
-              <a:t>programmet</a:t>
-            </a:r>
-            <a:r>
-              <a:rPr lang="en-GB" sz="2200" dirty="0"/>
-              <a:t> </a:t>
-            </a:r>
-            <a:r>
-              <a:rPr lang="en-GB" sz="2200" dirty="0" err="1"/>
-              <a:t>nemt</a:t>
-            </a:r>
-            <a:r>
-              <a:rPr lang="en-GB" sz="2200" dirty="0"/>
-              <a:t> </a:t>
-            </a:r>
-            <a:r>
-              <a:rPr lang="en-GB" sz="2200" dirty="0" err="1"/>
-              <a:t>kan</a:t>
-            </a:r>
-            <a:r>
-              <a:rPr lang="en-GB" sz="2200" dirty="0"/>
-              <a:t> </a:t>
-            </a:r>
-            <a:r>
-              <a:rPr lang="en-GB" sz="2200" dirty="0" err="1"/>
-              <a:t>opdateres</a:t>
-            </a:r>
-            <a:r>
-              <a:rPr lang="en-GB" sz="2200" dirty="0"/>
-              <a:t> med et </a:t>
-            </a:r>
-            <a:r>
-              <a:rPr lang="en-GB" sz="2200" dirty="0" err="1"/>
-              <a:t>andet</a:t>
-            </a:r>
-            <a:r>
-              <a:rPr lang="en-GB" sz="2200" dirty="0"/>
-              <a:t> </a:t>
-            </a:r>
-            <a:r>
-              <a:rPr lang="en-GB" sz="2200" dirty="0" err="1"/>
-              <a:t>antal</a:t>
-            </a:r>
-            <a:r>
-              <a:rPr lang="en-GB" sz="2200" dirty="0"/>
-              <a:t> </a:t>
-            </a:r>
-            <a:r>
-              <a:rPr lang="en-GB" sz="2200" dirty="0" err="1"/>
-              <a:t>og</a:t>
-            </a:r>
-            <a:r>
-              <a:rPr lang="en-GB" sz="2200" dirty="0"/>
-              <a:t> </a:t>
-            </a:r>
-            <a:r>
-              <a:rPr lang="en-GB" sz="2200" dirty="0" err="1"/>
-              <a:t>størrelser</a:t>
-            </a:r>
-            <a:r>
-              <a:rPr lang="en-GB" sz="2200" dirty="0"/>
-              <a:t>.</a:t>
-            </a:r>
-          </a:p>
-        </p:txBody>
-      </p:sp>
-    </p:spTree>
-    <p:extLst>
-      <p:ext uri="{BB962C8B-B14F-4D97-AF65-F5344CB8AC3E}">
-        <p14:creationId xmlns:p14="http://schemas.microsoft.com/office/powerpoint/2010/main" val="4227216088"/>
-      </p:ext>
-    </p:extLst>
-  </p:cSld>
-  <p:clrMapOvr>
-    <a:masterClrMapping/>
-  </p:clrMapOvr>
-</p:sld>
-</file>
-
-<file path=ppt/slides/slide19.xml><?xml version="1.0" encoding="utf-8"?>
-<p:sld xmlns:a="http://schemas.openxmlformats.org/drawingml/2006/main" xmlns:r="http://schemas.openxmlformats.org/officeDocument/2006/relationships" xmlns:p="http://schemas.openxmlformats.org/presentationml/2006/main">
-  <p:cSld>
-    <p:spTree>
-      <p:nvGrpSpPr>
-        <p:cNvPr id="1" name=""/>
-        <p:cNvGrpSpPr/>
-        <p:nvPr/>
-      </p:nvGrpSpPr>
-      <p:grpSpPr>
-        <a:xfrm>
-          <a:off x="0" y="0"/>
-          <a:ext cx="0" cy="0"/>
-          <a:chOff x="0" y="0"/>
-          <a:chExt cx="0" cy="0"/>
-        </a:xfrm>
-      </p:grpSpPr>
-      <p:pic>
-        <p:nvPicPr>
-          <p:cNvPr id="47" name="Picture 46">
-            <a:extLst>
-              <a:ext uri="{FF2B5EF4-FFF2-40B4-BE49-F238E27FC236}">
-                <a16:creationId xmlns:a16="http://schemas.microsoft.com/office/drawing/2014/main" id="{517A945E-533D-5240-A170-075F930625EA}"/>
-              </a:ext>
-            </a:extLst>
-          </p:cNvPr>
-          <p:cNvPicPr>
-            <a:picLocks noChangeAspect="1"/>
-          </p:cNvPicPr>
-          <p:nvPr/>
-        </p:nvPicPr>
-        <p:blipFill>
-          <a:blip r:embed="rId2"/>
-          <a:stretch>
-            <a:fillRect/>
-          </a:stretch>
-        </p:blipFill>
-        <p:spPr>
-          <a:xfrm>
-            <a:off x="6275288" y="1600679"/>
-            <a:ext cx="5329988" cy="2149911"/>
-          </a:xfrm>
-          <a:prstGeom prst="rect">
-            <a:avLst/>
-          </a:prstGeom>
-        </p:spPr>
-      </p:pic>
-      <p:sp>
-        <p:nvSpPr>
-          <p:cNvPr id="8" name="Title 1">
-            <a:extLst>
-              <a:ext uri="{FF2B5EF4-FFF2-40B4-BE49-F238E27FC236}">
-                <a16:creationId xmlns:a16="http://schemas.microsoft.com/office/drawing/2014/main" id="{9BC41EBE-0CFC-BB44-ABFD-042EF58D24BB}"/>
-              </a:ext>
-            </a:extLst>
-          </p:cNvPr>
-          <p:cNvSpPr txBox="1">
-            <a:spLocks/>
-          </p:cNvSpPr>
-          <p:nvPr/>
-        </p:nvSpPr>
-        <p:spPr>
-          <a:xfrm>
-            <a:off x="89648" y="32523"/>
-            <a:ext cx="11472087" cy="1084122"/>
-          </a:xfrm>
-          <a:prstGeom prst="rect">
-            <a:avLst/>
-          </a:prstGeom>
-        </p:spPr>
-        <p:txBody>
-          <a:bodyPr vert="horz" lIns="91440" tIns="45720" rIns="91440" bIns="45720" rtlCol="0" anchor="ctr">
-            <a:normAutofit/>
-          </a:bodyPr>
-          <a:lstStyle>
-            <a:lvl1pPr algn="l" defTabSz="914400" rtl="0" eaLnBrk="1" latinLnBrk="0" hangingPunct="1">
-              <a:lnSpc>
-                <a:spcPct val="90000"/>
-              </a:lnSpc>
-              <a:spcBef>
-                <a:spcPct val="0"/>
-              </a:spcBef>
-              <a:buNone/>
-              <a:defRPr sz="4400" kern="1200">
-                <a:solidFill>
-                  <a:schemeClr val="tx1"/>
-                </a:solidFill>
-                <a:latin typeface="+mj-lt"/>
-                <a:ea typeface="+mj-ea"/>
-                <a:cs typeface="+mj-cs"/>
-              </a:defRPr>
-            </a:lvl1pPr>
-          </a:lstStyle>
-          <a:p>
-            <a:r>
-              <a:rPr lang="da-DK" dirty="0"/>
-              <a:t>Sænke slagskibe: </a:t>
-            </a:r>
-            <a:r>
-              <a:rPr lang="en-GB" i="1" dirty="0" err="1"/>
-              <a:t>Kender</a:t>
-            </a:r>
-            <a:r>
-              <a:rPr lang="en-GB" i="1" dirty="0"/>
-              <a:t> </a:t>
-            </a:r>
-            <a:r>
-              <a:rPr lang="en-GB" i="1" dirty="0" err="1"/>
-              <a:t>til</a:t>
-            </a:r>
-            <a:r>
-              <a:rPr lang="en-GB" i="1" dirty="0"/>
-              <a:t> </a:t>
-            </a:r>
-            <a:r>
-              <a:rPr lang="en-GB" i="1" dirty="0" err="1"/>
-              <a:t>relationer</a:t>
-            </a:r>
-            <a:endParaRPr lang="da-DK" dirty="0"/>
-          </a:p>
-        </p:txBody>
-      </p:sp>
-      <p:sp>
-        <p:nvSpPr>
-          <p:cNvPr id="15" name="TextBox 14">
-            <a:extLst>
-              <a:ext uri="{FF2B5EF4-FFF2-40B4-BE49-F238E27FC236}">
-                <a16:creationId xmlns:a16="http://schemas.microsoft.com/office/drawing/2014/main" id="{DE138CF0-103B-0446-A8F8-D0C2147732E7}"/>
-              </a:ext>
-            </a:extLst>
-          </p:cNvPr>
-          <p:cNvSpPr txBox="1"/>
-          <p:nvPr/>
-        </p:nvSpPr>
-        <p:spPr>
-          <a:xfrm>
-            <a:off x="245678" y="1029351"/>
-            <a:ext cx="5353944" cy="2123658"/>
-          </a:xfrm>
-          <a:prstGeom prst="rect">
-            <a:avLst/>
-          </a:prstGeom>
-          <a:noFill/>
-          <a:ln>
-            <a:solidFill>
-              <a:schemeClr val="tx1"/>
-            </a:solidFill>
-          </a:ln>
-        </p:spPr>
-        <p:txBody>
-          <a:bodyPr wrap="square" rtlCol="0">
-            <a:spAutoFit/>
-          </a:bodyPr>
-          <a:lstStyle/>
-          <a:p>
-            <a:r>
-              <a:rPr lang="en-GB" sz="2200" dirty="0" err="1"/>
-              <a:t>Problemer</a:t>
-            </a:r>
-            <a:r>
-              <a:rPr lang="en-GB" sz="2200" dirty="0"/>
-              <a:t>:</a:t>
-            </a:r>
-          </a:p>
-          <a:p>
-            <a:pPr marL="285750" indent="-285750">
-              <a:buFont typeface="Arial" panose="020B0604020202020204" pitchFamily="34" charset="0"/>
-              <a:buChar char="•"/>
-            </a:pPr>
-            <a:r>
-              <a:rPr lang="en-GB" sz="2200" dirty="0" err="1"/>
-              <a:t>Hvordan</a:t>
-            </a:r>
-            <a:r>
-              <a:rPr lang="en-GB" sz="2200" dirty="0"/>
-              <a:t> </a:t>
-            </a:r>
-            <a:r>
-              <a:rPr lang="en-GB" sz="2200" dirty="0" err="1"/>
-              <a:t>skal</a:t>
-            </a:r>
-            <a:r>
-              <a:rPr lang="en-GB" sz="2200" dirty="0"/>
-              <a:t> vi </a:t>
-            </a:r>
-            <a:r>
-              <a:rPr lang="en-GB" sz="2200" dirty="0" err="1"/>
-              <a:t>placere</a:t>
-            </a:r>
-            <a:r>
-              <a:rPr lang="en-GB" sz="2200" dirty="0"/>
-              <a:t> </a:t>
-            </a:r>
-            <a:r>
-              <a:rPr lang="en-GB" sz="2200" dirty="0" err="1"/>
-              <a:t>skibe</a:t>
-            </a:r>
-            <a:r>
-              <a:rPr lang="en-GB" sz="2200" dirty="0"/>
-              <a:t> </a:t>
-            </a:r>
-            <a:r>
-              <a:rPr lang="en-GB" sz="2200" dirty="0" err="1"/>
-              <a:t>på</a:t>
-            </a:r>
-            <a:r>
-              <a:rPr lang="en-GB" sz="2200" dirty="0"/>
-              <a:t> </a:t>
-            </a:r>
-            <a:r>
-              <a:rPr lang="en-GB" sz="2200" dirty="0" err="1"/>
-              <a:t>brættet</a:t>
-            </a:r>
-            <a:r>
-              <a:rPr lang="en-GB" sz="2200" dirty="0"/>
-              <a:t>?</a:t>
-            </a:r>
-          </a:p>
-          <a:p>
-            <a:pPr marL="285750" indent="-285750">
-              <a:buFont typeface="Arial" panose="020B0604020202020204" pitchFamily="34" charset="0"/>
-              <a:buChar char="•"/>
-            </a:pPr>
-            <a:r>
-              <a:rPr lang="en-GB" sz="2200" dirty="0" err="1"/>
-              <a:t>Hvordan</a:t>
-            </a:r>
-            <a:r>
-              <a:rPr lang="en-GB" sz="2200" dirty="0"/>
-              <a:t> </a:t>
-            </a:r>
-            <a:r>
-              <a:rPr lang="en-GB" sz="2200" dirty="0" err="1"/>
-              <a:t>skal</a:t>
-            </a:r>
-            <a:r>
-              <a:rPr lang="en-GB" sz="2200" dirty="0"/>
-              <a:t> vi </a:t>
-            </a:r>
-            <a:r>
-              <a:rPr lang="en-GB" sz="2200" dirty="0" err="1"/>
-              <a:t>repræsentere</a:t>
-            </a:r>
-            <a:r>
-              <a:rPr lang="en-GB" sz="2200" dirty="0"/>
-              <a:t>, at der </a:t>
-            </a:r>
-            <a:r>
-              <a:rPr lang="en-GB" sz="2200" dirty="0" err="1"/>
-              <a:t>er</a:t>
-            </a:r>
-            <a:r>
-              <a:rPr lang="en-GB" sz="2200" dirty="0"/>
-              <a:t> </a:t>
-            </a:r>
-            <a:r>
-              <a:rPr lang="en-GB" sz="2200" dirty="0" err="1"/>
-              <a:t>blevet</a:t>
-            </a:r>
-            <a:r>
-              <a:rPr lang="en-GB" sz="2200" dirty="0"/>
-              <a:t> </a:t>
-            </a:r>
-            <a:r>
-              <a:rPr lang="en-GB" sz="2200" dirty="0" err="1"/>
-              <a:t>skudt</a:t>
-            </a:r>
-            <a:r>
-              <a:rPr lang="en-GB" sz="2200" dirty="0"/>
-              <a:t> </a:t>
-            </a:r>
-            <a:r>
-              <a:rPr lang="en-GB" sz="2200" dirty="0" err="1"/>
-              <a:t>på</a:t>
-            </a:r>
-            <a:r>
-              <a:rPr lang="en-GB" sz="2200" dirty="0"/>
-              <a:t> et felt </a:t>
-            </a:r>
-            <a:r>
-              <a:rPr lang="en-GB" sz="2200" dirty="0" err="1"/>
-              <a:t>eller</a:t>
-            </a:r>
-            <a:r>
-              <a:rPr lang="en-GB" sz="2200" dirty="0"/>
-              <a:t> </a:t>
-            </a:r>
-            <a:r>
-              <a:rPr lang="en-GB" sz="2200" dirty="0" err="1"/>
-              <a:t>ej</a:t>
-            </a:r>
-            <a:r>
-              <a:rPr lang="en-GB" sz="2200" dirty="0"/>
-              <a:t>?</a:t>
-            </a:r>
-          </a:p>
-          <a:p>
-            <a:pPr marL="285750" indent="-285750">
-              <a:buFont typeface="Arial" panose="020B0604020202020204" pitchFamily="34" charset="0"/>
-              <a:buChar char="•"/>
-            </a:pPr>
-            <a:r>
-              <a:rPr lang="en-GB" sz="2200" dirty="0" err="1"/>
-              <a:t>Hvordan</a:t>
-            </a:r>
-            <a:r>
-              <a:rPr lang="en-GB" sz="2200" dirty="0"/>
-              <a:t> </a:t>
-            </a:r>
-            <a:r>
-              <a:rPr lang="en-GB" sz="2200" dirty="0" err="1"/>
-              <a:t>skal</a:t>
-            </a:r>
-            <a:r>
-              <a:rPr lang="en-GB" sz="2200" dirty="0"/>
-              <a:t> vi </a:t>
-            </a:r>
-            <a:r>
-              <a:rPr lang="en-GB" sz="2200" dirty="0" err="1"/>
-              <a:t>holde</a:t>
-            </a:r>
-            <a:r>
-              <a:rPr lang="en-GB" sz="2200" dirty="0"/>
-              <a:t> </a:t>
-            </a:r>
-            <a:r>
-              <a:rPr lang="en-GB" sz="2200" dirty="0" err="1"/>
-              <a:t>øje</a:t>
-            </a:r>
-            <a:r>
-              <a:rPr lang="en-GB" sz="2200" dirty="0"/>
-              <a:t> med om et </a:t>
-            </a:r>
-            <a:r>
-              <a:rPr lang="en-GB" sz="2200" dirty="0" err="1"/>
-              <a:t>skib</a:t>
-            </a:r>
-            <a:r>
-              <a:rPr lang="en-GB" sz="2200" dirty="0"/>
-              <a:t> </a:t>
-            </a:r>
-            <a:r>
-              <a:rPr lang="en-GB" sz="2200" dirty="0" err="1"/>
-              <a:t>er</a:t>
-            </a:r>
-            <a:r>
-              <a:rPr lang="en-GB" sz="2200" dirty="0"/>
-              <a:t> </a:t>
-            </a:r>
-            <a:r>
-              <a:rPr lang="en-GB" sz="2200" dirty="0" err="1"/>
-              <a:t>sænket</a:t>
-            </a:r>
-            <a:r>
-              <a:rPr lang="en-GB" sz="2200" dirty="0"/>
-              <a:t> </a:t>
-            </a:r>
-            <a:r>
-              <a:rPr lang="en-GB" sz="2200" dirty="0" err="1"/>
-              <a:t>eller</a:t>
-            </a:r>
-            <a:r>
-              <a:rPr lang="en-GB" sz="2200" dirty="0"/>
-              <a:t> </a:t>
-            </a:r>
-            <a:r>
-              <a:rPr lang="en-GB" sz="2200" dirty="0" err="1"/>
-              <a:t>ej</a:t>
-            </a:r>
-            <a:r>
-              <a:rPr lang="en-GB" sz="2200" dirty="0"/>
-              <a:t>?</a:t>
-            </a:r>
-          </a:p>
-        </p:txBody>
-      </p:sp>
-      <p:sp>
-        <p:nvSpPr>
-          <p:cNvPr id="3" name="TextBox 2">
-            <a:extLst>
-              <a:ext uri="{FF2B5EF4-FFF2-40B4-BE49-F238E27FC236}">
-                <a16:creationId xmlns:a16="http://schemas.microsoft.com/office/drawing/2014/main" id="{D5611F72-FDFD-B84B-B4D7-9AAB266C14D3}"/>
-              </a:ext>
-            </a:extLst>
-          </p:cNvPr>
-          <p:cNvSpPr txBox="1"/>
-          <p:nvPr/>
-        </p:nvSpPr>
-        <p:spPr>
-          <a:xfrm>
-            <a:off x="245678" y="3750590"/>
-            <a:ext cx="5351560" cy="1107996"/>
-          </a:xfrm>
-          <a:prstGeom prst="rect">
-            <a:avLst/>
-          </a:prstGeom>
-          <a:noFill/>
-          <a:ln>
-            <a:solidFill>
-              <a:schemeClr val="tx1"/>
-            </a:solidFill>
-          </a:ln>
-        </p:spPr>
-        <p:txBody>
-          <a:bodyPr wrap="square" rtlCol="0">
-            <a:spAutoFit/>
-          </a:bodyPr>
-          <a:lstStyle/>
-          <a:p>
-            <a:r>
-              <a:rPr lang="en-GB" sz="2200" dirty="0"/>
-              <a:t>Princip: </a:t>
-            </a:r>
-          </a:p>
-          <a:p>
-            <a:pPr marL="285750" indent="-285750">
-              <a:buFont typeface="Arial" panose="020B0604020202020204" pitchFamily="34" charset="0"/>
-              <a:buChar char="•"/>
-            </a:pPr>
-            <a:r>
-              <a:rPr lang="en-GB" sz="2200" dirty="0" err="1"/>
-              <a:t>Objekter</a:t>
-            </a:r>
-            <a:r>
-              <a:rPr lang="en-GB" sz="2200" dirty="0"/>
-              <a:t> </a:t>
-            </a:r>
-            <a:r>
-              <a:rPr lang="en-GB" sz="2200" dirty="0" err="1"/>
-              <a:t>skal</a:t>
-            </a:r>
-            <a:r>
-              <a:rPr lang="en-GB" sz="2200" dirty="0"/>
-              <a:t> </a:t>
-            </a:r>
-            <a:r>
-              <a:rPr lang="en-GB" sz="2200" dirty="0" err="1"/>
-              <a:t>være</a:t>
-            </a:r>
-            <a:r>
-              <a:rPr lang="en-GB" sz="2200" dirty="0"/>
-              <a:t> simple med </a:t>
-            </a:r>
-            <a:r>
-              <a:rPr lang="en-GB" sz="2200" dirty="0" err="1"/>
-              <a:t>så</a:t>
-            </a:r>
-            <a:r>
-              <a:rPr lang="en-GB" sz="2200" dirty="0"/>
-              <a:t> </a:t>
-            </a:r>
-            <a:r>
-              <a:rPr lang="en-GB" sz="2200" dirty="0" err="1"/>
-              <a:t>få</a:t>
-            </a:r>
-            <a:r>
-              <a:rPr lang="en-GB" sz="2200" dirty="0"/>
-              <a:t> </a:t>
-            </a:r>
-            <a:r>
-              <a:rPr lang="en-GB" sz="2200" dirty="0" err="1"/>
-              <a:t>bindinger</a:t>
-            </a:r>
-            <a:r>
-              <a:rPr lang="en-GB" sz="2200" dirty="0"/>
-              <a:t> </a:t>
-            </a:r>
-            <a:r>
-              <a:rPr lang="en-GB" sz="2200" dirty="0" err="1"/>
-              <a:t>til</a:t>
-            </a:r>
-            <a:r>
-              <a:rPr lang="en-GB" sz="2200" dirty="0"/>
-              <a:t> </a:t>
-            </a:r>
-            <a:r>
-              <a:rPr lang="en-GB" sz="2200" dirty="0" err="1"/>
-              <a:t>andre</a:t>
-            </a:r>
-            <a:r>
-              <a:rPr lang="en-GB" sz="2200" dirty="0"/>
-              <a:t>, </a:t>
-            </a:r>
-            <a:r>
-              <a:rPr lang="en-GB" sz="2200" dirty="0" err="1"/>
-              <a:t>som</a:t>
-            </a:r>
-            <a:r>
-              <a:rPr lang="en-GB" sz="2200" dirty="0"/>
-              <a:t> </a:t>
-            </a:r>
-            <a:r>
-              <a:rPr lang="en-GB" sz="2200" dirty="0" err="1"/>
-              <a:t>muligt</a:t>
-            </a:r>
-            <a:endParaRPr lang="en-GB" sz="2200" dirty="0"/>
-          </a:p>
-        </p:txBody>
-      </p:sp>
-      <p:sp>
-        <p:nvSpPr>
-          <p:cNvPr id="4" name="TextBox 3">
-            <a:extLst>
-              <a:ext uri="{FF2B5EF4-FFF2-40B4-BE49-F238E27FC236}">
-                <a16:creationId xmlns:a16="http://schemas.microsoft.com/office/drawing/2014/main" id="{1258F454-B6D8-7D4A-95A3-3A46D5C00EC2}"/>
-              </a:ext>
-            </a:extLst>
-          </p:cNvPr>
-          <p:cNvSpPr txBox="1"/>
-          <p:nvPr/>
-        </p:nvSpPr>
-        <p:spPr>
-          <a:xfrm>
-            <a:off x="245678" y="5167612"/>
-            <a:ext cx="5351559" cy="1446550"/>
-          </a:xfrm>
-          <a:prstGeom prst="rect">
-            <a:avLst/>
-          </a:prstGeom>
-          <a:noFill/>
-          <a:ln>
-            <a:solidFill>
-              <a:schemeClr val="tx1"/>
-            </a:solidFill>
-          </a:ln>
-        </p:spPr>
-        <p:txBody>
-          <a:bodyPr wrap="square" rtlCol="0">
-            <a:spAutoFit/>
-          </a:bodyPr>
-          <a:lstStyle/>
-          <a:p>
-            <a:pPr marL="285750" indent="-285750">
-              <a:buFont typeface="Arial" panose="020B0604020202020204" pitchFamily="34" charset="0"/>
-              <a:buChar char="•"/>
-            </a:pPr>
-            <a:r>
-              <a:rPr lang="en-GB" sz="2200" dirty="0"/>
-              <a:t>Spiller har </a:t>
-            </a:r>
-            <a:r>
-              <a:rPr lang="en-GB" sz="2200" dirty="0" err="1"/>
-              <a:t>skibe</a:t>
-            </a:r>
-            <a:endParaRPr lang="en-GB" sz="2200" dirty="0"/>
-          </a:p>
-          <a:p>
-            <a:pPr marL="285750" indent="-285750">
-              <a:buFont typeface="Arial" panose="020B0604020202020204" pitchFamily="34" charset="0"/>
-              <a:buChar char="•"/>
-            </a:pPr>
-            <a:r>
-              <a:rPr lang="en-GB" sz="2200" dirty="0" err="1"/>
-              <a:t>Skibe</a:t>
-            </a:r>
-            <a:r>
-              <a:rPr lang="en-GB" sz="2200" dirty="0"/>
-              <a:t> </a:t>
-            </a:r>
-            <a:r>
-              <a:rPr lang="en-GB" sz="2200" dirty="0" err="1"/>
-              <a:t>kender</a:t>
-            </a:r>
-            <a:r>
-              <a:rPr lang="en-GB" sz="2200" dirty="0"/>
-              <a:t> </a:t>
-            </a:r>
-            <a:r>
-              <a:rPr lang="en-GB" sz="2200" dirty="0" err="1"/>
-              <a:t>til</a:t>
-            </a:r>
-            <a:r>
-              <a:rPr lang="en-GB" sz="2200" dirty="0"/>
-              <a:t> spiller/</a:t>
-            </a:r>
-            <a:r>
-              <a:rPr lang="en-GB" sz="2200" dirty="0" err="1"/>
-              <a:t>plade</a:t>
-            </a:r>
-            <a:r>
-              <a:rPr lang="en-GB" sz="2200" dirty="0"/>
-              <a:t>/felt/</a:t>
-            </a:r>
-            <a:r>
-              <a:rPr lang="en-GB" sz="2200" dirty="0" err="1"/>
-              <a:t>koordinat</a:t>
-            </a:r>
-            <a:r>
-              <a:rPr lang="en-GB" sz="2200" dirty="0"/>
-              <a:t>?</a:t>
-            </a:r>
-          </a:p>
-          <a:p>
-            <a:pPr marL="285750" indent="-285750">
-              <a:buFont typeface="Arial" panose="020B0604020202020204" pitchFamily="34" charset="0"/>
-              <a:buChar char="•"/>
-            </a:pPr>
-            <a:r>
-              <a:rPr lang="en-GB" sz="2200" dirty="0" err="1"/>
-              <a:t>Plade</a:t>
-            </a:r>
-            <a:r>
-              <a:rPr lang="en-GB" sz="2200" dirty="0"/>
-              <a:t> </a:t>
-            </a:r>
-            <a:r>
-              <a:rPr lang="en-GB" sz="2200" dirty="0" err="1"/>
-              <a:t>kender</a:t>
-            </a:r>
-            <a:r>
-              <a:rPr lang="en-GB" sz="2200" dirty="0"/>
-              <a:t> </a:t>
-            </a:r>
-            <a:r>
-              <a:rPr lang="en-GB" sz="2200" dirty="0" err="1"/>
-              <a:t>til</a:t>
-            </a:r>
-            <a:r>
-              <a:rPr lang="en-GB" sz="2200" dirty="0"/>
-              <a:t> spiller/</a:t>
-            </a:r>
-            <a:r>
-              <a:rPr lang="en-GB" sz="2200" dirty="0" err="1"/>
-              <a:t>skibe</a:t>
-            </a:r>
-            <a:r>
-              <a:rPr lang="en-GB" sz="2200" dirty="0"/>
-              <a:t>?</a:t>
-            </a:r>
-          </a:p>
-        </p:txBody>
-      </p:sp>
-      <p:pic>
-        <p:nvPicPr>
-          <p:cNvPr id="62" name="Picture 61">
-            <a:extLst>
-              <a:ext uri="{FF2B5EF4-FFF2-40B4-BE49-F238E27FC236}">
-                <a16:creationId xmlns:a16="http://schemas.microsoft.com/office/drawing/2014/main" id="{D2D8C1C3-E691-3145-A543-E728DD37910D}"/>
-              </a:ext>
-            </a:extLst>
-          </p:cNvPr>
-          <p:cNvPicPr>
-            <a:picLocks noChangeAspect="1"/>
-          </p:cNvPicPr>
-          <p:nvPr/>
-        </p:nvPicPr>
-        <p:blipFill>
-          <a:blip r:embed="rId3"/>
-          <a:stretch>
-            <a:fillRect/>
-          </a:stretch>
-        </p:blipFill>
-        <p:spPr>
-          <a:xfrm>
-            <a:off x="6096000" y="4832744"/>
-            <a:ext cx="5688564" cy="1564355"/>
-          </a:xfrm>
-          <a:prstGeom prst="rect">
-            <a:avLst/>
-          </a:prstGeom>
-        </p:spPr>
-      </p:pic>
-      <p:pic>
-        <p:nvPicPr>
-          <p:cNvPr id="11" name="Picture 10">
-            <a:extLst>
-              <a:ext uri="{FF2B5EF4-FFF2-40B4-BE49-F238E27FC236}">
-                <a16:creationId xmlns:a16="http://schemas.microsoft.com/office/drawing/2014/main" id="{C2B9041A-C176-344E-B5D4-4E780EC66118}"/>
-              </a:ext>
-            </a:extLst>
-          </p:cNvPr>
-          <p:cNvPicPr>
-            <a:picLocks noChangeAspect="1"/>
-          </p:cNvPicPr>
-          <p:nvPr/>
-        </p:nvPicPr>
-        <p:blipFill>
-          <a:blip r:embed="rId4"/>
-          <a:stretch>
-            <a:fillRect/>
-          </a:stretch>
-        </p:blipFill>
-        <p:spPr>
-          <a:xfrm>
-            <a:off x="6068705" y="710555"/>
-            <a:ext cx="5649060" cy="5915683"/>
-          </a:xfrm>
-          <a:prstGeom prst="rect">
-            <a:avLst/>
-          </a:prstGeom>
-        </p:spPr>
-      </p:pic>
-    </p:spTree>
-    <p:extLst>
-      <p:ext uri="{BB962C8B-B14F-4D97-AF65-F5344CB8AC3E}">
-        <p14:creationId xmlns:p14="http://schemas.microsoft.com/office/powerpoint/2010/main" val="3836570722"/>
-      </p:ext>
-    </p:extLst>
-  </p:cSld>
-  <p:clrMapOvr>
-    <a:masterClrMapping/>
-  </p:clrMapOvr>
-  <p:timing>
-    <p:tnLst>
-      <p:par>
-        <p:cTn id="1" dur="indefinite" restart="never" nodeType="tmRoot">
-          <p:childTnLst>
-            <p:seq concurrent="1" nextAc="seek">
-              <p:cTn id="2" dur="indefinite" nodeType="mainSeq">
-                <p:childTnLst>
-                  <p:par>
-                    <p:cTn id="3" fill="hold">
-                      <p:stCondLst>
-                        <p:cond delay="indefinite"/>
-                      </p:stCondLst>
-                      <p:childTnLst>
-                        <p:par>
-                          <p:cTn id="4" fill="hold">
-                            <p:stCondLst>
-                              <p:cond delay="0"/>
-                            </p:stCondLst>
-                            <p:childTnLst>
-                              <p:par>
-                                <p:cTn id="5" presetID="1" presetClass="entr" presetSubtype="0" fill="hold" grpId="0" nodeType="clickEffect">
-                                  <p:stCondLst>
-                                    <p:cond delay="0"/>
-                                  </p:stCondLst>
-                                  <p:childTnLst>
-                                    <p:set>
-                                      <p:cBhvr>
-                                        <p:cTn id="6" dur="1" fill="hold">
-                                          <p:stCondLst>
-                                            <p:cond delay="0"/>
-                                          </p:stCondLst>
-                                        </p:cTn>
-                                        <p:tgtEl>
-                                          <p:spTgt spid="3"/>
-                                        </p:tgtEl>
-                                        <p:attrNameLst>
-                                          <p:attrName>style.visibility</p:attrName>
-                                        </p:attrNameLst>
-                                      </p:cBhvr>
-                                      <p:to>
-                                        <p:strVal val="visible"/>
-                                      </p:to>
-                                    </p:set>
-                                  </p:childTnLst>
-                                </p:cTn>
-                              </p:par>
-                            </p:childTnLst>
-                          </p:cTn>
-                        </p:par>
-                      </p:childTnLst>
-                    </p:cTn>
-                  </p:par>
-                  <p:par>
-                    <p:cTn id="7" fill="hold">
-                      <p:stCondLst>
-                        <p:cond delay="indefinite"/>
-                      </p:stCondLst>
-                      <p:childTnLst>
-                        <p:par>
-                          <p:cTn id="8" fill="hold">
-                            <p:stCondLst>
-                              <p:cond delay="0"/>
-                            </p:stCondLst>
-                            <p:childTnLst>
-                              <p:par>
-                                <p:cTn id="9" presetID="1" presetClass="entr" presetSubtype="0" fill="hold" grpId="0" nodeType="clickEffect">
-                                  <p:stCondLst>
-                                    <p:cond delay="0"/>
-                                  </p:stCondLst>
-                                  <p:childTnLst>
-                                    <p:set>
-                                      <p:cBhvr>
-                                        <p:cTn id="10" dur="1" fill="hold">
-                                          <p:stCondLst>
-                                            <p:cond delay="0"/>
-                                          </p:stCondLst>
-                                        </p:cTn>
-                                        <p:tgtEl>
-                                          <p:spTgt spid="4"/>
-                                        </p:tgtEl>
-                                        <p:attrNameLst>
-                                          <p:attrName>style.visibility</p:attrName>
-                                        </p:attrNameLst>
-                                      </p:cBhvr>
-                                      <p:to>
-                                        <p:strVal val="visible"/>
-                                      </p:to>
-                                    </p:set>
-                                  </p:childTnLst>
-                                </p:cTn>
-                              </p:par>
-                            </p:childTnLst>
-                          </p:cTn>
-                        </p:par>
-                      </p:childTnLst>
-                    </p:cTn>
-                  </p:par>
-                  <p:par>
-                    <p:cTn id="11" fill="hold">
-                      <p:stCondLst>
-                        <p:cond delay="indefinite"/>
-                      </p:stCondLst>
-                      <p:childTnLst>
-                        <p:par>
-                          <p:cTn id="12" fill="hold">
-                            <p:stCondLst>
-                              <p:cond delay="0"/>
-                            </p:stCondLst>
-                            <p:childTnLst>
-                              <p:par>
-                                <p:cTn id="13" presetID="1" presetClass="exit" presetSubtype="0" fill="hold" nodeType="clickEffect">
-                                  <p:stCondLst>
-                                    <p:cond delay="0"/>
-                                  </p:stCondLst>
-                                  <p:childTnLst>
-                                    <p:set>
-                                      <p:cBhvr>
-                                        <p:cTn id="14" dur="1" fill="hold">
-                                          <p:stCondLst>
-                                            <p:cond delay="0"/>
-                                          </p:stCondLst>
-                                        </p:cTn>
-                                        <p:tgtEl>
-                                          <p:spTgt spid="11"/>
-                                        </p:tgtEl>
-                                        <p:attrNameLst>
-                                          <p:attrName>style.visibility</p:attrName>
-                                        </p:attrNameLst>
-                                      </p:cBhvr>
-                                      <p:to>
-                                        <p:strVal val="hidden"/>
-                                      </p:to>
-                                    </p:set>
-                                  </p:childTnLst>
-                                </p:cTn>
-                              </p:par>
-                            </p:childTnLst>
-                          </p:cTn>
-                        </p:par>
-                      </p:childTnLst>
-                    </p:cTn>
-                  </p:par>
-                </p:childTnLst>
-              </p:cTn>
-              <p:prevCondLst>
-                <p:cond evt="onPrev" delay="0">
-                  <p:tgtEl>
-                    <p:sldTgt/>
-                  </p:tgtEl>
-                </p:cond>
-              </p:prevCondLst>
-              <p:nextCondLst>
-                <p:cond evt="onNext" delay="0">
-                  <p:tgtEl>
-                    <p:sldTgt/>
-                  </p:tgtEl>
-                </p:cond>
-              </p:nextCondLst>
-            </p:seq>
-          </p:childTnLst>
-        </p:cTn>
-      </p:par>
-    </p:tnLst>
-    <p:bldLst>
-      <p:bldP spid="3" grpId="0" animBg="1"/>
-      <p:bldP spid="4" grpId="0" animBg="1"/>
     </p:bldLst>
   </p:timing>
 </p:sld>
@@ -15615,2632 +11900,6 @@
   <p:clrMapOvr>
     <a:masterClrMapping/>
   </p:clrMapOvr>
-</p:sld>
-</file>
-
-<file path=ppt/slides/slide20.xml><?xml version="1.0" encoding="utf-8"?>
-<p:sld xmlns:a="http://schemas.openxmlformats.org/drawingml/2006/main" xmlns:r="http://schemas.openxmlformats.org/officeDocument/2006/relationships" xmlns:p="http://schemas.openxmlformats.org/presentationml/2006/main">
-  <p:cSld>
-    <p:spTree>
-      <p:nvGrpSpPr>
-        <p:cNvPr id="1" name=""/>
-        <p:cNvGrpSpPr/>
-        <p:nvPr/>
-      </p:nvGrpSpPr>
-      <p:grpSpPr>
-        <a:xfrm>
-          <a:off x="0" y="0"/>
-          <a:ext cx="0" cy="0"/>
-          <a:chOff x="0" y="0"/>
-          <a:chExt cx="0" cy="0"/>
-        </a:xfrm>
-      </p:grpSpPr>
-      <p:sp>
-        <p:nvSpPr>
-          <p:cNvPr id="8" name="Title 1">
-            <a:extLst>
-              <a:ext uri="{FF2B5EF4-FFF2-40B4-BE49-F238E27FC236}">
-                <a16:creationId xmlns:a16="http://schemas.microsoft.com/office/drawing/2014/main" id="{9BC41EBE-0CFC-BB44-ABFD-042EF58D24BB}"/>
-              </a:ext>
-            </a:extLst>
-          </p:cNvPr>
-          <p:cNvSpPr txBox="1">
-            <a:spLocks/>
-          </p:cNvSpPr>
-          <p:nvPr/>
-        </p:nvSpPr>
-        <p:spPr>
-          <a:xfrm>
-            <a:off x="89648" y="32523"/>
-            <a:ext cx="11472087" cy="1084122"/>
-          </a:xfrm>
-          <a:prstGeom prst="rect">
-            <a:avLst/>
-          </a:prstGeom>
-        </p:spPr>
-        <p:txBody>
-          <a:bodyPr vert="horz" lIns="91440" tIns="45720" rIns="91440" bIns="45720" rtlCol="0" anchor="ctr">
-            <a:normAutofit/>
-          </a:bodyPr>
-          <a:lstStyle>
-            <a:lvl1pPr algn="l" defTabSz="914400" rtl="0" eaLnBrk="1" latinLnBrk="0" hangingPunct="1">
-              <a:lnSpc>
-                <a:spcPct val="90000"/>
-              </a:lnSpc>
-              <a:spcBef>
-                <a:spcPct val="0"/>
-              </a:spcBef>
-              <a:buNone/>
-              <a:defRPr sz="4400" kern="1200">
-                <a:solidFill>
-                  <a:schemeClr val="tx1"/>
-                </a:solidFill>
-                <a:latin typeface="+mj-lt"/>
-                <a:ea typeface="+mj-ea"/>
-                <a:cs typeface="+mj-cs"/>
-              </a:defRPr>
-            </a:lvl1pPr>
-          </a:lstStyle>
-          <a:p>
-            <a:r>
-              <a:rPr lang="da-DK" dirty="0"/>
-              <a:t>Sænke slagskibe: </a:t>
-            </a:r>
-            <a:r>
-              <a:rPr lang="en-GB" i="1" dirty="0" err="1"/>
-              <a:t>Kender</a:t>
-            </a:r>
-            <a:r>
-              <a:rPr lang="en-GB" i="1" dirty="0"/>
-              <a:t> </a:t>
-            </a:r>
-            <a:r>
-              <a:rPr lang="en-GB" i="1" dirty="0" err="1"/>
-              <a:t>til</a:t>
-            </a:r>
-            <a:r>
-              <a:rPr lang="en-GB" i="1" dirty="0"/>
-              <a:t> </a:t>
-            </a:r>
-            <a:r>
-              <a:rPr lang="en-GB" i="1" dirty="0" err="1"/>
-              <a:t>relationer</a:t>
-            </a:r>
-            <a:endParaRPr lang="da-DK" dirty="0"/>
-          </a:p>
-        </p:txBody>
-      </p:sp>
-      <p:pic>
-        <p:nvPicPr>
-          <p:cNvPr id="62" name="Picture 61">
-            <a:extLst>
-              <a:ext uri="{FF2B5EF4-FFF2-40B4-BE49-F238E27FC236}">
-                <a16:creationId xmlns:a16="http://schemas.microsoft.com/office/drawing/2014/main" id="{D2D8C1C3-E691-3145-A543-E728DD37910D}"/>
-              </a:ext>
-            </a:extLst>
-          </p:cNvPr>
-          <p:cNvPicPr>
-            <a:picLocks noChangeAspect="1"/>
-          </p:cNvPicPr>
-          <p:nvPr/>
-        </p:nvPicPr>
-        <p:blipFill>
-          <a:blip r:embed="rId2"/>
-          <a:stretch>
-            <a:fillRect/>
-          </a:stretch>
-        </p:blipFill>
-        <p:spPr>
-          <a:xfrm>
-            <a:off x="484837" y="4743505"/>
-            <a:ext cx="5688564" cy="1564355"/>
-          </a:xfrm>
-          <a:prstGeom prst="rect">
-            <a:avLst/>
-          </a:prstGeom>
-        </p:spPr>
-      </p:pic>
-      <p:graphicFrame>
-        <p:nvGraphicFramePr>
-          <p:cNvPr id="63" name="Table 62">
-            <a:extLst>
-              <a:ext uri="{FF2B5EF4-FFF2-40B4-BE49-F238E27FC236}">
-                <a16:creationId xmlns:a16="http://schemas.microsoft.com/office/drawing/2014/main" id="{F2970603-E811-7A41-986D-8B0CD37FD73C}"/>
-              </a:ext>
-            </a:extLst>
-          </p:cNvPr>
-          <p:cNvGraphicFramePr>
-            <a:graphicFrameLocks noGrp="1"/>
-          </p:cNvGraphicFramePr>
-          <p:nvPr>
-            <p:extLst>
-              <p:ext uri="{D42A27DB-BD31-4B8C-83A1-F6EECF244321}">
-                <p14:modId xmlns:p14="http://schemas.microsoft.com/office/powerpoint/2010/main" val="3230415359"/>
-              </p:ext>
-            </p:extLst>
-          </p:nvPr>
-        </p:nvGraphicFramePr>
-        <p:xfrm>
-          <a:off x="7033216" y="1364079"/>
-          <a:ext cx="4199604" cy="3087660"/>
-        </p:xfrm>
-        <a:graphic>
-          <a:graphicData uri="http://schemas.openxmlformats.org/drawingml/2006/table">
-            <a:tbl>
-              <a:tblPr firstRow="1" bandRow="1">
-                <a:tableStyleId>{2D5ABB26-0587-4C30-8999-92F81FD0307C}</a:tableStyleId>
-              </a:tblPr>
-              <a:tblGrid>
-                <a:gridCol w="699934">
-                  <a:extLst>
-                    <a:ext uri="{9D8B030D-6E8A-4147-A177-3AD203B41FA5}">
-                      <a16:colId xmlns:a16="http://schemas.microsoft.com/office/drawing/2014/main" val="3880725768"/>
-                    </a:ext>
-                  </a:extLst>
-                </a:gridCol>
-                <a:gridCol w="699934">
-                  <a:extLst>
-                    <a:ext uri="{9D8B030D-6E8A-4147-A177-3AD203B41FA5}">
-                      <a16:colId xmlns:a16="http://schemas.microsoft.com/office/drawing/2014/main" val="3374527806"/>
-                    </a:ext>
-                  </a:extLst>
-                </a:gridCol>
-                <a:gridCol w="699934">
-                  <a:extLst>
-                    <a:ext uri="{9D8B030D-6E8A-4147-A177-3AD203B41FA5}">
-                      <a16:colId xmlns:a16="http://schemas.microsoft.com/office/drawing/2014/main" val="2418372968"/>
-                    </a:ext>
-                  </a:extLst>
-                </a:gridCol>
-                <a:gridCol w="699934">
-                  <a:extLst>
-                    <a:ext uri="{9D8B030D-6E8A-4147-A177-3AD203B41FA5}">
-                      <a16:colId xmlns:a16="http://schemas.microsoft.com/office/drawing/2014/main" val="961054593"/>
-                    </a:ext>
-                  </a:extLst>
-                </a:gridCol>
-                <a:gridCol w="699934">
-                  <a:extLst>
-                    <a:ext uri="{9D8B030D-6E8A-4147-A177-3AD203B41FA5}">
-                      <a16:colId xmlns:a16="http://schemas.microsoft.com/office/drawing/2014/main" val="3798740948"/>
-                    </a:ext>
-                  </a:extLst>
-                </a:gridCol>
-                <a:gridCol w="699934">
-                  <a:extLst>
-                    <a:ext uri="{9D8B030D-6E8A-4147-A177-3AD203B41FA5}">
-                      <a16:colId xmlns:a16="http://schemas.microsoft.com/office/drawing/2014/main" val="58108870"/>
-                    </a:ext>
-                  </a:extLst>
-                </a:gridCol>
-              </a:tblGrid>
-              <a:tr h="617532">
-                <a:tc>
-                  <a:txBody>
-                    <a:bodyPr/>
-                    <a:lstStyle/>
-                    <a:p>
-                      <a:pPr algn="ctr"/>
-                      <a:r>
-                        <a:rPr lang="en-GB" dirty="0"/>
-                        <a:t>(f, S  )</a:t>
-                      </a:r>
-                    </a:p>
-                  </a:txBody>
-                  <a:tcPr anchor="ctr">
-                    <a:lnL w="12700" cap="flat" cmpd="sng" algn="ctr">
-                      <a:solidFill>
-                        <a:schemeClr val="tx1"/>
-                      </a:solidFill>
-                      <a:prstDash val="solid"/>
-                      <a:round/>
-                      <a:headEnd type="none" w="med" len="med"/>
-                      <a:tailEnd type="none" w="med" len="med"/>
-                    </a:lnL>
-                    <a:lnR w="12700" cap="flat" cmpd="sng" algn="ctr">
-                      <a:solidFill>
-                        <a:schemeClr val="tx1"/>
-                      </a:solidFill>
-                      <a:prstDash val="solid"/>
-                      <a:round/>
-                      <a:headEnd type="none" w="med" len="med"/>
-                      <a:tailEnd type="none" w="med" len="med"/>
-                    </a:lnR>
-                    <a:lnT w="12700" cap="flat" cmpd="sng" algn="ctr">
-                      <a:solidFill>
-                        <a:schemeClr val="tx1"/>
-                      </a:solidFill>
-                      <a:prstDash val="solid"/>
-                      <a:round/>
-                      <a:headEnd type="none" w="med" len="med"/>
-                      <a:tailEnd type="none" w="med" len="med"/>
-                    </a:lnT>
-                    <a:lnB w="12700" cap="flat" cmpd="sng" algn="ctr">
-                      <a:solidFill>
-                        <a:schemeClr val="tx1"/>
-                      </a:solidFill>
-                      <a:prstDash val="solid"/>
-                      <a:round/>
-                      <a:headEnd type="none" w="med" len="med"/>
-                      <a:tailEnd type="none" w="med" len="med"/>
-                    </a:lnB>
-                  </a:tcPr>
-                </a:tc>
-                <a:tc>
-                  <a:txBody>
-                    <a:bodyPr/>
-                    <a:lstStyle/>
-                    <a:p>
-                      <a:pPr algn="ctr"/>
-                      <a:r>
-                        <a:rPr lang="en-GB" dirty="0"/>
-                        <a:t>(f, S  )</a:t>
-                      </a:r>
-                    </a:p>
-                  </a:txBody>
-                  <a:tcPr anchor="ctr">
-                    <a:lnL w="12700" cap="flat" cmpd="sng" algn="ctr">
-                      <a:solidFill>
-                        <a:schemeClr val="tx1"/>
-                      </a:solidFill>
-                      <a:prstDash val="solid"/>
-                      <a:round/>
-                      <a:headEnd type="none" w="med" len="med"/>
-                      <a:tailEnd type="none" w="med" len="med"/>
-                    </a:lnL>
-                    <a:lnR w="12700" cap="flat" cmpd="sng" algn="ctr">
-                      <a:solidFill>
-                        <a:schemeClr val="tx1"/>
-                      </a:solidFill>
-                      <a:prstDash val="solid"/>
-                      <a:round/>
-                      <a:headEnd type="none" w="med" len="med"/>
-                      <a:tailEnd type="none" w="med" len="med"/>
-                    </a:lnR>
-                    <a:lnT w="12700" cap="flat" cmpd="sng" algn="ctr">
-                      <a:solidFill>
-                        <a:schemeClr val="tx1"/>
-                      </a:solidFill>
-                      <a:prstDash val="solid"/>
-                      <a:round/>
-                      <a:headEnd type="none" w="med" len="med"/>
-                      <a:tailEnd type="none" w="med" len="med"/>
-                    </a:lnT>
-                    <a:lnB w="12700" cap="flat" cmpd="sng" algn="ctr">
-                      <a:solidFill>
-                        <a:schemeClr val="tx1"/>
-                      </a:solidFill>
-                      <a:prstDash val="solid"/>
-                      <a:round/>
-                      <a:headEnd type="none" w="med" len="med"/>
-                      <a:tailEnd type="none" w="med" len="med"/>
-                    </a:lnB>
-                  </a:tcPr>
-                </a:tc>
-                <a:tc>
-                  <a:txBody>
-                    <a:bodyPr/>
-                    <a:lstStyle/>
-                    <a:p>
-                      <a:pPr algn="ctr"/>
-                      <a:r>
-                        <a:rPr lang="en-GB" dirty="0"/>
-                        <a:t>(f, S  )</a:t>
-                      </a:r>
-                    </a:p>
-                  </a:txBody>
-                  <a:tcPr anchor="ctr">
-                    <a:lnL w="12700" cap="flat" cmpd="sng" algn="ctr">
-                      <a:solidFill>
-                        <a:schemeClr val="tx1"/>
-                      </a:solidFill>
-                      <a:prstDash val="solid"/>
-                      <a:round/>
-                      <a:headEnd type="none" w="med" len="med"/>
-                      <a:tailEnd type="none" w="med" len="med"/>
-                    </a:lnL>
-                    <a:lnR w="12700" cap="flat" cmpd="sng" algn="ctr">
-                      <a:solidFill>
-                        <a:schemeClr val="tx1"/>
-                      </a:solidFill>
-                      <a:prstDash val="solid"/>
-                      <a:round/>
-                      <a:headEnd type="none" w="med" len="med"/>
-                      <a:tailEnd type="none" w="med" len="med"/>
-                    </a:lnR>
-                    <a:lnT w="12700" cap="flat" cmpd="sng" algn="ctr">
-                      <a:solidFill>
-                        <a:schemeClr val="tx1"/>
-                      </a:solidFill>
-                      <a:prstDash val="solid"/>
-                      <a:round/>
-                      <a:headEnd type="none" w="med" len="med"/>
-                      <a:tailEnd type="none" w="med" len="med"/>
-                    </a:lnT>
-                    <a:lnB w="12700" cap="flat" cmpd="sng" algn="ctr">
-                      <a:solidFill>
-                        <a:schemeClr val="tx1"/>
-                      </a:solidFill>
-                      <a:prstDash val="solid"/>
-                      <a:round/>
-                      <a:headEnd type="none" w="med" len="med"/>
-                      <a:tailEnd type="none" w="med" len="med"/>
-                    </a:lnB>
-                  </a:tcPr>
-                </a:tc>
-                <a:tc>
-                  <a:txBody>
-                    <a:bodyPr/>
-                    <a:lstStyle/>
-                    <a:p>
-                      <a:r>
-                        <a:rPr lang="en-GB" dirty="0"/>
-                        <a:t>(</a:t>
-                      </a:r>
-                      <a:r>
-                        <a:rPr lang="en-GB" dirty="0" err="1"/>
-                        <a:t>f,N</a:t>
-                      </a:r>
-                      <a:r>
-                        <a:rPr lang="en-GB" dirty="0"/>
-                        <a:t>)</a:t>
-                      </a:r>
-                    </a:p>
-                  </a:txBody>
-                  <a:tcPr anchor="ctr">
-                    <a:lnL w="12700" cap="flat" cmpd="sng" algn="ctr">
-                      <a:solidFill>
-                        <a:schemeClr val="tx1"/>
-                      </a:solidFill>
-                      <a:prstDash val="solid"/>
-                      <a:round/>
-                      <a:headEnd type="none" w="med" len="med"/>
-                      <a:tailEnd type="none" w="med" len="med"/>
-                    </a:lnL>
-                    <a:lnR w="12700" cap="flat" cmpd="sng" algn="ctr">
-                      <a:solidFill>
-                        <a:schemeClr val="tx1"/>
-                      </a:solidFill>
-                      <a:prstDash val="solid"/>
-                      <a:round/>
-                      <a:headEnd type="none" w="med" len="med"/>
-                      <a:tailEnd type="none" w="med" len="med"/>
-                    </a:lnR>
-                    <a:lnT w="12700" cap="flat" cmpd="sng" algn="ctr">
-                      <a:solidFill>
-                        <a:schemeClr val="tx1"/>
-                      </a:solidFill>
-                      <a:prstDash val="solid"/>
-                      <a:round/>
-                      <a:headEnd type="none" w="med" len="med"/>
-                      <a:tailEnd type="none" w="med" len="med"/>
-                    </a:lnT>
-                    <a:lnB w="12700" cap="flat" cmpd="sng" algn="ctr">
-                      <a:solidFill>
-                        <a:schemeClr val="tx1"/>
-                      </a:solidFill>
-                      <a:prstDash val="solid"/>
-                      <a:round/>
-                      <a:headEnd type="none" w="med" len="med"/>
-                      <a:tailEnd type="none" w="med" len="med"/>
-                    </a:lnB>
-                  </a:tcPr>
-                </a:tc>
-                <a:tc>
-                  <a:txBody>
-                    <a:bodyPr/>
-                    <a:lstStyle/>
-                    <a:p>
-                      <a:r>
-                        <a:rPr lang="en-GB" dirty="0"/>
-                        <a:t>(</a:t>
-                      </a:r>
-                      <a:r>
-                        <a:rPr lang="en-GB" dirty="0" err="1"/>
-                        <a:t>f,N</a:t>
-                      </a:r>
-                      <a:r>
-                        <a:rPr lang="en-GB" dirty="0"/>
-                        <a:t>)</a:t>
-                      </a:r>
-                    </a:p>
-                  </a:txBody>
-                  <a:tcPr anchor="ctr">
-                    <a:lnL w="12700" cap="flat" cmpd="sng" algn="ctr">
-                      <a:solidFill>
-                        <a:schemeClr val="tx1"/>
-                      </a:solidFill>
-                      <a:prstDash val="solid"/>
-                      <a:round/>
-                      <a:headEnd type="none" w="med" len="med"/>
-                      <a:tailEnd type="none" w="med" len="med"/>
-                    </a:lnL>
-                    <a:lnR w="12700" cap="flat" cmpd="sng" algn="ctr">
-                      <a:solidFill>
-                        <a:schemeClr val="tx1"/>
-                      </a:solidFill>
-                      <a:prstDash val="solid"/>
-                      <a:round/>
-                      <a:headEnd type="none" w="med" len="med"/>
-                      <a:tailEnd type="none" w="med" len="med"/>
-                    </a:lnR>
-                    <a:lnT w="12700" cap="flat" cmpd="sng" algn="ctr">
-                      <a:solidFill>
-                        <a:schemeClr val="tx1"/>
-                      </a:solidFill>
-                      <a:prstDash val="solid"/>
-                      <a:round/>
-                      <a:headEnd type="none" w="med" len="med"/>
-                      <a:tailEnd type="none" w="med" len="med"/>
-                    </a:lnT>
-                    <a:lnB w="12700" cap="flat" cmpd="sng" algn="ctr">
-                      <a:solidFill>
-                        <a:schemeClr val="tx1"/>
-                      </a:solidFill>
-                      <a:prstDash val="solid"/>
-                      <a:round/>
-                      <a:headEnd type="none" w="med" len="med"/>
-                      <a:tailEnd type="none" w="med" len="med"/>
-                    </a:lnB>
-                  </a:tcPr>
-                </a:tc>
-                <a:tc>
-                  <a:txBody>
-                    <a:bodyPr/>
-                    <a:lstStyle/>
-                    <a:p>
-                      <a:r>
-                        <a:rPr lang="en-GB" dirty="0"/>
-                        <a:t>(</a:t>
-                      </a:r>
-                      <a:r>
-                        <a:rPr lang="en-GB" dirty="0" err="1"/>
-                        <a:t>f,N</a:t>
-                      </a:r>
-                      <a:r>
-                        <a:rPr lang="en-GB" dirty="0"/>
-                        <a:t>)</a:t>
-                      </a:r>
-                    </a:p>
-                  </a:txBody>
-                  <a:tcPr anchor="ctr">
-                    <a:lnL w="12700" cap="flat" cmpd="sng" algn="ctr">
-                      <a:solidFill>
-                        <a:schemeClr val="tx1"/>
-                      </a:solidFill>
-                      <a:prstDash val="solid"/>
-                      <a:round/>
-                      <a:headEnd type="none" w="med" len="med"/>
-                      <a:tailEnd type="none" w="med" len="med"/>
-                    </a:lnL>
-                    <a:lnR w="12700" cap="flat" cmpd="sng" algn="ctr">
-                      <a:solidFill>
-                        <a:schemeClr val="tx1"/>
-                      </a:solidFill>
-                      <a:prstDash val="solid"/>
-                      <a:round/>
-                      <a:headEnd type="none" w="med" len="med"/>
-                      <a:tailEnd type="none" w="med" len="med"/>
-                    </a:lnR>
-                    <a:lnT w="12700" cap="flat" cmpd="sng" algn="ctr">
-                      <a:solidFill>
-                        <a:schemeClr val="tx1"/>
-                      </a:solidFill>
-                      <a:prstDash val="solid"/>
-                      <a:round/>
-                      <a:headEnd type="none" w="med" len="med"/>
-                      <a:tailEnd type="none" w="med" len="med"/>
-                    </a:lnT>
-                    <a:lnB w="12700" cap="flat" cmpd="sng" algn="ctr">
-                      <a:solidFill>
-                        <a:schemeClr val="tx1"/>
-                      </a:solidFill>
-                      <a:prstDash val="solid"/>
-                      <a:round/>
-                      <a:headEnd type="none" w="med" len="med"/>
-                      <a:tailEnd type="none" w="med" len="med"/>
-                    </a:lnB>
-                  </a:tcPr>
-                </a:tc>
-                <a:extLst>
-                  <a:ext uri="{0D108BD9-81ED-4DB2-BD59-A6C34878D82A}">
-                    <a16:rowId xmlns:a16="http://schemas.microsoft.com/office/drawing/2014/main" val="2677689572"/>
-                  </a:ext>
-                </a:extLst>
-              </a:tr>
-              <a:tr h="617532">
-                <a:tc>
-                  <a:txBody>
-                    <a:bodyPr/>
-                    <a:lstStyle/>
-                    <a:p>
-                      <a:r>
-                        <a:rPr lang="en-GB" dirty="0"/>
-                        <a:t>(</a:t>
-                      </a:r>
-                      <a:r>
-                        <a:rPr lang="en-GB" dirty="0" err="1"/>
-                        <a:t>f,N</a:t>
-                      </a:r>
-                      <a:r>
-                        <a:rPr lang="en-GB" dirty="0"/>
-                        <a:t>)</a:t>
-                      </a:r>
-                    </a:p>
-                  </a:txBody>
-                  <a:tcPr anchor="ctr">
-                    <a:lnL w="12700" cap="flat" cmpd="sng" algn="ctr">
-                      <a:solidFill>
-                        <a:schemeClr val="tx1"/>
-                      </a:solidFill>
-                      <a:prstDash val="solid"/>
-                      <a:round/>
-                      <a:headEnd type="none" w="med" len="med"/>
-                      <a:tailEnd type="none" w="med" len="med"/>
-                    </a:lnL>
-                    <a:lnR w="12700" cap="flat" cmpd="sng" algn="ctr">
-                      <a:solidFill>
-                        <a:schemeClr val="tx1"/>
-                      </a:solidFill>
-                      <a:prstDash val="solid"/>
-                      <a:round/>
-                      <a:headEnd type="none" w="med" len="med"/>
-                      <a:tailEnd type="none" w="med" len="med"/>
-                    </a:lnR>
-                    <a:lnT w="12700" cap="flat" cmpd="sng" algn="ctr">
-                      <a:solidFill>
-                        <a:schemeClr val="tx1"/>
-                      </a:solidFill>
-                      <a:prstDash val="solid"/>
-                      <a:round/>
-                      <a:headEnd type="none" w="med" len="med"/>
-                      <a:tailEnd type="none" w="med" len="med"/>
-                    </a:lnT>
-                    <a:lnB w="12700" cap="flat" cmpd="sng" algn="ctr">
-                      <a:solidFill>
-                        <a:schemeClr val="tx1"/>
-                      </a:solidFill>
-                      <a:prstDash val="solid"/>
-                      <a:round/>
-                      <a:headEnd type="none" w="med" len="med"/>
-                      <a:tailEnd type="none" w="med" len="med"/>
-                    </a:lnB>
-                  </a:tcPr>
-                </a:tc>
-                <a:tc>
-                  <a:txBody>
-                    <a:bodyPr/>
-                    <a:lstStyle/>
-                    <a:p>
-                      <a:r>
-                        <a:rPr lang="en-GB" dirty="0"/>
-                        <a:t>(</a:t>
-                      </a:r>
-                      <a:r>
-                        <a:rPr lang="en-GB" dirty="0" err="1"/>
-                        <a:t>f,N</a:t>
-                      </a:r>
-                      <a:r>
-                        <a:rPr lang="en-GB" dirty="0"/>
-                        <a:t>)</a:t>
-                      </a:r>
-                    </a:p>
-                  </a:txBody>
-                  <a:tcPr anchor="ctr">
-                    <a:lnL w="12700" cap="flat" cmpd="sng" algn="ctr">
-                      <a:solidFill>
-                        <a:schemeClr val="tx1"/>
-                      </a:solidFill>
-                      <a:prstDash val="solid"/>
-                      <a:round/>
-                      <a:headEnd type="none" w="med" len="med"/>
-                      <a:tailEnd type="none" w="med" len="med"/>
-                    </a:lnL>
-                    <a:lnR w="12700" cap="flat" cmpd="sng" algn="ctr">
-                      <a:solidFill>
-                        <a:schemeClr val="tx1"/>
-                      </a:solidFill>
-                      <a:prstDash val="solid"/>
-                      <a:round/>
-                      <a:headEnd type="none" w="med" len="med"/>
-                      <a:tailEnd type="none" w="med" len="med"/>
-                    </a:lnR>
-                    <a:lnT w="12700" cap="flat" cmpd="sng" algn="ctr">
-                      <a:solidFill>
-                        <a:schemeClr val="tx1"/>
-                      </a:solidFill>
-                      <a:prstDash val="solid"/>
-                      <a:round/>
-                      <a:headEnd type="none" w="med" len="med"/>
-                      <a:tailEnd type="none" w="med" len="med"/>
-                    </a:lnT>
-                    <a:lnB w="12700" cap="flat" cmpd="sng" algn="ctr">
-                      <a:solidFill>
-                        <a:schemeClr val="tx1"/>
-                      </a:solidFill>
-                      <a:prstDash val="solid"/>
-                      <a:round/>
-                      <a:headEnd type="none" w="med" len="med"/>
-                      <a:tailEnd type="none" w="med" len="med"/>
-                    </a:lnB>
-                  </a:tcPr>
-                </a:tc>
-                <a:tc>
-                  <a:txBody>
-                    <a:bodyPr/>
-                    <a:lstStyle/>
-                    <a:p>
-                      <a:r>
-                        <a:rPr lang="en-GB" dirty="0"/>
-                        <a:t>(</a:t>
-                      </a:r>
-                      <a:r>
-                        <a:rPr lang="en-GB" dirty="0" err="1"/>
-                        <a:t>f,N</a:t>
-                      </a:r>
-                      <a:r>
-                        <a:rPr lang="en-GB" dirty="0"/>
-                        <a:t>)</a:t>
-                      </a:r>
-                    </a:p>
-                  </a:txBody>
-                  <a:tcPr anchor="ctr">
-                    <a:lnL w="12700" cap="flat" cmpd="sng" algn="ctr">
-                      <a:solidFill>
-                        <a:schemeClr val="tx1"/>
-                      </a:solidFill>
-                      <a:prstDash val="solid"/>
-                      <a:round/>
-                      <a:headEnd type="none" w="med" len="med"/>
-                      <a:tailEnd type="none" w="med" len="med"/>
-                    </a:lnL>
-                    <a:lnR w="12700" cap="flat" cmpd="sng" algn="ctr">
-                      <a:solidFill>
-                        <a:schemeClr val="tx1"/>
-                      </a:solidFill>
-                      <a:prstDash val="solid"/>
-                      <a:round/>
-                      <a:headEnd type="none" w="med" len="med"/>
-                      <a:tailEnd type="none" w="med" len="med"/>
-                    </a:lnR>
-                    <a:lnT w="12700" cap="flat" cmpd="sng" algn="ctr">
-                      <a:solidFill>
-                        <a:schemeClr val="tx1"/>
-                      </a:solidFill>
-                      <a:prstDash val="solid"/>
-                      <a:round/>
-                      <a:headEnd type="none" w="med" len="med"/>
-                      <a:tailEnd type="none" w="med" len="med"/>
-                    </a:lnT>
-                    <a:lnB w="12700" cap="flat" cmpd="sng" algn="ctr">
-                      <a:solidFill>
-                        <a:schemeClr val="tx1"/>
-                      </a:solidFill>
-                      <a:prstDash val="solid"/>
-                      <a:round/>
-                      <a:headEnd type="none" w="med" len="med"/>
-                      <a:tailEnd type="none" w="med" len="med"/>
-                    </a:lnB>
-                  </a:tcPr>
-                </a:tc>
-                <a:tc>
-                  <a:txBody>
-                    <a:bodyPr/>
-                    <a:lstStyle/>
-                    <a:p>
-                      <a:r>
-                        <a:rPr lang="en-GB" dirty="0"/>
-                        <a:t>(</a:t>
-                      </a:r>
-                      <a:r>
-                        <a:rPr lang="en-GB" dirty="0" err="1"/>
-                        <a:t>f,N</a:t>
-                      </a:r>
-                      <a:r>
-                        <a:rPr lang="en-GB" dirty="0"/>
-                        <a:t>)</a:t>
-                      </a:r>
-                    </a:p>
-                  </a:txBody>
-                  <a:tcPr anchor="ctr">
-                    <a:lnL w="12700" cap="flat" cmpd="sng" algn="ctr">
-                      <a:solidFill>
-                        <a:schemeClr val="tx1"/>
-                      </a:solidFill>
-                      <a:prstDash val="solid"/>
-                      <a:round/>
-                      <a:headEnd type="none" w="med" len="med"/>
-                      <a:tailEnd type="none" w="med" len="med"/>
-                    </a:lnL>
-                    <a:lnR w="12700" cap="flat" cmpd="sng" algn="ctr">
-                      <a:solidFill>
-                        <a:schemeClr val="tx1"/>
-                      </a:solidFill>
-                      <a:prstDash val="solid"/>
-                      <a:round/>
-                      <a:headEnd type="none" w="med" len="med"/>
-                      <a:tailEnd type="none" w="med" len="med"/>
-                    </a:lnR>
-                    <a:lnT w="12700" cap="flat" cmpd="sng" algn="ctr">
-                      <a:solidFill>
-                        <a:schemeClr val="tx1"/>
-                      </a:solidFill>
-                      <a:prstDash val="solid"/>
-                      <a:round/>
-                      <a:headEnd type="none" w="med" len="med"/>
-                      <a:tailEnd type="none" w="med" len="med"/>
-                    </a:lnT>
-                    <a:lnB w="12700" cap="flat" cmpd="sng" algn="ctr">
-                      <a:solidFill>
-                        <a:schemeClr val="tx1"/>
-                      </a:solidFill>
-                      <a:prstDash val="solid"/>
-                      <a:round/>
-                      <a:headEnd type="none" w="med" len="med"/>
-                      <a:tailEnd type="none" w="med" len="med"/>
-                    </a:lnB>
-                  </a:tcPr>
-                </a:tc>
-                <a:tc>
-                  <a:txBody>
-                    <a:bodyPr/>
-                    <a:lstStyle/>
-                    <a:p>
-                      <a:r>
-                        <a:rPr lang="en-GB" dirty="0"/>
-                        <a:t>(</a:t>
-                      </a:r>
-                      <a:r>
-                        <a:rPr lang="en-GB" dirty="0" err="1"/>
-                        <a:t>f,N</a:t>
-                      </a:r>
-                      <a:r>
-                        <a:rPr lang="en-GB" dirty="0"/>
-                        <a:t>)</a:t>
-                      </a:r>
-                    </a:p>
-                  </a:txBody>
-                  <a:tcPr anchor="ctr">
-                    <a:lnL w="12700" cap="flat" cmpd="sng" algn="ctr">
-                      <a:solidFill>
-                        <a:schemeClr val="tx1"/>
-                      </a:solidFill>
-                      <a:prstDash val="solid"/>
-                      <a:round/>
-                      <a:headEnd type="none" w="med" len="med"/>
-                      <a:tailEnd type="none" w="med" len="med"/>
-                    </a:lnL>
-                    <a:lnR w="12700" cap="flat" cmpd="sng" algn="ctr">
-                      <a:solidFill>
-                        <a:schemeClr val="tx1"/>
-                      </a:solidFill>
-                      <a:prstDash val="solid"/>
-                      <a:round/>
-                      <a:headEnd type="none" w="med" len="med"/>
-                      <a:tailEnd type="none" w="med" len="med"/>
-                    </a:lnR>
-                    <a:lnT w="12700" cap="flat" cmpd="sng" algn="ctr">
-                      <a:solidFill>
-                        <a:schemeClr val="tx1"/>
-                      </a:solidFill>
-                      <a:prstDash val="solid"/>
-                      <a:round/>
-                      <a:headEnd type="none" w="med" len="med"/>
-                      <a:tailEnd type="none" w="med" len="med"/>
-                    </a:lnT>
-                    <a:lnB w="12700" cap="flat" cmpd="sng" algn="ctr">
-                      <a:solidFill>
-                        <a:schemeClr val="tx1"/>
-                      </a:solidFill>
-                      <a:prstDash val="solid"/>
-                      <a:round/>
-                      <a:headEnd type="none" w="med" len="med"/>
-                      <a:tailEnd type="none" w="med" len="med"/>
-                    </a:lnB>
-                  </a:tcPr>
-                </a:tc>
-                <a:tc>
-                  <a:txBody>
-                    <a:bodyPr/>
-                    <a:lstStyle/>
-                    <a:p>
-                      <a:r>
-                        <a:rPr lang="en-GB" dirty="0"/>
-                        <a:t>(</a:t>
-                      </a:r>
-                      <a:r>
-                        <a:rPr lang="en-GB" dirty="0" err="1"/>
-                        <a:t>f,N</a:t>
-                      </a:r>
-                      <a:r>
-                        <a:rPr lang="en-GB" dirty="0"/>
-                        <a:t>)</a:t>
-                      </a:r>
-                    </a:p>
-                  </a:txBody>
-                  <a:tcPr anchor="ctr">
-                    <a:lnL w="12700" cap="flat" cmpd="sng" algn="ctr">
-                      <a:solidFill>
-                        <a:schemeClr val="tx1"/>
-                      </a:solidFill>
-                      <a:prstDash val="solid"/>
-                      <a:round/>
-                      <a:headEnd type="none" w="med" len="med"/>
-                      <a:tailEnd type="none" w="med" len="med"/>
-                    </a:lnL>
-                    <a:lnR w="12700" cap="flat" cmpd="sng" algn="ctr">
-                      <a:solidFill>
-                        <a:schemeClr val="tx1"/>
-                      </a:solidFill>
-                      <a:prstDash val="solid"/>
-                      <a:round/>
-                      <a:headEnd type="none" w="med" len="med"/>
-                      <a:tailEnd type="none" w="med" len="med"/>
-                    </a:lnR>
-                    <a:lnT w="12700" cap="flat" cmpd="sng" algn="ctr">
-                      <a:solidFill>
-                        <a:schemeClr val="tx1"/>
-                      </a:solidFill>
-                      <a:prstDash val="solid"/>
-                      <a:round/>
-                      <a:headEnd type="none" w="med" len="med"/>
-                      <a:tailEnd type="none" w="med" len="med"/>
-                    </a:lnT>
-                    <a:lnB w="12700" cap="flat" cmpd="sng" algn="ctr">
-                      <a:solidFill>
-                        <a:schemeClr val="tx1"/>
-                      </a:solidFill>
-                      <a:prstDash val="solid"/>
-                      <a:round/>
-                      <a:headEnd type="none" w="med" len="med"/>
-                      <a:tailEnd type="none" w="med" len="med"/>
-                    </a:lnB>
-                  </a:tcPr>
-                </a:tc>
-                <a:extLst>
-                  <a:ext uri="{0D108BD9-81ED-4DB2-BD59-A6C34878D82A}">
-                    <a16:rowId xmlns:a16="http://schemas.microsoft.com/office/drawing/2014/main" val="3018837350"/>
-                  </a:ext>
-                </a:extLst>
-              </a:tr>
-              <a:tr h="617532">
-                <a:tc>
-                  <a:txBody>
-                    <a:bodyPr/>
-                    <a:lstStyle/>
-                    <a:p>
-                      <a:r>
-                        <a:rPr lang="en-GB" dirty="0"/>
-                        <a:t>(</a:t>
-                      </a:r>
-                      <a:r>
-                        <a:rPr lang="en-GB" dirty="0" err="1"/>
-                        <a:t>f,N</a:t>
-                      </a:r>
-                      <a:r>
-                        <a:rPr lang="en-GB" dirty="0"/>
-                        <a:t>)</a:t>
-                      </a:r>
-                    </a:p>
-                  </a:txBody>
-                  <a:tcPr anchor="ctr">
-                    <a:lnL w="12700" cap="flat" cmpd="sng" algn="ctr">
-                      <a:solidFill>
-                        <a:schemeClr val="tx1"/>
-                      </a:solidFill>
-                      <a:prstDash val="solid"/>
-                      <a:round/>
-                      <a:headEnd type="none" w="med" len="med"/>
-                      <a:tailEnd type="none" w="med" len="med"/>
-                    </a:lnL>
-                    <a:lnR w="12700" cap="flat" cmpd="sng" algn="ctr">
-                      <a:solidFill>
-                        <a:schemeClr val="tx1"/>
-                      </a:solidFill>
-                      <a:prstDash val="solid"/>
-                      <a:round/>
-                      <a:headEnd type="none" w="med" len="med"/>
-                      <a:tailEnd type="none" w="med" len="med"/>
-                    </a:lnR>
-                    <a:lnT w="12700" cap="flat" cmpd="sng" algn="ctr">
-                      <a:solidFill>
-                        <a:schemeClr val="tx1"/>
-                      </a:solidFill>
-                      <a:prstDash val="solid"/>
-                      <a:round/>
-                      <a:headEnd type="none" w="med" len="med"/>
-                      <a:tailEnd type="none" w="med" len="med"/>
-                    </a:lnT>
-                    <a:lnB w="12700" cap="flat" cmpd="sng" algn="ctr">
-                      <a:solidFill>
-                        <a:schemeClr val="tx1"/>
-                      </a:solidFill>
-                      <a:prstDash val="solid"/>
-                      <a:round/>
-                      <a:headEnd type="none" w="med" len="med"/>
-                      <a:tailEnd type="none" w="med" len="med"/>
-                    </a:lnB>
-                  </a:tcPr>
-                </a:tc>
-                <a:tc>
-                  <a:txBody>
-                    <a:bodyPr/>
-                    <a:lstStyle/>
-                    <a:p>
-                      <a:pPr algn="ctr"/>
-                      <a:r>
-                        <a:rPr lang="en-GB" dirty="0"/>
-                        <a:t>(f, S  )</a:t>
-                      </a:r>
-                    </a:p>
-                  </a:txBody>
-                  <a:tcPr anchor="ctr">
-                    <a:lnL w="12700" cap="flat" cmpd="sng" algn="ctr">
-                      <a:solidFill>
-                        <a:schemeClr val="tx1"/>
-                      </a:solidFill>
-                      <a:prstDash val="solid"/>
-                      <a:round/>
-                      <a:headEnd type="none" w="med" len="med"/>
-                      <a:tailEnd type="none" w="med" len="med"/>
-                    </a:lnL>
-                    <a:lnR w="12700" cap="flat" cmpd="sng" algn="ctr">
-                      <a:solidFill>
-                        <a:schemeClr val="tx1"/>
-                      </a:solidFill>
-                      <a:prstDash val="solid"/>
-                      <a:round/>
-                      <a:headEnd type="none" w="med" len="med"/>
-                      <a:tailEnd type="none" w="med" len="med"/>
-                    </a:lnR>
-                    <a:lnT w="12700" cap="flat" cmpd="sng" algn="ctr">
-                      <a:solidFill>
-                        <a:schemeClr val="tx1"/>
-                      </a:solidFill>
-                      <a:prstDash val="solid"/>
-                      <a:round/>
-                      <a:headEnd type="none" w="med" len="med"/>
-                      <a:tailEnd type="none" w="med" len="med"/>
-                    </a:lnT>
-                    <a:lnB w="12700" cap="flat" cmpd="sng" algn="ctr">
-                      <a:solidFill>
-                        <a:schemeClr val="tx1"/>
-                      </a:solidFill>
-                      <a:prstDash val="solid"/>
-                      <a:round/>
-                      <a:headEnd type="none" w="med" len="med"/>
-                      <a:tailEnd type="none" w="med" len="med"/>
-                    </a:lnB>
-                  </a:tcPr>
-                </a:tc>
-                <a:tc>
-                  <a:txBody>
-                    <a:bodyPr/>
-                    <a:lstStyle/>
-                    <a:p>
-                      <a:pPr algn="ctr"/>
-                      <a:r>
-                        <a:rPr lang="en-GB" dirty="0"/>
-                        <a:t>(f, S  )</a:t>
-                      </a:r>
-                    </a:p>
-                  </a:txBody>
-                  <a:tcPr anchor="ctr">
-                    <a:lnL w="12700" cap="flat" cmpd="sng" algn="ctr">
-                      <a:solidFill>
-                        <a:schemeClr val="tx1"/>
-                      </a:solidFill>
-                      <a:prstDash val="solid"/>
-                      <a:round/>
-                      <a:headEnd type="none" w="med" len="med"/>
-                      <a:tailEnd type="none" w="med" len="med"/>
-                    </a:lnL>
-                    <a:lnR w="12700" cap="flat" cmpd="sng" algn="ctr">
-                      <a:solidFill>
-                        <a:schemeClr val="tx1"/>
-                      </a:solidFill>
-                      <a:prstDash val="solid"/>
-                      <a:round/>
-                      <a:headEnd type="none" w="med" len="med"/>
-                      <a:tailEnd type="none" w="med" len="med"/>
-                    </a:lnR>
-                    <a:lnT w="12700" cap="flat" cmpd="sng" algn="ctr">
-                      <a:solidFill>
-                        <a:schemeClr val="tx1"/>
-                      </a:solidFill>
-                      <a:prstDash val="solid"/>
-                      <a:round/>
-                      <a:headEnd type="none" w="med" len="med"/>
-                      <a:tailEnd type="none" w="med" len="med"/>
-                    </a:lnT>
-                    <a:lnB w="12700" cap="flat" cmpd="sng" algn="ctr">
-                      <a:solidFill>
-                        <a:schemeClr val="tx1"/>
-                      </a:solidFill>
-                      <a:prstDash val="solid"/>
-                      <a:round/>
-                      <a:headEnd type="none" w="med" len="med"/>
-                      <a:tailEnd type="none" w="med" len="med"/>
-                    </a:lnB>
-                  </a:tcPr>
-                </a:tc>
-                <a:tc>
-                  <a:txBody>
-                    <a:bodyPr/>
-                    <a:lstStyle/>
-                    <a:p>
-                      <a:r>
-                        <a:rPr lang="en-GB" dirty="0"/>
-                        <a:t>(</a:t>
-                      </a:r>
-                      <a:r>
-                        <a:rPr lang="en-GB" dirty="0" err="1"/>
-                        <a:t>f,N</a:t>
-                      </a:r>
-                      <a:r>
-                        <a:rPr lang="en-GB" dirty="0"/>
-                        <a:t>)</a:t>
-                      </a:r>
-                    </a:p>
-                  </a:txBody>
-                  <a:tcPr anchor="ctr">
-                    <a:lnL w="12700" cap="flat" cmpd="sng" algn="ctr">
-                      <a:solidFill>
-                        <a:schemeClr val="tx1"/>
-                      </a:solidFill>
-                      <a:prstDash val="solid"/>
-                      <a:round/>
-                      <a:headEnd type="none" w="med" len="med"/>
-                      <a:tailEnd type="none" w="med" len="med"/>
-                    </a:lnL>
-                    <a:lnR w="12700" cap="flat" cmpd="sng" algn="ctr">
-                      <a:solidFill>
-                        <a:schemeClr val="tx1"/>
-                      </a:solidFill>
-                      <a:prstDash val="solid"/>
-                      <a:round/>
-                      <a:headEnd type="none" w="med" len="med"/>
-                      <a:tailEnd type="none" w="med" len="med"/>
-                    </a:lnR>
-                    <a:lnT w="12700" cap="flat" cmpd="sng" algn="ctr">
-                      <a:solidFill>
-                        <a:schemeClr val="tx1"/>
-                      </a:solidFill>
-                      <a:prstDash val="solid"/>
-                      <a:round/>
-                      <a:headEnd type="none" w="med" len="med"/>
-                      <a:tailEnd type="none" w="med" len="med"/>
-                    </a:lnT>
-                    <a:lnB w="12700" cap="flat" cmpd="sng" algn="ctr">
-                      <a:solidFill>
-                        <a:schemeClr val="tx1"/>
-                      </a:solidFill>
-                      <a:prstDash val="solid"/>
-                      <a:round/>
-                      <a:headEnd type="none" w="med" len="med"/>
-                      <a:tailEnd type="none" w="med" len="med"/>
-                    </a:lnB>
-                  </a:tcPr>
-                </a:tc>
-                <a:tc>
-                  <a:txBody>
-                    <a:bodyPr/>
-                    <a:lstStyle/>
-                    <a:p>
-                      <a:r>
-                        <a:rPr lang="en-GB" dirty="0"/>
-                        <a:t>(</a:t>
-                      </a:r>
-                      <a:r>
-                        <a:rPr lang="en-GB" dirty="0" err="1"/>
-                        <a:t>f,N</a:t>
-                      </a:r>
-                      <a:r>
-                        <a:rPr lang="en-GB" dirty="0"/>
-                        <a:t>)</a:t>
-                      </a:r>
-                    </a:p>
-                  </a:txBody>
-                  <a:tcPr anchor="ctr">
-                    <a:lnL w="12700" cap="flat" cmpd="sng" algn="ctr">
-                      <a:solidFill>
-                        <a:schemeClr val="tx1"/>
-                      </a:solidFill>
-                      <a:prstDash val="solid"/>
-                      <a:round/>
-                      <a:headEnd type="none" w="med" len="med"/>
-                      <a:tailEnd type="none" w="med" len="med"/>
-                    </a:lnL>
-                    <a:lnR w="12700" cap="flat" cmpd="sng" algn="ctr">
-                      <a:solidFill>
-                        <a:schemeClr val="tx1"/>
-                      </a:solidFill>
-                      <a:prstDash val="solid"/>
-                      <a:round/>
-                      <a:headEnd type="none" w="med" len="med"/>
-                      <a:tailEnd type="none" w="med" len="med"/>
-                    </a:lnR>
-                    <a:lnT w="12700" cap="flat" cmpd="sng" algn="ctr">
-                      <a:solidFill>
-                        <a:schemeClr val="tx1"/>
-                      </a:solidFill>
-                      <a:prstDash val="solid"/>
-                      <a:round/>
-                      <a:headEnd type="none" w="med" len="med"/>
-                      <a:tailEnd type="none" w="med" len="med"/>
-                    </a:lnT>
-                    <a:lnB w="12700" cap="flat" cmpd="sng" algn="ctr">
-                      <a:solidFill>
-                        <a:schemeClr val="tx1"/>
-                      </a:solidFill>
-                      <a:prstDash val="solid"/>
-                      <a:round/>
-                      <a:headEnd type="none" w="med" len="med"/>
-                      <a:tailEnd type="none" w="med" len="med"/>
-                    </a:lnB>
-                  </a:tcPr>
-                </a:tc>
-                <a:tc>
-                  <a:txBody>
-                    <a:bodyPr/>
-                    <a:lstStyle/>
-                    <a:p>
-                      <a:r>
-                        <a:rPr lang="en-GB" dirty="0"/>
-                        <a:t>(</a:t>
-                      </a:r>
-                      <a:r>
-                        <a:rPr lang="en-GB" dirty="0" err="1"/>
-                        <a:t>f,N</a:t>
-                      </a:r>
-                      <a:r>
-                        <a:rPr lang="en-GB" dirty="0"/>
-                        <a:t>)</a:t>
-                      </a:r>
-                    </a:p>
-                  </a:txBody>
-                  <a:tcPr anchor="ctr">
-                    <a:lnL w="12700" cap="flat" cmpd="sng" algn="ctr">
-                      <a:solidFill>
-                        <a:schemeClr val="tx1"/>
-                      </a:solidFill>
-                      <a:prstDash val="solid"/>
-                      <a:round/>
-                      <a:headEnd type="none" w="med" len="med"/>
-                      <a:tailEnd type="none" w="med" len="med"/>
-                    </a:lnL>
-                    <a:lnR w="12700" cap="flat" cmpd="sng" algn="ctr">
-                      <a:solidFill>
-                        <a:schemeClr val="tx1"/>
-                      </a:solidFill>
-                      <a:prstDash val="solid"/>
-                      <a:round/>
-                      <a:headEnd type="none" w="med" len="med"/>
-                      <a:tailEnd type="none" w="med" len="med"/>
-                    </a:lnR>
-                    <a:lnT w="12700" cap="flat" cmpd="sng" algn="ctr">
-                      <a:solidFill>
-                        <a:schemeClr val="tx1"/>
-                      </a:solidFill>
-                      <a:prstDash val="solid"/>
-                      <a:round/>
-                      <a:headEnd type="none" w="med" len="med"/>
-                      <a:tailEnd type="none" w="med" len="med"/>
-                    </a:lnT>
-                    <a:lnB w="12700" cap="flat" cmpd="sng" algn="ctr">
-                      <a:solidFill>
-                        <a:schemeClr val="tx1"/>
-                      </a:solidFill>
-                      <a:prstDash val="solid"/>
-                      <a:round/>
-                      <a:headEnd type="none" w="med" len="med"/>
-                      <a:tailEnd type="none" w="med" len="med"/>
-                    </a:lnB>
-                  </a:tcPr>
-                </a:tc>
-                <a:extLst>
-                  <a:ext uri="{0D108BD9-81ED-4DB2-BD59-A6C34878D82A}">
-                    <a16:rowId xmlns:a16="http://schemas.microsoft.com/office/drawing/2014/main" val="3546296"/>
-                  </a:ext>
-                </a:extLst>
-              </a:tr>
-              <a:tr h="617532">
-                <a:tc>
-                  <a:txBody>
-                    <a:bodyPr/>
-                    <a:lstStyle/>
-                    <a:p>
-                      <a:r>
-                        <a:rPr lang="en-GB" dirty="0"/>
-                        <a:t>(</a:t>
-                      </a:r>
-                      <a:r>
-                        <a:rPr lang="en-GB" dirty="0" err="1"/>
-                        <a:t>f,N</a:t>
-                      </a:r>
-                      <a:r>
-                        <a:rPr lang="en-GB" dirty="0"/>
-                        <a:t>)</a:t>
-                      </a:r>
-                    </a:p>
-                  </a:txBody>
-                  <a:tcPr anchor="ctr">
-                    <a:lnL w="12700" cap="flat" cmpd="sng" algn="ctr">
-                      <a:solidFill>
-                        <a:schemeClr val="tx1"/>
-                      </a:solidFill>
-                      <a:prstDash val="solid"/>
-                      <a:round/>
-                      <a:headEnd type="none" w="med" len="med"/>
-                      <a:tailEnd type="none" w="med" len="med"/>
-                    </a:lnL>
-                    <a:lnR w="12700" cap="flat" cmpd="sng" algn="ctr">
-                      <a:solidFill>
-                        <a:schemeClr val="tx1"/>
-                      </a:solidFill>
-                      <a:prstDash val="solid"/>
-                      <a:round/>
-                      <a:headEnd type="none" w="med" len="med"/>
-                      <a:tailEnd type="none" w="med" len="med"/>
-                    </a:lnR>
-                    <a:lnT w="12700" cap="flat" cmpd="sng" algn="ctr">
-                      <a:solidFill>
-                        <a:schemeClr val="tx1"/>
-                      </a:solidFill>
-                      <a:prstDash val="solid"/>
-                      <a:round/>
-                      <a:headEnd type="none" w="med" len="med"/>
-                      <a:tailEnd type="none" w="med" len="med"/>
-                    </a:lnT>
-                    <a:lnB w="12700" cap="flat" cmpd="sng" algn="ctr">
-                      <a:solidFill>
-                        <a:schemeClr val="tx1"/>
-                      </a:solidFill>
-                      <a:prstDash val="solid"/>
-                      <a:round/>
-                      <a:headEnd type="none" w="med" len="med"/>
-                      <a:tailEnd type="none" w="med" len="med"/>
-                    </a:lnB>
-                  </a:tcPr>
-                </a:tc>
-                <a:tc>
-                  <a:txBody>
-                    <a:bodyPr/>
-                    <a:lstStyle/>
-                    <a:p>
-                      <a:r>
-                        <a:rPr lang="en-GB" dirty="0"/>
-                        <a:t>(</a:t>
-                      </a:r>
-                      <a:r>
-                        <a:rPr lang="en-GB" dirty="0" err="1"/>
-                        <a:t>f,N</a:t>
-                      </a:r>
-                      <a:r>
-                        <a:rPr lang="en-GB" dirty="0"/>
-                        <a:t>)</a:t>
-                      </a:r>
-                    </a:p>
-                  </a:txBody>
-                  <a:tcPr anchor="ctr">
-                    <a:lnL w="12700" cap="flat" cmpd="sng" algn="ctr">
-                      <a:solidFill>
-                        <a:schemeClr val="tx1"/>
-                      </a:solidFill>
-                      <a:prstDash val="solid"/>
-                      <a:round/>
-                      <a:headEnd type="none" w="med" len="med"/>
-                      <a:tailEnd type="none" w="med" len="med"/>
-                    </a:lnL>
-                    <a:lnR w="12700" cap="flat" cmpd="sng" algn="ctr">
-                      <a:solidFill>
-                        <a:schemeClr val="tx1"/>
-                      </a:solidFill>
-                      <a:prstDash val="solid"/>
-                      <a:round/>
-                      <a:headEnd type="none" w="med" len="med"/>
-                      <a:tailEnd type="none" w="med" len="med"/>
-                    </a:lnR>
-                    <a:lnT w="12700" cap="flat" cmpd="sng" algn="ctr">
-                      <a:solidFill>
-                        <a:schemeClr val="tx1"/>
-                      </a:solidFill>
-                      <a:prstDash val="solid"/>
-                      <a:round/>
-                      <a:headEnd type="none" w="med" len="med"/>
-                      <a:tailEnd type="none" w="med" len="med"/>
-                    </a:lnT>
-                    <a:lnB w="12700" cap="flat" cmpd="sng" algn="ctr">
-                      <a:solidFill>
-                        <a:schemeClr val="tx1"/>
-                      </a:solidFill>
-                      <a:prstDash val="solid"/>
-                      <a:round/>
-                      <a:headEnd type="none" w="med" len="med"/>
-                      <a:tailEnd type="none" w="med" len="med"/>
-                    </a:lnB>
-                  </a:tcPr>
-                </a:tc>
-                <a:tc>
-                  <a:txBody>
-                    <a:bodyPr/>
-                    <a:lstStyle/>
-                    <a:p>
-                      <a:r>
-                        <a:rPr lang="en-GB" dirty="0"/>
-                        <a:t>(</a:t>
-                      </a:r>
-                      <a:r>
-                        <a:rPr lang="en-GB" dirty="0" err="1"/>
-                        <a:t>f,N</a:t>
-                      </a:r>
-                      <a:r>
-                        <a:rPr lang="en-GB" dirty="0"/>
-                        <a:t>)</a:t>
-                      </a:r>
-                    </a:p>
-                  </a:txBody>
-                  <a:tcPr anchor="ctr">
-                    <a:lnL w="12700" cap="flat" cmpd="sng" algn="ctr">
-                      <a:solidFill>
-                        <a:schemeClr val="tx1"/>
-                      </a:solidFill>
-                      <a:prstDash val="solid"/>
-                      <a:round/>
-                      <a:headEnd type="none" w="med" len="med"/>
-                      <a:tailEnd type="none" w="med" len="med"/>
-                    </a:lnL>
-                    <a:lnR w="12700" cap="flat" cmpd="sng" algn="ctr">
-                      <a:solidFill>
-                        <a:schemeClr val="tx1"/>
-                      </a:solidFill>
-                      <a:prstDash val="solid"/>
-                      <a:round/>
-                      <a:headEnd type="none" w="med" len="med"/>
-                      <a:tailEnd type="none" w="med" len="med"/>
-                    </a:lnR>
-                    <a:lnT w="12700" cap="flat" cmpd="sng" algn="ctr">
-                      <a:solidFill>
-                        <a:schemeClr val="tx1"/>
-                      </a:solidFill>
-                      <a:prstDash val="solid"/>
-                      <a:round/>
-                      <a:headEnd type="none" w="med" len="med"/>
-                      <a:tailEnd type="none" w="med" len="med"/>
-                    </a:lnT>
-                    <a:lnB w="12700" cap="flat" cmpd="sng" algn="ctr">
-                      <a:solidFill>
-                        <a:schemeClr val="tx1"/>
-                      </a:solidFill>
-                      <a:prstDash val="solid"/>
-                      <a:round/>
-                      <a:headEnd type="none" w="med" len="med"/>
-                      <a:tailEnd type="none" w="med" len="med"/>
-                    </a:lnB>
-                  </a:tcPr>
-                </a:tc>
-                <a:tc>
-                  <a:txBody>
-                    <a:bodyPr/>
-                    <a:lstStyle/>
-                    <a:p>
-                      <a:r>
-                        <a:rPr lang="en-GB" dirty="0"/>
-                        <a:t>(</a:t>
-                      </a:r>
-                      <a:r>
-                        <a:rPr lang="en-GB" dirty="0" err="1"/>
-                        <a:t>f,N</a:t>
-                      </a:r>
-                      <a:r>
-                        <a:rPr lang="en-GB" dirty="0"/>
-                        <a:t>)</a:t>
-                      </a:r>
-                    </a:p>
-                  </a:txBody>
-                  <a:tcPr anchor="ctr">
-                    <a:lnL w="12700" cap="flat" cmpd="sng" algn="ctr">
-                      <a:solidFill>
-                        <a:schemeClr val="tx1"/>
-                      </a:solidFill>
-                      <a:prstDash val="solid"/>
-                      <a:round/>
-                      <a:headEnd type="none" w="med" len="med"/>
-                      <a:tailEnd type="none" w="med" len="med"/>
-                    </a:lnL>
-                    <a:lnR w="12700" cap="flat" cmpd="sng" algn="ctr">
-                      <a:solidFill>
-                        <a:schemeClr val="tx1"/>
-                      </a:solidFill>
-                      <a:prstDash val="solid"/>
-                      <a:round/>
-                      <a:headEnd type="none" w="med" len="med"/>
-                      <a:tailEnd type="none" w="med" len="med"/>
-                    </a:lnR>
-                    <a:lnT w="12700" cap="flat" cmpd="sng" algn="ctr">
-                      <a:solidFill>
-                        <a:schemeClr val="tx1"/>
-                      </a:solidFill>
-                      <a:prstDash val="solid"/>
-                      <a:round/>
-                      <a:headEnd type="none" w="med" len="med"/>
-                      <a:tailEnd type="none" w="med" len="med"/>
-                    </a:lnT>
-                    <a:lnB w="12700" cap="flat" cmpd="sng" algn="ctr">
-                      <a:solidFill>
-                        <a:schemeClr val="tx1"/>
-                      </a:solidFill>
-                      <a:prstDash val="solid"/>
-                      <a:round/>
-                      <a:headEnd type="none" w="med" len="med"/>
-                      <a:tailEnd type="none" w="med" len="med"/>
-                    </a:lnB>
-                  </a:tcPr>
-                </a:tc>
-                <a:tc>
-                  <a:txBody>
-                    <a:bodyPr/>
-                    <a:lstStyle/>
-                    <a:p>
-                      <a:pPr algn="ctr"/>
-                      <a:r>
-                        <a:rPr lang="en-GB" dirty="0"/>
-                        <a:t>(f, S  )</a:t>
-                      </a:r>
-                    </a:p>
-                  </a:txBody>
-                  <a:tcPr anchor="ctr">
-                    <a:lnL w="12700" cap="flat" cmpd="sng" algn="ctr">
-                      <a:solidFill>
-                        <a:schemeClr val="tx1"/>
-                      </a:solidFill>
-                      <a:prstDash val="solid"/>
-                      <a:round/>
-                      <a:headEnd type="none" w="med" len="med"/>
-                      <a:tailEnd type="none" w="med" len="med"/>
-                    </a:lnL>
-                    <a:lnR w="12700" cap="flat" cmpd="sng" algn="ctr">
-                      <a:solidFill>
-                        <a:schemeClr val="tx1"/>
-                      </a:solidFill>
-                      <a:prstDash val="solid"/>
-                      <a:round/>
-                      <a:headEnd type="none" w="med" len="med"/>
-                      <a:tailEnd type="none" w="med" len="med"/>
-                    </a:lnR>
-                    <a:lnT w="12700" cap="flat" cmpd="sng" algn="ctr">
-                      <a:solidFill>
-                        <a:schemeClr val="tx1"/>
-                      </a:solidFill>
-                      <a:prstDash val="solid"/>
-                      <a:round/>
-                      <a:headEnd type="none" w="med" len="med"/>
-                      <a:tailEnd type="none" w="med" len="med"/>
-                    </a:lnT>
-                    <a:lnB w="12700" cap="flat" cmpd="sng" algn="ctr">
-                      <a:solidFill>
-                        <a:schemeClr val="tx1"/>
-                      </a:solidFill>
-                      <a:prstDash val="solid"/>
-                      <a:round/>
-                      <a:headEnd type="none" w="med" len="med"/>
-                      <a:tailEnd type="none" w="med" len="med"/>
-                    </a:lnB>
-                  </a:tcPr>
-                </a:tc>
-                <a:tc>
-                  <a:txBody>
-                    <a:bodyPr/>
-                    <a:lstStyle/>
-                    <a:p>
-                      <a:r>
-                        <a:rPr lang="en-GB" dirty="0"/>
-                        <a:t>(</a:t>
-                      </a:r>
-                      <a:r>
-                        <a:rPr lang="en-GB" dirty="0" err="1"/>
-                        <a:t>f,N</a:t>
-                      </a:r>
-                      <a:r>
-                        <a:rPr lang="en-GB" dirty="0"/>
-                        <a:t>)</a:t>
-                      </a:r>
-                    </a:p>
-                  </a:txBody>
-                  <a:tcPr anchor="ctr">
-                    <a:lnL w="12700" cap="flat" cmpd="sng" algn="ctr">
-                      <a:solidFill>
-                        <a:schemeClr val="tx1"/>
-                      </a:solidFill>
-                      <a:prstDash val="solid"/>
-                      <a:round/>
-                      <a:headEnd type="none" w="med" len="med"/>
-                      <a:tailEnd type="none" w="med" len="med"/>
-                    </a:lnL>
-                    <a:lnR w="12700" cap="flat" cmpd="sng" algn="ctr">
-                      <a:solidFill>
-                        <a:schemeClr val="tx1"/>
-                      </a:solidFill>
-                      <a:prstDash val="solid"/>
-                      <a:round/>
-                      <a:headEnd type="none" w="med" len="med"/>
-                      <a:tailEnd type="none" w="med" len="med"/>
-                    </a:lnR>
-                    <a:lnT w="12700" cap="flat" cmpd="sng" algn="ctr">
-                      <a:solidFill>
-                        <a:schemeClr val="tx1"/>
-                      </a:solidFill>
-                      <a:prstDash val="solid"/>
-                      <a:round/>
-                      <a:headEnd type="none" w="med" len="med"/>
-                      <a:tailEnd type="none" w="med" len="med"/>
-                    </a:lnT>
-                    <a:lnB w="12700" cap="flat" cmpd="sng" algn="ctr">
-                      <a:solidFill>
-                        <a:schemeClr val="tx1"/>
-                      </a:solidFill>
-                      <a:prstDash val="solid"/>
-                      <a:round/>
-                      <a:headEnd type="none" w="med" len="med"/>
-                      <a:tailEnd type="none" w="med" len="med"/>
-                    </a:lnB>
-                  </a:tcPr>
-                </a:tc>
-                <a:extLst>
-                  <a:ext uri="{0D108BD9-81ED-4DB2-BD59-A6C34878D82A}">
-                    <a16:rowId xmlns:a16="http://schemas.microsoft.com/office/drawing/2014/main" val="3647717143"/>
-                  </a:ext>
-                </a:extLst>
-              </a:tr>
-              <a:tr h="617532">
-                <a:tc>
-                  <a:txBody>
-                    <a:bodyPr/>
-                    <a:lstStyle/>
-                    <a:p>
-                      <a:r>
-                        <a:rPr lang="en-GB" dirty="0"/>
-                        <a:t>(</a:t>
-                      </a:r>
-                      <a:r>
-                        <a:rPr lang="en-GB" dirty="0" err="1"/>
-                        <a:t>f,N</a:t>
-                      </a:r>
-                      <a:r>
-                        <a:rPr lang="en-GB" dirty="0"/>
-                        <a:t>)</a:t>
-                      </a:r>
-                    </a:p>
-                  </a:txBody>
-                  <a:tcPr anchor="ctr">
-                    <a:lnL w="12700" cap="flat" cmpd="sng" algn="ctr">
-                      <a:solidFill>
-                        <a:schemeClr val="tx1"/>
-                      </a:solidFill>
-                      <a:prstDash val="solid"/>
-                      <a:round/>
-                      <a:headEnd type="none" w="med" len="med"/>
-                      <a:tailEnd type="none" w="med" len="med"/>
-                    </a:lnL>
-                    <a:lnR w="12700" cap="flat" cmpd="sng" algn="ctr">
-                      <a:solidFill>
-                        <a:schemeClr val="tx1"/>
-                      </a:solidFill>
-                      <a:prstDash val="solid"/>
-                      <a:round/>
-                      <a:headEnd type="none" w="med" len="med"/>
-                      <a:tailEnd type="none" w="med" len="med"/>
-                    </a:lnR>
-                    <a:lnT w="12700" cap="flat" cmpd="sng" algn="ctr">
-                      <a:solidFill>
-                        <a:schemeClr val="tx1"/>
-                      </a:solidFill>
-                      <a:prstDash val="solid"/>
-                      <a:round/>
-                      <a:headEnd type="none" w="med" len="med"/>
-                      <a:tailEnd type="none" w="med" len="med"/>
-                    </a:lnT>
-                    <a:lnB w="12700" cap="flat" cmpd="sng" algn="ctr">
-                      <a:solidFill>
-                        <a:schemeClr val="tx1"/>
-                      </a:solidFill>
-                      <a:prstDash val="solid"/>
-                      <a:round/>
-                      <a:headEnd type="none" w="med" len="med"/>
-                      <a:tailEnd type="none" w="med" len="med"/>
-                    </a:lnB>
-                  </a:tcPr>
-                </a:tc>
-                <a:tc>
-                  <a:txBody>
-                    <a:bodyPr/>
-                    <a:lstStyle/>
-                    <a:p>
-                      <a:pPr marL="0" marR="0" lvl="0" indent="0" algn="l" defTabSz="914400" rtl="0" eaLnBrk="1" fontAlgn="auto" latinLnBrk="0" hangingPunct="1">
-                        <a:lnSpc>
-                          <a:spcPct val="100000"/>
-                        </a:lnSpc>
-                        <a:spcBef>
-                          <a:spcPts val="0"/>
-                        </a:spcBef>
-                        <a:spcAft>
-                          <a:spcPts val="0"/>
-                        </a:spcAft>
-                        <a:buClrTx/>
-                        <a:buSzTx/>
-                        <a:buFontTx/>
-                        <a:buNone/>
-                        <a:tabLst/>
-                        <a:defRPr/>
-                      </a:pPr>
-                      <a:r>
-                        <a:rPr lang="en-GB" dirty="0"/>
-                        <a:t>(</a:t>
-                      </a:r>
-                      <a:r>
-                        <a:rPr lang="en-GB" dirty="0" err="1"/>
-                        <a:t>f,N</a:t>
-                      </a:r>
-                      <a:r>
-                        <a:rPr lang="en-GB" dirty="0"/>
-                        <a:t>)</a:t>
-                      </a:r>
-                    </a:p>
-                  </a:txBody>
-                  <a:tcPr anchor="ctr">
-                    <a:lnL w="12700" cap="flat" cmpd="sng" algn="ctr">
-                      <a:solidFill>
-                        <a:schemeClr val="tx1"/>
-                      </a:solidFill>
-                      <a:prstDash val="solid"/>
-                      <a:round/>
-                      <a:headEnd type="none" w="med" len="med"/>
-                      <a:tailEnd type="none" w="med" len="med"/>
-                    </a:lnL>
-                    <a:lnR w="12700" cap="flat" cmpd="sng" algn="ctr">
-                      <a:solidFill>
-                        <a:schemeClr val="tx1"/>
-                      </a:solidFill>
-                      <a:prstDash val="solid"/>
-                      <a:round/>
-                      <a:headEnd type="none" w="med" len="med"/>
-                      <a:tailEnd type="none" w="med" len="med"/>
-                    </a:lnR>
-                    <a:lnT w="12700" cap="flat" cmpd="sng" algn="ctr">
-                      <a:solidFill>
-                        <a:schemeClr val="tx1"/>
-                      </a:solidFill>
-                      <a:prstDash val="solid"/>
-                      <a:round/>
-                      <a:headEnd type="none" w="med" len="med"/>
-                      <a:tailEnd type="none" w="med" len="med"/>
-                    </a:lnT>
-                    <a:lnB w="12700" cap="flat" cmpd="sng" algn="ctr">
-                      <a:solidFill>
-                        <a:schemeClr val="tx1"/>
-                      </a:solidFill>
-                      <a:prstDash val="solid"/>
-                      <a:round/>
-                      <a:headEnd type="none" w="med" len="med"/>
-                      <a:tailEnd type="none" w="med" len="med"/>
-                    </a:lnB>
-                  </a:tcPr>
-                </a:tc>
-                <a:tc>
-                  <a:txBody>
-                    <a:bodyPr/>
-                    <a:lstStyle/>
-                    <a:p>
-                      <a:pPr marL="0" marR="0" lvl="0" indent="0" algn="l" defTabSz="914400" rtl="0" eaLnBrk="1" fontAlgn="auto" latinLnBrk="0" hangingPunct="1">
-                        <a:lnSpc>
-                          <a:spcPct val="100000"/>
-                        </a:lnSpc>
-                        <a:spcBef>
-                          <a:spcPts val="0"/>
-                        </a:spcBef>
-                        <a:spcAft>
-                          <a:spcPts val="0"/>
-                        </a:spcAft>
-                        <a:buClrTx/>
-                        <a:buSzTx/>
-                        <a:buFontTx/>
-                        <a:buNone/>
-                        <a:tabLst/>
-                        <a:defRPr/>
-                      </a:pPr>
-                      <a:r>
-                        <a:rPr lang="en-GB" dirty="0"/>
-                        <a:t>(</a:t>
-                      </a:r>
-                      <a:r>
-                        <a:rPr lang="en-GB" dirty="0" err="1"/>
-                        <a:t>f,N</a:t>
-                      </a:r>
-                      <a:r>
-                        <a:rPr lang="en-GB" dirty="0"/>
-                        <a:t>)</a:t>
-                      </a:r>
-                    </a:p>
-                  </a:txBody>
-                  <a:tcPr anchor="ctr">
-                    <a:lnL w="12700" cap="flat" cmpd="sng" algn="ctr">
-                      <a:solidFill>
-                        <a:schemeClr val="tx1"/>
-                      </a:solidFill>
-                      <a:prstDash val="solid"/>
-                      <a:round/>
-                      <a:headEnd type="none" w="med" len="med"/>
-                      <a:tailEnd type="none" w="med" len="med"/>
-                    </a:lnL>
-                    <a:lnR w="12700" cap="flat" cmpd="sng" algn="ctr">
-                      <a:solidFill>
-                        <a:schemeClr val="tx1"/>
-                      </a:solidFill>
-                      <a:prstDash val="solid"/>
-                      <a:round/>
-                      <a:headEnd type="none" w="med" len="med"/>
-                      <a:tailEnd type="none" w="med" len="med"/>
-                    </a:lnR>
-                    <a:lnT w="12700" cap="flat" cmpd="sng" algn="ctr">
-                      <a:solidFill>
-                        <a:schemeClr val="tx1"/>
-                      </a:solidFill>
-                      <a:prstDash val="solid"/>
-                      <a:round/>
-                      <a:headEnd type="none" w="med" len="med"/>
-                      <a:tailEnd type="none" w="med" len="med"/>
-                    </a:lnT>
-                    <a:lnB w="12700" cap="flat" cmpd="sng" algn="ctr">
-                      <a:solidFill>
-                        <a:schemeClr val="tx1"/>
-                      </a:solidFill>
-                      <a:prstDash val="solid"/>
-                      <a:round/>
-                      <a:headEnd type="none" w="med" len="med"/>
-                      <a:tailEnd type="none" w="med" len="med"/>
-                    </a:lnB>
-                  </a:tcPr>
-                </a:tc>
-                <a:tc>
-                  <a:txBody>
-                    <a:bodyPr/>
-                    <a:lstStyle/>
-                    <a:p>
-                      <a:r>
-                        <a:rPr lang="en-GB" dirty="0"/>
-                        <a:t>(</a:t>
-                      </a:r>
-                      <a:r>
-                        <a:rPr lang="en-GB" dirty="0" err="1"/>
-                        <a:t>f,N</a:t>
-                      </a:r>
-                      <a:r>
-                        <a:rPr lang="en-GB" dirty="0"/>
-                        <a:t>)</a:t>
-                      </a:r>
-                    </a:p>
-                  </a:txBody>
-                  <a:tcPr anchor="ctr">
-                    <a:lnL w="12700" cap="flat" cmpd="sng" algn="ctr">
-                      <a:solidFill>
-                        <a:schemeClr val="tx1"/>
-                      </a:solidFill>
-                      <a:prstDash val="solid"/>
-                      <a:round/>
-                      <a:headEnd type="none" w="med" len="med"/>
-                      <a:tailEnd type="none" w="med" len="med"/>
-                    </a:lnL>
-                    <a:lnR w="12700" cap="flat" cmpd="sng" algn="ctr">
-                      <a:solidFill>
-                        <a:schemeClr val="tx1"/>
-                      </a:solidFill>
-                      <a:prstDash val="solid"/>
-                      <a:round/>
-                      <a:headEnd type="none" w="med" len="med"/>
-                      <a:tailEnd type="none" w="med" len="med"/>
-                    </a:lnR>
-                    <a:lnT w="12700" cap="flat" cmpd="sng" algn="ctr">
-                      <a:solidFill>
-                        <a:schemeClr val="tx1"/>
-                      </a:solidFill>
-                      <a:prstDash val="solid"/>
-                      <a:round/>
-                      <a:headEnd type="none" w="med" len="med"/>
-                      <a:tailEnd type="none" w="med" len="med"/>
-                    </a:lnT>
-                    <a:lnB w="12700" cap="flat" cmpd="sng" algn="ctr">
-                      <a:solidFill>
-                        <a:schemeClr val="tx1"/>
-                      </a:solidFill>
-                      <a:prstDash val="solid"/>
-                      <a:round/>
-                      <a:headEnd type="none" w="med" len="med"/>
-                      <a:tailEnd type="none" w="med" len="med"/>
-                    </a:lnB>
-                  </a:tcPr>
-                </a:tc>
-                <a:tc>
-                  <a:txBody>
-                    <a:bodyPr/>
-                    <a:lstStyle/>
-                    <a:p>
-                      <a:pPr algn="ctr"/>
-                      <a:r>
-                        <a:rPr lang="en-GB" dirty="0"/>
-                        <a:t>(f, S  )</a:t>
-                      </a:r>
-                    </a:p>
-                  </a:txBody>
-                  <a:tcPr anchor="ctr">
-                    <a:lnL w="12700" cap="flat" cmpd="sng" algn="ctr">
-                      <a:solidFill>
-                        <a:schemeClr val="tx1"/>
-                      </a:solidFill>
-                      <a:prstDash val="solid"/>
-                      <a:round/>
-                      <a:headEnd type="none" w="med" len="med"/>
-                      <a:tailEnd type="none" w="med" len="med"/>
-                    </a:lnL>
-                    <a:lnR w="12700" cap="flat" cmpd="sng" algn="ctr">
-                      <a:solidFill>
-                        <a:schemeClr val="tx1"/>
-                      </a:solidFill>
-                      <a:prstDash val="solid"/>
-                      <a:round/>
-                      <a:headEnd type="none" w="med" len="med"/>
-                      <a:tailEnd type="none" w="med" len="med"/>
-                    </a:lnR>
-                    <a:lnT w="12700" cap="flat" cmpd="sng" algn="ctr">
-                      <a:solidFill>
-                        <a:schemeClr val="tx1"/>
-                      </a:solidFill>
-                      <a:prstDash val="solid"/>
-                      <a:round/>
-                      <a:headEnd type="none" w="med" len="med"/>
-                      <a:tailEnd type="none" w="med" len="med"/>
-                    </a:lnT>
-                    <a:lnB w="12700" cap="flat" cmpd="sng" algn="ctr">
-                      <a:solidFill>
-                        <a:schemeClr val="tx1"/>
-                      </a:solidFill>
-                      <a:prstDash val="solid"/>
-                      <a:round/>
-                      <a:headEnd type="none" w="med" len="med"/>
-                      <a:tailEnd type="none" w="med" len="med"/>
-                    </a:lnB>
-                  </a:tcPr>
-                </a:tc>
-                <a:tc>
-                  <a:txBody>
-                    <a:bodyPr/>
-                    <a:lstStyle/>
-                    <a:p>
-                      <a:r>
-                        <a:rPr lang="en-GB" dirty="0"/>
-                        <a:t>(</a:t>
-                      </a:r>
-                      <a:r>
-                        <a:rPr lang="en-GB" dirty="0" err="1"/>
-                        <a:t>f,N</a:t>
-                      </a:r>
-                      <a:r>
-                        <a:rPr lang="en-GB" dirty="0"/>
-                        <a:t>)</a:t>
-                      </a:r>
-                    </a:p>
-                  </a:txBody>
-                  <a:tcPr anchor="ctr">
-                    <a:lnL w="12700" cap="flat" cmpd="sng" algn="ctr">
-                      <a:solidFill>
-                        <a:schemeClr val="tx1"/>
-                      </a:solidFill>
-                      <a:prstDash val="solid"/>
-                      <a:round/>
-                      <a:headEnd type="none" w="med" len="med"/>
-                      <a:tailEnd type="none" w="med" len="med"/>
-                    </a:lnL>
-                    <a:lnR w="12700" cap="flat" cmpd="sng" algn="ctr">
-                      <a:solidFill>
-                        <a:schemeClr val="tx1"/>
-                      </a:solidFill>
-                      <a:prstDash val="solid"/>
-                      <a:round/>
-                      <a:headEnd type="none" w="med" len="med"/>
-                      <a:tailEnd type="none" w="med" len="med"/>
-                    </a:lnR>
-                    <a:lnT w="12700" cap="flat" cmpd="sng" algn="ctr">
-                      <a:solidFill>
-                        <a:schemeClr val="tx1"/>
-                      </a:solidFill>
-                      <a:prstDash val="solid"/>
-                      <a:round/>
-                      <a:headEnd type="none" w="med" len="med"/>
-                      <a:tailEnd type="none" w="med" len="med"/>
-                    </a:lnT>
-                    <a:lnB w="12700" cap="flat" cmpd="sng" algn="ctr">
-                      <a:solidFill>
-                        <a:schemeClr val="tx1"/>
-                      </a:solidFill>
-                      <a:prstDash val="solid"/>
-                      <a:round/>
-                      <a:headEnd type="none" w="med" len="med"/>
-                      <a:tailEnd type="none" w="med" len="med"/>
-                    </a:lnB>
-                  </a:tcPr>
-                </a:tc>
-                <a:extLst>
-                  <a:ext uri="{0D108BD9-81ED-4DB2-BD59-A6C34878D82A}">
-                    <a16:rowId xmlns:a16="http://schemas.microsoft.com/office/drawing/2014/main" val="2906104394"/>
-                  </a:ext>
-                </a:extLst>
-              </a:tr>
-            </a:tbl>
-          </a:graphicData>
-        </a:graphic>
-      </p:graphicFrame>
-      <p:sp>
-        <p:nvSpPr>
-          <p:cNvPr id="13" name="TextBox 12">
-            <a:extLst>
-              <a:ext uri="{FF2B5EF4-FFF2-40B4-BE49-F238E27FC236}">
-                <a16:creationId xmlns:a16="http://schemas.microsoft.com/office/drawing/2014/main" id="{B2F4C4BA-91DA-7E4B-B319-9CB942896E7E}"/>
-              </a:ext>
-            </a:extLst>
-          </p:cNvPr>
-          <p:cNvSpPr txBox="1"/>
-          <p:nvPr/>
-        </p:nvSpPr>
-        <p:spPr>
-          <a:xfrm>
-            <a:off x="7033216" y="932752"/>
-            <a:ext cx="704039" cy="369332"/>
-          </a:xfrm>
-          <a:prstGeom prst="rect">
-            <a:avLst/>
-          </a:prstGeom>
-          <a:noFill/>
-        </p:spPr>
-        <p:txBody>
-          <a:bodyPr wrap="none" rtlCol="0">
-            <a:spAutoFit/>
-          </a:bodyPr>
-          <a:lstStyle/>
-          <a:p>
-            <a:r>
-              <a:rPr lang="en-GB" dirty="0"/>
-              <a:t>Ship1</a:t>
-            </a:r>
-          </a:p>
-        </p:txBody>
-      </p:sp>
-      <p:sp>
-        <p:nvSpPr>
-          <p:cNvPr id="46" name="TextBox 45">
-            <a:extLst>
-              <a:ext uri="{FF2B5EF4-FFF2-40B4-BE49-F238E27FC236}">
-                <a16:creationId xmlns:a16="http://schemas.microsoft.com/office/drawing/2014/main" id="{9CD8C4A7-FF6F-FD43-A4F7-CAE574127734}"/>
-              </a:ext>
-            </a:extLst>
-          </p:cNvPr>
-          <p:cNvSpPr txBox="1"/>
-          <p:nvPr/>
-        </p:nvSpPr>
-        <p:spPr>
-          <a:xfrm>
-            <a:off x="7737255" y="915084"/>
-            <a:ext cx="704039" cy="369332"/>
-          </a:xfrm>
-          <a:prstGeom prst="rect">
-            <a:avLst/>
-          </a:prstGeom>
-          <a:noFill/>
-        </p:spPr>
-        <p:txBody>
-          <a:bodyPr wrap="none" rtlCol="0">
-            <a:spAutoFit/>
-          </a:bodyPr>
-          <a:lstStyle/>
-          <a:p>
-            <a:r>
-              <a:rPr lang="en-GB" dirty="0"/>
-              <a:t>Ship2</a:t>
-            </a:r>
-          </a:p>
-        </p:txBody>
-      </p:sp>
-      <p:sp>
-        <p:nvSpPr>
-          <p:cNvPr id="47" name="TextBox 46">
-            <a:extLst>
-              <a:ext uri="{FF2B5EF4-FFF2-40B4-BE49-F238E27FC236}">
-                <a16:creationId xmlns:a16="http://schemas.microsoft.com/office/drawing/2014/main" id="{998D2619-01BC-F948-8786-DA7AF93E5198}"/>
-              </a:ext>
-            </a:extLst>
-          </p:cNvPr>
-          <p:cNvSpPr txBox="1"/>
-          <p:nvPr/>
-        </p:nvSpPr>
-        <p:spPr>
-          <a:xfrm>
-            <a:off x="8346598" y="897416"/>
-            <a:ext cx="704039" cy="369332"/>
-          </a:xfrm>
-          <a:prstGeom prst="rect">
-            <a:avLst/>
-          </a:prstGeom>
-          <a:noFill/>
-        </p:spPr>
-        <p:txBody>
-          <a:bodyPr wrap="none" rtlCol="0">
-            <a:spAutoFit/>
-          </a:bodyPr>
-          <a:lstStyle/>
-          <a:p>
-            <a:r>
-              <a:rPr lang="en-GB" dirty="0"/>
-              <a:t>Ship3</a:t>
-            </a:r>
-          </a:p>
-        </p:txBody>
-      </p:sp>
-      <p:cxnSp>
-        <p:nvCxnSpPr>
-          <p:cNvPr id="16" name="Straight Arrow Connector 15">
-            <a:extLst>
-              <a:ext uri="{FF2B5EF4-FFF2-40B4-BE49-F238E27FC236}">
-                <a16:creationId xmlns:a16="http://schemas.microsoft.com/office/drawing/2014/main" id="{B0D593F3-D67E-5B4E-AD7B-C0822FB81D50}"/>
-              </a:ext>
-            </a:extLst>
-          </p:cNvPr>
-          <p:cNvCxnSpPr>
-            <a:cxnSpLocks/>
-            <a:endCxn id="13" idx="2"/>
-          </p:cNvCxnSpPr>
-          <p:nvPr/>
-        </p:nvCxnSpPr>
-        <p:spPr>
-          <a:xfrm flipH="1" flipV="1">
-            <a:off x="7385236" y="1302084"/>
-            <a:ext cx="131026" cy="347417"/>
-          </a:xfrm>
-          <a:prstGeom prst="straightConnector1">
-            <a:avLst/>
-          </a:prstGeom>
-          <a:ln w="38100">
-            <a:tailEnd type="triangle"/>
-          </a:ln>
-        </p:spPr>
-        <p:style>
-          <a:lnRef idx="1">
-            <a:schemeClr val="accent1"/>
-          </a:lnRef>
-          <a:fillRef idx="0">
-            <a:schemeClr val="accent1"/>
-          </a:fillRef>
-          <a:effectRef idx="0">
-            <a:schemeClr val="accent1"/>
-          </a:effectRef>
-          <a:fontRef idx="minor">
-            <a:schemeClr val="tx1"/>
-          </a:fontRef>
-        </p:style>
-      </p:cxnSp>
-      <p:cxnSp>
-        <p:nvCxnSpPr>
-          <p:cNvPr id="49" name="Straight Arrow Connector 48">
-            <a:extLst>
-              <a:ext uri="{FF2B5EF4-FFF2-40B4-BE49-F238E27FC236}">
-                <a16:creationId xmlns:a16="http://schemas.microsoft.com/office/drawing/2014/main" id="{19D53B73-7949-9447-8B00-E738A4D6A797}"/>
-              </a:ext>
-            </a:extLst>
-          </p:cNvPr>
-          <p:cNvCxnSpPr>
-            <a:cxnSpLocks/>
-            <a:endCxn id="13" idx="2"/>
-          </p:cNvCxnSpPr>
-          <p:nvPr/>
-        </p:nvCxnSpPr>
-        <p:spPr>
-          <a:xfrm flipH="1" flipV="1">
-            <a:off x="7385236" y="1302084"/>
-            <a:ext cx="832701" cy="411384"/>
-          </a:xfrm>
-          <a:prstGeom prst="straightConnector1">
-            <a:avLst/>
-          </a:prstGeom>
-          <a:ln w="38100">
-            <a:tailEnd type="triangle"/>
-          </a:ln>
-        </p:spPr>
-        <p:style>
-          <a:lnRef idx="1">
-            <a:schemeClr val="accent1"/>
-          </a:lnRef>
-          <a:fillRef idx="0">
-            <a:schemeClr val="accent1"/>
-          </a:fillRef>
-          <a:effectRef idx="0">
-            <a:schemeClr val="accent1"/>
-          </a:effectRef>
-          <a:fontRef idx="minor">
-            <a:schemeClr val="tx1"/>
-          </a:fontRef>
-        </p:style>
-      </p:cxnSp>
-      <p:cxnSp>
-        <p:nvCxnSpPr>
-          <p:cNvPr id="50" name="Straight Arrow Connector 49">
-            <a:extLst>
-              <a:ext uri="{FF2B5EF4-FFF2-40B4-BE49-F238E27FC236}">
-                <a16:creationId xmlns:a16="http://schemas.microsoft.com/office/drawing/2014/main" id="{D516F96C-CE44-A34F-B320-DFF3E6FC0E48}"/>
-              </a:ext>
-            </a:extLst>
-          </p:cNvPr>
-          <p:cNvCxnSpPr>
-            <a:cxnSpLocks/>
-          </p:cNvCxnSpPr>
-          <p:nvPr/>
-        </p:nvCxnSpPr>
-        <p:spPr>
-          <a:xfrm flipH="1" flipV="1">
-            <a:off x="7355984" y="1302084"/>
-            <a:ext cx="1591103" cy="432874"/>
-          </a:xfrm>
-          <a:prstGeom prst="straightConnector1">
-            <a:avLst/>
-          </a:prstGeom>
-          <a:ln w="38100">
-            <a:tailEnd type="triangle"/>
-          </a:ln>
-        </p:spPr>
-        <p:style>
-          <a:lnRef idx="1">
-            <a:schemeClr val="accent1"/>
-          </a:lnRef>
-          <a:fillRef idx="0">
-            <a:schemeClr val="accent1"/>
-          </a:fillRef>
-          <a:effectRef idx="0">
-            <a:schemeClr val="accent1"/>
-          </a:effectRef>
-          <a:fontRef idx="minor">
-            <a:schemeClr val="tx1"/>
-          </a:fontRef>
-        </p:style>
-      </p:cxnSp>
-      <p:cxnSp>
-        <p:nvCxnSpPr>
-          <p:cNvPr id="55" name="Straight Arrow Connector 54">
-            <a:extLst>
-              <a:ext uri="{FF2B5EF4-FFF2-40B4-BE49-F238E27FC236}">
-                <a16:creationId xmlns:a16="http://schemas.microsoft.com/office/drawing/2014/main" id="{F5DD9CC2-75B0-154D-A555-AA8B264FB5F2}"/>
-              </a:ext>
-            </a:extLst>
-          </p:cNvPr>
-          <p:cNvCxnSpPr>
-            <a:cxnSpLocks/>
-            <a:endCxn id="46" idx="2"/>
-          </p:cNvCxnSpPr>
-          <p:nvPr/>
-        </p:nvCxnSpPr>
-        <p:spPr>
-          <a:xfrm flipH="1" flipV="1">
-            <a:off x="8089275" y="1284416"/>
-            <a:ext cx="163955" cy="1690277"/>
-          </a:xfrm>
-          <a:prstGeom prst="straightConnector1">
-            <a:avLst/>
-          </a:prstGeom>
-          <a:ln w="38100">
-            <a:tailEnd type="triangle"/>
-          </a:ln>
-        </p:spPr>
-        <p:style>
-          <a:lnRef idx="1">
-            <a:schemeClr val="accent1"/>
-          </a:lnRef>
-          <a:fillRef idx="0">
-            <a:schemeClr val="accent1"/>
-          </a:fillRef>
-          <a:effectRef idx="0">
-            <a:schemeClr val="accent1"/>
-          </a:effectRef>
-          <a:fontRef idx="minor">
-            <a:schemeClr val="tx1"/>
-          </a:fontRef>
-        </p:style>
-      </p:cxnSp>
-      <p:cxnSp>
-        <p:nvCxnSpPr>
-          <p:cNvPr id="61" name="Straight Arrow Connector 60">
-            <a:extLst>
-              <a:ext uri="{FF2B5EF4-FFF2-40B4-BE49-F238E27FC236}">
-                <a16:creationId xmlns:a16="http://schemas.microsoft.com/office/drawing/2014/main" id="{9D08D027-395E-0D41-B778-EDBB6B417DA4}"/>
-              </a:ext>
-            </a:extLst>
-          </p:cNvPr>
-          <p:cNvCxnSpPr>
-            <a:cxnSpLocks/>
-          </p:cNvCxnSpPr>
-          <p:nvPr/>
-        </p:nvCxnSpPr>
-        <p:spPr>
-          <a:xfrm flipH="1" flipV="1">
-            <a:off x="8118528" y="1284417"/>
-            <a:ext cx="837414" cy="1690276"/>
-          </a:xfrm>
-          <a:prstGeom prst="straightConnector1">
-            <a:avLst/>
-          </a:prstGeom>
-          <a:ln w="38100">
-            <a:tailEnd type="triangle"/>
-          </a:ln>
-        </p:spPr>
-        <p:style>
-          <a:lnRef idx="1">
-            <a:schemeClr val="accent1"/>
-          </a:lnRef>
-          <a:fillRef idx="0">
-            <a:schemeClr val="accent1"/>
-          </a:fillRef>
-          <a:effectRef idx="0">
-            <a:schemeClr val="accent1"/>
-          </a:effectRef>
-          <a:fontRef idx="minor">
-            <a:schemeClr val="tx1"/>
-          </a:fontRef>
-        </p:style>
-      </p:cxnSp>
-      <p:cxnSp>
-        <p:nvCxnSpPr>
-          <p:cNvPr id="64" name="Straight Arrow Connector 63">
-            <a:extLst>
-              <a:ext uri="{FF2B5EF4-FFF2-40B4-BE49-F238E27FC236}">
-                <a16:creationId xmlns:a16="http://schemas.microsoft.com/office/drawing/2014/main" id="{BE9F95BD-CC9B-D042-BC23-29018E8CF468}"/>
-              </a:ext>
-            </a:extLst>
-          </p:cNvPr>
-          <p:cNvCxnSpPr>
-            <a:cxnSpLocks/>
-            <a:endCxn id="47" idx="2"/>
-          </p:cNvCxnSpPr>
-          <p:nvPr/>
-        </p:nvCxnSpPr>
-        <p:spPr>
-          <a:xfrm flipH="1" flipV="1">
-            <a:off x="8698618" y="1266748"/>
-            <a:ext cx="1582248" cy="2235152"/>
-          </a:xfrm>
-          <a:prstGeom prst="straightConnector1">
-            <a:avLst/>
-          </a:prstGeom>
-          <a:ln w="38100">
-            <a:tailEnd type="triangle"/>
-          </a:ln>
-        </p:spPr>
-        <p:style>
-          <a:lnRef idx="1">
-            <a:schemeClr val="accent1"/>
-          </a:lnRef>
-          <a:fillRef idx="0">
-            <a:schemeClr val="accent1"/>
-          </a:fillRef>
-          <a:effectRef idx="0">
-            <a:schemeClr val="accent1"/>
-          </a:effectRef>
-          <a:fontRef idx="minor">
-            <a:schemeClr val="tx1"/>
-          </a:fontRef>
-        </p:style>
-      </p:cxnSp>
-      <p:cxnSp>
-        <p:nvCxnSpPr>
-          <p:cNvPr id="66" name="Straight Arrow Connector 65">
-            <a:extLst>
-              <a:ext uri="{FF2B5EF4-FFF2-40B4-BE49-F238E27FC236}">
-                <a16:creationId xmlns:a16="http://schemas.microsoft.com/office/drawing/2014/main" id="{EB491639-CC08-4446-8443-F013B04329EB}"/>
-              </a:ext>
-            </a:extLst>
-          </p:cNvPr>
-          <p:cNvCxnSpPr>
-            <a:cxnSpLocks/>
-            <a:endCxn id="47" idx="2"/>
-          </p:cNvCxnSpPr>
-          <p:nvPr/>
-        </p:nvCxnSpPr>
-        <p:spPr>
-          <a:xfrm flipH="1" flipV="1">
-            <a:off x="8698618" y="1266748"/>
-            <a:ext cx="1613713" cy="2933293"/>
-          </a:xfrm>
-          <a:prstGeom prst="straightConnector1">
-            <a:avLst/>
-          </a:prstGeom>
-          <a:ln w="38100">
-            <a:tailEnd type="triangle"/>
-          </a:ln>
-        </p:spPr>
-        <p:style>
-          <a:lnRef idx="1">
-            <a:schemeClr val="accent1"/>
-          </a:lnRef>
-          <a:fillRef idx="0">
-            <a:schemeClr val="accent1"/>
-          </a:fillRef>
-          <a:effectRef idx="0">
-            <a:schemeClr val="accent1"/>
-          </a:effectRef>
-          <a:fontRef idx="minor">
-            <a:schemeClr val="tx1"/>
-          </a:fontRef>
-        </p:style>
-      </p:cxnSp>
-      <p:sp>
-        <p:nvSpPr>
-          <p:cNvPr id="77" name="TextBox 76">
-            <a:extLst>
-              <a:ext uri="{FF2B5EF4-FFF2-40B4-BE49-F238E27FC236}">
-                <a16:creationId xmlns:a16="http://schemas.microsoft.com/office/drawing/2014/main" id="{B311722D-096A-4C48-90B3-436A49080471}"/>
-              </a:ext>
-            </a:extLst>
-          </p:cNvPr>
-          <p:cNvSpPr txBox="1"/>
-          <p:nvPr/>
-        </p:nvSpPr>
-        <p:spPr>
-          <a:xfrm>
-            <a:off x="7033216" y="5406586"/>
-            <a:ext cx="4689425" cy="369332"/>
-          </a:xfrm>
-          <a:prstGeom prst="rect">
-            <a:avLst/>
-          </a:prstGeom>
-          <a:noFill/>
-        </p:spPr>
-        <p:txBody>
-          <a:bodyPr wrap="none" rtlCol="0">
-            <a:spAutoFit/>
-          </a:bodyPr>
-          <a:lstStyle/>
-          <a:p>
-            <a:r>
-              <a:rPr lang="en-GB" dirty="0" err="1"/>
-              <a:t>Plade</a:t>
-            </a:r>
-            <a:r>
-              <a:rPr lang="en-GB" dirty="0"/>
-              <a:t> </a:t>
-            </a:r>
-            <a:r>
-              <a:rPr lang="en-GB" dirty="0" err="1"/>
-              <a:t>kender</a:t>
-            </a:r>
-            <a:r>
-              <a:rPr lang="en-GB" dirty="0"/>
-              <a:t> </a:t>
-            </a:r>
-            <a:r>
-              <a:rPr lang="en-GB" dirty="0" err="1"/>
-              <a:t>til</a:t>
-            </a:r>
-            <a:r>
-              <a:rPr lang="en-GB" dirty="0"/>
-              <a:t> </a:t>
-            </a:r>
-            <a:r>
-              <a:rPr lang="en-GB" dirty="0" err="1"/>
-              <a:t>skibe</a:t>
-            </a:r>
-            <a:r>
-              <a:rPr lang="en-GB" dirty="0"/>
-              <a:t>, </a:t>
-            </a:r>
-            <a:r>
-              <a:rPr lang="en-GB" dirty="0" err="1"/>
-              <a:t>skibe</a:t>
-            </a:r>
-            <a:r>
-              <a:rPr lang="en-GB" dirty="0"/>
-              <a:t> </a:t>
-            </a:r>
-            <a:r>
-              <a:rPr lang="en-GB" dirty="0" err="1"/>
-              <a:t>kender</a:t>
-            </a:r>
-            <a:r>
-              <a:rPr lang="en-GB" dirty="0"/>
-              <a:t> </a:t>
-            </a:r>
-            <a:r>
-              <a:rPr lang="en-GB" i="1" dirty="0" err="1"/>
-              <a:t>ikke</a:t>
-            </a:r>
-            <a:r>
-              <a:rPr lang="en-GB" dirty="0"/>
-              <a:t> </a:t>
-            </a:r>
-            <a:r>
-              <a:rPr lang="en-GB" dirty="0" err="1"/>
-              <a:t>til</a:t>
-            </a:r>
-            <a:r>
-              <a:rPr lang="en-GB" dirty="0"/>
-              <a:t> </a:t>
-            </a:r>
-            <a:r>
-              <a:rPr lang="en-GB" dirty="0" err="1"/>
-              <a:t>bræt</a:t>
-            </a:r>
-            <a:r>
-              <a:rPr lang="en-GB" dirty="0"/>
-              <a:t> </a:t>
-            </a:r>
-          </a:p>
-        </p:txBody>
-      </p:sp>
-      <p:pic>
-        <p:nvPicPr>
-          <p:cNvPr id="3" name="Picture 2">
-            <a:extLst>
-              <a:ext uri="{FF2B5EF4-FFF2-40B4-BE49-F238E27FC236}">
-                <a16:creationId xmlns:a16="http://schemas.microsoft.com/office/drawing/2014/main" id="{715B58E2-7322-EE42-A8CA-2E7D0B0991A7}"/>
-              </a:ext>
-            </a:extLst>
-          </p:cNvPr>
-          <p:cNvPicPr>
-            <a:picLocks noChangeAspect="1"/>
-          </p:cNvPicPr>
-          <p:nvPr/>
-        </p:nvPicPr>
-        <p:blipFill>
-          <a:blip r:embed="rId3"/>
-          <a:stretch>
-            <a:fillRect/>
-          </a:stretch>
-        </p:blipFill>
-        <p:spPr>
-          <a:xfrm>
-            <a:off x="718493" y="1713468"/>
-            <a:ext cx="5329988" cy="2149911"/>
-          </a:xfrm>
-          <a:prstGeom prst="rect">
-            <a:avLst/>
-          </a:prstGeom>
-        </p:spPr>
-      </p:pic>
-    </p:spTree>
-    <p:extLst>
-      <p:ext uri="{BB962C8B-B14F-4D97-AF65-F5344CB8AC3E}">
-        <p14:creationId xmlns:p14="http://schemas.microsoft.com/office/powerpoint/2010/main" val="1875393825"/>
-      </p:ext>
-    </p:extLst>
-  </p:cSld>
-  <p:clrMapOvr>
-    <a:masterClrMapping/>
-  </p:clrMapOvr>
-  <p:timing>
-    <p:tnLst>
-      <p:par>
-        <p:cTn id="1" dur="indefinite" restart="never" nodeType="tmRoot">
-          <p:childTnLst>
-            <p:seq concurrent="1" nextAc="seek">
-              <p:cTn id="2" dur="indefinite" nodeType="mainSeq">
-                <p:childTnLst>
-                  <p:par>
-                    <p:cTn id="3" fill="hold">
-                      <p:stCondLst>
-                        <p:cond delay="indefinite"/>
-                      </p:stCondLst>
-                      <p:childTnLst>
-                        <p:par>
-                          <p:cTn id="4" fill="hold">
-                            <p:stCondLst>
-                              <p:cond delay="0"/>
-                            </p:stCondLst>
-                            <p:childTnLst>
-                              <p:par>
-                                <p:cTn id="5" presetID="1" presetClass="entr" presetSubtype="0" fill="hold" nodeType="clickEffect">
-                                  <p:stCondLst>
-                                    <p:cond delay="0"/>
-                                  </p:stCondLst>
-                                  <p:childTnLst>
-                                    <p:set>
-                                      <p:cBhvr>
-                                        <p:cTn id="6" dur="1" fill="hold">
-                                          <p:stCondLst>
-                                            <p:cond delay="0"/>
-                                          </p:stCondLst>
-                                        </p:cTn>
-                                        <p:tgtEl>
-                                          <p:spTgt spid="62"/>
-                                        </p:tgtEl>
-                                        <p:attrNameLst>
-                                          <p:attrName>style.visibility</p:attrName>
-                                        </p:attrNameLst>
-                                      </p:cBhvr>
-                                      <p:to>
-                                        <p:strVal val="visible"/>
-                                      </p:to>
-                                    </p:set>
-                                  </p:childTnLst>
-                                </p:cTn>
-                              </p:par>
-                            </p:childTnLst>
-                          </p:cTn>
-                        </p:par>
-                      </p:childTnLst>
-                    </p:cTn>
-                  </p:par>
-                  <p:par>
-                    <p:cTn id="7" fill="hold">
-                      <p:stCondLst>
-                        <p:cond delay="indefinite"/>
-                      </p:stCondLst>
-                      <p:childTnLst>
-                        <p:par>
-                          <p:cTn id="8" fill="hold">
-                            <p:stCondLst>
-                              <p:cond delay="0"/>
-                            </p:stCondLst>
-                            <p:childTnLst>
-                              <p:par>
-                                <p:cTn id="9" presetID="1" presetClass="entr" presetSubtype="0" fill="hold" grpId="0" nodeType="clickEffect">
-                                  <p:stCondLst>
-                                    <p:cond delay="0"/>
-                                  </p:stCondLst>
-                                  <p:childTnLst>
-                                    <p:set>
-                                      <p:cBhvr>
-                                        <p:cTn id="10" dur="1" fill="hold">
-                                          <p:stCondLst>
-                                            <p:cond delay="0"/>
-                                          </p:stCondLst>
-                                        </p:cTn>
-                                        <p:tgtEl>
-                                          <p:spTgt spid="77"/>
-                                        </p:tgtEl>
-                                        <p:attrNameLst>
-                                          <p:attrName>style.visibility</p:attrName>
-                                        </p:attrNameLst>
-                                      </p:cBhvr>
-                                      <p:to>
-                                        <p:strVal val="visible"/>
-                                      </p:to>
-                                    </p:set>
-                                  </p:childTnLst>
-                                </p:cTn>
-                              </p:par>
-                            </p:childTnLst>
-                          </p:cTn>
-                        </p:par>
-                      </p:childTnLst>
-                    </p:cTn>
-                  </p:par>
-                </p:childTnLst>
-              </p:cTn>
-              <p:prevCondLst>
-                <p:cond evt="onPrev" delay="0">
-                  <p:tgtEl>
-                    <p:sldTgt/>
-                  </p:tgtEl>
-                </p:cond>
-              </p:prevCondLst>
-              <p:nextCondLst>
-                <p:cond evt="onNext" delay="0">
-                  <p:tgtEl>
-                    <p:sldTgt/>
-                  </p:tgtEl>
-                </p:cond>
-              </p:nextCondLst>
-            </p:seq>
-          </p:childTnLst>
-        </p:cTn>
-      </p:par>
-    </p:tnLst>
-    <p:bldLst>
-      <p:bldP spid="77" grpId="0"/>
-    </p:bldLst>
-  </p:timing>
 </p:sld>
 </file>
 

--- a/lectures/13.1-3/lecture13.1.pptx
+++ b/lectures/13.1-3/lecture13.1.pptx
@@ -210,7 +210,7 @@
           <a:p>
             <a:fld id="{248031C6-E4B0-0444-A4A8-9CCE96EC2C9C}" type="datetimeFigureOut">
               <a:rPr lang="en-GB" smtClean="0"/>
-              <a:t>09/12/2019</a:t>
+              <a:t>12/12/2019</a:t>
             </a:fld>
             <a:endParaRPr lang="en-GB"/>
           </a:p>
@@ -627,7 +627,7 @@
           <a:p>
             <a:fld id="{66665395-52C5-5E4B-BB20-CD4E0BBC9899}" type="datetimeFigureOut">
               <a:rPr lang="en-GB" smtClean="0"/>
-              <a:t>09/12/2019</a:t>
+              <a:t>12/12/2019</a:t>
             </a:fld>
             <a:endParaRPr lang="en-GB"/>
           </a:p>
@@ -827,7 +827,7 @@
           <a:p>
             <a:fld id="{66665395-52C5-5E4B-BB20-CD4E0BBC9899}" type="datetimeFigureOut">
               <a:rPr lang="en-GB" smtClean="0"/>
-              <a:t>09/12/2019</a:t>
+              <a:t>12/12/2019</a:t>
             </a:fld>
             <a:endParaRPr lang="en-GB"/>
           </a:p>
@@ -1037,7 +1037,7 @@
           <a:p>
             <a:fld id="{66665395-52C5-5E4B-BB20-CD4E0BBC9899}" type="datetimeFigureOut">
               <a:rPr lang="en-GB" smtClean="0"/>
-              <a:t>09/12/2019</a:t>
+              <a:t>12/12/2019</a:t>
             </a:fld>
             <a:endParaRPr lang="en-GB"/>
           </a:p>
@@ -1237,7 +1237,7 @@
           <a:p>
             <a:fld id="{66665395-52C5-5E4B-BB20-CD4E0BBC9899}" type="datetimeFigureOut">
               <a:rPr lang="en-GB" smtClean="0"/>
-              <a:t>09/12/2019</a:t>
+              <a:t>12/12/2019</a:t>
             </a:fld>
             <a:endParaRPr lang="en-GB"/>
           </a:p>
@@ -1513,7 +1513,7 @@
           <a:p>
             <a:fld id="{66665395-52C5-5E4B-BB20-CD4E0BBC9899}" type="datetimeFigureOut">
               <a:rPr lang="en-GB" smtClean="0"/>
-              <a:t>09/12/2019</a:t>
+              <a:t>12/12/2019</a:t>
             </a:fld>
             <a:endParaRPr lang="en-GB"/>
           </a:p>
@@ -1781,7 +1781,7 @@
           <a:p>
             <a:fld id="{66665395-52C5-5E4B-BB20-CD4E0BBC9899}" type="datetimeFigureOut">
               <a:rPr lang="en-GB" smtClean="0"/>
-              <a:t>09/12/2019</a:t>
+              <a:t>12/12/2019</a:t>
             </a:fld>
             <a:endParaRPr lang="en-GB"/>
           </a:p>
@@ -2196,7 +2196,7 @@
           <a:p>
             <a:fld id="{66665395-52C5-5E4B-BB20-CD4E0BBC9899}" type="datetimeFigureOut">
               <a:rPr lang="en-GB" smtClean="0"/>
-              <a:t>09/12/2019</a:t>
+              <a:t>12/12/2019</a:t>
             </a:fld>
             <a:endParaRPr lang="en-GB"/>
           </a:p>
@@ -2338,7 +2338,7 @@
           <a:p>
             <a:fld id="{66665395-52C5-5E4B-BB20-CD4E0BBC9899}" type="datetimeFigureOut">
               <a:rPr lang="en-GB" smtClean="0"/>
-              <a:t>09/12/2019</a:t>
+              <a:t>12/12/2019</a:t>
             </a:fld>
             <a:endParaRPr lang="en-GB"/>
           </a:p>
@@ -2451,7 +2451,7 @@
           <a:p>
             <a:fld id="{66665395-52C5-5E4B-BB20-CD4E0BBC9899}" type="datetimeFigureOut">
               <a:rPr lang="en-GB" smtClean="0"/>
-              <a:t>09/12/2019</a:t>
+              <a:t>12/12/2019</a:t>
             </a:fld>
             <a:endParaRPr lang="en-GB"/>
           </a:p>
@@ -2764,7 +2764,7 @@
           <a:p>
             <a:fld id="{66665395-52C5-5E4B-BB20-CD4E0BBC9899}" type="datetimeFigureOut">
               <a:rPr lang="en-GB" smtClean="0"/>
-              <a:t>09/12/2019</a:t>
+              <a:t>12/12/2019</a:t>
             </a:fld>
             <a:endParaRPr lang="en-GB"/>
           </a:p>
@@ -3053,7 +3053,7 @@
           <a:p>
             <a:fld id="{66665395-52C5-5E4B-BB20-CD4E0BBC9899}" type="datetimeFigureOut">
               <a:rPr lang="en-GB" smtClean="0"/>
-              <a:t>09/12/2019</a:t>
+              <a:t>12/12/2019</a:t>
             </a:fld>
             <a:endParaRPr lang="en-GB"/>
           </a:p>
@@ -3296,7 +3296,7 @@
           <a:p>
             <a:fld id="{66665395-52C5-5E4B-BB20-CD4E0BBC9899}" type="datetimeFigureOut">
               <a:rPr lang="en-GB" smtClean="0"/>
-              <a:t>09/12/2019</a:t>
+              <a:t>12/12/2019</a:t>
             </a:fld>
             <a:endParaRPr lang="en-GB"/>
           </a:p>
@@ -12784,7 +12784,15 @@
             </a:pPr>
             <a:r>
               <a:rPr lang="da-DK" sz="2600" dirty="0"/>
-              <a:t>Dette er et spil for to personer, der kan spilles med papir og blyant. Der spilles på fire plader, to for hver spiller, og hver plade er inddelt i 10x10 felter. Hvert felt identificeres vha. dets række og søjle nummer.</a:t>
+              <a:t>Dette er et spil for to personer, der kan spilles med papir og blyant. Der spilles på fire plader, to for hver spiller, og hver plade er inddelt i 10x10 felter. Hvert felt identificeres vha. </a:t>
+            </a:r>
+            <a:r>
+              <a:rPr lang="da-DK" sz="2600"/>
+              <a:t>dets række- </a:t>
+            </a:r>
+            <a:r>
+              <a:rPr lang="da-DK" sz="2600" dirty="0"/>
+              <a:t>og søjle nummer.</a:t>
             </a:r>
           </a:p>
           <a:p>
